--- a/Lecture5.pptx
+++ b/Lecture5.pptx
@@ -5,22 +5,42 @@
     <p:sldMasterId id="2147483648" r:id="rId1"/>
   </p:sldMasterIdLst>
   <p:notesMasterIdLst>
-    <p:notesMasterId r:id="rId5"/>
+    <p:notesMasterId r:id="rId25"/>
   </p:notesMasterIdLst>
   <p:sldIdLst>
     <p:sldId id="256" r:id="rId2"/>
     <p:sldId id="257" r:id="rId3"/>
-    <p:sldId id="291" r:id="rId4"/>
+    <p:sldId id="292" r:id="rId4"/>
+    <p:sldId id="293" r:id="rId5"/>
+    <p:sldId id="258" r:id="rId6"/>
+    <p:sldId id="259" r:id="rId7"/>
+    <p:sldId id="260" r:id="rId8"/>
+    <p:sldId id="261" r:id="rId9"/>
+    <p:sldId id="262" r:id="rId10"/>
+    <p:sldId id="263" r:id="rId11"/>
+    <p:sldId id="264" r:id="rId12"/>
+    <p:sldId id="265" r:id="rId13"/>
+    <p:sldId id="266" r:id="rId14"/>
+    <p:sldId id="295" r:id="rId15"/>
+    <p:sldId id="296" r:id="rId16"/>
+    <p:sldId id="291" r:id="rId17"/>
+    <p:sldId id="294" r:id="rId18"/>
+    <p:sldId id="267" r:id="rId19"/>
+    <p:sldId id="268" r:id="rId20"/>
+    <p:sldId id="269" r:id="rId21"/>
+    <p:sldId id="270" r:id="rId22"/>
+    <p:sldId id="271" r:id="rId23"/>
+    <p:sldId id="272" r:id="rId24"/>
   </p:sldIdLst>
   <p:sldSz cx="12192000" cy="6858000"/>
   <p:notesSz cx="6858000" cy="9144000"/>
   <p:embeddedFontLst>
     <p:embeddedFont>
       <p:font typeface="Century Gothic" panose="020B0502020202020204" pitchFamily="34" charset="0"/>
-      <p:regular r:id="rId6"/>
-      <p:bold r:id="rId7"/>
-      <p:italic r:id="rId8"/>
-      <p:boldItalic r:id="rId9"/>
+      <p:regular r:id="rId26"/>
+      <p:bold r:id="rId27"/>
+      <p:italic r:id="rId28"/>
+      <p:boldItalic r:id="rId29"/>
     </p:embeddedFont>
   </p:embeddedFontLst>
   <p:defaultTextStyle>
@@ -257,7 +277,7 @@
       <p15:sldGuideLst xmlns:p15="http://schemas.microsoft.com/office/powerpoint/2012/main"/>
     </p:ext>
     <p:ext uri="GoogleSlidesCustomDataVersion2">
-      <go:slidesCustomData xmlns="" xmlns:mc="http://schemas.openxmlformats.org/markup-compatibility/2006" xmlns:mv="urn:schemas-microsoft-com:mac:vml" xmlns:c="http://schemas.openxmlformats.org/drawingml/2006/chart" xmlns:dgm="http://schemas.openxmlformats.org/drawingml/2006/diagram" xmlns:o="urn:schemas-microsoft-com:office:office" xmlns:v="urn:schemas-microsoft-com:vml" xmlns:pvml="urn:schemas-microsoft-com:office:powerpoint" xmlns:com="http://schemas.openxmlformats.org/drawingml/2006/compatibility" xmlns:p14="http://schemas.microsoft.com/office/powerpoint/2010/main" xmlns:p15="http://schemas.microsoft.com/office/powerpoint/2012/main" xmlns:ahyp="http://schemas.microsoft.com/office/drawing/2018/hyperlinkcolor" xmlns:go="http://customooxmlschemas.google.com/" r:id="rId39" roundtripDataSignature="AMtx7mhEk3kr15p5MvOwX8Siehu9UxAE2A=="/>
+      <go:slidesCustomData xmlns:go="http://customooxmlschemas.google.com/" xmlns:ahyp="http://schemas.microsoft.com/office/drawing/2018/hyperlinkcolor" xmlns:p15="http://schemas.microsoft.com/office/powerpoint/2012/main" xmlns:p14="http://schemas.microsoft.com/office/powerpoint/2010/main" xmlns:com="http://schemas.openxmlformats.org/drawingml/2006/compatibility" xmlns:pvml="urn:schemas-microsoft-com:office:powerpoint" xmlns:v="urn:schemas-microsoft-com:vml" xmlns:o="urn:schemas-microsoft-com:office:office" xmlns:dgm="http://schemas.openxmlformats.org/drawingml/2006/diagram" xmlns:c="http://schemas.openxmlformats.org/drawingml/2006/chart" xmlns:mv="urn:schemas-microsoft-com:mac:vml" xmlns:mc="http://schemas.openxmlformats.org/markup-compatibility/2006" xmlns="" r:id="rId39" roundtripDataSignature="AMtx7mhEk3kr15p5MvOwX8Siehu9UxAE2A=="/>
     </p:ext>
   </p:extLst>
 </p:presentation>
@@ -1564,6 +1584,1046 @@
 </p:notes>
 </file>
 
+<file path=ppt/notesSlides/notesSlide10.xml><?xml version="1.0" encoding="utf-8"?>
+<p:notes xmlns:a="http://schemas.openxmlformats.org/drawingml/2006/main" xmlns:r="http://schemas.openxmlformats.org/officeDocument/2006/relationships" xmlns:p="http://schemas.openxmlformats.org/presentationml/2006/main" showMasterSp="0" showMasterPhAnim="0">
+  <p:cSld>
+    <p:spTree>
+      <p:nvGrpSpPr>
+        <p:cNvPr id="1" name="Shape 114"/>
+        <p:cNvGrpSpPr/>
+        <p:nvPr/>
+      </p:nvGrpSpPr>
+      <p:grpSpPr>
+        <a:xfrm>
+          <a:off x="0" y="0"/>
+          <a:ext cx="0" cy="0"/>
+          <a:chOff x="0" y="0"/>
+          <a:chExt cx="0" cy="0"/>
+        </a:xfrm>
+      </p:grpSpPr>
+      <p:sp>
+        <p:nvSpPr>
+          <p:cNvPr id="115" name="Google Shape;115;g26b5592de6b_0_66:notes"/>
+          <p:cNvSpPr>
+            <a:spLocks noGrp="1" noRot="1" noChangeAspect="1"/>
+          </p:cNvSpPr>
+          <p:nvPr>
+            <p:ph type="sldImg" idx="2"/>
+          </p:nvPr>
+        </p:nvSpPr>
+        <p:spPr>
+          <a:xfrm>
+            <a:off x="381000" y="685800"/>
+            <a:ext cx="6096000" cy="3429000"/>
+          </a:xfrm>
+          <a:custGeom>
+            <a:avLst/>
+            <a:gdLst/>
+            <a:ahLst/>
+            <a:cxnLst/>
+            <a:rect l="l" t="t" r="r" b="b"/>
+            <a:pathLst>
+              <a:path w="120000" h="120000" extrusionOk="0">
+                <a:moveTo>
+                  <a:pt x="0" y="0"/>
+                </a:moveTo>
+                <a:lnTo>
+                  <a:pt x="120000" y="0"/>
+                </a:lnTo>
+                <a:lnTo>
+                  <a:pt x="120000" y="120000"/>
+                </a:lnTo>
+                <a:lnTo>
+                  <a:pt x="0" y="120000"/>
+                </a:lnTo>
+                <a:close/>
+              </a:path>
+            </a:pathLst>
+          </a:custGeom>
+        </p:spPr>
+      </p:sp>
+      <p:sp>
+        <p:nvSpPr>
+          <p:cNvPr id="116" name="Google Shape;116;g26b5592de6b_0_66:notes"/>
+          <p:cNvSpPr txBox="1">
+            <a:spLocks noGrp="1"/>
+          </p:cNvSpPr>
+          <p:nvPr>
+            <p:ph type="body" idx="1"/>
+          </p:nvPr>
+        </p:nvSpPr>
+        <p:spPr>
+          <a:xfrm>
+            <a:off x="685800" y="4343400"/>
+            <a:ext cx="5486400" cy="4114800"/>
+          </a:xfrm>
+          <a:prstGeom prst="rect">
+            <a:avLst/>
+          </a:prstGeom>
+        </p:spPr>
+        <p:txBody>
+          <a:bodyPr spcFirstLastPara="1" wrap="square" lIns="91425" tIns="91425" rIns="91425" bIns="91425" anchor="t" anchorCtr="0">
+            <a:noAutofit/>
+          </a:bodyPr>
+          <a:lstStyle/>
+          <a:p>
+            <a:pPr marL="0" lvl="0" indent="0" algn="l" rtl="0">
+              <a:spcBef>
+                <a:spcPts val="0"/>
+              </a:spcBef>
+              <a:spcAft>
+                <a:spcPts val="0"/>
+              </a:spcAft>
+              <a:buNone/>
+            </a:pPr>
+            <a:endParaRPr/>
+          </a:p>
+        </p:txBody>
+      </p:sp>
+    </p:spTree>
+  </p:cSld>
+  <p:clrMapOvr>
+    <a:masterClrMapping/>
+  </p:clrMapOvr>
+</p:notes>
+</file>
+
+<file path=ppt/notesSlides/notesSlide11.xml><?xml version="1.0" encoding="utf-8"?>
+<p:notes xmlns:a="http://schemas.openxmlformats.org/drawingml/2006/main" xmlns:r="http://schemas.openxmlformats.org/officeDocument/2006/relationships" xmlns:p="http://schemas.openxmlformats.org/presentationml/2006/main" showMasterSp="0" showMasterPhAnim="0">
+  <p:cSld>
+    <p:spTree>
+      <p:nvGrpSpPr>
+        <p:cNvPr id="1" name="Shape 122"/>
+        <p:cNvGrpSpPr/>
+        <p:nvPr/>
+      </p:nvGrpSpPr>
+      <p:grpSpPr>
+        <a:xfrm>
+          <a:off x="0" y="0"/>
+          <a:ext cx="0" cy="0"/>
+          <a:chOff x="0" y="0"/>
+          <a:chExt cx="0" cy="0"/>
+        </a:xfrm>
+      </p:grpSpPr>
+      <p:sp>
+        <p:nvSpPr>
+          <p:cNvPr id="123" name="Google Shape;123;g2c1855e26d1_0_6:notes"/>
+          <p:cNvSpPr>
+            <a:spLocks noGrp="1" noRot="1" noChangeAspect="1"/>
+          </p:cNvSpPr>
+          <p:nvPr>
+            <p:ph type="sldImg" idx="2"/>
+          </p:nvPr>
+        </p:nvSpPr>
+        <p:spPr>
+          <a:xfrm>
+            <a:off x="381000" y="685800"/>
+            <a:ext cx="6096000" cy="3429000"/>
+          </a:xfrm>
+          <a:custGeom>
+            <a:avLst/>
+            <a:gdLst/>
+            <a:ahLst/>
+            <a:cxnLst/>
+            <a:rect l="l" t="t" r="r" b="b"/>
+            <a:pathLst>
+              <a:path w="120000" h="120000" extrusionOk="0">
+                <a:moveTo>
+                  <a:pt x="0" y="0"/>
+                </a:moveTo>
+                <a:lnTo>
+                  <a:pt x="120000" y="0"/>
+                </a:lnTo>
+                <a:lnTo>
+                  <a:pt x="120000" y="120000"/>
+                </a:lnTo>
+                <a:lnTo>
+                  <a:pt x="0" y="120000"/>
+                </a:lnTo>
+                <a:close/>
+              </a:path>
+            </a:pathLst>
+          </a:custGeom>
+        </p:spPr>
+      </p:sp>
+      <p:sp>
+        <p:nvSpPr>
+          <p:cNvPr id="124" name="Google Shape;124;g2c1855e26d1_0_6:notes"/>
+          <p:cNvSpPr txBox="1">
+            <a:spLocks noGrp="1"/>
+          </p:cNvSpPr>
+          <p:nvPr>
+            <p:ph type="body" idx="1"/>
+          </p:nvPr>
+        </p:nvSpPr>
+        <p:spPr>
+          <a:xfrm>
+            <a:off x="685800" y="4343400"/>
+            <a:ext cx="5486400" cy="4114800"/>
+          </a:xfrm>
+          <a:prstGeom prst="rect">
+            <a:avLst/>
+          </a:prstGeom>
+        </p:spPr>
+        <p:txBody>
+          <a:bodyPr spcFirstLastPara="1" wrap="square" lIns="91425" tIns="91425" rIns="91425" bIns="91425" anchor="t" anchorCtr="0">
+            <a:noAutofit/>
+          </a:bodyPr>
+          <a:lstStyle/>
+          <a:p>
+            <a:pPr marL="0" lvl="0" indent="0" algn="l" rtl="0">
+              <a:spcBef>
+                <a:spcPts val="0"/>
+              </a:spcBef>
+              <a:spcAft>
+                <a:spcPts val="0"/>
+              </a:spcAft>
+              <a:buNone/>
+            </a:pPr>
+            <a:endParaRPr/>
+          </a:p>
+        </p:txBody>
+      </p:sp>
+    </p:spTree>
+  </p:cSld>
+  <p:clrMapOvr>
+    <a:masterClrMapping/>
+  </p:clrMapOvr>
+</p:notes>
+</file>
+
+<file path=ppt/notesSlides/notesSlide12.xml><?xml version="1.0" encoding="utf-8"?>
+<p:notes xmlns:a="http://schemas.openxmlformats.org/drawingml/2006/main" xmlns:r="http://schemas.openxmlformats.org/officeDocument/2006/relationships" xmlns:p="http://schemas.openxmlformats.org/presentationml/2006/main" showMasterSp="0" showMasterPhAnim="0">
+  <p:cSld>
+    <p:spTree>
+      <p:nvGrpSpPr>
+        <p:cNvPr id="1" name="Shape 128"/>
+        <p:cNvGrpSpPr/>
+        <p:nvPr/>
+      </p:nvGrpSpPr>
+      <p:grpSpPr>
+        <a:xfrm>
+          <a:off x="0" y="0"/>
+          <a:ext cx="0" cy="0"/>
+          <a:chOff x="0" y="0"/>
+          <a:chExt cx="0" cy="0"/>
+        </a:xfrm>
+      </p:grpSpPr>
+      <p:sp>
+        <p:nvSpPr>
+          <p:cNvPr id="129" name="Google Shape;129;g26b5592de6b_0_14:notes"/>
+          <p:cNvSpPr>
+            <a:spLocks noGrp="1" noRot="1" noChangeAspect="1"/>
+          </p:cNvSpPr>
+          <p:nvPr>
+            <p:ph type="sldImg" idx="2"/>
+          </p:nvPr>
+        </p:nvSpPr>
+        <p:spPr>
+          <a:xfrm>
+            <a:off x="381000" y="685800"/>
+            <a:ext cx="6096000" cy="3429000"/>
+          </a:xfrm>
+          <a:custGeom>
+            <a:avLst/>
+            <a:gdLst/>
+            <a:ahLst/>
+            <a:cxnLst/>
+            <a:rect l="l" t="t" r="r" b="b"/>
+            <a:pathLst>
+              <a:path w="120000" h="120000" extrusionOk="0">
+                <a:moveTo>
+                  <a:pt x="0" y="0"/>
+                </a:moveTo>
+                <a:lnTo>
+                  <a:pt x="120000" y="0"/>
+                </a:lnTo>
+                <a:lnTo>
+                  <a:pt x="120000" y="120000"/>
+                </a:lnTo>
+                <a:lnTo>
+                  <a:pt x="0" y="120000"/>
+                </a:lnTo>
+                <a:close/>
+              </a:path>
+            </a:pathLst>
+          </a:custGeom>
+        </p:spPr>
+      </p:sp>
+      <p:sp>
+        <p:nvSpPr>
+          <p:cNvPr id="130" name="Google Shape;130;g26b5592de6b_0_14:notes"/>
+          <p:cNvSpPr txBox="1">
+            <a:spLocks noGrp="1"/>
+          </p:cNvSpPr>
+          <p:nvPr>
+            <p:ph type="body" idx="1"/>
+          </p:nvPr>
+        </p:nvSpPr>
+        <p:spPr>
+          <a:xfrm>
+            <a:off x="685800" y="4343400"/>
+            <a:ext cx="5486400" cy="4114800"/>
+          </a:xfrm>
+          <a:prstGeom prst="rect">
+            <a:avLst/>
+          </a:prstGeom>
+        </p:spPr>
+        <p:txBody>
+          <a:bodyPr spcFirstLastPara="1" wrap="square" lIns="91425" tIns="91425" rIns="91425" bIns="91425" anchor="t" anchorCtr="0">
+            <a:noAutofit/>
+          </a:bodyPr>
+          <a:lstStyle/>
+          <a:p>
+            <a:pPr marL="0" lvl="0" indent="0" algn="l" rtl="0">
+              <a:spcBef>
+                <a:spcPts val="0"/>
+              </a:spcBef>
+              <a:spcAft>
+                <a:spcPts val="0"/>
+              </a:spcAft>
+              <a:buNone/>
+            </a:pPr>
+            <a:endParaRPr/>
+          </a:p>
+        </p:txBody>
+      </p:sp>
+    </p:spTree>
+  </p:cSld>
+  <p:clrMapOvr>
+    <a:masterClrMapping/>
+  </p:clrMapOvr>
+</p:notes>
+</file>
+
+<file path=ppt/notesSlides/notesSlide13.xml><?xml version="1.0" encoding="utf-8"?>
+<p:notes xmlns:a="http://schemas.openxmlformats.org/drawingml/2006/main" xmlns:r="http://schemas.openxmlformats.org/officeDocument/2006/relationships" xmlns:p="http://schemas.openxmlformats.org/presentationml/2006/main" showMasterSp="0" showMasterPhAnim="0">
+  <p:cSld>
+    <p:spTree>
+      <p:nvGrpSpPr>
+        <p:cNvPr id="1" name="Shape 133"/>
+        <p:cNvGrpSpPr/>
+        <p:nvPr/>
+      </p:nvGrpSpPr>
+      <p:grpSpPr>
+        <a:xfrm>
+          <a:off x="0" y="0"/>
+          <a:ext cx="0" cy="0"/>
+          <a:chOff x="0" y="0"/>
+          <a:chExt cx="0" cy="0"/>
+        </a:xfrm>
+      </p:grpSpPr>
+      <p:sp>
+        <p:nvSpPr>
+          <p:cNvPr id="134" name="Google Shape;134;g2c1855e26d1_0_55:notes"/>
+          <p:cNvSpPr>
+            <a:spLocks noGrp="1" noRot="1" noChangeAspect="1"/>
+          </p:cNvSpPr>
+          <p:nvPr>
+            <p:ph type="sldImg" idx="2"/>
+          </p:nvPr>
+        </p:nvSpPr>
+        <p:spPr>
+          <a:xfrm>
+            <a:off x="381000" y="685800"/>
+            <a:ext cx="6096000" cy="3429000"/>
+          </a:xfrm>
+          <a:custGeom>
+            <a:avLst/>
+            <a:gdLst/>
+            <a:ahLst/>
+            <a:cxnLst/>
+            <a:rect l="l" t="t" r="r" b="b"/>
+            <a:pathLst>
+              <a:path w="120000" h="120000" extrusionOk="0">
+                <a:moveTo>
+                  <a:pt x="0" y="0"/>
+                </a:moveTo>
+                <a:lnTo>
+                  <a:pt x="120000" y="0"/>
+                </a:lnTo>
+                <a:lnTo>
+                  <a:pt x="120000" y="120000"/>
+                </a:lnTo>
+                <a:lnTo>
+                  <a:pt x="0" y="120000"/>
+                </a:lnTo>
+                <a:close/>
+              </a:path>
+            </a:pathLst>
+          </a:custGeom>
+        </p:spPr>
+      </p:sp>
+      <p:sp>
+        <p:nvSpPr>
+          <p:cNvPr id="135" name="Google Shape;135;g2c1855e26d1_0_55:notes"/>
+          <p:cNvSpPr txBox="1">
+            <a:spLocks noGrp="1"/>
+          </p:cNvSpPr>
+          <p:nvPr>
+            <p:ph type="body" idx="1"/>
+          </p:nvPr>
+        </p:nvSpPr>
+        <p:spPr>
+          <a:xfrm>
+            <a:off x="685800" y="4343400"/>
+            <a:ext cx="5486400" cy="4114800"/>
+          </a:xfrm>
+          <a:prstGeom prst="rect">
+            <a:avLst/>
+          </a:prstGeom>
+        </p:spPr>
+        <p:txBody>
+          <a:bodyPr spcFirstLastPara="1" wrap="square" lIns="91425" tIns="91425" rIns="91425" bIns="91425" anchor="t" anchorCtr="0">
+            <a:noAutofit/>
+          </a:bodyPr>
+          <a:lstStyle/>
+          <a:p>
+            <a:pPr marL="0" lvl="0" indent="0" algn="l" rtl="0">
+              <a:spcBef>
+                <a:spcPts val="0"/>
+              </a:spcBef>
+              <a:spcAft>
+                <a:spcPts val="0"/>
+              </a:spcAft>
+              <a:buNone/>
+            </a:pPr>
+            <a:endParaRPr/>
+          </a:p>
+        </p:txBody>
+      </p:sp>
+    </p:spTree>
+  </p:cSld>
+  <p:clrMapOvr>
+    <a:masterClrMapping/>
+  </p:clrMapOvr>
+</p:notes>
+</file>
+
+<file path=ppt/notesSlides/notesSlide14.xml><?xml version="1.0" encoding="utf-8"?>
+<p:notes xmlns:a="http://schemas.openxmlformats.org/drawingml/2006/main" xmlns:r="http://schemas.openxmlformats.org/officeDocument/2006/relationships" xmlns:p="http://schemas.openxmlformats.org/presentationml/2006/main" showMasterSp="0" showMasterPhAnim="0">
+  <p:cSld>
+    <p:spTree>
+      <p:nvGrpSpPr>
+        <p:cNvPr id="1" name="Shape 141"/>
+        <p:cNvGrpSpPr/>
+        <p:nvPr/>
+      </p:nvGrpSpPr>
+      <p:grpSpPr>
+        <a:xfrm>
+          <a:off x="0" y="0"/>
+          <a:ext cx="0" cy="0"/>
+          <a:chOff x="0" y="0"/>
+          <a:chExt cx="0" cy="0"/>
+        </a:xfrm>
+      </p:grpSpPr>
+      <p:sp>
+        <p:nvSpPr>
+          <p:cNvPr id="142" name="Google Shape;142;g2c1855e26d1_0_67:notes"/>
+          <p:cNvSpPr>
+            <a:spLocks noGrp="1" noRot="1" noChangeAspect="1"/>
+          </p:cNvSpPr>
+          <p:nvPr>
+            <p:ph type="sldImg" idx="2"/>
+          </p:nvPr>
+        </p:nvSpPr>
+        <p:spPr>
+          <a:xfrm>
+            <a:off x="381000" y="685800"/>
+            <a:ext cx="6096000" cy="3429000"/>
+          </a:xfrm>
+          <a:custGeom>
+            <a:avLst/>
+            <a:gdLst/>
+            <a:ahLst/>
+            <a:cxnLst/>
+            <a:rect l="l" t="t" r="r" b="b"/>
+            <a:pathLst>
+              <a:path w="120000" h="120000" extrusionOk="0">
+                <a:moveTo>
+                  <a:pt x="0" y="0"/>
+                </a:moveTo>
+                <a:lnTo>
+                  <a:pt x="120000" y="0"/>
+                </a:lnTo>
+                <a:lnTo>
+                  <a:pt x="120000" y="120000"/>
+                </a:lnTo>
+                <a:lnTo>
+                  <a:pt x="0" y="120000"/>
+                </a:lnTo>
+                <a:close/>
+              </a:path>
+            </a:pathLst>
+          </a:custGeom>
+        </p:spPr>
+      </p:sp>
+      <p:sp>
+        <p:nvSpPr>
+          <p:cNvPr id="143" name="Google Shape;143;g2c1855e26d1_0_67:notes"/>
+          <p:cNvSpPr txBox="1">
+            <a:spLocks noGrp="1"/>
+          </p:cNvSpPr>
+          <p:nvPr>
+            <p:ph type="body" idx="1"/>
+          </p:nvPr>
+        </p:nvSpPr>
+        <p:spPr>
+          <a:xfrm>
+            <a:off x="685800" y="4343400"/>
+            <a:ext cx="5486400" cy="4114800"/>
+          </a:xfrm>
+          <a:prstGeom prst="rect">
+            <a:avLst/>
+          </a:prstGeom>
+        </p:spPr>
+        <p:txBody>
+          <a:bodyPr spcFirstLastPara="1" wrap="square" lIns="91425" tIns="91425" rIns="91425" bIns="91425" anchor="t" anchorCtr="0">
+            <a:noAutofit/>
+          </a:bodyPr>
+          <a:lstStyle/>
+          <a:p>
+            <a:pPr marL="0" lvl="0" indent="0" algn="l" rtl="0">
+              <a:spcBef>
+                <a:spcPts val="0"/>
+              </a:spcBef>
+              <a:spcAft>
+                <a:spcPts val="0"/>
+              </a:spcAft>
+              <a:buNone/>
+            </a:pPr>
+            <a:endParaRPr/>
+          </a:p>
+        </p:txBody>
+      </p:sp>
+    </p:spTree>
+  </p:cSld>
+  <p:clrMapOvr>
+    <a:masterClrMapping/>
+  </p:clrMapOvr>
+</p:notes>
+</file>
+
+<file path=ppt/notesSlides/notesSlide15.xml><?xml version="1.0" encoding="utf-8"?>
+<p:notes xmlns:a="http://schemas.openxmlformats.org/drawingml/2006/main" xmlns:r="http://schemas.openxmlformats.org/officeDocument/2006/relationships" xmlns:p="http://schemas.openxmlformats.org/presentationml/2006/main" showMasterSp="0" showMasterPhAnim="0">
+  <p:cSld>
+    <p:spTree>
+      <p:nvGrpSpPr>
+        <p:cNvPr id="1" name="Shape 147"/>
+        <p:cNvGrpSpPr/>
+        <p:nvPr/>
+      </p:nvGrpSpPr>
+      <p:grpSpPr>
+        <a:xfrm>
+          <a:off x="0" y="0"/>
+          <a:ext cx="0" cy="0"/>
+          <a:chOff x="0" y="0"/>
+          <a:chExt cx="0" cy="0"/>
+        </a:xfrm>
+      </p:grpSpPr>
+      <p:sp>
+        <p:nvSpPr>
+          <p:cNvPr id="148" name="Google Shape;148;g2c1855e26d1_0_62:notes"/>
+          <p:cNvSpPr>
+            <a:spLocks noGrp="1" noRot="1" noChangeAspect="1"/>
+          </p:cNvSpPr>
+          <p:nvPr>
+            <p:ph type="sldImg" idx="2"/>
+          </p:nvPr>
+        </p:nvSpPr>
+        <p:spPr>
+          <a:xfrm>
+            <a:off x="381000" y="685800"/>
+            <a:ext cx="6096000" cy="3429000"/>
+          </a:xfrm>
+          <a:custGeom>
+            <a:avLst/>
+            <a:gdLst/>
+            <a:ahLst/>
+            <a:cxnLst/>
+            <a:rect l="l" t="t" r="r" b="b"/>
+            <a:pathLst>
+              <a:path w="120000" h="120000" extrusionOk="0">
+                <a:moveTo>
+                  <a:pt x="0" y="0"/>
+                </a:moveTo>
+                <a:lnTo>
+                  <a:pt x="120000" y="0"/>
+                </a:lnTo>
+                <a:lnTo>
+                  <a:pt x="120000" y="120000"/>
+                </a:lnTo>
+                <a:lnTo>
+                  <a:pt x="0" y="120000"/>
+                </a:lnTo>
+                <a:close/>
+              </a:path>
+            </a:pathLst>
+          </a:custGeom>
+        </p:spPr>
+      </p:sp>
+      <p:sp>
+        <p:nvSpPr>
+          <p:cNvPr id="149" name="Google Shape;149;g2c1855e26d1_0_62:notes"/>
+          <p:cNvSpPr txBox="1">
+            <a:spLocks noGrp="1"/>
+          </p:cNvSpPr>
+          <p:nvPr>
+            <p:ph type="body" idx="1"/>
+          </p:nvPr>
+        </p:nvSpPr>
+        <p:spPr>
+          <a:xfrm>
+            <a:off x="685800" y="4343400"/>
+            <a:ext cx="5486400" cy="4114800"/>
+          </a:xfrm>
+          <a:prstGeom prst="rect">
+            <a:avLst/>
+          </a:prstGeom>
+        </p:spPr>
+        <p:txBody>
+          <a:bodyPr spcFirstLastPara="1" wrap="square" lIns="91425" tIns="91425" rIns="91425" bIns="91425" anchor="t" anchorCtr="0">
+            <a:noAutofit/>
+          </a:bodyPr>
+          <a:lstStyle/>
+          <a:p>
+            <a:pPr marL="0" lvl="0" indent="0" algn="l" rtl="0">
+              <a:spcBef>
+                <a:spcPts val="0"/>
+              </a:spcBef>
+              <a:spcAft>
+                <a:spcPts val="0"/>
+              </a:spcAft>
+              <a:buNone/>
+            </a:pPr>
+            <a:endParaRPr/>
+          </a:p>
+        </p:txBody>
+      </p:sp>
+    </p:spTree>
+  </p:cSld>
+  <p:clrMapOvr>
+    <a:masterClrMapping/>
+  </p:clrMapOvr>
+</p:notes>
+</file>
+
+<file path=ppt/notesSlides/notesSlide16.xml><?xml version="1.0" encoding="utf-8"?>
+<p:notes xmlns:a="http://schemas.openxmlformats.org/drawingml/2006/main" xmlns:r="http://schemas.openxmlformats.org/officeDocument/2006/relationships" xmlns:p="http://schemas.openxmlformats.org/presentationml/2006/main" showMasterSp="0" showMasterPhAnim="0">
+  <p:cSld>
+    <p:spTree>
+      <p:nvGrpSpPr>
+        <p:cNvPr id="1" name="Shape 160"/>
+        <p:cNvGrpSpPr/>
+        <p:nvPr/>
+      </p:nvGrpSpPr>
+      <p:grpSpPr>
+        <a:xfrm>
+          <a:off x="0" y="0"/>
+          <a:ext cx="0" cy="0"/>
+          <a:chOff x="0" y="0"/>
+          <a:chExt cx="0" cy="0"/>
+        </a:xfrm>
+      </p:grpSpPr>
+      <p:sp>
+        <p:nvSpPr>
+          <p:cNvPr id="161" name="Google Shape;161;g26b5592de6b_0_45:notes"/>
+          <p:cNvSpPr>
+            <a:spLocks noGrp="1" noRot="1" noChangeAspect="1"/>
+          </p:cNvSpPr>
+          <p:nvPr>
+            <p:ph type="sldImg" idx="2"/>
+          </p:nvPr>
+        </p:nvSpPr>
+        <p:spPr>
+          <a:xfrm>
+            <a:off x="381000" y="685800"/>
+            <a:ext cx="6096000" cy="3429000"/>
+          </a:xfrm>
+          <a:custGeom>
+            <a:avLst/>
+            <a:gdLst/>
+            <a:ahLst/>
+            <a:cxnLst/>
+            <a:rect l="l" t="t" r="r" b="b"/>
+            <a:pathLst>
+              <a:path w="120000" h="120000" extrusionOk="0">
+                <a:moveTo>
+                  <a:pt x="0" y="0"/>
+                </a:moveTo>
+                <a:lnTo>
+                  <a:pt x="120000" y="0"/>
+                </a:lnTo>
+                <a:lnTo>
+                  <a:pt x="120000" y="120000"/>
+                </a:lnTo>
+                <a:lnTo>
+                  <a:pt x="0" y="120000"/>
+                </a:lnTo>
+                <a:close/>
+              </a:path>
+            </a:pathLst>
+          </a:custGeom>
+        </p:spPr>
+      </p:sp>
+      <p:sp>
+        <p:nvSpPr>
+          <p:cNvPr id="162" name="Google Shape;162;g26b5592de6b_0_45:notes"/>
+          <p:cNvSpPr txBox="1">
+            <a:spLocks noGrp="1"/>
+          </p:cNvSpPr>
+          <p:nvPr>
+            <p:ph type="body" idx="1"/>
+          </p:nvPr>
+        </p:nvSpPr>
+        <p:spPr>
+          <a:xfrm>
+            <a:off x="685800" y="4343400"/>
+            <a:ext cx="5486400" cy="4114800"/>
+          </a:xfrm>
+          <a:prstGeom prst="rect">
+            <a:avLst/>
+          </a:prstGeom>
+        </p:spPr>
+        <p:txBody>
+          <a:bodyPr spcFirstLastPara="1" wrap="square" lIns="91425" tIns="91425" rIns="91425" bIns="91425" anchor="t" anchorCtr="0">
+            <a:noAutofit/>
+          </a:bodyPr>
+          <a:lstStyle/>
+          <a:p>
+            <a:pPr marL="0" lvl="0" indent="0" algn="l" rtl="0">
+              <a:spcBef>
+                <a:spcPts val="0"/>
+              </a:spcBef>
+              <a:spcAft>
+                <a:spcPts val="0"/>
+              </a:spcAft>
+              <a:buNone/>
+            </a:pPr>
+            <a:endParaRPr/>
+          </a:p>
+        </p:txBody>
+      </p:sp>
+    </p:spTree>
+  </p:cSld>
+  <p:clrMapOvr>
+    <a:masterClrMapping/>
+  </p:clrMapOvr>
+</p:notes>
+</file>
+
+<file path=ppt/notesSlides/notesSlide17.xml><?xml version="1.0" encoding="utf-8"?>
+<p:notes xmlns:a="http://schemas.openxmlformats.org/drawingml/2006/main" xmlns:r="http://schemas.openxmlformats.org/officeDocument/2006/relationships" xmlns:p="http://schemas.openxmlformats.org/presentationml/2006/main" showMasterSp="0" showMasterPhAnim="0">
+  <p:cSld>
+    <p:spTree>
+      <p:nvGrpSpPr>
+        <p:cNvPr id="1" name="Shape 179"/>
+        <p:cNvGrpSpPr/>
+        <p:nvPr/>
+      </p:nvGrpSpPr>
+      <p:grpSpPr>
+        <a:xfrm>
+          <a:off x="0" y="0"/>
+          <a:ext cx="0" cy="0"/>
+          <a:chOff x="0" y="0"/>
+          <a:chExt cx="0" cy="0"/>
+        </a:xfrm>
+      </p:grpSpPr>
+      <p:sp>
+        <p:nvSpPr>
+          <p:cNvPr id="180" name="Google Shape;180;g26b5592de6b_0_39:notes"/>
+          <p:cNvSpPr>
+            <a:spLocks noGrp="1" noRot="1" noChangeAspect="1"/>
+          </p:cNvSpPr>
+          <p:nvPr>
+            <p:ph type="sldImg" idx="2"/>
+          </p:nvPr>
+        </p:nvSpPr>
+        <p:spPr>
+          <a:xfrm>
+            <a:off x="381000" y="685800"/>
+            <a:ext cx="6096000" cy="3429000"/>
+          </a:xfrm>
+          <a:custGeom>
+            <a:avLst/>
+            <a:gdLst/>
+            <a:ahLst/>
+            <a:cxnLst/>
+            <a:rect l="l" t="t" r="r" b="b"/>
+            <a:pathLst>
+              <a:path w="120000" h="120000" extrusionOk="0">
+                <a:moveTo>
+                  <a:pt x="0" y="0"/>
+                </a:moveTo>
+                <a:lnTo>
+                  <a:pt x="120000" y="0"/>
+                </a:lnTo>
+                <a:lnTo>
+                  <a:pt x="120000" y="120000"/>
+                </a:lnTo>
+                <a:lnTo>
+                  <a:pt x="0" y="120000"/>
+                </a:lnTo>
+                <a:close/>
+              </a:path>
+            </a:pathLst>
+          </a:custGeom>
+        </p:spPr>
+      </p:sp>
+      <p:sp>
+        <p:nvSpPr>
+          <p:cNvPr id="181" name="Google Shape;181;g26b5592de6b_0_39:notes"/>
+          <p:cNvSpPr txBox="1">
+            <a:spLocks noGrp="1"/>
+          </p:cNvSpPr>
+          <p:nvPr>
+            <p:ph type="body" idx="1"/>
+          </p:nvPr>
+        </p:nvSpPr>
+        <p:spPr>
+          <a:xfrm>
+            <a:off x="685800" y="4343400"/>
+            <a:ext cx="5486400" cy="4114800"/>
+          </a:xfrm>
+          <a:prstGeom prst="rect">
+            <a:avLst/>
+          </a:prstGeom>
+        </p:spPr>
+        <p:txBody>
+          <a:bodyPr spcFirstLastPara="1" wrap="square" lIns="91425" tIns="91425" rIns="91425" bIns="91425" anchor="t" anchorCtr="0">
+            <a:noAutofit/>
+          </a:bodyPr>
+          <a:lstStyle/>
+          <a:p>
+            <a:pPr marL="0" lvl="0" indent="0" algn="l" rtl="0">
+              <a:spcBef>
+                <a:spcPts val="0"/>
+              </a:spcBef>
+              <a:spcAft>
+                <a:spcPts val="0"/>
+              </a:spcAft>
+              <a:buNone/>
+            </a:pPr>
+            <a:endParaRPr/>
+          </a:p>
+        </p:txBody>
+      </p:sp>
+    </p:spTree>
+  </p:cSld>
+  <p:clrMapOvr>
+    <a:masterClrMapping/>
+  </p:clrMapOvr>
+</p:notes>
+</file>
+
+<file path=ppt/notesSlides/notesSlide18.xml><?xml version="1.0" encoding="utf-8"?>
+<p:notes xmlns:a="http://schemas.openxmlformats.org/drawingml/2006/main" xmlns:r="http://schemas.openxmlformats.org/officeDocument/2006/relationships" xmlns:p="http://schemas.openxmlformats.org/presentationml/2006/main" showMasterSp="0" showMasterPhAnim="0">
+  <p:cSld>
+    <p:spTree>
+      <p:nvGrpSpPr>
+        <p:cNvPr id="1" name="Shape 184"/>
+        <p:cNvGrpSpPr/>
+        <p:nvPr/>
+      </p:nvGrpSpPr>
+      <p:grpSpPr>
+        <a:xfrm>
+          <a:off x="0" y="0"/>
+          <a:ext cx="0" cy="0"/>
+          <a:chOff x="0" y="0"/>
+          <a:chExt cx="0" cy="0"/>
+        </a:xfrm>
+      </p:grpSpPr>
+      <p:sp>
+        <p:nvSpPr>
+          <p:cNvPr id="185" name="Google Shape;185;g26b5592de6b_0_86:notes"/>
+          <p:cNvSpPr>
+            <a:spLocks noGrp="1" noRot="1" noChangeAspect="1"/>
+          </p:cNvSpPr>
+          <p:nvPr>
+            <p:ph type="sldImg" idx="2"/>
+          </p:nvPr>
+        </p:nvSpPr>
+        <p:spPr>
+          <a:xfrm>
+            <a:off x="381000" y="685800"/>
+            <a:ext cx="6096000" cy="3429000"/>
+          </a:xfrm>
+          <a:custGeom>
+            <a:avLst/>
+            <a:gdLst/>
+            <a:ahLst/>
+            <a:cxnLst/>
+            <a:rect l="l" t="t" r="r" b="b"/>
+            <a:pathLst>
+              <a:path w="120000" h="120000" extrusionOk="0">
+                <a:moveTo>
+                  <a:pt x="0" y="0"/>
+                </a:moveTo>
+                <a:lnTo>
+                  <a:pt x="120000" y="0"/>
+                </a:lnTo>
+                <a:lnTo>
+                  <a:pt x="120000" y="120000"/>
+                </a:lnTo>
+                <a:lnTo>
+                  <a:pt x="0" y="120000"/>
+                </a:lnTo>
+                <a:close/>
+              </a:path>
+            </a:pathLst>
+          </a:custGeom>
+        </p:spPr>
+      </p:sp>
+      <p:sp>
+        <p:nvSpPr>
+          <p:cNvPr id="186" name="Google Shape;186;g26b5592de6b_0_86:notes"/>
+          <p:cNvSpPr txBox="1">
+            <a:spLocks noGrp="1"/>
+          </p:cNvSpPr>
+          <p:nvPr>
+            <p:ph type="body" idx="1"/>
+          </p:nvPr>
+        </p:nvSpPr>
+        <p:spPr>
+          <a:xfrm>
+            <a:off x="685800" y="4343400"/>
+            <a:ext cx="5486400" cy="4114800"/>
+          </a:xfrm>
+          <a:prstGeom prst="rect">
+            <a:avLst/>
+          </a:prstGeom>
+        </p:spPr>
+        <p:txBody>
+          <a:bodyPr spcFirstLastPara="1" wrap="square" lIns="91425" tIns="91425" rIns="91425" bIns="91425" anchor="t" anchorCtr="0">
+            <a:noAutofit/>
+          </a:bodyPr>
+          <a:lstStyle/>
+          <a:p>
+            <a:pPr marL="0" lvl="0" indent="0" algn="l" rtl="0">
+              <a:spcBef>
+                <a:spcPts val="0"/>
+              </a:spcBef>
+              <a:spcAft>
+                <a:spcPts val="0"/>
+              </a:spcAft>
+              <a:buNone/>
+            </a:pPr>
+            <a:endParaRPr/>
+          </a:p>
+        </p:txBody>
+      </p:sp>
+    </p:spTree>
+  </p:cSld>
+  <p:clrMapOvr>
+    <a:masterClrMapping/>
+  </p:clrMapOvr>
+</p:notes>
+</file>
+
+<file path=ppt/notesSlides/notesSlide19.xml><?xml version="1.0" encoding="utf-8"?>
+<p:notes xmlns:a="http://schemas.openxmlformats.org/drawingml/2006/main" xmlns:r="http://schemas.openxmlformats.org/officeDocument/2006/relationships" xmlns:p="http://schemas.openxmlformats.org/presentationml/2006/main" showMasterSp="0" showMasterPhAnim="0">
+  <p:cSld>
+    <p:spTree>
+      <p:nvGrpSpPr>
+        <p:cNvPr id="1" name="Shape 189"/>
+        <p:cNvGrpSpPr/>
+        <p:nvPr/>
+      </p:nvGrpSpPr>
+      <p:grpSpPr>
+        <a:xfrm>
+          <a:off x="0" y="0"/>
+          <a:ext cx="0" cy="0"/>
+          <a:chOff x="0" y="0"/>
+          <a:chExt cx="0" cy="0"/>
+        </a:xfrm>
+      </p:grpSpPr>
+      <p:sp>
+        <p:nvSpPr>
+          <p:cNvPr id="190" name="Google Shape;190;g26b5592de6b_0_79:notes"/>
+          <p:cNvSpPr>
+            <a:spLocks noGrp="1" noRot="1" noChangeAspect="1"/>
+          </p:cNvSpPr>
+          <p:nvPr>
+            <p:ph type="sldImg" idx="2"/>
+          </p:nvPr>
+        </p:nvSpPr>
+        <p:spPr>
+          <a:xfrm>
+            <a:off x="381000" y="685800"/>
+            <a:ext cx="6096000" cy="3429000"/>
+          </a:xfrm>
+          <a:custGeom>
+            <a:avLst/>
+            <a:gdLst/>
+            <a:ahLst/>
+            <a:cxnLst/>
+            <a:rect l="l" t="t" r="r" b="b"/>
+            <a:pathLst>
+              <a:path w="120000" h="120000" extrusionOk="0">
+                <a:moveTo>
+                  <a:pt x="0" y="0"/>
+                </a:moveTo>
+                <a:lnTo>
+                  <a:pt x="120000" y="0"/>
+                </a:lnTo>
+                <a:lnTo>
+                  <a:pt x="120000" y="120000"/>
+                </a:lnTo>
+                <a:lnTo>
+                  <a:pt x="0" y="120000"/>
+                </a:lnTo>
+                <a:close/>
+              </a:path>
+            </a:pathLst>
+          </a:custGeom>
+        </p:spPr>
+      </p:sp>
+      <p:sp>
+        <p:nvSpPr>
+          <p:cNvPr id="191" name="Google Shape;191;g26b5592de6b_0_79:notes"/>
+          <p:cNvSpPr txBox="1">
+            <a:spLocks noGrp="1"/>
+          </p:cNvSpPr>
+          <p:nvPr>
+            <p:ph type="body" idx="1"/>
+          </p:nvPr>
+        </p:nvSpPr>
+        <p:spPr>
+          <a:xfrm>
+            <a:off x="685800" y="4343400"/>
+            <a:ext cx="5486400" cy="4114800"/>
+          </a:xfrm>
+          <a:prstGeom prst="rect">
+            <a:avLst/>
+          </a:prstGeom>
+        </p:spPr>
+        <p:txBody>
+          <a:bodyPr spcFirstLastPara="1" wrap="square" lIns="91425" tIns="91425" rIns="91425" bIns="91425" anchor="t" anchorCtr="0">
+            <a:noAutofit/>
+          </a:bodyPr>
+          <a:lstStyle/>
+          <a:p>
+            <a:pPr marL="0" lvl="0" indent="0" algn="l" rtl="0">
+              <a:spcBef>
+                <a:spcPts val="0"/>
+              </a:spcBef>
+              <a:spcAft>
+                <a:spcPts val="0"/>
+              </a:spcAft>
+              <a:buNone/>
+            </a:pPr>
+            <a:endParaRPr/>
+          </a:p>
+        </p:txBody>
+      </p:sp>
+    </p:spTree>
+  </p:cSld>
+  <p:clrMapOvr>
+    <a:masterClrMapping/>
+  </p:clrMapOvr>
+</p:notes>
+</file>
+
 <file path=ppt/notesSlides/notesSlide2.xml><?xml version="1.0" encoding="utf-8"?>
 <p:notes xmlns:a="http://schemas.openxmlformats.org/drawingml/2006/main" xmlns:r="http://schemas.openxmlformats.org/officeDocument/2006/relationships" xmlns:p="http://schemas.openxmlformats.org/presentationml/2006/main" showMasterSp="0" showMasterPhAnim="0">
   <p:cSld>
@@ -1659,6 +2719,734 @@
             </a:pathLst>
           </a:custGeom>
         </p:spPr>
+      </p:sp>
+    </p:spTree>
+  </p:cSld>
+  <p:clrMapOvr>
+    <a:masterClrMapping/>
+  </p:clrMapOvr>
+</p:notes>
+</file>
+
+<file path=ppt/notesSlides/notesSlide3.xml><?xml version="1.0" encoding="utf-8"?>
+<p:notes xmlns:a="http://schemas.openxmlformats.org/drawingml/2006/main" xmlns:r="http://schemas.openxmlformats.org/officeDocument/2006/relationships" xmlns:p="http://schemas.openxmlformats.org/presentationml/2006/main" showMasterSp="0" showMasterPhAnim="0">
+  <p:cSld>
+    <p:spTree>
+      <p:nvGrpSpPr>
+        <p:cNvPr id="1" name="Shape 50"/>
+        <p:cNvGrpSpPr/>
+        <p:nvPr/>
+      </p:nvGrpSpPr>
+      <p:grpSpPr>
+        <a:xfrm>
+          <a:off x="0" y="0"/>
+          <a:ext cx="0" cy="0"/>
+          <a:chOff x="0" y="0"/>
+          <a:chExt cx="0" cy="0"/>
+        </a:xfrm>
+      </p:grpSpPr>
+      <p:sp>
+        <p:nvSpPr>
+          <p:cNvPr id="51" name="Google Shape;51;p:notes"/>
+          <p:cNvSpPr>
+            <a:spLocks noGrp="1" noRot="1" noChangeAspect="1"/>
+          </p:cNvSpPr>
+          <p:nvPr>
+            <p:ph type="sldImg" idx="2"/>
+          </p:nvPr>
+        </p:nvSpPr>
+        <p:spPr>
+          <a:xfrm>
+            <a:off x="381000" y="685800"/>
+            <a:ext cx="6096000" cy="3429000"/>
+          </a:xfrm>
+          <a:custGeom>
+            <a:avLst/>
+            <a:gdLst/>
+            <a:ahLst/>
+            <a:cxnLst/>
+            <a:rect l="l" t="t" r="r" b="b"/>
+            <a:pathLst>
+              <a:path w="120000" h="120000" extrusionOk="0">
+                <a:moveTo>
+                  <a:pt x="0" y="0"/>
+                </a:moveTo>
+                <a:lnTo>
+                  <a:pt x="120000" y="0"/>
+                </a:lnTo>
+                <a:lnTo>
+                  <a:pt x="120000" y="120000"/>
+                </a:lnTo>
+                <a:lnTo>
+                  <a:pt x="0" y="120000"/>
+                </a:lnTo>
+                <a:close/>
+              </a:path>
+            </a:pathLst>
+          </a:custGeom>
+        </p:spPr>
+      </p:sp>
+      <p:sp>
+        <p:nvSpPr>
+          <p:cNvPr id="52" name="Google Shape;52;p:notes"/>
+          <p:cNvSpPr txBox="1">
+            <a:spLocks noGrp="1"/>
+          </p:cNvSpPr>
+          <p:nvPr>
+            <p:ph type="body" idx="1"/>
+          </p:nvPr>
+        </p:nvSpPr>
+        <p:spPr>
+          <a:xfrm>
+            <a:off x="685800" y="4343400"/>
+            <a:ext cx="5486400" cy="4114800"/>
+          </a:xfrm>
+          <a:prstGeom prst="rect">
+            <a:avLst/>
+          </a:prstGeom>
+        </p:spPr>
+        <p:txBody>
+          <a:bodyPr spcFirstLastPara="1" wrap="square" lIns="91425" tIns="91425" rIns="91425" bIns="91425" anchor="t" anchorCtr="0">
+            <a:noAutofit/>
+          </a:bodyPr>
+          <a:lstStyle/>
+          <a:p>
+            <a:pPr marL="0" lvl="0" indent="0" algn="l" rtl="0">
+              <a:spcBef>
+                <a:spcPts val="0"/>
+              </a:spcBef>
+              <a:spcAft>
+                <a:spcPts val="0"/>
+              </a:spcAft>
+              <a:buNone/>
+            </a:pPr>
+            <a:endParaRPr/>
+          </a:p>
+        </p:txBody>
+      </p:sp>
+    </p:spTree>
+  </p:cSld>
+  <p:clrMapOvr>
+    <a:masterClrMapping/>
+  </p:clrMapOvr>
+</p:notes>
+</file>
+
+<file path=ppt/notesSlides/notesSlide4.xml><?xml version="1.0" encoding="utf-8"?>
+<p:notes xmlns:a="http://schemas.openxmlformats.org/drawingml/2006/main" xmlns:r="http://schemas.openxmlformats.org/officeDocument/2006/relationships" xmlns:p="http://schemas.openxmlformats.org/presentationml/2006/main" showMasterSp="0" showMasterPhAnim="0">
+  <p:cSld>
+    <p:spTree>
+      <p:nvGrpSpPr>
+        <p:cNvPr id="1" name="Shape 55"/>
+        <p:cNvGrpSpPr/>
+        <p:nvPr/>
+      </p:nvGrpSpPr>
+      <p:grpSpPr>
+        <a:xfrm>
+          <a:off x="0" y="0"/>
+          <a:ext cx="0" cy="0"/>
+          <a:chOff x="0" y="0"/>
+          <a:chExt cx="0" cy="0"/>
+        </a:xfrm>
+      </p:grpSpPr>
+      <p:sp>
+        <p:nvSpPr>
+          <p:cNvPr id="56" name="Google Shape;56;g26af9a4acc2_0_0:notes"/>
+          <p:cNvSpPr>
+            <a:spLocks noGrp="1" noRot="1" noChangeAspect="1"/>
+          </p:cNvSpPr>
+          <p:nvPr>
+            <p:ph type="sldImg" idx="2"/>
+          </p:nvPr>
+        </p:nvSpPr>
+        <p:spPr>
+          <a:xfrm>
+            <a:off x="381000" y="685800"/>
+            <a:ext cx="6096000" cy="3429000"/>
+          </a:xfrm>
+          <a:custGeom>
+            <a:avLst/>
+            <a:gdLst/>
+            <a:ahLst/>
+            <a:cxnLst/>
+            <a:rect l="l" t="t" r="r" b="b"/>
+            <a:pathLst>
+              <a:path w="120000" h="120000" extrusionOk="0">
+                <a:moveTo>
+                  <a:pt x="0" y="0"/>
+                </a:moveTo>
+                <a:lnTo>
+                  <a:pt x="120000" y="0"/>
+                </a:lnTo>
+                <a:lnTo>
+                  <a:pt x="120000" y="120000"/>
+                </a:lnTo>
+                <a:lnTo>
+                  <a:pt x="0" y="120000"/>
+                </a:lnTo>
+                <a:close/>
+              </a:path>
+            </a:pathLst>
+          </a:custGeom>
+        </p:spPr>
+      </p:sp>
+      <p:sp>
+        <p:nvSpPr>
+          <p:cNvPr id="57" name="Google Shape;57;g26af9a4acc2_0_0:notes"/>
+          <p:cNvSpPr txBox="1">
+            <a:spLocks noGrp="1"/>
+          </p:cNvSpPr>
+          <p:nvPr>
+            <p:ph type="body" idx="1"/>
+          </p:nvPr>
+        </p:nvSpPr>
+        <p:spPr>
+          <a:xfrm>
+            <a:off x="685800" y="4343400"/>
+            <a:ext cx="5486400" cy="4114800"/>
+          </a:xfrm>
+          <a:prstGeom prst="rect">
+            <a:avLst/>
+          </a:prstGeom>
+        </p:spPr>
+        <p:txBody>
+          <a:bodyPr spcFirstLastPara="1" wrap="square" lIns="91425" tIns="91425" rIns="91425" bIns="91425" anchor="t" anchorCtr="0">
+            <a:noAutofit/>
+          </a:bodyPr>
+          <a:lstStyle/>
+          <a:p>
+            <a:pPr marL="0" lvl="0" indent="0" algn="l" rtl="0">
+              <a:spcBef>
+                <a:spcPts val="0"/>
+              </a:spcBef>
+              <a:spcAft>
+                <a:spcPts val="0"/>
+              </a:spcAft>
+              <a:buNone/>
+            </a:pPr>
+            <a:endParaRPr/>
+          </a:p>
+        </p:txBody>
+      </p:sp>
+    </p:spTree>
+  </p:cSld>
+  <p:clrMapOvr>
+    <a:masterClrMapping/>
+  </p:clrMapOvr>
+</p:notes>
+</file>
+
+<file path=ppt/notesSlides/notesSlide5.xml><?xml version="1.0" encoding="utf-8"?>
+<p:notes xmlns:a="http://schemas.openxmlformats.org/drawingml/2006/main" xmlns:r="http://schemas.openxmlformats.org/officeDocument/2006/relationships" xmlns:p="http://schemas.openxmlformats.org/presentationml/2006/main" showMasterSp="0" showMasterPhAnim="0">
+  <p:cSld>
+    <p:spTree>
+      <p:nvGrpSpPr>
+        <p:cNvPr id="1" name="Shape 62"/>
+        <p:cNvGrpSpPr/>
+        <p:nvPr/>
+      </p:nvGrpSpPr>
+      <p:grpSpPr>
+        <a:xfrm>
+          <a:off x="0" y="0"/>
+          <a:ext cx="0" cy="0"/>
+          <a:chOff x="0" y="0"/>
+          <a:chExt cx="0" cy="0"/>
+        </a:xfrm>
+      </p:grpSpPr>
+      <p:sp>
+        <p:nvSpPr>
+          <p:cNvPr id="63" name="Google Shape;63;g2c1855e26d1_0_10:notes"/>
+          <p:cNvSpPr>
+            <a:spLocks noGrp="1" noRot="1" noChangeAspect="1"/>
+          </p:cNvSpPr>
+          <p:nvPr>
+            <p:ph type="sldImg" idx="2"/>
+          </p:nvPr>
+        </p:nvSpPr>
+        <p:spPr>
+          <a:xfrm>
+            <a:off x="381000" y="685800"/>
+            <a:ext cx="6096000" cy="3429000"/>
+          </a:xfrm>
+          <a:custGeom>
+            <a:avLst/>
+            <a:gdLst/>
+            <a:ahLst/>
+            <a:cxnLst/>
+            <a:rect l="l" t="t" r="r" b="b"/>
+            <a:pathLst>
+              <a:path w="120000" h="120000" extrusionOk="0">
+                <a:moveTo>
+                  <a:pt x="0" y="0"/>
+                </a:moveTo>
+                <a:lnTo>
+                  <a:pt x="120000" y="0"/>
+                </a:lnTo>
+                <a:lnTo>
+                  <a:pt x="120000" y="120000"/>
+                </a:lnTo>
+                <a:lnTo>
+                  <a:pt x="0" y="120000"/>
+                </a:lnTo>
+                <a:close/>
+              </a:path>
+            </a:pathLst>
+          </a:custGeom>
+        </p:spPr>
+      </p:sp>
+      <p:sp>
+        <p:nvSpPr>
+          <p:cNvPr id="64" name="Google Shape;64;g2c1855e26d1_0_10:notes"/>
+          <p:cNvSpPr txBox="1">
+            <a:spLocks noGrp="1"/>
+          </p:cNvSpPr>
+          <p:nvPr>
+            <p:ph type="body" idx="1"/>
+          </p:nvPr>
+        </p:nvSpPr>
+        <p:spPr>
+          <a:xfrm>
+            <a:off x="685800" y="4343400"/>
+            <a:ext cx="5486400" cy="4114800"/>
+          </a:xfrm>
+          <a:prstGeom prst="rect">
+            <a:avLst/>
+          </a:prstGeom>
+        </p:spPr>
+        <p:txBody>
+          <a:bodyPr spcFirstLastPara="1" wrap="square" lIns="91425" tIns="91425" rIns="91425" bIns="91425" anchor="t" anchorCtr="0">
+            <a:noAutofit/>
+          </a:bodyPr>
+          <a:lstStyle/>
+          <a:p>
+            <a:pPr marL="0" lvl="0" indent="0" algn="l" rtl="0">
+              <a:spcBef>
+                <a:spcPts val="0"/>
+              </a:spcBef>
+              <a:spcAft>
+                <a:spcPts val="0"/>
+              </a:spcAft>
+              <a:buNone/>
+            </a:pPr>
+            <a:endParaRPr/>
+          </a:p>
+        </p:txBody>
+      </p:sp>
+    </p:spTree>
+  </p:cSld>
+  <p:clrMapOvr>
+    <a:masterClrMapping/>
+  </p:clrMapOvr>
+</p:notes>
+</file>
+
+<file path=ppt/notesSlides/notesSlide6.xml><?xml version="1.0" encoding="utf-8"?>
+<p:notes xmlns:a="http://schemas.openxmlformats.org/drawingml/2006/main" xmlns:r="http://schemas.openxmlformats.org/officeDocument/2006/relationships" xmlns:p="http://schemas.openxmlformats.org/presentationml/2006/main" showMasterSp="0" showMasterPhAnim="0">
+  <p:cSld>
+    <p:spTree>
+      <p:nvGrpSpPr>
+        <p:cNvPr id="1" name="Shape 74"/>
+        <p:cNvGrpSpPr/>
+        <p:nvPr/>
+      </p:nvGrpSpPr>
+      <p:grpSpPr>
+        <a:xfrm>
+          <a:off x="0" y="0"/>
+          <a:ext cx="0" cy="0"/>
+          <a:chOff x="0" y="0"/>
+          <a:chExt cx="0" cy="0"/>
+        </a:xfrm>
+      </p:grpSpPr>
+      <p:sp>
+        <p:nvSpPr>
+          <p:cNvPr id="75" name="Google Shape;75;g2c1855e26d1_0_22:notes"/>
+          <p:cNvSpPr>
+            <a:spLocks noGrp="1" noRot="1" noChangeAspect="1"/>
+          </p:cNvSpPr>
+          <p:nvPr>
+            <p:ph type="sldImg" idx="2"/>
+          </p:nvPr>
+        </p:nvSpPr>
+        <p:spPr>
+          <a:xfrm>
+            <a:off x="381000" y="685800"/>
+            <a:ext cx="6096000" cy="3429000"/>
+          </a:xfrm>
+          <a:custGeom>
+            <a:avLst/>
+            <a:gdLst/>
+            <a:ahLst/>
+            <a:cxnLst/>
+            <a:rect l="l" t="t" r="r" b="b"/>
+            <a:pathLst>
+              <a:path w="120000" h="120000" extrusionOk="0">
+                <a:moveTo>
+                  <a:pt x="0" y="0"/>
+                </a:moveTo>
+                <a:lnTo>
+                  <a:pt x="120000" y="0"/>
+                </a:lnTo>
+                <a:lnTo>
+                  <a:pt x="120000" y="120000"/>
+                </a:lnTo>
+                <a:lnTo>
+                  <a:pt x="0" y="120000"/>
+                </a:lnTo>
+                <a:close/>
+              </a:path>
+            </a:pathLst>
+          </a:custGeom>
+        </p:spPr>
+      </p:sp>
+      <p:sp>
+        <p:nvSpPr>
+          <p:cNvPr id="76" name="Google Shape;76;g2c1855e26d1_0_22:notes"/>
+          <p:cNvSpPr txBox="1">
+            <a:spLocks noGrp="1"/>
+          </p:cNvSpPr>
+          <p:nvPr>
+            <p:ph type="body" idx="1"/>
+          </p:nvPr>
+        </p:nvSpPr>
+        <p:spPr>
+          <a:xfrm>
+            <a:off x="685800" y="4343400"/>
+            <a:ext cx="5486400" cy="4114800"/>
+          </a:xfrm>
+          <a:prstGeom prst="rect">
+            <a:avLst/>
+          </a:prstGeom>
+        </p:spPr>
+        <p:txBody>
+          <a:bodyPr spcFirstLastPara="1" wrap="square" lIns="91425" tIns="91425" rIns="91425" bIns="91425" anchor="t" anchorCtr="0">
+            <a:noAutofit/>
+          </a:bodyPr>
+          <a:lstStyle/>
+          <a:p>
+            <a:pPr marL="0" lvl="0" indent="0" algn="l" rtl="0">
+              <a:spcBef>
+                <a:spcPts val="0"/>
+              </a:spcBef>
+              <a:spcAft>
+                <a:spcPts val="0"/>
+              </a:spcAft>
+              <a:buNone/>
+            </a:pPr>
+            <a:endParaRPr/>
+          </a:p>
+        </p:txBody>
+      </p:sp>
+    </p:spTree>
+  </p:cSld>
+  <p:clrMapOvr>
+    <a:masterClrMapping/>
+  </p:clrMapOvr>
+</p:notes>
+</file>
+
+<file path=ppt/notesSlides/notesSlide7.xml><?xml version="1.0" encoding="utf-8"?>
+<p:notes xmlns:a="http://schemas.openxmlformats.org/drawingml/2006/main" xmlns:r="http://schemas.openxmlformats.org/officeDocument/2006/relationships" xmlns:p="http://schemas.openxmlformats.org/presentationml/2006/main" showMasterSp="0" showMasterPhAnim="0">
+  <p:cSld>
+    <p:spTree>
+      <p:nvGrpSpPr>
+        <p:cNvPr id="1" name="Shape 89"/>
+        <p:cNvGrpSpPr/>
+        <p:nvPr/>
+      </p:nvGrpSpPr>
+      <p:grpSpPr>
+        <a:xfrm>
+          <a:off x="0" y="0"/>
+          <a:ext cx="0" cy="0"/>
+          <a:chOff x="0" y="0"/>
+          <a:chExt cx="0" cy="0"/>
+        </a:xfrm>
+      </p:grpSpPr>
+      <p:sp>
+        <p:nvSpPr>
+          <p:cNvPr id="90" name="Google Shape;90;g2c1855e26d1_0_45:notes"/>
+          <p:cNvSpPr>
+            <a:spLocks noGrp="1" noRot="1" noChangeAspect="1"/>
+          </p:cNvSpPr>
+          <p:nvPr>
+            <p:ph type="sldImg" idx="2"/>
+          </p:nvPr>
+        </p:nvSpPr>
+        <p:spPr>
+          <a:xfrm>
+            <a:off x="381000" y="685800"/>
+            <a:ext cx="6096000" cy="3429000"/>
+          </a:xfrm>
+          <a:custGeom>
+            <a:avLst/>
+            <a:gdLst/>
+            <a:ahLst/>
+            <a:cxnLst/>
+            <a:rect l="l" t="t" r="r" b="b"/>
+            <a:pathLst>
+              <a:path w="120000" h="120000" extrusionOk="0">
+                <a:moveTo>
+                  <a:pt x="0" y="0"/>
+                </a:moveTo>
+                <a:lnTo>
+                  <a:pt x="120000" y="0"/>
+                </a:lnTo>
+                <a:lnTo>
+                  <a:pt x="120000" y="120000"/>
+                </a:lnTo>
+                <a:lnTo>
+                  <a:pt x="0" y="120000"/>
+                </a:lnTo>
+                <a:close/>
+              </a:path>
+            </a:pathLst>
+          </a:custGeom>
+        </p:spPr>
+      </p:sp>
+      <p:sp>
+        <p:nvSpPr>
+          <p:cNvPr id="91" name="Google Shape;91;g2c1855e26d1_0_45:notes"/>
+          <p:cNvSpPr txBox="1">
+            <a:spLocks noGrp="1"/>
+          </p:cNvSpPr>
+          <p:nvPr>
+            <p:ph type="body" idx="1"/>
+          </p:nvPr>
+        </p:nvSpPr>
+        <p:spPr>
+          <a:xfrm>
+            <a:off x="685800" y="4343400"/>
+            <a:ext cx="5486400" cy="4114800"/>
+          </a:xfrm>
+          <a:prstGeom prst="rect">
+            <a:avLst/>
+          </a:prstGeom>
+        </p:spPr>
+        <p:txBody>
+          <a:bodyPr spcFirstLastPara="1" wrap="square" lIns="91425" tIns="91425" rIns="91425" bIns="91425" anchor="t" anchorCtr="0">
+            <a:noAutofit/>
+          </a:bodyPr>
+          <a:lstStyle/>
+          <a:p>
+            <a:pPr marL="0" lvl="0" indent="0" algn="l" rtl="0">
+              <a:spcBef>
+                <a:spcPts val="0"/>
+              </a:spcBef>
+              <a:spcAft>
+                <a:spcPts val="0"/>
+              </a:spcAft>
+              <a:buNone/>
+            </a:pPr>
+            <a:endParaRPr/>
+          </a:p>
+        </p:txBody>
+      </p:sp>
+    </p:spTree>
+  </p:cSld>
+  <p:clrMapOvr>
+    <a:masterClrMapping/>
+  </p:clrMapOvr>
+</p:notes>
+</file>
+
+<file path=ppt/notesSlides/notesSlide8.xml><?xml version="1.0" encoding="utf-8"?>
+<p:notes xmlns:a="http://schemas.openxmlformats.org/drawingml/2006/main" xmlns:r="http://schemas.openxmlformats.org/officeDocument/2006/relationships" xmlns:p="http://schemas.openxmlformats.org/presentationml/2006/main" showMasterSp="0" showMasterPhAnim="0">
+  <p:cSld>
+    <p:spTree>
+      <p:nvGrpSpPr>
+        <p:cNvPr id="1" name="Shape 97"/>
+        <p:cNvGrpSpPr/>
+        <p:nvPr/>
+      </p:nvGrpSpPr>
+      <p:grpSpPr>
+        <a:xfrm>
+          <a:off x="0" y="0"/>
+          <a:ext cx="0" cy="0"/>
+          <a:chOff x="0" y="0"/>
+          <a:chExt cx="0" cy="0"/>
+        </a:xfrm>
+      </p:grpSpPr>
+      <p:sp>
+        <p:nvSpPr>
+          <p:cNvPr id="98" name="Google Shape;98;g26b5592de6b_0_3:notes"/>
+          <p:cNvSpPr>
+            <a:spLocks noGrp="1" noRot="1" noChangeAspect="1"/>
+          </p:cNvSpPr>
+          <p:nvPr>
+            <p:ph type="sldImg" idx="2"/>
+          </p:nvPr>
+        </p:nvSpPr>
+        <p:spPr>
+          <a:xfrm>
+            <a:off x="381000" y="685800"/>
+            <a:ext cx="6096000" cy="3429000"/>
+          </a:xfrm>
+          <a:custGeom>
+            <a:avLst/>
+            <a:gdLst/>
+            <a:ahLst/>
+            <a:cxnLst/>
+            <a:rect l="l" t="t" r="r" b="b"/>
+            <a:pathLst>
+              <a:path w="120000" h="120000" extrusionOk="0">
+                <a:moveTo>
+                  <a:pt x="0" y="0"/>
+                </a:moveTo>
+                <a:lnTo>
+                  <a:pt x="120000" y="0"/>
+                </a:lnTo>
+                <a:lnTo>
+                  <a:pt x="120000" y="120000"/>
+                </a:lnTo>
+                <a:lnTo>
+                  <a:pt x="0" y="120000"/>
+                </a:lnTo>
+                <a:close/>
+              </a:path>
+            </a:pathLst>
+          </a:custGeom>
+        </p:spPr>
+      </p:sp>
+      <p:sp>
+        <p:nvSpPr>
+          <p:cNvPr id="99" name="Google Shape;99;g26b5592de6b_0_3:notes"/>
+          <p:cNvSpPr txBox="1">
+            <a:spLocks noGrp="1"/>
+          </p:cNvSpPr>
+          <p:nvPr>
+            <p:ph type="body" idx="1"/>
+          </p:nvPr>
+        </p:nvSpPr>
+        <p:spPr>
+          <a:xfrm>
+            <a:off x="685800" y="4343400"/>
+            <a:ext cx="5486400" cy="4114800"/>
+          </a:xfrm>
+          <a:prstGeom prst="rect">
+            <a:avLst/>
+          </a:prstGeom>
+        </p:spPr>
+        <p:txBody>
+          <a:bodyPr spcFirstLastPara="1" wrap="square" lIns="91425" tIns="91425" rIns="91425" bIns="91425" anchor="t" anchorCtr="0">
+            <a:noAutofit/>
+          </a:bodyPr>
+          <a:lstStyle/>
+          <a:p>
+            <a:pPr marL="0" lvl="0" indent="0" algn="l" rtl="0">
+              <a:spcBef>
+                <a:spcPts val="0"/>
+              </a:spcBef>
+              <a:spcAft>
+                <a:spcPts val="0"/>
+              </a:spcAft>
+              <a:buNone/>
+            </a:pPr>
+            <a:endParaRPr/>
+          </a:p>
+        </p:txBody>
+      </p:sp>
+    </p:spTree>
+  </p:cSld>
+  <p:clrMapOvr>
+    <a:masterClrMapping/>
+  </p:clrMapOvr>
+</p:notes>
+</file>
+
+<file path=ppt/notesSlides/notesSlide9.xml><?xml version="1.0" encoding="utf-8"?>
+<p:notes xmlns:a="http://schemas.openxmlformats.org/drawingml/2006/main" xmlns:r="http://schemas.openxmlformats.org/officeDocument/2006/relationships" xmlns:p="http://schemas.openxmlformats.org/presentationml/2006/main" showMasterSp="0" showMasterPhAnim="0">
+  <p:cSld>
+    <p:spTree>
+      <p:nvGrpSpPr>
+        <p:cNvPr id="1" name="Shape 107"/>
+        <p:cNvGrpSpPr/>
+        <p:nvPr/>
+      </p:nvGrpSpPr>
+      <p:grpSpPr>
+        <a:xfrm>
+          <a:off x="0" y="0"/>
+          <a:ext cx="0" cy="0"/>
+          <a:chOff x="0" y="0"/>
+          <a:chExt cx="0" cy="0"/>
+        </a:xfrm>
+      </p:grpSpPr>
+      <p:sp>
+        <p:nvSpPr>
+          <p:cNvPr id="108" name="Google Shape;108;g2c1855e26d1_0_70:notes"/>
+          <p:cNvSpPr>
+            <a:spLocks noGrp="1" noRot="1" noChangeAspect="1"/>
+          </p:cNvSpPr>
+          <p:nvPr>
+            <p:ph type="sldImg" idx="2"/>
+          </p:nvPr>
+        </p:nvSpPr>
+        <p:spPr>
+          <a:xfrm>
+            <a:off x="381000" y="685800"/>
+            <a:ext cx="6096000" cy="3429000"/>
+          </a:xfrm>
+          <a:custGeom>
+            <a:avLst/>
+            <a:gdLst/>
+            <a:ahLst/>
+            <a:cxnLst/>
+            <a:rect l="l" t="t" r="r" b="b"/>
+            <a:pathLst>
+              <a:path w="120000" h="120000" extrusionOk="0">
+                <a:moveTo>
+                  <a:pt x="0" y="0"/>
+                </a:moveTo>
+                <a:lnTo>
+                  <a:pt x="120000" y="0"/>
+                </a:lnTo>
+                <a:lnTo>
+                  <a:pt x="120000" y="120000"/>
+                </a:lnTo>
+                <a:lnTo>
+                  <a:pt x="0" y="120000"/>
+                </a:lnTo>
+                <a:close/>
+              </a:path>
+            </a:pathLst>
+          </a:custGeom>
+        </p:spPr>
+      </p:sp>
+      <p:sp>
+        <p:nvSpPr>
+          <p:cNvPr id="109" name="Google Shape;109;g2c1855e26d1_0_70:notes"/>
+          <p:cNvSpPr txBox="1">
+            <a:spLocks noGrp="1"/>
+          </p:cNvSpPr>
+          <p:nvPr>
+            <p:ph type="body" idx="1"/>
+          </p:nvPr>
+        </p:nvSpPr>
+        <p:spPr>
+          <a:xfrm>
+            <a:off x="685800" y="4343400"/>
+            <a:ext cx="5486400" cy="4114800"/>
+          </a:xfrm>
+          <a:prstGeom prst="rect">
+            <a:avLst/>
+          </a:prstGeom>
+        </p:spPr>
+        <p:txBody>
+          <a:bodyPr spcFirstLastPara="1" wrap="square" lIns="91425" tIns="91425" rIns="91425" bIns="91425" anchor="t" anchorCtr="0">
+            <a:noAutofit/>
+          </a:bodyPr>
+          <a:lstStyle/>
+          <a:p>
+            <a:pPr marL="0" lvl="0" indent="0" algn="l" rtl="0">
+              <a:spcBef>
+                <a:spcPts val="0"/>
+              </a:spcBef>
+              <a:spcAft>
+                <a:spcPts val="0"/>
+              </a:spcAft>
+              <a:buNone/>
+            </a:pPr>
+            <a:endParaRPr/>
+          </a:p>
+        </p:txBody>
       </p:sp>
     </p:spTree>
   </p:cSld>
@@ -8573,6 +10361,365 @@
         </p:txBody>
       </p:sp>
     </p:spTree>
+  </p:cSld>
+  <p:clrMapOvr>
+    <a:masterClrMapping/>
+  </p:clrMapOvr>
+</p:sldLayout>
+</file>
+
+<file path=ppt/slideLayouts/slideLayout17.xml><?xml version="1.0" encoding="utf-8"?>
+<p:sldLayout xmlns:a="http://schemas.openxmlformats.org/drawingml/2006/main" xmlns:r="http://schemas.openxmlformats.org/officeDocument/2006/relationships" xmlns:p="http://schemas.openxmlformats.org/presentationml/2006/main" matchingName="Title and body" type="tx">
+  <p:cSld name="Title and body">
+    <p:spTree>
+      <p:nvGrpSpPr>
+        <p:cNvPr id="1" name="Shape 16"/>
+        <p:cNvGrpSpPr/>
+        <p:nvPr/>
+      </p:nvGrpSpPr>
+      <p:grpSpPr>
+        <a:xfrm>
+          <a:off x="0" y="0"/>
+          <a:ext cx="0" cy="0"/>
+          <a:chOff x="0" y="0"/>
+          <a:chExt cx="0" cy="0"/>
+        </a:xfrm>
+      </p:grpSpPr>
+      <p:sp>
+        <p:nvSpPr>
+          <p:cNvPr id="17" name="Google Shape;17;p4"/>
+          <p:cNvSpPr txBox="1">
+            <a:spLocks noGrp="1"/>
+          </p:cNvSpPr>
+          <p:nvPr>
+            <p:ph type="title"/>
+          </p:nvPr>
+        </p:nvSpPr>
+        <p:spPr>
+          <a:xfrm>
+            <a:off x="415600" y="593367"/>
+            <a:ext cx="11360800" cy="763600"/>
+          </a:xfrm>
+          <a:prstGeom prst="rect">
+            <a:avLst/>
+          </a:prstGeom>
+        </p:spPr>
+        <p:txBody>
+          <a:bodyPr spcFirstLastPara="1" wrap="square" lIns="91425" tIns="91425" rIns="91425" bIns="91425" anchor="t" anchorCtr="0">
+            <a:normAutofit/>
+          </a:bodyPr>
+          <a:lstStyle>
+            <a:lvl1pPr lvl="0">
+              <a:spcBef>
+                <a:spcPts val="0"/>
+              </a:spcBef>
+              <a:spcAft>
+                <a:spcPts val="0"/>
+              </a:spcAft>
+              <a:buSzPts val="2800"/>
+              <a:buNone/>
+              <a:defRPr/>
+            </a:lvl1pPr>
+            <a:lvl2pPr lvl="1">
+              <a:spcBef>
+                <a:spcPts val="0"/>
+              </a:spcBef>
+              <a:spcAft>
+                <a:spcPts val="0"/>
+              </a:spcAft>
+              <a:buSzPts val="2800"/>
+              <a:buNone/>
+              <a:defRPr/>
+            </a:lvl2pPr>
+            <a:lvl3pPr lvl="2">
+              <a:spcBef>
+                <a:spcPts val="0"/>
+              </a:spcBef>
+              <a:spcAft>
+                <a:spcPts val="0"/>
+              </a:spcAft>
+              <a:buSzPts val="2800"/>
+              <a:buNone/>
+              <a:defRPr/>
+            </a:lvl3pPr>
+            <a:lvl4pPr lvl="3">
+              <a:spcBef>
+                <a:spcPts val="0"/>
+              </a:spcBef>
+              <a:spcAft>
+                <a:spcPts val="0"/>
+              </a:spcAft>
+              <a:buSzPts val="2800"/>
+              <a:buNone/>
+              <a:defRPr/>
+            </a:lvl4pPr>
+            <a:lvl5pPr lvl="4">
+              <a:spcBef>
+                <a:spcPts val="0"/>
+              </a:spcBef>
+              <a:spcAft>
+                <a:spcPts val="0"/>
+              </a:spcAft>
+              <a:buSzPts val="2800"/>
+              <a:buNone/>
+              <a:defRPr/>
+            </a:lvl5pPr>
+            <a:lvl6pPr lvl="5">
+              <a:spcBef>
+                <a:spcPts val="0"/>
+              </a:spcBef>
+              <a:spcAft>
+                <a:spcPts val="0"/>
+              </a:spcAft>
+              <a:buSzPts val="2800"/>
+              <a:buNone/>
+              <a:defRPr/>
+            </a:lvl6pPr>
+            <a:lvl7pPr lvl="6">
+              <a:spcBef>
+                <a:spcPts val="0"/>
+              </a:spcBef>
+              <a:spcAft>
+                <a:spcPts val="0"/>
+              </a:spcAft>
+              <a:buSzPts val="2800"/>
+              <a:buNone/>
+              <a:defRPr/>
+            </a:lvl7pPr>
+            <a:lvl8pPr lvl="7">
+              <a:spcBef>
+                <a:spcPts val="0"/>
+              </a:spcBef>
+              <a:spcAft>
+                <a:spcPts val="0"/>
+              </a:spcAft>
+              <a:buSzPts val="2800"/>
+              <a:buNone/>
+              <a:defRPr/>
+            </a:lvl8pPr>
+            <a:lvl9pPr lvl="8">
+              <a:spcBef>
+                <a:spcPts val="0"/>
+              </a:spcBef>
+              <a:spcAft>
+                <a:spcPts val="0"/>
+              </a:spcAft>
+              <a:buSzPts val="2800"/>
+              <a:buNone/>
+              <a:defRPr/>
+            </a:lvl9pPr>
+          </a:lstStyle>
+          <a:p>
+            <a:endParaRPr/>
+          </a:p>
+        </p:txBody>
+      </p:sp>
+      <p:sp>
+        <p:nvSpPr>
+          <p:cNvPr id="18" name="Google Shape;18;p4"/>
+          <p:cNvSpPr txBox="1">
+            <a:spLocks noGrp="1"/>
+          </p:cNvSpPr>
+          <p:nvPr>
+            <p:ph type="body" idx="1"/>
+          </p:nvPr>
+        </p:nvSpPr>
+        <p:spPr>
+          <a:xfrm>
+            <a:off x="415600" y="1536633"/>
+            <a:ext cx="11360800" cy="4555200"/>
+          </a:xfrm>
+          <a:prstGeom prst="rect">
+            <a:avLst/>
+          </a:prstGeom>
+        </p:spPr>
+        <p:txBody>
+          <a:bodyPr spcFirstLastPara="1" wrap="square" lIns="91425" tIns="91425" rIns="91425" bIns="91425" anchor="t" anchorCtr="0">
+            <a:normAutofit/>
+          </a:bodyPr>
+          <a:lstStyle>
+            <a:lvl1pPr marL="609585" lvl="0" indent="-457189">
+              <a:spcBef>
+                <a:spcPts val="0"/>
+              </a:spcBef>
+              <a:spcAft>
+                <a:spcPts val="0"/>
+              </a:spcAft>
+              <a:buSzPts val="1800"/>
+              <a:buChar char="●"/>
+              <a:defRPr/>
+            </a:lvl1pPr>
+            <a:lvl2pPr marL="1219170" lvl="1" indent="-423323">
+              <a:spcBef>
+                <a:spcPts val="0"/>
+              </a:spcBef>
+              <a:spcAft>
+                <a:spcPts val="0"/>
+              </a:spcAft>
+              <a:buSzPts val="1400"/>
+              <a:buChar char="○"/>
+              <a:defRPr/>
+            </a:lvl2pPr>
+            <a:lvl3pPr marL="1828754" lvl="2" indent="-423323">
+              <a:spcBef>
+                <a:spcPts val="0"/>
+              </a:spcBef>
+              <a:spcAft>
+                <a:spcPts val="0"/>
+              </a:spcAft>
+              <a:buSzPts val="1400"/>
+              <a:buChar char="■"/>
+              <a:defRPr/>
+            </a:lvl3pPr>
+            <a:lvl4pPr marL="2438339" lvl="3" indent="-423323">
+              <a:spcBef>
+                <a:spcPts val="0"/>
+              </a:spcBef>
+              <a:spcAft>
+                <a:spcPts val="0"/>
+              </a:spcAft>
+              <a:buSzPts val="1400"/>
+              <a:buChar char="●"/>
+              <a:defRPr/>
+            </a:lvl4pPr>
+            <a:lvl5pPr marL="3047924" lvl="4" indent="-423323">
+              <a:spcBef>
+                <a:spcPts val="0"/>
+              </a:spcBef>
+              <a:spcAft>
+                <a:spcPts val="0"/>
+              </a:spcAft>
+              <a:buSzPts val="1400"/>
+              <a:buChar char="○"/>
+              <a:defRPr/>
+            </a:lvl5pPr>
+            <a:lvl6pPr marL="3657509" lvl="5" indent="-423323">
+              <a:spcBef>
+                <a:spcPts val="0"/>
+              </a:spcBef>
+              <a:spcAft>
+                <a:spcPts val="0"/>
+              </a:spcAft>
+              <a:buSzPts val="1400"/>
+              <a:buChar char="■"/>
+              <a:defRPr/>
+            </a:lvl6pPr>
+            <a:lvl7pPr marL="4267093" lvl="6" indent="-423323">
+              <a:spcBef>
+                <a:spcPts val="0"/>
+              </a:spcBef>
+              <a:spcAft>
+                <a:spcPts val="0"/>
+              </a:spcAft>
+              <a:buSzPts val="1400"/>
+              <a:buChar char="●"/>
+              <a:defRPr/>
+            </a:lvl7pPr>
+            <a:lvl8pPr marL="4876678" lvl="7" indent="-423323">
+              <a:spcBef>
+                <a:spcPts val="0"/>
+              </a:spcBef>
+              <a:spcAft>
+                <a:spcPts val="0"/>
+              </a:spcAft>
+              <a:buSzPts val="1400"/>
+              <a:buChar char="○"/>
+              <a:defRPr/>
+            </a:lvl8pPr>
+            <a:lvl9pPr marL="5486263" lvl="8" indent="-423323">
+              <a:spcBef>
+                <a:spcPts val="0"/>
+              </a:spcBef>
+              <a:spcAft>
+                <a:spcPts val="0"/>
+              </a:spcAft>
+              <a:buSzPts val="1400"/>
+              <a:buChar char="■"/>
+              <a:defRPr/>
+            </a:lvl9pPr>
+          </a:lstStyle>
+          <a:p>
+            <a:endParaRPr/>
+          </a:p>
+        </p:txBody>
+      </p:sp>
+      <p:sp>
+        <p:nvSpPr>
+          <p:cNvPr id="19" name="Google Shape;19;p4"/>
+          <p:cNvSpPr txBox="1">
+            <a:spLocks noGrp="1"/>
+          </p:cNvSpPr>
+          <p:nvPr>
+            <p:ph type="sldNum" idx="12"/>
+          </p:nvPr>
+        </p:nvSpPr>
+        <p:spPr>
+          <a:xfrm>
+            <a:off x="11296611" y="6217623"/>
+            <a:ext cx="731600" cy="524800"/>
+          </a:xfrm>
+          <a:prstGeom prst="rect">
+            <a:avLst/>
+          </a:prstGeom>
+        </p:spPr>
+        <p:txBody>
+          <a:bodyPr spcFirstLastPara="1" wrap="square" lIns="91425" tIns="91425" rIns="91425" bIns="91425" anchor="ctr" anchorCtr="0">
+            <a:normAutofit/>
+          </a:bodyPr>
+          <a:lstStyle>
+            <a:lvl1pPr lvl="0">
+              <a:buNone/>
+              <a:defRPr/>
+            </a:lvl1pPr>
+            <a:lvl2pPr lvl="1">
+              <a:buNone/>
+              <a:defRPr/>
+            </a:lvl2pPr>
+            <a:lvl3pPr lvl="2">
+              <a:buNone/>
+              <a:defRPr/>
+            </a:lvl3pPr>
+            <a:lvl4pPr lvl="3">
+              <a:buNone/>
+              <a:defRPr/>
+            </a:lvl4pPr>
+            <a:lvl5pPr lvl="4">
+              <a:buNone/>
+              <a:defRPr/>
+            </a:lvl5pPr>
+            <a:lvl6pPr lvl="5">
+              <a:buNone/>
+              <a:defRPr/>
+            </a:lvl6pPr>
+            <a:lvl7pPr lvl="6">
+              <a:buNone/>
+              <a:defRPr/>
+            </a:lvl7pPr>
+            <a:lvl8pPr lvl="7">
+              <a:buNone/>
+              <a:defRPr/>
+            </a:lvl8pPr>
+            <a:lvl9pPr lvl="8">
+              <a:buNone/>
+              <a:defRPr/>
+            </a:lvl9pPr>
+          </a:lstStyle>
+          <a:p>
+            <a:fld id="{00000000-1234-1234-1234-123412341234}" type="slidenum">
+              <a:rPr lang="en-GB" smtClean="0"/>
+              <a:pPr/>
+              <a:t>‹#›</a:t>
+            </a:fld>
+            <a:endParaRPr lang="en-GB"/>
+          </a:p>
+        </p:txBody>
+      </p:sp>
+    </p:spTree>
+    <p:extLst>
+      <p:ext uri="{BB962C8B-B14F-4D97-AF65-F5344CB8AC3E}">
+        <p14:creationId xmlns:p14="http://schemas.microsoft.com/office/powerpoint/2010/main" val="4082471396"/>
+      </p:ext>
+    </p:extLst>
   </p:cSld>
   <p:clrMapOvr>
     <a:masterClrMapping/>
@@ -18384,6 +20531,7 @@
     <p:sldLayoutId id="2147483662" r:id="rId14"/>
     <p:sldLayoutId id="2147483663" r:id="rId15"/>
     <p:sldLayoutId id="2147483664" r:id="rId16"/>
+    <p:sldLayoutId id="2147483665" r:id="rId17"/>
   </p:sldLayoutIdLst>
   <p:hf sldNum="0" hdr="0" ftr="0" dt="0"/>
   <p:txStyles>
@@ -19227,6 +21375,2129 @@
 </p:sld>
 </file>
 
+<file path=ppt/slides/slide10.xml><?xml version="1.0" encoding="utf-8"?>
+<p:sld xmlns:a="http://schemas.openxmlformats.org/drawingml/2006/main" xmlns:r="http://schemas.openxmlformats.org/officeDocument/2006/relationships" xmlns:p="http://schemas.openxmlformats.org/presentationml/2006/main">
+  <p:cSld>
+    <p:spTree>
+      <p:nvGrpSpPr>
+        <p:cNvPr id="1" name="Shape 117"/>
+        <p:cNvGrpSpPr/>
+        <p:nvPr/>
+      </p:nvGrpSpPr>
+      <p:grpSpPr>
+        <a:xfrm>
+          <a:off x="0" y="0"/>
+          <a:ext cx="0" cy="0"/>
+          <a:chOff x="0" y="0"/>
+          <a:chExt cx="0" cy="0"/>
+        </a:xfrm>
+      </p:grpSpPr>
+      <p:pic>
+        <p:nvPicPr>
+          <p:cNvPr id="118" name="Google Shape;118;p20"/>
+          <p:cNvPicPr preferRelativeResize="0"/>
+          <p:nvPr/>
+        </p:nvPicPr>
+        <p:blipFill>
+          <a:blip r:embed="rId3">
+            <a:alphaModFix/>
+          </a:blip>
+          <a:stretch>
+            <a:fillRect/>
+          </a:stretch>
+        </p:blipFill>
+        <p:spPr>
+          <a:xfrm>
+            <a:off x="641100" y="469052"/>
+            <a:ext cx="7946667" cy="4258633"/>
+          </a:xfrm>
+          <a:prstGeom prst="rect">
+            <a:avLst/>
+          </a:prstGeom>
+          <a:noFill/>
+          <a:ln>
+            <a:noFill/>
+          </a:ln>
+        </p:spPr>
+      </p:pic>
+      <p:sp>
+        <p:nvSpPr>
+          <p:cNvPr id="119" name="Google Shape;119;p20"/>
+          <p:cNvSpPr txBox="1"/>
+          <p:nvPr/>
+        </p:nvSpPr>
+        <p:spPr>
+          <a:xfrm>
+            <a:off x="7824367" y="368033"/>
+            <a:ext cx="4130400" cy="1345600"/>
+          </a:xfrm>
+          <a:prstGeom prst="rect">
+            <a:avLst/>
+          </a:prstGeom>
+          <a:noFill/>
+          <a:ln>
+            <a:noFill/>
+          </a:ln>
+        </p:spPr>
+        <p:txBody>
+          <a:bodyPr spcFirstLastPara="1" wrap="square" lIns="121900" tIns="121900" rIns="121900" bIns="121900" anchor="t" anchorCtr="0">
+            <a:noAutofit/>
+          </a:bodyPr>
+          <a:lstStyle/>
+          <a:p>
+            <a:r>
+              <a:rPr lang="en-GB" sz="2400">
+                <a:solidFill>
+                  <a:schemeClr val="dk1"/>
+                </a:solidFill>
+              </a:rPr>
+              <a:t>…when rearranging the logistic regression equation to solve for “probability” of y </a:t>
+            </a:r>
+            <a:endParaRPr sz="2400">
+              <a:solidFill>
+                <a:schemeClr val="dk1"/>
+              </a:solidFill>
+            </a:endParaRPr>
+          </a:p>
+          <a:p>
+            <a:endParaRPr sz="2400">
+              <a:solidFill>
+                <a:schemeClr val="dk1"/>
+              </a:solidFill>
+            </a:endParaRPr>
+          </a:p>
+          <a:p>
+            <a:endParaRPr sz="2400">
+              <a:solidFill>
+                <a:schemeClr val="dk1"/>
+              </a:solidFill>
+            </a:endParaRPr>
+          </a:p>
+          <a:p>
+            <a:endParaRPr sz="2400">
+              <a:solidFill>
+                <a:schemeClr val="dk1"/>
+              </a:solidFill>
+            </a:endParaRPr>
+          </a:p>
+          <a:p>
+            <a:endParaRPr sz="2400">
+              <a:solidFill>
+                <a:schemeClr val="dk1"/>
+              </a:solidFill>
+            </a:endParaRPr>
+          </a:p>
+          <a:p>
+            <a:endParaRPr sz="2400">
+              <a:solidFill>
+                <a:schemeClr val="dk1"/>
+              </a:solidFill>
+            </a:endParaRPr>
+          </a:p>
+          <a:p>
+            <a:endParaRPr sz="2400">
+              <a:solidFill>
+                <a:schemeClr val="dk1"/>
+              </a:solidFill>
+            </a:endParaRPr>
+          </a:p>
+          <a:p>
+            <a:endParaRPr sz="2400">
+              <a:solidFill>
+                <a:schemeClr val="dk1"/>
+              </a:solidFill>
+            </a:endParaRPr>
+          </a:p>
+          <a:p>
+            <a:endParaRPr sz="2400">
+              <a:solidFill>
+                <a:schemeClr val="dk1"/>
+              </a:solidFill>
+            </a:endParaRPr>
+          </a:p>
+        </p:txBody>
+      </p:sp>
+      <p:sp>
+        <p:nvSpPr>
+          <p:cNvPr id="120" name="Google Shape;120;p20"/>
+          <p:cNvSpPr/>
+          <p:nvPr/>
+        </p:nvSpPr>
+        <p:spPr>
+          <a:xfrm rot="-5400000" flipH="1">
+            <a:off x="8873967" y="1528867"/>
+            <a:ext cx="1055200" cy="1627600"/>
+          </a:xfrm>
+          <a:prstGeom prst="bentUpArrow">
+            <a:avLst>
+              <a:gd name="adj1" fmla="val 18107"/>
+              <a:gd name="adj2" fmla="val 25000"/>
+              <a:gd name="adj3" fmla="val 28705"/>
+            </a:avLst>
+          </a:prstGeom>
+          <a:solidFill>
+            <a:srgbClr val="FFE599"/>
+          </a:solidFill>
+          <a:ln w="9525" cap="flat" cmpd="sng">
+            <a:solidFill>
+              <a:schemeClr val="dk1"/>
+            </a:solidFill>
+            <a:prstDash val="solid"/>
+            <a:round/>
+            <a:headEnd type="none" w="sm" len="sm"/>
+            <a:tailEnd type="none" w="sm" len="sm"/>
+          </a:ln>
+        </p:spPr>
+        <p:txBody>
+          <a:bodyPr spcFirstLastPara="1" wrap="square" lIns="121900" tIns="121900" rIns="121900" bIns="121900" anchor="ctr" anchorCtr="0">
+            <a:noAutofit/>
+          </a:bodyPr>
+          <a:lstStyle/>
+          <a:p>
+            <a:pPr algn="ctr"/>
+            <a:endParaRPr sz="1867"/>
+          </a:p>
+        </p:txBody>
+      </p:sp>
+      <p:sp>
+        <p:nvSpPr>
+          <p:cNvPr id="121" name="Google Shape;121;p20"/>
+          <p:cNvSpPr txBox="1"/>
+          <p:nvPr/>
+        </p:nvSpPr>
+        <p:spPr>
+          <a:xfrm>
+            <a:off x="1096167" y="4727700"/>
+            <a:ext cx="10533200" cy="1571600"/>
+          </a:xfrm>
+          <a:prstGeom prst="rect">
+            <a:avLst/>
+          </a:prstGeom>
+          <a:noFill/>
+          <a:ln>
+            <a:noFill/>
+          </a:ln>
+        </p:spPr>
+        <p:txBody>
+          <a:bodyPr spcFirstLastPara="1" wrap="square" lIns="121900" tIns="121900" rIns="121900" bIns="121900" anchor="t" anchorCtr="0">
+            <a:noAutofit/>
+          </a:bodyPr>
+          <a:lstStyle/>
+          <a:p>
+            <a:pPr>
+              <a:lnSpc>
+                <a:spcPct val="115000"/>
+              </a:lnSpc>
+            </a:pPr>
+            <a:r>
+              <a:rPr lang="en-GB" sz="2400">
+                <a:solidFill>
+                  <a:schemeClr val="dk1"/>
+                </a:solidFill>
+              </a:rPr>
+              <a:t>A logistic curve is a sigmoid function (“S” curve) that limits the value of y between 0 and 1 where the inflection point defines the threshold for the probability of belonging to either binary outcome</a:t>
+            </a:r>
+            <a:endParaRPr sz="2400">
+              <a:solidFill>
+                <a:schemeClr val="dk1"/>
+              </a:solidFill>
+            </a:endParaRPr>
+          </a:p>
+          <a:p>
+            <a:endParaRPr sz="2400">
+              <a:solidFill>
+                <a:schemeClr val="dk1"/>
+              </a:solidFill>
+            </a:endParaRPr>
+          </a:p>
+          <a:p>
+            <a:endParaRPr sz="2400">
+              <a:solidFill>
+                <a:schemeClr val="dk1"/>
+              </a:solidFill>
+            </a:endParaRPr>
+          </a:p>
+          <a:p>
+            <a:endParaRPr sz="2400">
+              <a:solidFill>
+                <a:schemeClr val="dk1"/>
+              </a:solidFill>
+            </a:endParaRPr>
+          </a:p>
+          <a:p>
+            <a:endParaRPr sz="2400">
+              <a:solidFill>
+                <a:schemeClr val="dk1"/>
+              </a:solidFill>
+            </a:endParaRPr>
+          </a:p>
+          <a:p>
+            <a:endParaRPr sz="2400">
+              <a:solidFill>
+                <a:schemeClr val="dk1"/>
+              </a:solidFill>
+            </a:endParaRPr>
+          </a:p>
+          <a:p>
+            <a:endParaRPr sz="2400">
+              <a:solidFill>
+                <a:schemeClr val="dk1"/>
+              </a:solidFill>
+            </a:endParaRPr>
+          </a:p>
+          <a:p>
+            <a:endParaRPr sz="2400">
+              <a:solidFill>
+                <a:schemeClr val="dk1"/>
+              </a:solidFill>
+            </a:endParaRPr>
+          </a:p>
+          <a:p>
+            <a:endParaRPr sz="2400">
+              <a:solidFill>
+                <a:schemeClr val="dk1"/>
+              </a:solidFill>
+            </a:endParaRPr>
+          </a:p>
+        </p:txBody>
+      </p:sp>
+      <p:sp>
+        <p:nvSpPr>
+          <p:cNvPr id="2" name="TextBox 1">
+            <a:extLst>
+              <a:ext uri="{FF2B5EF4-FFF2-40B4-BE49-F238E27FC236}">
+                <a16:creationId xmlns:a16="http://schemas.microsoft.com/office/drawing/2014/main" id="{C3FE1AEF-1126-06F1-0163-DAB490326D11}"/>
+              </a:ext>
+            </a:extLst>
+          </p:cNvPr>
+          <p:cNvSpPr txBox="1"/>
+          <p:nvPr/>
+        </p:nvSpPr>
+        <p:spPr>
+          <a:xfrm>
+            <a:off x="9339470" y="6550223"/>
+            <a:ext cx="2852530" cy="307777"/>
+          </a:xfrm>
+          <a:prstGeom prst="rect">
+            <a:avLst/>
+          </a:prstGeom>
+          <a:noFill/>
+        </p:spPr>
+        <p:txBody>
+          <a:bodyPr wrap="square" rtlCol="0">
+            <a:spAutoFit/>
+          </a:bodyPr>
+          <a:lstStyle/>
+          <a:p>
+            <a:pPr algn="r"/>
+            <a:r>
+              <a:rPr lang="en-US" dirty="0"/>
+              <a:t>Slides thanks to Shirley Chen </a:t>
+            </a:r>
+          </a:p>
+        </p:txBody>
+      </p:sp>
+    </p:spTree>
+  </p:cSld>
+  <p:clrMapOvr>
+    <a:masterClrMapping/>
+  </p:clrMapOvr>
+</p:sld>
+</file>
+
+<file path=ppt/slides/slide11.xml><?xml version="1.0" encoding="utf-8"?>
+<p:sld xmlns:a="http://schemas.openxmlformats.org/drawingml/2006/main" xmlns:r="http://schemas.openxmlformats.org/officeDocument/2006/relationships" xmlns:p="http://schemas.openxmlformats.org/presentationml/2006/main">
+  <p:cSld>
+    <p:spTree>
+      <p:nvGrpSpPr>
+        <p:cNvPr id="1" name="Shape 125"/>
+        <p:cNvGrpSpPr/>
+        <p:nvPr/>
+      </p:nvGrpSpPr>
+      <p:grpSpPr>
+        <a:xfrm>
+          <a:off x="0" y="0"/>
+          <a:ext cx="0" cy="0"/>
+          <a:chOff x="0" y="0"/>
+          <a:chExt cx="0" cy="0"/>
+        </a:xfrm>
+      </p:grpSpPr>
+      <p:sp>
+        <p:nvSpPr>
+          <p:cNvPr id="126" name="Google Shape;126;p21"/>
+          <p:cNvSpPr txBox="1"/>
+          <p:nvPr/>
+        </p:nvSpPr>
+        <p:spPr>
+          <a:xfrm>
+            <a:off x="963567" y="747000"/>
+            <a:ext cx="6412000" cy="2510400"/>
+          </a:xfrm>
+          <a:prstGeom prst="rect">
+            <a:avLst/>
+          </a:prstGeom>
+          <a:noFill/>
+          <a:ln>
+            <a:noFill/>
+          </a:ln>
+        </p:spPr>
+        <p:txBody>
+          <a:bodyPr spcFirstLastPara="1" wrap="square" lIns="121900" tIns="121900" rIns="121900" bIns="121900" anchor="t" anchorCtr="0">
+            <a:noAutofit/>
+          </a:bodyPr>
+          <a:lstStyle/>
+          <a:p>
+            <a:r>
+              <a:rPr lang="en-GB" sz="2400">
+                <a:solidFill>
+                  <a:schemeClr val="dk1"/>
+                </a:solidFill>
+              </a:rPr>
+              <a:t>Effect size: </a:t>
+            </a:r>
+            <a:r>
+              <a:rPr lang="en-GB" sz="2400" b="1">
+                <a:solidFill>
+                  <a:schemeClr val="dk1"/>
+                </a:solidFill>
+              </a:rPr>
+              <a:t>Odds ratio (OR) = e</a:t>
+            </a:r>
+            <a:r>
+              <a:rPr lang="en-GB" sz="2400" b="1" baseline="30000">
+                <a:solidFill>
+                  <a:schemeClr val="dk1"/>
+                </a:solidFill>
+              </a:rPr>
+              <a:t>β1</a:t>
+            </a:r>
+            <a:endParaRPr sz="2933" b="1" baseline="30000">
+              <a:solidFill>
+                <a:schemeClr val="dk1"/>
+              </a:solidFill>
+            </a:endParaRPr>
+          </a:p>
+          <a:p>
+            <a:endParaRPr sz="2400">
+              <a:solidFill>
+                <a:schemeClr val="dk1"/>
+              </a:solidFill>
+            </a:endParaRPr>
+          </a:p>
+          <a:p>
+            <a:r>
+              <a:rPr lang="en-GB" sz="2400">
+                <a:solidFill>
+                  <a:schemeClr val="dk1"/>
+                </a:solidFill>
+              </a:rPr>
+              <a:t>Increased or decreased odds of outcome y per unit increase of x</a:t>
+            </a:r>
+            <a:endParaRPr sz="2400">
+              <a:solidFill>
+                <a:schemeClr val="dk1"/>
+              </a:solidFill>
+            </a:endParaRPr>
+          </a:p>
+          <a:p>
+            <a:endParaRPr sz="2400">
+              <a:solidFill>
+                <a:schemeClr val="dk1"/>
+              </a:solidFill>
+            </a:endParaRPr>
+          </a:p>
+          <a:p>
+            <a:endParaRPr sz="2400">
+              <a:solidFill>
+                <a:schemeClr val="dk1"/>
+              </a:solidFill>
+            </a:endParaRPr>
+          </a:p>
+          <a:p>
+            <a:endParaRPr sz="2400">
+              <a:solidFill>
+                <a:schemeClr val="dk1"/>
+              </a:solidFill>
+            </a:endParaRPr>
+          </a:p>
+        </p:txBody>
+      </p:sp>
+      <p:sp>
+        <p:nvSpPr>
+          <p:cNvPr id="127" name="Google Shape;127;p21"/>
+          <p:cNvSpPr txBox="1"/>
+          <p:nvPr/>
+        </p:nvSpPr>
+        <p:spPr>
+          <a:xfrm>
+            <a:off x="6185567" y="4474533"/>
+            <a:ext cx="5658400" cy="1959200"/>
+          </a:xfrm>
+          <a:prstGeom prst="rect">
+            <a:avLst/>
+          </a:prstGeom>
+          <a:noFill/>
+          <a:ln>
+            <a:noFill/>
+          </a:ln>
+        </p:spPr>
+        <p:txBody>
+          <a:bodyPr spcFirstLastPara="1" wrap="square" lIns="121900" tIns="121900" rIns="121900" bIns="121900" anchor="t" anchorCtr="0">
+            <a:noAutofit/>
+          </a:bodyPr>
+          <a:lstStyle/>
+          <a:p>
+            <a:pPr>
+              <a:lnSpc>
+                <a:spcPct val="115000"/>
+              </a:lnSpc>
+            </a:pPr>
+            <a:r>
+              <a:rPr lang="en-GB" sz="2400">
+                <a:solidFill>
+                  <a:srgbClr val="434343"/>
+                </a:solidFill>
+              </a:rPr>
+              <a:t>NOTE: we back transform because it would not be fun to interpret a “log-odds increase or decrease of outcome y” if we used β</a:t>
+            </a:r>
+            <a:r>
+              <a:rPr lang="en-GB" sz="2400" baseline="-25000">
+                <a:solidFill>
+                  <a:srgbClr val="434343"/>
+                </a:solidFill>
+              </a:rPr>
+              <a:t>1</a:t>
+            </a:r>
+            <a:r>
+              <a:rPr lang="en-GB" sz="2400">
+                <a:solidFill>
+                  <a:srgbClr val="434343"/>
+                </a:solidFill>
+              </a:rPr>
+              <a:t> directly!</a:t>
+            </a:r>
+            <a:endParaRPr sz="2400">
+              <a:solidFill>
+                <a:srgbClr val="434343"/>
+              </a:solidFill>
+            </a:endParaRPr>
+          </a:p>
+          <a:p>
+            <a:endParaRPr sz="2400">
+              <a:solidFill>
+                <a:schemeClr val="dk1"/>
+              </a:solidFill>
+            </a:endParaRPr>
+          </a:p>
+          <a:p>
+            <a:endParaRPr sz="2400">
+              <a:solidFill>
+                <a:schemeClr val="dk1"/>
+              </a:solidFill>
+            </a:endParaRPr>
+          </a:p>
+        </p:txBody>
+      </p:sp>
+      <p:sp>
+        <p:nvSpPr>
+          <p:cNvPr id="2" name="TextBox 1">
+            <a:extLst>
+              <a:ext uri="{FF2B5EF4-FFF2-40B4-BE49-F238E27FC236}">
+                <a16:creationId xmlns:a16="http://schemas.microsoft.com/office/drawing/2014/main" id="{766189A2-9CBD-A0C4-0160-F19B6EB4F853}"/>
+              </a:ext>
+            </a:extLst>
+          </p:cNvPr>
+          <p:cNvSpPr txBox="1"/>
+          <p:nvPr/>
+        </p:nvSpPr>
+        <p:spPr>
+          <a:xfrm>
+            <a:off x="9339470" y="6550223"/>
+            <a:ext cx="2852530" cy="307777"/>
+          </a:xfrm>
+          <a:prstGeom prst="rect">
+            <a:avLst/>
+          </a:prstGeom>
+          <a:noFill/>
+        </p:spPr>
+        <p:txBody>
+          <a:bodyPr wrap="square" rtlCol="0">
+            <a:spAutoFit/>
+          </a:bodyPr>
+          <a:lstStyle/>
+          <a:p>
+            <a:pPr algn="r"/>
+            <a:r>
+              <a:rPr lang="en-US" dirty="0"/>
+              <a:t>Slides thanks to Shirley Chen </a:t>
+            </a:r>
+          </a:p>
+        </p:txBody>
+      </p:sp>
+    </p:spTree>
+  </p:cSld>
+  <p:clrMapOvr>
+    <a:masterClrMapping/>
+  </p:clrMapOvr>
+</p:sld>
+</file>
+
+<file path=ppt/slides/slide12.xml><?xml version="1.0" encoding="utf-8"?>
+<p:sld xmlns:a="http://schemas.openxmlformats.org/drawingml/2006/main" xmlns:r="http://schemas.openxmlformats.org/officeDocument/2006/relationships" xmlns:p="http://schemas.openxmlformats.org/presentationml/2006/main">
+  <p:cSld>
+    <p:spTree>
+      <p:nvGrpSpPr>
+        <p:cNvPr id="1" name="Shape 131"/>
+        <p:cNvGrpSpPr/>
+        <p:nvPr/>
+      </p:nvGrpSpPr>
+      <p:grpSpPr>
+        <a:xfrm>
+          <a:off x="0" y="0"/>
+          <a:ext cx="0" cy="0"/>
+          <a:chOff x="0" y="0"/>
+          <a:chExt cx="0" cy="0"/>
+        </a:xfrm>
+      </p:grpSpPr>
+      <p:sp>
+        <p:nvSpPr>
+          <p:cNvPr id="132" name="Google Shape;132;p22"/>
+          <p:cNvSpPr txBox="1"/>
+          <p:nvPr/>
+        </p:nvSpPr>
+        <p:spPr>
+          <a:xfrm>
+            <a:off x="963567" y="747000"/>
+            <a:ext cx="6412000" cy="5364000"/>
+          </a:xfrm>
+          <a:prstGeom prst="rect">
+            <a:avLst/>
+          </a:prstGeom>
+          <a:noFill/>
+          <a:ln>
+            <a:noFill/>
+          </a:ln>
+        </p:spPr>
+        <p:txBody>
+          <a:bodyPr spcFirstLastPara="1" wrap="square" lIns="121900" tIns="121900" rIns="121900" bIns="121900" anchor="t" anchorCtr="0">
+            <a:noAutofit/>
+          </a:bodyPr>
+          <a:lstStyle/>
+          <a:p>
+            <a:r>
+              <a:rPr lang="en-GB" sz="2400">
+                <a:solidFill>
+                  <a:schemeClr val="dk1"/>
+                </a:solidFill>
+              </a:rPr>
+              <a:t>Effect size: </a:t>
+            </a:r>
+            <a:r>
+              <a:rPr lang="en-GB" sz="2400" b="1">
+                <a:solidFill>
+                  <a:schemeClr val="dk1"/>
+                </a:solidFill>
+              </a:rPr>
+              <a:t>Odds ratio (OR) = e</a:t>
+            </a:r>
+            <a:r>
+              <a:rPr lang="en-GB" sz="2400" b="1" baseline="30000">
+                <a:solidFill>
+                  <a:schemeClr val="dk1"/>
+                </a:solidFill>
+              </a:rPr>
+              <a:t>β1</a:t>
+            </a:r>
+            <a:endParaRPr sz="2933" b="1" baseline="30000">
+              <a:solidFill>
+                <a:schemeClr val="dk1"/>
+              </a:solidFill>
+            </a:endParaRPr>
+          </a:p>
+          <a:p>
+            <a:endParaRPr sz="2400">
+              <a:solidFill>
+                <a:schemeClr val="dk1"/>
+              </a:solidFill>
+            </a:endParaRPr>
+          </a:p>
+          <a:p>
+            <a:r>
+              <a:rPr lang="en-GB" sz="2400">
+                <a:solidFill>
+                  <a:schemeClr val="dk1"/>
+                </a:solidFill>
+              </a:rPr>
+              <a:t>Increased or decreased odds of outcome y per unit increase of x</a:t>
+            </a:r>
+            <a:endParaRPr sz="2400">
+              <a:solidFill>
+                <a:schemeClr val="dk1"/>
+              </a:solidFill>
+            </a:endParaRPr>
+          </a:p>
+          <a:p>
+            <a:endParaRPr sz="2400">
+              <a:solidFill>
+                <a:schemeClr val="dk1"/>
+              </a:solidFill>
+            </a:endParaRPr>
+          </a:p>
+          <a:p>
+            <a:r>
+              <a:rPr lang="en-GB" sz="2400">
+                <a:solidFill>
+                  <a:schemeClr val="dk2"/>
+                </a:solidFill>
+              </a:rPr>
+              <a:t>e.g. if OR = 1.74 when modelling the relationship between </a:t>
+            </a:r>
+            <a:endParaRPr sz="2400">
+              <a:solidFill>
+                <a:schemeClr val="dk2"/>
+              </a:solidFill>
+            </a:endParaRPr>
+          </a:p>
+          <a:p>
+            <a:endParaRPr sz="2400">
+              <a:solidFill>
+                <a:schemeClr val="dk2"/>
+              </a:solidFill>
+            </a:endParaRPr>
+          </a:p>
+          <a:p>
+            <a:r>
+              <a:rPr lang="en-GB" sz="2400">
+                <a:solidFill>
+                  <a:schemeClr val="dk2"/>
+                </a:solidFill>
+              </a:rPr>
+              <a:t>x = medicine dosage (ml) </a:t>
+            </a:r>
+            <a:endParaRPr sz="2400">
+              <a:solidFill>
+                <a:schemeClr val="dk2"/>
+              </a:solidFill>
+            </a:endParaRPr>
+          </a:p>
+          <a:p>
+            <a:r>
+              <a:rPr lang="en-GB" sz="2400">
+                <a:solidFill>
+                  <a:schemeClr val="dk2"/>
+                </a:solidFill>
+              </a:rPr>
+              <a:t>y = recovery (success/failure) </a:t>
+            </a:r>
+            <a:endParaRPr sz="2400">
+              <a:solidFill>
+                <a:schemeClr val="dk2"/>
+              </a:solidFill>
+            </a:endParaRPr>
+          </a:p>
+          <a:p>
+            <a:endParaRPr sz="2400">
+              <a:solidFill>
+                <a:schemeClr val="dk2"/>
+              </a:solidFill>
+            </a:endParaRPr>
+          </a:p>
+          <a:p>
+            <a:r>
+              <a:rPr lang="en-GB" sz="2400">
+                <a:solidFill>
+                  <a:schemeClr val="dk2"/>
+                </a:solidFill>
+              </a:rPr>
+              <a:t>the odds of recovering is 1.74x higher for every 1 ml increase in medicine dosed</a:t>
+            </a:r>
+            <a:endParaRPr sz="2400">
+              <a:solidFill>
+                <a:schemeClr val="dk1"/>
+              </a:solidFill>
+            </a:endParaRPr>
+          </a:p>
+        </p:txBody>
+      </p:sp>
+      <p:sp>
+        <p:nvSpPr>
+          <p:cNvPr id="2" name="TextBox 1">
+            <a:extLst>
+              <a:ext uri="{FF2B5EF4-FFF2-40B4-BE49-F238E27FC236}">
+                <a16:creationId xmlns:a16="http://schemas.microsoft.com/office/drawing/2014/main" id="{55E5EF17-57CF-9EC9-068F-A7B702246F84}"/>
+              </a:ext>
+            </a:extLst>
+          </p:cNvPr>
+          <p:cNvSpPr txBox="1"/>
+          <p:nvPr/>
+        </p:nvSpPr>
+        <p:spPr>
+          <a:xfrm>
+            <a:off x="9339470" y="6550223"/>
+            <a:ext cx="2852530" cy="307777"/>
+          </a:xfrm>
+          <a:prstGeom prst="rect">
+            <a:avLst/>
+          </a:prstGeom>
+          <a:noFill/>
+        </p:spPr>
+        <p:txBody>
+          <a:bodyPr wrap="square" rtlCol="0">
+            <a:spAutoFit/>
+          </a:bodyPr>
+          <a:lstStyle/>
+          <a:p>
+            <a:pPr algn="r"/>
+            <a:r>
+              <a:rPr lang="en-US" dirty="0"/>
+              <a:t>Slides thanks to Shirley Chen </a:t>
+            </a:r>
+          </a:p>
+        </p:txBody>
+      </p:sp>
+    </p:spTree>
+  </p:cSld>
+  <p:clrMapOvr>
+    <a:masterClrMapping/>
+  </p:clrMapOvr>
+</p:sld>
+</file>
+
+<file path=ppt/slides/slide13.xml><?xml version="1.0" encoding="utf-8"?>
+<p:sld xmlns:a="http://schemas.openxmlformats.org/drawingml/2006/main" xmlns:r="http://schemas.openxmlformats.org/officeDocument/2006/relationships" xmlns:p="http://schemas.openxmlformats.org/presentationml/2006/main">
+  <p:cSld>
+    <p:spTree>
+      <p:nvGrpSpPr>
+        <p:cNvPr id="1" name="Shape 136"/>
+        <p:cNvGrpSpPr/>
+        <p:nvPr/>
+      </p:nvGrpSpPr>
+      <p:grpSpPr>
+        <a:xfrm>
+          <a:off x="0" y="0"/>
+          <a:ext cx="0" cy="0"/>
+          <a:chOff x="0" y="0"/>
+          <a:chExt cx="0" cy="0"/>
+        </a:xfrm>
+      </p:grpSpPr>
+      <p:sp>
+        <p:nvSpPr>
+          <p:cNvPr id="137" name="Google Shape;137;p23"/>
+          <p:cNvSpPr txBox="1"/>
+          <p:nvPr/>
+        </p:nvSpPr>
+        <p:spPr>
+          <a:xfrm>
+            <a:off x="963567" y="747000"/>
+            <a:ext cx="6412000" cy="5364000"/>
+          </a:xfrm>
+          <a:prstGeom prst="rect">
+            <a:avLst/>
+          </a:prstGeom>
+          <a:noFill/>
+          <a:ln>
+            <a:noFill/>
+          </a:ln>
+        </p:spPr>
+        <p:txBody>
+          <a:bodyPr spcFirstLastPara="1" wrap="square" lIns="121900" tIns="121900" rIns="121900" bIns="121900" anchor="t" anchorCtr="0">
+            <a:noAutofit/>
+          </a:bodyPr>
+          <a:lstStyle/>
+          <a:p>
+            <a:r>
+              <a:rPr lang="en-GB" sz="2400">
+                <a:solidFill>
+                  <a:schemeClr val="dk1"/>
+                </a:solidFill>
+              </a:rPr>
+              <a:t>Effect size: </a:t>
+            </a:r>
+            <a:r>
+              <a:rPr lang="en-GB" sz="2400" b="1">
+                <a:solidFill>
+                  <a:schemeClr val="dk1"/>
+                </a:solidFill>
+              </a:rPr>
+              <a:t>Odds ratio (OR) = e</a:t>
+            </a:r>
+            <a:r>
+              <a:rPr lang="en-GB" sz="2400" b="1" baseline="30000">
+                <a:solidFill>
+                  <a:schemeClr val="dk1"/>
+                </a:solidFill>
+              </a:rPr>
+              <a:t>β1</a:t>
+            </a:r>
+            <a:endParaRPr sz="2933" b="1" baseline="30000">
+              <a:solidFill>
+                <a:schemeClr val="dk1"/>
+              </a:solidFill>
+            </a:endParaRPr>
+          </a:p>
+          <a:p>
+            <a:endParaRPr sz="2400">
+              <a:solidFill>
+                <a:schemeClr val="dk1"/>
+              </a:solidFill>
+            </a:endParaRPr>
+          </a:p>
+          <a:p>
+            <a:r>
+              <a:rPr lang="en-GB" sz="2400">
+                <a:solidFill>
+                  <a:schemeClr val="dk1"/>
+                </a:solidFill>
+              </a:rPr>
+              <a:t>Increased or decreased odds of outcome y per unit increase of x</a:t>
+            </a:r>
+            <a:endParaRPr sz="2400">
+              <a:solidFill>
+                <a:schemeClr val="dk1"/>
+              </a:solidFill>
+            </a:endParaRPr>
+          </a:p>
+          <a:p>
+            <a:endParaRPr sz="2400">
+              <a:solidFill>
+                <a:schemeClr val="dk1"/>
+              </a:solidFill>
+            </a:endParaRPr>
+          </a:p>
+          <a:p>
+            <a:r>
+              <a:rPr lang="en-GB" sz="2400">
+                <a:solidFill>
+                  <a:schemeClr val="dk2"/>
+                </a:solidFill>
+              </a:rPr>
+              <a:t>e.g. if OR = 1.74 when modelling the relationship between </a:t>
+            </a:r>
+            <a:endParaRPr sz="2400">
+              <a:solidFill>
+                <a:schemeClr val="dk2"/>
+              </a:solidFill>
+            </a:endParaRPr>
+          </a:p>
+          <a:p>
+            <a:endParaRPr sz="2400">
+              <a:solidFill>
+                <a:schemeClr val="dk2"/>
+              </a:solidFill>
+            </a:endParaRPr>
+          </a:p>
+          <a:p>
+            <a:r>
+              <a:rPr lang="en-GB" sz="2400">
+                <a:solidFill>
+                  <a:schemeClr val="dk2"/>
+                </a:solidFill>
+              </a:rPr>
+              <a:t>x = medicine dosage (ml) </a:t>
+            </a:r>
+            <a:endParaRPr sz="2400">
+              <a:solidFill>
+                <a:schemeClr val="dk2"/>
+              </a:solidFill>
+            </a:endParaRPr>
+          </a:p>
+          <a:p>
+            <a:r>
+              <a:rPr lang="en-GB" sz="2400">
+                <a:solidFill>
+                  <a:schemeClr val="dk2"/>
+                </a:solidFill>
+              </a:rPr>
+              <a:t>y = recovery (success/failure) </a:t>
+            </a:r>
+            <a:endParaRPr sz="2400">
+              <a:solidFill>
+                <a:schemeClr val="dk2"/>
+              </a:solidFill>
+            </a:endParaRPr>
+          </a:p>
+          <a:p>
+            <a:endParaRPr sz="2400">
+              <a:solidFill>
+                <a:schemeClr val="dk2"/>
+              </a:solidFill>
+            </a:endParaRPr>
+          </a:p>
+          <a:p>
+            <a:r>
+              <a:rPr lang="en-GB" sz="2400">
+                <a:solidFill>
+                  <a:schemeClr val="dk2"/>
+                </a:solidFill>
+              </a:rPr>
+              <a:t>the odds of recovering is 1.74x higher for every 1 ml increase in medicine dosed</a:t>
+            </a:r>
+            <a:endParaRPr sz="2400">
+              <a:solidFill>
+                <a:schemeClr val="dk1"/>
+              </a:solidFill>
+            </a:endParaRPr>
+          </a:p>
+        </p:txBody>
+      </p:sp>
+      <p:sp>
+        <p:nvSpPr>
+          <p:cNvPr id="138" name="Google Shape;138;p23"/>
+          <p:cNvSpPr txBox="1"/>
+          <p:nvPr/>
+        </p:nvSpPr>
+        <p:spPr>
+          <a:xfrm>
+            <a:off x="7441100" y="747000"/>
+            <a:ext cx="4322800" cy="2575200"/>
+          </a:xfrm>
+          <a:prstGeom prst="rect">
+            <a:avLst/>
+          </a:prstGeom>
+          <a:noFill/>
+          <a:ln>
+            <a:noFill/>
+          </a:ln>
+        </p:spPr>
+        <p:txBody>
+          <a:bodyPr spcFirstLastPara="1" wrap="square" lIns="121900" tIns="121900" rIns="121900" bIns="121900" anchor="t" anchorCtr="0">
+            <a:noAutofit/>
+          </a:bodyPr>
+          <a:lstStyle/>
+          <a:p>
+            <a:r>
+              <a:rPr lang="en-GB" sz="2400" b="1">
+                <a:solidFill>
+                  <a:schemeClr val="dk1"/>
+                </a:solidFill>
+              </a:rPr>
+              <a:t>OR = 1 is the null outcome</a:t>
+            </a:r>
+            <a:endParaRPr sz="2400" b="1">
+              <a:solidFill>
+                <a:schemeClr val="dk1"/>
+              </a:solidFill>
+            </a:endParaRPr>
+          </a:p>
+          <a:p>
+            <a:endParaRPr sz="2400">
+              <a:solidFill>
+                <a:schemeClr val="dk1"/>
+              </a:solidFill>
+            </a:endParaRPr>
+          </a:p>
+          <a:p>
+            <a:r>
+              <a:rPr lang="en-GB" sz="2400">
+                <a:solidFill>
+                  <a:schemeClr val="dk1"/>
+                </a:solidFill>
+              </a:rPr>
+              <a:t>…which makes sense because if (1) = e</a:t>
+            </a:r>
+            <a:r>
+              <a:rPr lang="en-GB" sz="2400" baseline="30000">
+                <a:solidFill>
+                  <a:schemeClr val="dk1"/>
+                </a:solidFill>
+              </a:rPr>
+              <a:t>β1</a:t>
+            </a:r>
+            <a:endParaRPr sz="2400" baseline="30000">
+              <a:solidFill>
+                <a:schemeClr val="dk1"/>
+              </a:solidFill>
+            </a:endParaRPr>
+          </a:p>
+          <a:p>
+            <a:endParaRPr sz="2400" baseline="30000">
+              <a:solidFill>
+                <a:schemeClr val="dk1"/>
+              </a:solidFill>
+            </a:endParaRPr>
+          </a:p>
+          <a:p>
+            <a:r>
+              <a:rPr lang="en-GB" sz="2400">
+                <a:solidFill>
+                  <a:schemeClr val="dk1"/>
+                </a:solidFill>
+              </a:rPr>
+              <a:t>then β</a:t>
+            </a:r>
+            <a:r>
+              <a:rPr lang="en-GB" sz="2400" baseline="-25000">
+                <a:solidFill>
+                  <a:schemeClr val="dk1"/>
+                </a:solidFill>
+              </a:rPr>
+              <a:t>1 </a:t>
+            </a:r>
+            <a:r>
+              <a:rPr lang="en-GB" sz="2400">
+                <a:solidFill>
+                  <a:schemeClr val="dk1"/>
+                </a:solidFill>
+              </a:rPr>
+              <a:t>= 0 (slope)</a:t>
+            </a:r>
+            <a:endParaRPr sz="2400">
+              <a:solidFill>
+                <a:schemeClr val="dk1"/>
+              </a:solidFill>
+            </a:endParaRPr>
+          </a:p>
+          <a:p>
+            <a:endParaRPr sz="2400">
+              <a:solidFill>
+                <a:schemeClr val="dk1"/>
+              </a:solidFill>
+            </a:endParaRPr>
+          </a:p>
+          <a:p>
+            <a:pPr>
+              <a:buClr>
+                <a:schemeClr val="dk1"/>
+              </a:buClr>
+              <a:buSzPts val="1100"/>
+            </a:pPr>
+            <a:endParaRPr sz="2400">
+              <a:solidFill>
+                <a:schemeClr val="dk1"/>
+              </a:solidFill>
+            </a:endParaRPr>
+          </a:p>
+          <a:p>
+            <a:endParaRPr sz="2400" baseline="30000">
+              <a:solidFill>
+                <a:schemeClr val="dk1"/>
+              </a:solidFill>
+            </a:endParaRPr>
+          </a:p>
+          <a:p>
+            <a:endParaRPr sz="2400">
+              <a:solidFill>
+                <a:schemeClr val="dk1"/>
+              </a:solidFill>
+            </a:endParaRPr>
+          </a:p>
+        </p:txBody>
+      </p:sp>
+      <p:sp>
+        <p:nvSpPr>
+          <p:cNvPr id="139" name="Google Shape;139;p23"/>
+          <p:cNvSpPr/>
+          <p:nvPr/>
+        </p:nvSpPr>
+        <p:spPr>
+          <a:xfrm>
+            <a:off x="8666167" y="3322229"/>
+            <a:ext cx="370400" cy="777600"/>
+          </a:xfrm>
+          <a:prstGeom prst="downArrow">
+            <a:avLst>
+              <a:gd name="adj1" fmla="val 50000"/>
+              <a:gd name="adj2" fmla="val 50000"/>
+            </a:avLst>
+          </a:prstGeom>
+          <a:solidFill>
+            <a:srgbClr val="FFE599"/>
+          </a:solidFill>
+          <a:ln w="9525" cap="flat" cmpd="sng">
+            <a:solidFill>
+              <a:schemeClr val="dk1"/>
+            </a:solidFill>
+            <a:prstDash val="solid"/>
+            <a:round/>
+            <a:headEnd type="none" w="sm" len="sm"/>
+            <a:tailEnd type="none" w="sm" len="sm"/>
+          </a:ln>
+        </p:spPr>
+        <p:txBody>
+          <a:bodyPr spcFirstLastPara="1" wrap="square" lIns="121900" tIns="121900" rIns="121900" bIns="121900" anchor="ctr" anchorCtr="0">
+            <a:noAutofit/>
+          </a:bodyPr>
+          <a:lstStyle/>
+          <a:p>
+            <a:pPr algn="ctr"/>
+            <a:endParaRPr sz="1867"/>
+          </a:p>
+        </p:txBody>
+      </p:sp>
+      <p:sp>
+        <p:nvSpPr>
+          <p:cNvPr id="140" name="Google Shape;140;p23"/>
+          <p:cNvSpPr txBox="1"/>
+          <p:nvPr/>
+        </p:nvSpPr>
+        <p:spPr>
+          <a:xfrm>
+            <a:off x="7487133" y="4227667"/>
+            <a:ext cx="3547200" cy="2217200"/>
+          </a:xfrm>
+          <a:prstGeom prst="rect">
+            <a:avLst/>
+          </a:prstGeom>
+          <a:noFill/>
+          <a:ln>
+            <a:noFill/>
+          </a:ln>
+        </p:spPr>
+        <p:txBody>
+          <a:bodyPr spcFirstLastPara="1" wrap="square" lIns="121900" tIns="121900" rIns="121900" bIns="121900" anchor="t" anchorCtr="0">
+            <a:noAutofit/>
+          </a:bodyPr>
+          <a:lstStyle/>
+          <a:p>
+            <a:r>
+              <a:rPr lang="en-GB" sz="2400">
+                <a:solidFill>
+                  <a:schemeClr val="dk1"/>
+                </a:solidFill>
+              </a:rPr>
+              <a:t>No change in slope is the same as an odds of </a:t>
+            </a:r>
+            <a:r>
+              <a:rPr lang="en-GB" sz="2400" b="1">
+                <a:solidFill>
+                  <a:schemeClr val="dk1"/>
+                </a:solidFill>
+              </a:rPr>
+              <a:t>1x higher or lower</a:t>
+            </a:r>
+            <a:endParaRPr sz="2400" b="1">
+              <a:solidFill>
+                <a:schemeClr val="dk1"/>
+              </a:solidFill>
+            </a:endParaRPr>
+          </a:p>
+          <a:p>
+            <a:endParaRPr sz="2400">
+              <a:solidFill>
+                <a:schemeClr val="dk1"/>
+              </a:solidFill>
+            </a:endParaRPr>
+          </a:p>
+          <a:p>
+            <a:endParaRPr sz="2400" baseline="30000">
+              <a:solidFill>
+                <a:schemeClr val="dk1"/>
+              </a:solidFill>
+            </a:endParaRPr>
+          </a:p>
+          <a:p>
+            <a:endParaRPr sz="2400">
+              <a:solidFill>
+                <a:schemeClr val="dk1"/>
+              </a:solidFill>
+            </a:endParaRPr>
+          </a:p>
+        </p:txBody>
+      </p:sp>
+      <p:sp>
+        <p:nvSpPr>
+          <p:cNvPr id="2" name="TextBox 1">
+            <a:extLst>
+              <a:ext uri="{FF2B5EF4-FFF2-40B4-BE49-F238E27FC236}">
+                <a16:creationId xmlns:a16="http://schemas.microsoft.com/office/drawing/2014/main" id="{154011C4-B08F-E363-B84C-17E7F0F07682}"/>
+              </a:ext>
+            </a:extLst>
+          </p:cNvPr>
+          <p:cNvSpPr txBox="1"/>
+          <p:nvPr/>
+        </p:nvSpPr>
+        <p:spPr>
+          <a:xfrm>
+            <a:off x="9339470" y="6550223"/>
+            <a:ext cx="2852530" cy="307777"/>
+          </a:xfrm>
+          <a:prstGeom prst="rect">
+            <a:avLst/>
+          </a:prstGeom>
+          <a:noFill/>
+        </p:spPr>
+        <p:txBody>
+          <a:bodyPr wrap="square" rtlCol="0">
+            <a:spAutoFit/>
+          </a:bodyPr>
+          <a:lstStyle/>
+          <a:p>
+            <a:pPr algn="r"/>
+            <a:r>
+              <a:rPr lang="en-US" dirty="0"/>
+              <a:t>Slides thanks to Shirley Chen </a:t>
+            </a:r>
+          </a:p>
+        </p:txBody>
+      </p:sp>
+    </p:spTree>
+  </p:cSld>
+  <p:clrMapOvr>
+    <a:masterClrMapping/>
+  </p:clrMapOvr>
+</p:sld>
+</file>
+
+<file path=ppt/slides/slide14.xml><?xml version="1.0" encoding="utf-8"?>
+<p:sld xmlns:a="http://schemas.openxmlformats.org/drawingml/2006/main" xmlns:r="http://schemas.openxmlformats.org/officeDocument/2006/relationships" xmlns:p="http://schemas.openxmlformats.org/presentationml/2006/main">
+  <p:cSld>
+    <p:spTree>
+      <p:nvGrpSpPr>
+        <p:cNvPr id="1" name=""/>
+        <p:cNvGrpSpPr/>
+        <p:nvPr/>
+      </p:nvGrpSpPr>
+      <p:grpSpPr>
+        <a:xfrm>
+          <a:off x="0" y="0"/>
+          <a:ext cx="0" cy="0"/>
+          <a:chOff x="0" y="0"/>
+          <a:chExt cx="0" cy="0"/>
+        </a:xfrm>
+      </p:grpSpPr>
+      <p:sp>
+        <p:nvSpPr>
+          <p:cNvPr id="2" name="Title 1">
+            <a:extLst>
+              <a:ext uri="{FF2B5EF4-FFF2-40B4-BE49-F238E27FC236}">
+                <a16:creationId xmlns:a16="http://schemas.microsoft.com/office/drawing/2014/main" id="{B4EE0881-CA31-7EE3-CAAB-5F513D0FA344}"/>
+              </a:ext>
+            </a:extLst>
+          </p:cNvPr>
+          <p:cNvSpPr>
+            <a:spLocks noGrp="1"/>
+          </p:cNvSpPr>
+          <p:nvPr>
+            <p:ph type="title"/>
+          </p:nvPr>
+        </p:nvSpPr>
+        <p:spPr/>
+        <p:txBody>
+          <a:bodyPr/>
+          <a:lstStyle/>
+          <a:p>
+            <a:r>
+              <a:rPr lang="en-US" dirty="0"/>
+              <a:t>Poisson Regression</a:t>
+            </a:r>
+          </a:p>
+        </p:txBody>
+      </p:sp>
+      <p:sp>
+        <p:nvSpPr>
+          <p:cNvPr id="3" name="Text Placeholder 2">
+            <a:extLst>
+              <a:ext uri="{FF2B5EF4-FFF2-40B4-BE49-F238E27FC236}">
+                <a16:creationId xmlns:a16="http://schemas.microsoft.com/office/drawing/2014/main" id="{2CA4BFC7-C913-A6FB-C30F-952A253AC7F0}"/>
+              </a:ext>
+            </a:extLst>
+          </p:cNvPr>
+          <p:cNvSpPr>
+            <a:spLocks noGrp="1"/>
+          </p:cNvSpPr>
+          <p:nvPr>
+            <p:ph type="body" idx="1"/>
+          </p:nvPr>
+        </p:nvSpPr>
+        <p:spPr/>
+        <p:txBody>
+          <a:bodyPr/>
+          <a:lstStyle/>
+          <a:p>
+            <a:r>
+              <a:rPr lang="en-US" dirty="0"/>
+              <a:t>Reminder: Best used when outcomes are counts!</a:t>
+            </a:r>
+          </a:p>
+          <a:p>
+            <a:endParaRPr lang="en-US" dirty="0"/>
+          </a:p>
+        </p:txBody>
+      </p:sp>
+    </p:spTree>
+    <p:extLst>
+      <p:ext uri="{BB962C8B-B14F-4D97-AF65-F5344CB8AC3E}">
+        <p14:creationId xmlns:p14="http://schemas.microsoft.com/office/powerpoint/2010/main" val="2241623562"/>
+      </p:ext>
+    </p:extLst>
+  </p:cSld>
+  <p:clrMapOvr>
+    <a:masterClrMapping/>
+  </p:clrMapOvr>
+</p:sld>
+</file>
+
+<file path=ppt/slides/slide15.xml><?xml version="1.0" encoding="utf-8"?>
+<p:sld xmlns:a="http://schemas.openxmlformats.org/drawingml/2006/main" xmlns:r="http://schemas.openxmlformats.org/officeDocument/2006/relationships" xmlns:p="http://schemas.openxmlformats.org/presentationml/2006/main">
+  <p:cSld>
+    <p:spTree>
+      <p:nvGrpSpPr>
+        <p:cNvPr id="1" name=""/>
+        <p:cNvGrpSpPr/>
+        <p:nvPr/>
+      </p:nvGrpSpPr>
+      <p:grpSpPr>
+        <a:xfrm>
+          <a:off x="0" y="0"/>
+          <a:ext cx="0" cy="0"/>
+          <a:chOff x="0" y="0"/>
+          <a:chExt cx="0" cy="0"/>
+        </a:xfrm>
+      </p:grpSpPr>
+      <p:sp>
+        <p:nvSpPr>
+          <p:cNvPr id="2" name="Title 1">
+            <a:extLst>
+              <a:ext uri="{FF2B5EF4-FFF2-40B4-BE49-F238E27FC236}">
+                <a16:creationId xmlns:a16="http://schemas.microsoft.com/office/drawing/2014/main" id="{D3E09069-64B4-5BB5-2336-42DD150B292D}"/>
+              </a:ext>
+            </a:extLst>
+          </p:cNvPr>
+          <p:cNvSpPr>
+            <a:spLocks noGrp="1"/>
+          </p:cNvSpPr>
+          <p:nvPr>
+            <p:ph type="title"/>
+          </p:nvPr>
+        </p:nvSpPr>
+        <p:spPr/>
+        <p:txBody>
+          <a:bodyPr/>
+          <a:lstStyle/>
+          <a:p>
+            <a:r>
+              <a:rPr lang="en-US" dirty="0"/>
+              <a:t>Negative Binomial Regression</a:t>
+            </a:r>
+          </a:p>
+        </p:txBody>
+      </p:sp>
+      <p:sp>
+        <p:nvSpPr>
+          <p:cNvPr id="3" name="Text Placeholder 2">
+            <a:extLst>
+              <a:ext uri="{FF2B5EF4-FFF2-40B4-BE49-F238E27FC236}">
+                <a16:creationId xmlns:a16="http://schemas.microsoft.com/office/drawing/2014/main" id="{FC879DB7-5574-568F-C9F8-C33F9901EA3D}"/>
+              </a:ext>
+            </a:extLst>
+          </p:cNvPr>
+          <p:cNvSpPr>
+            <a:spLocks noGrp="1"/>
+          </p:cNvSpPr>
+          <p:nvPr>
+            <p:ph type="body" idx="1"/>
+          </p:nvPr>
+        </p:nvSpPr>
+        <p:spPr/>
+        <p:txBody>
+          <a:bodyPr/>
+          <a:lstStyle/>
+          <a:p>
+            <a:endParaRPr lang="en-US"/>
+          </a:p>
+        </p:txBody>
+      </p:sp>
+    </p:spTree>
+    <p:extLst>
+      <p:ext uri="{BB962C8B-B14F-4D97-AF65-F5344CB8AC3E}">
+        <p14:creationId xmlns:p14="http://schemas.microsoft.com/office/powerpoint/2010/main" val="1283304271"/>
+      </p:ext>
+    </p:extLst>
+  </p:cSld>
+  <p:clrMapOvr>
+    <a:masterClrMapping/>
+  </p:clrMapOvr>
+</p:sld>
+</file>
+
+<file path=ppt/slides/slide16.xml><?xml version="1.0" encoding="utf-8"?>
+<p:sld xmlns:a="http://schemas.openxmlformats.org/drawingml/2006/main" xmlns:r="http://schemas.openxmlformats.org/officeDocument/2006/relationships" xmlns:p="http://schemas.openxmlformats.org/presentationml/2006/main">
+  <p:cSld>
+    <p:spTree>
+      <p:nvGrpSpPr>
+        <p:cNvPr id="1" name=""/>
+        <p:cNvGrpSpPr/>
+        <p:nvPr/>
+      </p:nvGrpSpPr>
+      <p:grpSpPr>
+        <a:xfrm>
+          <a:off x="0" y="0"/>
+          <a:ext cx="0" cy="0"/>
+          <a:chOff x="0" y="0"/>
+          <a:chExt cx="0" cy="0"/>
+        </a:xfrm>
+      </p:grpSpPr>
+      <p:sp>
+        <p:nvSpPr>
+          <p:cNvPr id="2" name="Title 1">
+            <a:extLst>
+              <a:ext uri="{FF2B5EF4-FFF2-40B4-BE49-F238E27FC236}">
+                <a16:creationId xmlns:a16="http://schemas.microsoft.com/office/drawing/2014/main" id="{5B5DFB5C-6CAD-A29E-0069-29468F9AC4D9}"/>
+              </a:ext>
+            </a:extLst>
+          </p:cNvPr>
+          <p:cNvSpPr>
+            <a:spLocks noGrp="1"/>
+          </p:cNvSpPr>
+          <p:nvPr>
+            <p:ph type="title"/>
+          </p:nvPr>
+        </p:nvSpPr>
+        <p:spPr/>
+        <p:txBody>
+          <a:bodyPr/>
+          <a:lstStyle/>
+          <a:p>
+            <a:r>
+              <a:rPr lang="en-US" dirty="0" err="1"/>
+              <a:t>Inclass</a:t>
+            </a:r>
+            <a:r>
+              <a:rPr lang="en-US" dirty="0"/>
+              <a:t> is on </a:t>
+            </a:r>
+            <a:r>
+              <a:rPr lang="en-US" dirty="0" err="1"/>
+              <a:t>eclass</a:t>
+            </a:r>
+            <a:r>
+              <a:rPr lang="en-US" dirty="0"/>
+              <a:t> and </a:t>
+            </a:r>
+            <a:r>
+              <a:rPr lang="en-US" dirty="0" err="1"/>
+              <a:t>github</a:t>
+            </a:r>
+            <a:r>
+              <a:rPr lang="en-US" dirty="0"/>
+              <a:t>!</a:t>
+            </a:r>
+          </a:p>
+        </p:txBody>
+      </p:sp>
+      <p:sp>
+        <p:nvSpPr>
+          <p:cNvPr id="3" name="Text Placeholder 2">
+            <a:extLst>
+              <a:ext uri="{FF2B5EF4-FFF2-40B4-BE49-F238E27FC236}">
+                <a16:creationId xmlns:a16="http://schemas.microsoft.com/office/drawing/2014/main" id="{9E256E54-4B33-B8DE-9F1C-C41485D53A9F}"/>
+              </a:ext>
+            </a:extLst>
+          </p:cNvPr>
+          <p:cNvSpPr>
+            <a:spLocks noGrp="1"/>
+          </p:cNvSpPr>
+          <p:nvPr>
+            <p:ph type="body" idx="1"/>
+          </p:nvPr>
+        </p:nvSpPr>
+        <p:spPr/>
+        <p:txBody>
+          <a:bodyPr/>
+          <a:lstStyle/>
+          <a:p>
+            <a:endParaRPr lang="en-US"/>
+          </a:p>
+        </p:txBody>
+      </p:sp>
+    </p:spTree>
+    <p:extLst>
+      <p:ext uri="{BB962C8B-B14F-4D97-AF65-F5344CB8AC3E}">
+        <p14:creationId xmlns:p14="http://schemas.microsoft.com/office/powerpoint/2010/main" val="2170286067"/>
+      </p:ext>
+    </p:extLst>
+  </p:cSld>
+  <p:clrMapOvr>
+    <a:masterClrMapping/>
+  </p:clrMapOvr>
+</p:sld>
+</file>
+
+<file path=ppt/slides/slide17.xml><?xml version="1.0" encoding="utf-8"?>
+<p:sld xmlns:a="http://schemas.openxmlformats.org/drawingml/2006/main" xmlns:r="http://schemas.openxmlformats.org/officeDocument/2006/relationships" xmlns:p="http://schemas.openxmlformats.org/presentationml/2006/main">
+  <p:cSld>
+    <p:spTree>
+      <p:nvGrpSpPr>
+        <p:cNvPr id="1" name=""/>
+        <p:cNvGrpSpPr/>
+        <p:nvPr/>
+      </p:nvGrpSpPr>
+      <p:grpSpPr>
+        <a:xfrm>
+          <a:off x="0" y="0"/>
+          <a:ext cx="0" cy="0"/>
+          <a:chOff x="0" y="0"/>
+          <a:chExt cx="0" cy="0"/>
+        </a:xfrm>
+      </p:grpSpPr>
+      <p:sp>
+        <p:nvSpPr>
+          <p:cNvPr id="2" name="Title 1">
+            <a:extLst>
+              <a:ext uri="{FF2B5EF4-FFF2-40B4-BE49-F238E27FC236}">
+                <a16:creationId xmlns:a16="http://schemas.microsoft.com/office/drawing/2014/main" id="{1B16A3FA-8EAB-6D76-22C9-F85F29743448}"/>
+              </a:ext>
+            </a:extLst>
+          </p:cNvPr>
+          <p:cNvSpPr>
+            <a:spLocks noGrp="1"/>
+          </p:cNvSpPr>
+          <p:nvPr>
+            <p:ph type="title"/>
+          </p:nvPr>
+        </p:nvSpPr>
+        <p:spPr/>
+        <p:txBody>
+          <a:bodyPr/>
+          <a:lstStyle/>
+          <a:p>
+            <a:endParaRPr lang="en-US"/>
+          </a:p>
+        </p:txBody>
+      </p:sp>
+      <p:sp>
+        <p:nvSpPr>
+          <p:cNvPr id="3" name="Text Placeholder 2">
+            <a:extLst>
+              <a:ext uri="{FF2B5EF4-FFF2-40B4-BE49-F238E27FC236}">
+                <a16:creationId xmlns:a16="http://schemas.microsoft.com/office/drawing/2014/main" id="{5047A624-4238-9479-ED4A-743F4E6BB747}"/>
+              </a:ext>
+            </a:extLst>
+          </p:cNvPr>
+          <p:cNvSpPr>
+            <a:spLocks noGrp="1"/>
+          </p:cNvSpPr>
+          <p:nvPr>
+            <p:ph type="body" idx="1"/>
+          </p:nvPr>
+        </p:nvSpPr>
+        <p:spPr/>
+        <p:txBody>
+          <a:bodyPr/>
+          <a:lstStyle/>
+          <a:p>
+            <a:endParaRPr lang="en-US"/>
+          </a:p>
+        </p:txBody>
+      </p:sp>
+    </p:spTree>
+    <p:extLst>
+      <p:ext uri="{BB962C8B-B14F-4D97-AF65-F5344CB8AC3E}">
+        <p14:creationId xmlns:p14="http://schemas.microsoft.com/office/powerpoint/2010/main" val="1737215669"/>
+      </p:ext>
+    </p:extLst>
+  </p:cSld>
+  <p:clrMapOvr>
+    <a:masterClrMapping/>
+  </p:clrMapOvr>
+</p:sld>
+</file>
+
+<file path=ppt/slides/slide18.xml><?xml version="1.0" encoding="utf-8"?>
+<p:sld xmlns:a="http://schemas.openxmlformats.org/drawingml/2006/main" xmlns:r="http://schemas.openxmlformats.org/officeDocument/2006/relationships" xmlns:p="http://schemas.openxmlformats.org/presentationml/2006/main">
+  <p:cSld>
+    <p:spTree>
+      <p:nvGrpSpPr>
+        <p:cNvPr id="1" name="Shape 144"/>
+        <p:cNvGrpSpPr/>
+        <p:nvPr/>
+      </p:nvGrpSpPr>
+      <p:grpSpPr>
+        <a:xfrm>
+          <a:off x="0" y="0"/>
+          <a:ext cx="0" cy="0"/>
+          <a:chOff x="0" y="0"/>
+          <a:chExt cx="0" cy="0"/>
+        </a:xfrm>
+      </p:grpSpPr>
+      <p:sp>
+        <p:nvSpPr>
+          <p:cNvPr id="145" name="Google Shape;145;p24"/>
+          <p:cNvSpPr txBox="1"/>
+          <p:nvPr/>
+        </p:nvSpPr>
+        <p:spPr>
+          <a:xfrm>
+            <a:off x="1881367" y="2359400"/>
+            <a:ext cx="8586400" cy="1571200"/>
+          </a:xfrm>
+          <a:prstGeom prst="rect">
+            <a:avLst/>
+          </a:prstGeom>
+          <a:noFill/>
+          <a:ln>
+            <a:noFill/>
+          </a:ln>
+        </p:spPr>
+        <p:txBody>
+          <a:bodyPr spcFirstLastPara="1" wrap="square" lIns="121900" tIns="121900" rIns="121900" bIns="121900" anchor="t" anchorCtr="0">
+            <a:noAutofit/>
+          </a:bodyPr>
+          <a:lstStyle/>
+          <a:p>
+            <a:pPr algn="ctr"/>
+            <a:r>
+              <a:rPr lang="en-GB" sz="3333"/>
+              <a:t>Why don’t we just use odds ratio for analyses if it’s more directly interpretable? </a:t>
+            </a:r>
+            <a:endParaRPr sz="3333"/>
+          </a:p>
+        </p:txBody>
+      </p:sp>
+      <p:sp>
+        <p:nvSpPr>
+          <p:cNvPr id="146" name="Google Shape;146;p24"/>
+          <p:cNvSpPr txBox="1"/>
+          <p:nvPr/>
+        </p:nvSpPr>
+        <p:spPr>
+          <a:xfrm>
+            <a:off x="4736600" y="3725233"/>
+            <a:ext cx="2718800" cy="784400"/>
+          </a:xfrm>
+          <a:prstGeom prst="rect">
+            <a:avLst/>
+          </a:prstGeom>
+          <a:noFill/>
+          <a:ln>
+            <a:noFill/>
+          </a:ln>
+        </p:spPr>
+        <p:txBody>
+          <a:bodyPr spcFirstLastPara="1" wrap="square" lIns="121900" tIns="121900" rIns="121900" bIns="121900" anchor="t" anchorCtr="0">
+            <a:noAutofit/>
+          </a:bodyPr>
+          <a:lstStyle/>
+          <a:p>
+            <a:r>
+              <a:rPr lang="en-GB" sz="2400">
+                <a:solidFill>
+                  <a:schemeClr val="dk2"/>
+                </a:solidFill>
+              </a:rPr>
+              <a:t>e.g. meta-analysis </a:t>
+            </a:r>
+            <a:endParaRPr sz="2400">
+              <a:solidFill>
+                <a:schemeClr val="dk2"/>
+              </a:solidFill>
+            </a:endParaRPr>
+          </a:p>
+        </p:txBody>
+      </p:sp>
+      <p:sp>
+        <p:nvSpPr>
+          <p:cNvPr id="2" name="TextBox 1">
+            <a:extLst>
+              <a:ext uri="{FF2B5EF4-FFF2-40B4-BE49-F238E27FC236}">
+                <a16:creationId xmlns:a16="http://schemas.microsoft.com/office/drawing/2014/main" id="{63BCC55D-4D74-FED4-F8F5-918341F50022}"/>
+              </a:ext>
+            </a:extLst>
+          </p:cNvPr>
+          <p:cNvSpPr txBox="1"/>
+          <p:nvPr/>
+        </p:nvSpPr>
+        <p:spPr>
+          <a:xfrm>
+            <a:off x="9339470" y="6550223"/>
+            <a:ext cx="2852530" cy="307777"/>
+          </a:xfrm>
+          <a:prstGeom prst="rect">
+            <a:avLst/>
+          </a:prstGeom>
+          <a:noFill/>
+        </p:spPr>
+        <p:txBody>
+          <a:bodyPr wrap="square" rtlCol="0">
+            <a:spAutoFit/>
+          </a:bodyPr>
+          <a:lstStyle/>
+          <a:p>
+            <a:pPr algn="r"/>
+            <a:r>
+              <a:rPr lang="en-US" dirty="0"/>
+              <a:t>Slides thanks to Shirley Chen </a:t>
+            </a:r>
+          </a:p>
+        </p:txBody>
+      </p:sp>
+    </p:spTree>
+  </p:cSld>
+  <p:clrMapOvr>
+    <a:masterClrMapping/>
+  </p:clrMapOvr>
+</p:sld>
+</file>
+
+<file path=ppt/slides/slide19.xml><?xml version="1.0" encoding="utf-8"?>
+<p:sld xmlns:a="http://schemas.openxmlformats.org/drawingml/2006/main" xmlns:r="http://schemas.openxmlformats.org/officeDocument/2006/relationships" xmlns:p="http://schemas.openxmlformats.org/presentationml/2006/main">
+  <p:cSld>
+    <p:spTree>
+      <p:nvGrpSpPr>
+        <p:cNvPr id="1" name="Shape 150"/>
+        <p:cNvGrpSpPr/>
+        <p:nvPr/>
+      </p:nvGrpSpPr>
+      <p:grpSpPr>
+        <a:xfrm>
+          <a:off x="0" y="0"/>
+          <a:ext cx="0" cy="0"/>
+          <a:chOff x="0" y="0"/>
+          <a:chExt cx="0" cy="0"/>
+        </a:xfrm>
+      </p:grpSpPr>
+      <p:cxnSp>
+        <p:nvCxnSpPr>
+          <p:cNvPr id="151" name="Google Shape;151;p25"/>
+          <p:cNvCxnSpPr/>
+          <p:nvPr/>
+        </p:nvCxnSpPr>
+        <p:spPr>
+          <a:xfrm>
+            <a:off x="1785800" y="1943533"/>
+            <a:ext cx="8620400" cy="0"/>
+          </a:xfrm>
+          <a:prstGeom prst="straightConnector1">
+            <a:avLst/>
+          </a:prstGeom>
+          <a:noFill/>
+          <a:ln w="19050" cap="flat" cmpd="sng">
+            <a:solidFill>
+              <a:schemeClr val="dk1"/>
+            </a:solidFill>
+            <a:prstDash val="solid"/>
+            <a:round/>
+            <a:headEnd type="none" w="med" len="med"/>
+            <a:tailEnd type="none" w="med" len="med"/>
+          </a:ln>
+        </p:spPr>
+      </p:cxnSp>
+      <p:sp>
+        <p:nvSpPr>
+          <p:cNvPr id="152" name="Google Shape;152;p25"/>
+          <p:cNvSpPr/>
+          <p:nvPr/>
+        </p:nvSpPr>
+        <p:spPr>
+          <a:xfrm>
+            <a:off x="5910800" y="2794996"/>
+            <a:ext cx="370400" cy="777600"/>
+          </a:xfrm>
+          <a:prstGeom prst="downArrow">
+            <a:avLst>
+              <a:gd name="adj1" fmla="val 50000"/>
+              <a:gd name="adj2" fmla="val 50000"/>
+            </a:avLst>
+          </a:prstGeom>
+          <a:solidFill>
+            <a:srgbClr val="FFE599"/>
+          </a:solidFill>
+          <a:ln w="9525" cap="flat" cmpd="sng">
+            <a:solidFill>
+              <a:schemeClr val="dk1"/>
+            </a:solidFill>
+            <a:prstDash val="solid"/>
+            <a:round/>
+            <a:headEnd type="none" w="sm" len="sm"/>
+            <a:tailEnd type="none" w="sm" len="sm"/>
+          </a:ln>
+        </p:spPr>
+        <p:txBody>
+          <a:bodyPr spcFirstLastPara="1" wrap="square" lIns="121900" tIns="121900" rIns="121900" bIns="121900" anchor="ctr" anchorCtr="0">
+            <a:noAutofit/>
+          </a:bodyPr>
+          <a:lstStyle/>
+          <a:p>
+            <a:pPr algn="ctr"/>
+            <a:endParaRPr sz="1867"/>
+          </a:p>
+        </p:txBody>
+      </p:sp>
+      <p:cxnSp>
+        <p:nvCxnSpPr>
+          <p:cNvPr id="153" name="Google Shape;153;p25"/>
+          <p:cNvCxnSpPr/>
+          <p:nvPr/>
+        </p:nvCxnSpPr>
+        <p:spPr>
+          <a:xfrm>
+            <a:off x="1785800" y="1786333"/>
+            <a:ext cx="0" cy="314400"/>
+          </a:xfrm>
+          <a:prstGeom prst="straightConnector1">
+            <a:avLst/>
+          </a:prstGeom>
+          <a:noFill/>
+          <a:ln w="19050" cap="flat" cmpd="sng">
+            <a:solidFill>
+              <a:schemeClr val="dk1"/>
+            </a:solidFill>
+            <a:prstDash val="solid"/>
+            <a:round/>
+            <a:headEnd type="none" w="med" len="med"/>
+            <a:tailEnd type="none" w="med" len="med"/>
+          </a:ln>
+        </p:spPr>
+      </p:cxnSp>
+      <p:cxnSp>
+        <p:nvCxnSpPr>
+          <p:cNvPr id="154" name="Google Shape;154;p25"/>
+          <p:cNvCxnSpPr/>
+          <p:nvPr/>
+        </p:nvCxnSpPr>
+        <p:spPr>
+          <a:xfrm>
+            <a:off x="6096000" y="1786333"/>
+            <a:ext cx="0" cy="314400"/>
+          </a:xfrm>
+          <a:prstGeom prst="straightConnector1">
+            <a:avLst/>
+          </a:prstGeom>
+          <a:noFill/>
+          <a:ln w="28575" cap="flat" cmpd="sng">
+            <a:solidFill>
+              <a:srgbClr val="CC0000"/>
+            </a:solidFill>
+            <a:prstDash val="solid"/>
+            <a:round/>
+            <a:headEnd type="none" w="med" len="med"/>
+            <a:tailEnd type="none" w="med" len="med"/>
+          </a:ln>
+        </p:spPr>
+      </p:cxnSp>
+      <p:sp>
+        <p:nvSpPr>
+          <p:cNvPr id="155" name="Google Shape;155;p25"/>
+          <p:cNvSpPr txBox="1"/>
+          <p:nvPr/>
+        </p:nvSpPr>
+        <p:spPr>
+          <a:xfrm>
+            <a:off x="1578200" y="1249967"/>
+            <a:ext cx="415200" cy="426400"/>
+          </a:xfrm>
+          <a:prstGeom prst="rect">
+            <a:avLst/>
+          </a:prstGeom>
+          <a:noFill/>
+          <a:ln>
+            <a:noFill/>
+          </a:ln>
+        </p:spPr>
+        <p:txBody>
+          <a:bodyPr spcFirstLastPara="1" wrap="square" lIns="121900" tIns="121900" rIns="121900" bIns="121900" anchor="t" anchorCtr="0">
+            <a:noAutofit/>
+          </a:bodyPr>
+          <a:lstStyle/>
+          <a:p>
+            <a:r>
+              <a:rPr lang="en-GB" sz="2400"/>
+              <a:t>0</a:t>
+            </a:r>
+            <a:endParaRPr sz="2400"/>
+          </a:p>
+        </p:txBody>
+      </p:sp>
+      <p:sp>
+        <p:nvSpPr>
+          <p:cNvPr id="156" name="Google Shape;156;p25"/>
+          <p:cNvSpPr txBox="1"/>
+          <p:nvPr/>
+        </p:nvSpPr>
+        <p:spPr>
+          <a:xfrm>
+            <a:off x="5866000" y="1196200"/>
+            <a:ext cx="415200" cy="426400"/>
+          </a:xfrm>
+          <a:prstGeom prst="rect">
+            <a:avLst/>
+          </a:prstGeom>
+          <a:noFill/>
+          <a:ln>
+            <a:noFill/>
+          </a:ln>
+        </p:spPr>
+        <p:txBody>
+          <a:bodyPr spcFirstLastPara="1" wrap="square" lIns="121900" tIns="121900" rIns="121900" bIns="121900" anchor="t" anchorCtr="0">
+            <a:noAutofit/>
+          </a:bodyPr>
+          <a:lstStyle/>
+          <a:p>
+            <a:r>
+              <a:rPr lang="en-GB" sz="2400"/>
+              <a:t>1</a:t>
+            </a:r>
+            <a:endParaRPr sz="2400"/>
+          </a:p>
+        </p:txBody>
+      </p:sp>
+      <p:sp>
+        <p:nvSpPr>
+          <p:cNvPr id="157" name="Google Shape;157;p25"/>
+          <p:cNvSpPr txBox="1"/>
+          <p:nvPr/>
+        </p:nvSpPr>
+        <p:spPr>
+          <a:xfrm>
+            <a:off x="9979400" y="1249967"/>
+            <a:ext cx="942800" cy="426400"/>
+          </a:xfrm>
+          <a:prstGeom prst="rect">
+            <a:avLst/>
+          </a:prstGeom>
+          <a:noFill/>
+          <a:ln>
+            <a:noFill/>
+          </a:ln>
+        </p:spPr>
+        <p:txBody>
+          <a:bodyPr spcFirstLastPara="1" wrap="square" lIns="121900" tIns="121900" rIns="121900" bIns="121900" anchor="t" anchorCtr="0">
+            <a:noAutofit/>
+          </a:bodyPr>
+          <a:lstStyle/>
+          <a:p>
+            <a:r>
+              <a:rPr lang="en-GB" sz="2800">
+                <a:solidFill>
+                  <a:schemeClr val="dk1"/>
+                </a:solidFill>
+              </a:rPr>
+              <a:t>+ </a:t>
+            </a:r>
+            <a:r>
+              <a:rPr lang="en-GB" sz="2800" b="1">
+                <a:solidFill>
+                  <a:schemeClr val="dk1"/>
+                </a:solidFill>
+              </a:rPr>
+              <a:t>∞</a:t>
+            </a:r>
+            <a:endParaRPr sz="2800" b="1">
+              <a:solidFill>
+                <a:schemeClr val="dk1"/>
+              </a:solidFill>
+            </a:endParaRPr>
+          </a:p>
+        </p:txBody>
+      </p:sp>
+      <p:sp>
+        <p:nvSpPr>
+          <p:cNvPr id="158" name="Google Shape;158;p25"/>
+          <p:cNvSpPr txBox="1"/>
+          <p:nvPr/>
+        </p:nvSpPr>
+        <p:spPr>
+          <a:xfrm>
+            <a:off x="6495600" y="2843233"/>
+            <a:ext cx="4017200" cy="426400"/>
+          </a:xfrm>
+          <a:prstGeom prst="rect">
+            <a:avLst/>
+          </a:prstGeom>
+          <a:noFill/>
+          <a:ln>
+            <a:noFill/>
+          </a:ln>
+        </p:spPr>
+        <p:txBody>
+          <a:bodyPr spcFirstLastPara="1" wrap="square" lIns="121900" tIns="121900" rIns="121900" bIns="121900" anchor="t" anchorCtr="0">
+            <a:noAutofit/>
+          </a:bodyPr>
+          <a:lstStyle/>
+          <a:p>
+            <a:r>
+              <a:rPr lang="en-GB" sz="2400"/>
+              <a:t>Natural log transformation</a:t>
+            </a:r>
+            <a:endParaRPr sz="2400"/>
+          </a:p>
+        </p:txBody>
+      </p:sp>
+      <p:sp>
+        <p:nvSpPr>
+          <p:cNvPr id="159" name="Google Shape;159;p25"/>
+          <p:cNvSpPr txBox="1"/>
+          <p:nvPr/>
+        </p:nvSpPr>
+        <p:spPr>
+          <a:xfrm>
+            <a:off x="2189800" y="339033"/>
+            <a:ext cx="2642000" cy="651200"/>
+          </a:xfrm>
+          <a:prstGeom prst="rect">
+            <a:avLst/>
+          </a:prstGeom>
+          <a:noFill/>
+          <a:ln>
+            <a:noFill/>
+          </a:ln>
+        </p:spPr>
+        <p:txBody>
+          <a:bodyPr spcFirstLastPara="1" wrap="square" lIns="121900" tIns="121900" rIns="121900" bIns="121900" anchor="t" anchorCtr="0">
+            <a:noAutofit/>
+          </a:bodyPr>
+          <a:lstStyle/>
+          <a:p>
+            <a:r>
+              <a:rPr lang="en-GB" sz="2400">
+                <a:solidFill>
+                  <a:schemeClr val="dk2"/>
+                </a:solidFill>
+              </a:rPr>
+              <a:t>Not symmetrical!</a:t>
+            </a:r>
+            <a:endParaRPr sz="2400">
+              <a:solidFill>
+                <a:schemeClr val="dk2"/>
+              </a:solidFill>
+            </a:endParaRPr>
+          </a:p>
+        </p:txBody>
+      </p:sp>
+      <p:sp>
+        <p:nvSpPr>
+          <p:cNvPr id="2" name="TextBox 1">
+            <a:extLst>
+              <a:ext uri="{FF2B5EF4-FFF2-40B4-BE49-F238E27FC236}">
+                <a16:creationId xmlns:a16="http://schemas.microsoft.com/office/drawing/2014/main" id="{317E092F-452D-9FA5-687D-686F028DF1AD}"/>
+              </a:ext>
+            </a:extLst>
+          </p:cNvPr>
+          <p:cNvSpPr txBox="1"/>
+          <p:nvPr/>
+        </p:nvSpPr>
+        <p:spPr>
+          <a:xfrm>
+            <a:off x="9339470" y="6550223"/>
+            <a:ext cx="2852530" cy="307777"/>
+          </a:xfrm>
+          <a:prstGeom prst="rect">
+            <a:avLst/>
+          </a:prstGeom>
+          <a:noFill/>
+        </p:spPr>
+        <p:txBody>
+          <a:bodyPr wrap="square" rtlCol="0">
+            <a:spAutoFit/>
+          </a:bodyPr>
+          <a:lstStyle/>
+          <a:p>
+            <a:pPr algn="r"/>
+            <a:r>
+              <a:rPr lang="en-US" dirty="0"/>
+              <a:t>Slides thanks to Shirley Chen </a:t>
+            </a:r>
+          </a:p>
+        </p:txBody>
+      </p:sp>
+    </p:spTree>
+  </p:cSld>
+  <p:clrMapOvr>
+    <a:masterClrMapping/>
+  </p:clrMapOvr>
+</p:sld>
+</file>
+
 <file path=ppt/slides/slide2.xml><?xml version="1.0" encoding="utf-8"?>
 <p:sld xmlns:a="http://schemas.openxmlformats.org/drawingml/2006/main" xmlns:r="http://schemas.openxmlformats.org/officeDocument/2006/relationships" xmlns:p="http://schemas.openxmlformats.org/presentationml/2006/main">
   <p:cSld>
@@ -19320,7 +23591,7 @@
         </p:spPr>
         <p:txBody>
           <a:bodyPr spcFirstLastPara="1" wrap="square" lIns="91425" tIns="45700" rIns="91425" bIns="45700" anchor="t" anchorCtr="0">
-            <a:normAutofit lnSpcReduction="10000"/>
+            <a:normAutofit/>
           </a:bodyPr>
           <a:lstStyle/>
           <a:p>
@@ -19331,13 +23602,12 @@
             </a:pPr>
             <a:r>
               <a:rPr lang="en-US" dirty="0"/>
-              <a:t>Take sometime to look at last week’s </a:t>
+              <a:t>Generalized Linear Regressions</a:t>
             </a:r>
             <a:r>
-              <a:rPr lang="en-US" dirty="0" err="1"/>
-              <a:t>inclass</a:t>
+              <a:rPr lang="en-US"/>
+              <a:t>, specifically:</a:t>
             </a:r>
-            <a:endParaRPr lang="en-US" dirty="0"/>
           </a:p>
           <a:p>
             <a:pPr marL="800100" lvl="1">
@@ -19347,7 +23617,7 @@
             </a:pPr>
             <a:r>
               <a:rPr lang="en-US" dirty="0"/>
-              <a:t>Linear regression revisited</a:t>
+              <a:t>Logistic Regression</a:t>
             </a:r>
           </a:p>
           <a:p>
@@ -19358,7 +23628,7 @@
             </a:pPr>
             <a:r>
               <a:rPr lang="en-US" dirty="0"/>
-              <a:t>Multiple regression!</a:t>
+              <a:t>Poisson Regression</a:t>
             </a:r>
           </a:p>
           <a:p>
@@ -19369,7 +23639,7 @@
             </a:pPr>
             <a:r>
               <a:rPr lang="en-US" dirty="0"/>
-              <a:t>Strong Inference vs Multiple competing hypotheses</a:t>
+              <a:t>Negative Binomial Regression</a:t>
             </a:r>
           </a:p>
           <a:p>
@@ -19377,10 +23647,1295 @@
               <a:spcBef>
                 <a:spcPts val="0"/>
               </a:spcBef>
+            </a:pPr>
+            <a:endParaRPr lang="en-US" dirty="0"/>
+          </a:p>
+        </p:txBody>
+      </p:sp>
+    </p:spTree>
+  </p:cSld>
+  <p:clrMapOvr>
+    <a:masterClrMapping/>
+  </p:clrMapOvr>
+</p:sld>
+</file>
+
+<file path=ppt/slides/slide20.xml><?xml version="1.0" encoding="utf-8"?>
+<p:sld xmlns:a="http://schemas.openxmlformats.org/drawingml/2006/main" xmlns:r="http://schemas.openxmlformats.org/officeDocument/2006/relationships" xmlns:p="http://schemas.openxmlformats.org/presentationml/2006/main">
+  <p:cSld>
+    <p:spTree>
+      <p:nvGrpSpPr>
+        <p:cNvPr id="1" name="Shape 163"/>
+        <p:cNvGrpSpPr/>
+        <p:nvPr/>
+      </p:nvGrpSpPr>
+      <p:grpSpPr>
+        <a:xfrm>
+          <a:off x="0" y="0"/>
+          <a:ext cx="0" cy="0"/>
+          <a:chOff x="0" y="0"/>
+          <a:chExt cx="0" cy="0"/>
+        </a:xfrm>
+      </p:grpSpPr>
+      <p:cxnSp>
+        <p:nvCxnSpPr>
+          <p:cNvPr id="164" name="Google Shape;164;p26"/>
+          <p:cNvCxnSpPr/>
+          <p:nvPr/>
+        </p:nvCxnSpPr>
+        <p:spPr>
+          <a:xfrm>
+            <a:off x="1785800" y="1943533"/>
+            <a:ext cx="8620400" cy="0"/>
+          </a:xfrm>
+          <a:prstGeom prst="straightConnector1">
+            <a:avLst/>
+          </a:prstGeom>
+          <a:noFill/>
+          <a:ln w="19050" cap="flat" cmpd="sng">
+            <a:solidFill>
+              <a:schemeClr val="dk1"/>
+            </a:solidFill>
+            <a:prstDash val="solid"/>
+            <a:round/>
+            <a:headEnd type="none" w="med" len="med"/>
+            <a:tailEnd type="none" w="med" len="med"/>
+          </a:ln>
+        </p:spPr>
+      </p:cxnSp>
+      <p:sp>
+        <p:nvSpPr>
+          <p:cNvPr id="165" name="Google Shape;165;p26"/>
+          <p:cNvSpPr/>
+          <p:nvPr/>
+        </p:nvSpPr>
+        <p:spPr>
+          <a:xfrm>
+            <a:off x="5910800" y="2794996"/>
+            <a:ext cx="370400" cy="777600"/>
+          </a:xfrm>
+          <a:prstGeom prst="downArrow">
+            <a:avLst>
+              <a:gd name="adj1" fmla="val 50000"/>
+              <a:gd name="adj2" fmla="val 50000"/>
+            </a:avLst>
+          </a:prstGeom>
+          <a:solidFill>
+            <a:srgbClr val="FFE599"/>
+          </a:solidFill>
+          <a:ln w="9525" cap="flat" cmpd="sng">
+            <a:solidFill>
+              <a:schemeClr val="dk1"/>
+            </a:solidFill>
+            <a:prstDash val="solid"/>
+            <a:round/>
+            <a:headEnd type="none" w="sm" len="sm"/>
+            <a:tailEnd type="none" w="sm" len="sm"/>
+          </a:ln>
+        </p:spPr>
+        <p:txBody>
+          <a:bodyPr spcFirstLastPara="1" wrap="square" lIns="121900" tIns="121900" rIns="121900" bIns="121900" anchor="ctr" anchorCtr="0">
+            <a:noAutofit/>
+          </a:bodyPr>
+          <a:lstStyle/>
+          <a:p>
+            <a:pPr algn="ctr"/>
+            <a:endParaRPr sz="1867"/>
+          </a:p>
+        </p:txBody>
+      </p:sp>
+      <p:cxnSp>
+        <p:nvCxnSpPr>
+          <p:cNvPr id="166" name="Google Shape;166;p26"/>
+          <p:cNvCxnSpPr/>
+          <p:nvPr/>
+        </p:nvCxnSpPr>
+        <p:spPr>
+          <a:xfrm>
+            <a:off x="1785800" y="1786333"/>
+            <a:ext cx="0" cy="314400"/>
+          </a:xfrm>
+          <a:prstGeom prst="straightConnector1">
+            <a:avLst/>
+          </a:prstGeom>
+          <a:noFill/>
+          <a:ln w="19050" cap="flat" cmpd="sng">
+            <a:solidFill>
+              <a:schemeClr val="dk1"/>
+            </a:solidFill>
+            <a:prstDash val="solid"/>
+            <a:round/>
+            <a:headEnd type="none" w="med" len="med"/>
+            <a:tailEnd type="none" w="med" len="med"/>
+          </a:ln>
+        </p:spPr>
+      </p:cxnSp>
+      <p:cxnSp>
+        <p:nvCxnSpPr>
+          <p:cNvPr id="167" name="Google Shape;167;p26"/>
+          <p:cNvCxnSpPr/>
+          <p:nvPr/>
+        </p:nvCxnSpPr>
+        <p:spPr>
+          <a:xfrm>
+            <a:off x="6096000" y="1786333"/>
+            <a:ext cx="0" cy="314400"/>
+          </a:xfrm>
+          <a:prstGeom prst="straightConnector1">
+            <a:avLst/>
+          </a:prstGeom>
+          <a:noFill/>
+          <a:ln w="28575" cap="flat" cmpd="sng">
+            <a:solidFill>
+              <a:srgbClr val="CC0000"/>
+            </a:solidFill>
+            <a:prstDash val="solid"/>
+            <a:round/>
+            <a:headEnd type="none" w="med" len="med"/>
+            <a:tailEnd type="none" w="med" len="med"/>
+          </a:ln>
+        </p:spPr>
+      </p:cxnSp>
+      <p:cxnSp>
+        <p:nvCxnSpPr>
+          <p:cNvPr id="168" name="Google Shape;168;p26"/>
+          <p:cNvCxnSpPr/>
+          <p:nvPr/>
+        </p:nvCxnSpPr>
+        <p:spPr>
+          <a:xfrm>
+            <a:off x="1785800" y="4925700"/>
+            <a:ext cx="8620400" cy="0"/>
+          </a:xfrm>
+          <a:prstGeom prst="straightConnector1">
+            <a:avLst/>
+          </a:prstGeom>
+          <a:noFill/>
+          <a:ln w="19050" cap="flat" cmpd="sng">
+            <a:solidFill>
+              <a:schemeClr val="dk1"/>
+            </a:solidFill>
+            <a:prstDash val="solid"/>
+            <a:round/>
+            <a:headEnd type="none" w="med" len="med"/>
+            <a:tailEnd type="none" w="med" len="med"/>
+          </a:ln>
+        </p:spPr>
+      </p:cxnSp>
+      <p:cxnSp>
+        <p:nvCxnSpPr>
+          <p:cNvPr id="169" name="Google Shape;169;p26"/>
+          <p:cNvCxnSpPr/>
+          <p:nvPr/>
+        </p:nvCxnSpPr>
+        <p:spPr>
+          <a:xfrm>
+            <a:off x="6096000" y="4768500"/>
+            <a:ext cx="0" cy="314400"/>
+          </a:xfrm>
+          <a:prstGeom prst="straightConnector1">
+            <a:avLst/>
+          </a:prstGeom>
+          <a:noFill/>
+          <a:ln w="28575" cap="flat" cmpd="sng">
+            <a:solidFill>
+              <a:srgbClr val="CC0000"/>
+            </a:solidFill>
+            <a:prstDash val="solid"/>
+            <a:round/>
+            <a:headEnd type="none" w="med" len="med"/>
+            <a:tailEnd type="none" w="med" len="med"/>
+          </a:ln>
+        </p:spPr>
+      </p:cxnSp>
+      <p:sp>
+        <p:nvSpPr>
+          <p:cNvPr id="170" name="Google Shape;170;p26"/>
+          <p:cNvSpPr txBox="1"/>
+          <p:nvPr/>
+        </p:nvSpPr>
+        <p:spPr>
+          <a:xfrm>
+            <a:off x="1578200" y="1249967"/>
+            <a:ext cx="415200" cy="426400"/>
+          </a:xfrm>
+          <a:prstGeom prst="rect">
+            <a:avLst/>
+          </a:prstGeom>
+          <a:noFill/>
+          <a:ln>
+            <a:noFill/>
+          </a:ln>
+        </p:spPr>
+        <p:txBody>
+          <a:bodyPr spcFirstLastPara="1" wrap="square" lIns="121900" tIns="121900" rIns="121900" bIns="121900" anchor="t" anchorCtr="0">
+            <a:noAutofit/>
+          </a:bodyPr>
+          <a:lstStyle/>
+          <a:p>
+            <a:r>
+              <a:rPr lang="en-GB" sz="2400"/>
+              <a:t>0</a:t>
+            </a:r>
+            <a:endParaRPr sz="2400"/>
+          </a:p>
+        </p:txBody>
+      </p:sp>
+      <p:sp>
+        <p:nvSpPr>
+          <p:cNvPr id="171" name="Google Shape;171;p26"/>
+          <p:cNvSpPr txBox="1"/>
+          <p:nvPr/>
+        </p:nvSpPr>
+        <p:spPr>
+          <a:xfrm>
+            <a:off x="5888400" y="4220867"/>
+            <a:ext cx="415200" cy="426400"/>
+          </a:xfrm>
+          <a:prstGeom prst="rect">
+            <a:avLst/>
+          </a:prstGeom>
+          <a:noFill/>
+          <a:ln>
+            <a:noFill/>
+          </a:ln>
+        </p:spPr>
+        <p:txBody>
+          <a:bodyPr spcFirstLastPara="1" wrap="square" lIns="121900" tIns="121900" rIns="121900" bIns="121900" anchor="t" anchorCtr="0">
+            <a:noAutofit/>
+          </a:bodyPr>
+          <a:lstStyle/>
+          <a:p>
+            <a:r>
+              <a:rPr lang="en-GB" sz="2400"/>
+              <a:t>0</a:t>
+            </a:r>
+            <a:endParaRPr sz="2400"/>
+          </a:p>
+        </p:txBody>
+      </p:sp>
+      <p:sp>
+        <p:nvSpPr>
+          <p:cNvPr id="172" name="Google Shape;172;p26"/>
+          <p:cNvSpPr txBox="1"/>
+          <p:nvPr/>
+        </p:nvSpPr>
+        <p:spPr>
+          <a:xfrm>
+            <a:off x="5866000" y="1196200"/>
+            <a:ext cx="415200" cy="426400"/>
+          </a:xfrm>
+          <a:prstGeom prst="rect">
+            <a:avLst/>
+          </a:prstGeom>
+          <a:noFill/>
+          <a:ln>
+            <a:noFill/>
+          </a:ln>
+        </p:spPr>
+        <p:txBody>
+          <a:bodyPr spcFirstLastPara="1" wrap="square" lIns="121900" tIns="121900" rIns="121900" bIns="121900" anchor="t" anchorCtr="0">
+            <a:noAutofit/>
+          </a:bodyPr>
+          <a:lstStyle/>
+          <a:p>
+            <a:r>
+              <a:rPr lang="en-GB" sz="2400"/>
+              <a:t>1</a:t>
+            </a:r>
+            <a:endParaRPr sz="2400"/>
+          </a:p>
+        </p:txBody>
+      </p:sp>
+      <p:sp>
+        <p:nvSpPr>
+          <p:cNvPr id="173" name="Google Shape;173;p26"/>
+          <p:cNvSpPr txBox="1"/>
+          <p:nvPr/>
+        </p:nvSpPr>
+        <p:spPr>
+          <a:xfrm>
+            <a:off x="9979400" y="1249967"/>
+            <a:ext cx="942800" cy="426400"/>
+          </a:xfrm>
+          <a:prstGeom prst="rect">
+            <a:avLst/>
+          </a:prstGeom>
+          <a:noFill/>
+          <a:ln>
+            <a:noFill/>
+          </a:ln>
+        </p:spPr>
+        <p:txBody>
+          <a:bodyPr spcFirstLastPara="1" wrap="square" lIns="121900" tIns="121900" rIns="121900" bIns="121900" anchor="t" anchorCtr="0">
+            <a:noAutofit/>
+          </a:bodyPr>
+          <a:lstStyle/>
+          <a:p>
+            <a:r>
+              <a:rPr lang="en-GB" sz="2800">
+                <a:solidFill>
+                  <a:schemeClr val="dk1"/>
+                </a:solidFill>
+              </a:rPr>
+              <a:t>+ </a:t>
+            </a:r>
+            <a:r>
+              <a:rPr lang="en-GB" sz="2800" b="1">
+                <a:solidFill>
+                  <a:schemeClr val="dk1"/>
+                </a:solidFill>
+              </a:rPr>
+              <a:t>∞</a:t>
+            </a:r>
+            <a:endParaRPr sz="2800" b="1">
+              <a:solidFill>
+                <a:schemeClr val="dk1"/>
+              </a:solidFill>
+            </a:endParaRPr>
+          </a:p>
+        </p:txBody>
+      </p:sp>
+      <p:sp>
+        <p:nvSpPr>
+          <p:cNvPr id="174" name="Google Shape;174;p26"/>
+          <p:cNvSpPr txBox="1"/>
+          <p:nvPr/>
+        </p:nvSpPr>
+        <p:spPr>
+          <a:xfrm>
+            <a:off x="9912067" y="4220867"/>
+            <a:ext cx="942800" cy="426400"/>
+          </a:xfrm>
+          <a:prstGeom prst="rect">
+            <a:avLst/>
+          </a:prstGeom>
+          <a:noFill/>
+          <a:ln>
+            <a:noFill/>
+          </a:ln>
+        </p:spPr>
+        <p:txBody>
+          <a:bodyPr spcFirstLastPara="1" wrap="square" lIns="121900" tIns="121900" rIns="121900" bIns="121900" anchor="t" anchorCtr="0">
+            <a:noAutofit/>
+          </a:bodyPr>
+          <a:lstStyle/>
+          <a:p>
+            <a:r>
+              <a:rPr lang="en-GB" sz="2800">
+                <a:solidFill>
+                  <a:schemeClr val="dk1"/>
+                </a:solidFill>
+              </a:rPr>
+              <a:t>+ </a:t>
+            </a:r>
+            <a:r>
+              <a:rPr lang="en-GB" sz="2800" b="1">
+                <a:solidFill>
+                  <a:schemeClr val="dk1"/>
+                </a:solidFill>
+              </a:rPr>
+              <a:t>∞</a:t>
+            </a:r>
+            <a:endParaRPr sz="2800" b="1">
+              <a:solidFill>
+                <a:schemeClr val="dk1"/>
+              </a:solidFill>
+            </a:endParaRPr>
+          </a:p>
+        </p:txBody>
+      </p:sp>
+      <p:sp>
+        <p:nvSpPr>
+          <p:cNvPr id="175" name="Google Shape;175;p26"/>
+          <p:cNvSpPr txBox="1"/>
+          <p:nvPr/>
+        </p:nvSpPr>
+        <p:spPr>
+          <a:xfrm>
+            <a:off x="1498200" y="4220867"/>
+            <a:ext cx="942800" cy="426400"/>
+          </a:xfrm>
+          <a:prstGeom prst="rect">
+            <a:avLst/>
+          </a:prstGeom>
+          <a:noFill/>
+          <a:ln>
+            <a:noFill/>
+          </a:ln>
+        </p:spPr>
+        <p:txBody>
+          <a:bodyPr spcFirstLastPara="1" wrap="square" lIns="121900" tIns="121900" rIns="121900" bIns="121900" anchor="t" anchorCtr="0">
+            <a:noAutofit/>
+          </a:bodyPr>
+          <a:lstStyle/>
+          <a:p>
+            <a:r>
+              <a:rPr lang="en-GB" sz="2800">
+                <a:solidFill>
+                  <a:schemeClr val="dk1"/>
+                </a:solidFill>
+              </a:rPr>
+              <a:t>- </a:t>
+            </a:r>
+            <a:r>
+              <a:rPr lang="en-GB" sz="2800" b="1">
+                <a:solidFill>
+                  <a:schemeClr val="dk1"/>
+                </a:solidFill>
+              </a:rPr>
+              <a:t>∞</a:t>
+            </a:r>
+            <a:endParaRPr sz="2800" b="1">
+              <a:solidFill>
+                <a:schemeClr val="dk1"/>
+              </a:solidFill>
+            </a:endParaRPr>
+          </a:p>
+        </p:txBody>
+      </p:sp>
+      <p:sp>
+        <p:nvSpPr>
+          <p:cNvPr id="176" name="Google Shape;176;p26"/>
+          <p:cNvSpPr txBox="1"/>
+          <p:nvPr/>
+        </p:nvSpPr>
+        <p:spPr>
+          <a:xfrm>
+            <a:off x="6495600" y="2843233"/>
+            <a:ext cx="3910400" cy="426400"/>
+          </a:xfrm>
+          <a:prstGeom prst="rect">
+            <a:avLst/>
+          </a:prstGeom>
+          <a:noFill/>
+          <a:ln>
+            <a:noFill/>
+          </a:ln>
+        </p:spPr>
+        <p:txBody>
+          <a:bodyPr spcFirstLastPara="1" wrap="square" lIns="121900" tIns="121900" rIns="121900" bIns="121900" anchor="t" anchorCtr="0">
+            <a:noAutofit/>
+          </a:bodyPr>
+          <a:lstStyle/>
+          <a:p>
+            <a:r>
+              <a:rPr lang="en-GB" sz="2400"/>
+              <a:t>Natural log transformation</a:t>
+            </a:r>
+            <a:endParaRPr sz="2400"/>
+          </a:p>
+        </p:txBody>
+      </p:sp>
+      <p:sp>
+        <p:nvSpPr>
+          <p:cNvPr id="177" name="Google Shape;177;p26"/>
+          <p:cNvSpPr txBox="1"/>
+          <p:nvPr/>
+        </p:nvSpPr>
+        <p:spPr>
+          <a:xfrm>
+            <a:off x="2189800" y="339033"/>
+            <a:ext cx="2642000" cy="651200"/>
+          </a:xfrm>
+          <a:prstGeom prst="rect">
+            <a:avLst/>
+          </a:prstGeom>
+          <a:noFill/>
+          <a:ln>
+            <a:noFill/>
+          </a:ln>
+        </p:spPr>
+        <p:txBody>
+          <a:bodyPr spcFirstLastPara="1" wrap="square" lIns="121900" tIns="121900" rIns="121900" bIns="121900" anchor="t" anchorCtr="0">
+            <a:noAutofit/>
+          </a:bodyPr>
+          <a:lstStyle/>
+          <a:p>
+            <a:r>
+              <a:rPr lang="en-GB" sz="2400">
+                <a:solidFill>
+                  <a:schemeClr val="dk2"/>
+                </a:solidFill>
+              </a:rPr>
+              <a:t>Not symmetrical!</a:t>
+            </a:r>
+            <a:endParaRPr sz="2400">
+              <a:solidFill>
+                <a:schemeClr val="dk2"/>
+              </a:solidFill>
+            </a:endParaRPr>
+          </a:p>
+        </p:txBody>
+      </p:sp>
+      <p:sp>
+        <p:nvSpPr>
+          <p:cNvPr id="178" name="Google Shape;178;p26"/>
+          <p:cNvSpPr txBox="1"/>
+          <p:nvPr/>
+        </p:nvSpPr>
+        <p:spPr>
+          <a:xfrm>
+            <a:off x="2628700" y="5492100"/>
+            <a:ext cx="2642000" cy="651200"/>
+          </a:xfrm>
+          <a:prstGeom prst="rect">
+            <a:avLst/>
+          </a:prstGeom>
+          <a:noFill/>
+          <a:ln>
+            <a:noFill/>
+          </a:ln>
+        </p:spPr>
+        <p:txBody>
+          <a:bodyPr spcFirstLastPara="1" wrap="square" lIns="121900" tIns="121900" rIns="121900" bIns="121900" anchor="t" anchorCtr="0">
+            <a:noAutofit/>
+          </a:bodyPr>
+          <a:lstStyle/>
+          <a:p>
+            <a:r>
+              <a:rPr lang="en-GB" sz="2400">
+                <a:solidFill>
+                  <a:schemeClr val="dk2"/>
+                </a:solidFill>
+              </a:rPr>
+              <a:t>…and now it is</a:t>
+            </a:r>
+            <a:endParaRPr sz="2400">
+              <a:solidFill>
+                <a:schemeClr val="dk2"/>
+              </a:solidFill>
+            </a:endParaRPr>
+          </a:p>
+        </p:txBody>
+      </p:sp>
+      <p:sp>
+        <p:nvSpPr>
+          <p:cNvPr id="2" name="TextBox 1">
+            <a:extLst>
+              <a:ext uri="{FF2B5EF4-FFF2-40B4-BE49-F238E27FC236}">
+                <a16:creationId xmlns:a16="http://schemas.microsoft.com/office/drawing/2014/main" id="{BC536301-86A7-5AFD-2501-6AD2FFC5F31D}"/>
+              </a:ext>
+            </a:extLst>
+          </p:cNvPr>
+          <p:cNvSpPr txBox="1"/>
+          <p:nvPr/>
+        </p:nvSpPr>
+        <p:spPr>
+          <a:xfrm>
+            <a:off x="9339470" y="6550223"/>
+            <a:ext cx="2852530" cy="307777"/>
+          </a:xfrm>
+          <a:prstGeom prst="rect">
+            <a:avLst/>
+          </a:prstGeom>
+          <a:noFill/>
+        </p:spPr>
+        <p:txBody>
+          <a:bodyPr wrap="square" rtlCol="0">
+            <a:spAutoFit/>
+          </a:bodyPr>
+          <a:lstStyle/>
+          <a:p>
+            <a:pPr algn="r"/>
+            <a:r>
+              <a:rPr lang="en-US" dirty="0"/>
+              <a:t>Slides thanks to Shirley Chen </a:t>
+            </a:r>
+          </a:p>
+        </p:txBody>
+      </p:sp>
+    </p:spTree>
+  </p:cSld>
+  <p:clrMapOvr>
+    <a:masterClrMapping/>
+  </p:clrMapOvr>
+</p:sld>
+</file>
+
+<file path=ppt/slides/slide21.xml><?xml version="1.0" encoding="utf-8"?>
+<p:sld xmlns:a="http://schemas.openxmlformats.org/drawingml/2006/main" xmlns:r="http://schemas.openxmlformats.org/officeDocument/2006/relationships" xmlns:p="http://schemas.openxmlformats.org/presentationml/2006/main">
+  <p:cSld>
+    <p:spTree>
+      <p:nvGrpSpPr>
+        <p:cNvPr id="1" name="Shape 182"/>
+        <p:cNvGrpSpPr/>
+        <p:nvPr/>
+      </p:nvGrpSpPr>
+      <p:grpSpPr>
+        <a:xfrm>
+          <a:off x="0" y="0"/>
+          <a:ext cx="0" cy="0"/>
+          <a:chOff x="0" y="0"/>
+          <a:chExt cx="0" cy="0"/>
+        </a:xfrm>
+      </p:grpSpPr>
+      <p:sp>
+        <p:nvSpPr>
+          <p:cNvPr id="183" name="Google Shape;183;p27"/>
+          <p:cNvSpPr txBox="1"/>
+          <p:nvPr/>
+        </p:nvSpPr>
+        <p:spPr>
+          <a:xfrm>
+            <a:off x="963567" y="747000"/>
+            <a:ext cx="10198400" cy="5364000"/>
+          </a:xfrm>
+          <a:prstGeom prst="rect">
+            <a:avLst/>
+          </a:prstGeom>
+          <a:noFill/>
+          <a:ln>
+            <a:noFill/>
+          </a:ln>
+        </p:spPr>
+        <p:txBody>
+          <a:bodyPr spcFirstLastPara="1" wrap="square" lIns="121900" tIns="121900" rIns="121900" bIns="121900" anchor="t" anchorCtr="0">
+            <a:noAutofit/>
+          </a:bodyPr>
+          <a:lstStyle/>
+          <a:p>
+            <a:r>
+              <a:rPr lang="en-GB" sz="2400">
+                <a:solidFill>
+                  <a:schemeClr val="dk1"/>
+                </a:solidFill>
+              </a:rPr>
+              <a:t>Confidence intervals easier to calculate when symmetrical </a:t>
+            </a:r>
+            <a:endParaRPr sz="2400">
+              <a:solidFill>
+                <a:schemeClr val="dk1"/>
+              </a:solidFill>
+            </a:endParaRPr>
+          </a:p>
+          <a:p>
+            <a:endParaRPr sz="2400">
+              <a:solidFill>
+                <a:schemeClr val="dk1"/>
+              </a:solidFill>
+            </a:endParaRPr>
+          </a:p>
+          <a:p>
+            <a:r>
+              <a:rPr lang="en-GB" sz="2400" b="1">
+                <a:solidFill>
+                  <a:schemeClr val="dk1"/>
+                </a:solidFill>
+              </a:rPr>
+              <a:t>95% CI of the log odds ratio = (ln(OR) - 1.96(SE), ln(OR) + 1.96(SE))</a:t>
+            </a:r>
+            <a:endParaRPr sz="2400" b="1"/>
+          </a:p>
+          <a:p>
+            <a:endParaRPr sz="2400"/>
+          </a:p>
+          <a:p>
+            <a:r>
+              <a:rPr lang="en-GB" sz="2400"/>
+              <a:t>…assuming a 1 unit increase </a:t>
+            </a:r>
+            <a:endParaRPr sz="2400"/>
+          </a:p>
+          <a:p>
+            <a:endParaRPr sz="2400"/>
+          </a:p>
+          <a:p>
+            <a:endParaRPr sz="2400"/>
+          </a:p>
+          <a:p>
+            <a:pPr>
+              <a:lnSpc>
+                <a:spcPct val="115000"/>
+              </a:lnSpc>
+            </a:pPr>
+            <a:endParaRPr sz="2400">
+              <a:solidFill>
+                <a:schemeClr val="dk1"/>
+              </a:solidFill>
+            </a:endParaRPr>
+          </a:p>
+          <a:p>
+            <a:endParaRPr sz="2400"/>
+          </a:p>
+        </p:txBody>
+      </p:sp>
+      <p:sp>
+        <p:nvSpPr>
+          <p:cNvPr id="2" name="TextBox 1">
+            <a:extLst>
+              <a:ext uri="{FF2B5EF4-FFF2-40B4-BE49-F238E27FC236}">
+                <a16:creationId xmlns:a16="http://schemas.microsoft.com/office/drawing/2014/main" id="{0D149D9D-B08B-686F-B3E8-3333D785781A}"/>
+              </a:ext>
+            </a:extLst>
+          </p:cNvPr>
+          <p:cNvSpPr txBox="1"/>
+          <p:nvPr/>
+        </p:nvSpPr>
+        <p:spPr>
+          <a:xfrm>
+            <a:off x="9339470" y="6550223"/>
+            <a:ext cx="2852530" cy="307777"/>
+          </a:xfrm>
+          <a:prstGeom prst="rect">
+            <a:avLst/>
+          </a:prstGeom>
+          <a:noFill/>
+        </p:spPr>
+        <p:txBody>
+          <a:bodyPr wrap="square" rtlCol="0">
+            <a:spAutoFit/>
+          </a:bodyPr>
+          <a:lstStyle/>
+          <a:p>
+            <a:pPr algn="r"/>
+            <a:r>
+              <a:rPr lang="en-US" dirty="0"/>
+              <a:t>Slides thanks to Shirley Chen </a:t>
+            </a:r>
+          </a:p>
+        </p:txBody>
+      </p:sp>
+    </p:spTree>
+  </p:cSld>
+  <p:clrMapOvr>
+    <a:masterClrMapping/>
+  </p:clrMapOvr>
+</p:sld>
+</file>
+
+<file path=ppt/slides/slide22.xml><?xml version="1.0" encoding="utf-8"?>
+<p:sld xmlns:a="http://schemas.openxmlformats.org/drawingml/2006/main" xmlns:r="http://schemas.openxmlformats.org/officeDocument/2006/relationships" xmlns:p="http://schemas.openxmlformats.org/presentationml/2006/main">
+  <p:cSld>
+    <p:spTree>
+      <p:nvGrpSpPr>
+        <p:cNvPr id="1" name="Shape 187"/>
+        <p:cNvGrpSpPr/>
+        <p:nvPr/>
+      </p:nvGrpSpPr>
+      <p:grpSpPr>
+        <a:xfrm>
+          <a:off x="0" y="0"/>
+          <a:ext cx="0" cy="0"/>
+          <a:chOff x="0" y="0"/>
+          <a:chExt cx="0" cy="0"/>
+        </a:xfrm>
+      </p:grpSpPr>
+      <p:sp>
+        <p:nvSpPr>
+          <p:cNvPr id="188" name="Google Shape;188;p28"/>
+          <p:cNvSpPr txBox="1"/>
+          <p:nvPr/>
+        </p:nvSpPr>
+        <p:spPr>
+          <a:xfrm>
+            <a:off x="963567" y="747000"/>
+            <a:ext cx="10198400" cy="5364000"/>
+          </a:xfrm>
+          <a:prstGeom prst="rect">
+            <a:avLst/>
+          </a:prstGeom>
+          <a:noFill/>
+          <a:ln>
+            <a:noFill/>
+          </a:ln>
+        </p:spPr>
+        <p:txBody>
+          <a:bodyPr spcFirstLastPara="1" wrap="square" lIns="121900" tIns="121900" rIns="121900" bIns="121900" anchor="t" anchorCtr="0">
+            <a:noAutofit/>
+          </a:bodyPr>
+          <a:lstStyle/>
+          <a:p>
+            <a:r>
+              <a:rPr lang="en-GB" sz="2400">
+                <a:solidFill>
+                  <a:schemeClr val="dk1"/>
+                </a:solidFill>
+              </a:rPr>
+              <a:t>Confidence intervals easier to calculate when symmetrical </a:t>
+            </a:r>
+            <a:endParaRPr sz="2400">
+              <a:solidFill>
+                <a:schemeClr val="dk1"/>
+              </a:solidFill>
+            </a:endParaRPr>
+          </a:p>
+          <a:p>
+            <a:endParaRPr sz="2400">
+              <a:solidFill>
+                <a:schemeClr val="dk1"/>
+              </a:solidFill>
+            </a:endParaRPr>
+          </a:p>
+          <a:p>
+            <a:r>
+              <a:rPr lang="en-GB" sz="2400" b="1">
+                <a:solidFill>
+                  <a:schemeClr val="dk1"/>
+                </a:solidFill>
+              </a:rPr>
+              <a:t>95% CI of the log odds ratio = (ln(OR) - 1.96(SE), ln(OR) + 1.96(SE))</a:t>
+            </a:r>
+            <a:endParaRPr sz="2400" b="1"/>
+          </a:p>
+          <a:p>
+            <a:endParaRPr sz="2400"/>
+          </a:p>
+          <a:p>
+            <a:r>
+              <a:rPr lang="en-GB" sz="2400"/>
+              <a:t>…assuming a 1 unit increase </a:t>
+            </a:r>
+            <a:endParaRPr sz="2400"/>
+          </a:p>
+          <a:p>
+            <a:endParaRPr sz="2400"/>
+          </a:p>
+          <a:p>
+            <a:endParaRPr sz="2400"/>
+          </a:p>
+          <a:p>
+            <a:pPr>
+              <a:lnSpc>
+                <a:spcPct val="115000"/>
+              </a:lnSpc>
             </a:pPr>
             <a:r>
+              <a:rPr lang="en-GB" sz="2400"/>
+              <a:t>“Upper and lower boundaries are the log odds ratio +/- the standard error of the log odds ratio </a:t>
+            </a:r>
+            <a:r>
+              <a:rPr lang="en-GB" sz="2400">
+                <a:solidFill>
+                  <a:schemeClr val="dk1"/>
+                </a:solidFill>
+              </a:rPr>
+              <a:t>scaled to the selected confidence interval (95%)”</a:t>
+            </a:r>
+            <a:endParaRPr sz="2400">
+              <a:solidFill>
+                <a:schemeClr val="dk1"/>
+              </a:solidFill>
+            </a:endParaRPr>
+          </a:p>
+          <a:p>
+            <a:pPr>
+              <a:lnSpc>
+                <a:spcPct val="115000"/>
+              </a:lnSpc>
+            </a:pPr>
+            <a:endParaRPr sz="2400">
+              <a:solidFill>
+                <a:schemeClr val="dk1"/>
+              </a:solidFill>
+            </a:endParaRPr>
+          </a:p>
+          <a:p>
+            <a:pPr>
+              <a:lnSpc>
+                <a:spcPct val="115000"/>
+              </a:lnSpc>
+            </a:pPr>
+            <a:endParaRPr sz="2400">
+              <a:solidFill>
+                <a:srgbClr val="434343"/>
+              </a:solidFill>
+            </a:endParaRPr>
+          </a:p>
+          <a:p>
+            <a:pPr>
+              <a:lnSpc>
+                <a:spcPct val="115000"/>
+              </a:lnSpc>
+            </a:pPr>
+            <a:r>
+              <a:rPr lang="en-GB" sz="2400">
+                <a:solidFill>
+                  <a:srgbClr val="434343"/>
+                </a:solidFill>
+              </a:rPr>
+              <a:t>NOTE: once again, log odds ratio are not very useful for interpretation!</a:t>
+            </a:r>
+            <a:endParaRPr sz="2400">
+              <a:solidFill>
+                <a:srgbClr val="434343"/>
+              </a:solidFill>
+            </a:endParaRPr>
+          </a:p>
+          <a:p>
+            <a:pPr>
+              <a:lnSpc>
+                <a:spcPct val="115000"/>
+              </a:lnSpc>
+            </a:pPr>
+            <a:endParaRPr sz="2400">
+              <a:solidFill>
+                <a:schemeClr val="dk1"/>
+              </a:solidFill>
+            </a:endParaRPr>
+          </a:p>
+          <a:p>
+            <a:pPr>
+              <a:lnSpc>
+                <a:spcPct val="115000"/>
+              </a:lnSpc>
+            </a:pPr>
+            <a:endParaRPr sz="2400">
+              <a:solidFill>
+                <a:schemeClr val="dk1"/>
+              </a:solidFill>
+            </a:endParaRPr>
+          </a:p>
+          <a:p>
+            <a:endParaRPr sz="2400"/>
+          </a:p>
+        </p:txBody>
+      </p:sp>
+      <p:sp>
+        <p:nvSpPr>
+          <p:cNvPr id="2" name="TextBox 1">
+            <a:extLst>
+              <a:ext uri="{FF2B5EF4-FFF2-40B4-BE49-F238E27FC236}">
+                <a16:creationId xmlns:a16="http://schemas.microsoft.com/office/drawing/2014/main" id="{7FD2305E-64F7-D81F-A0F0-AECD17E5FFF7}"/>
+              </a:ext>
+            </a:extLst>
+          </p:cNvPr>
+          <p:cNvSpPr txBox="1"/>
+          <p:nvPr/>
+        </p:nvSpPr>
+        <p:spPr>
+          <a:xfrm>
+            <a:off x="9339470" y="6550223"/>
+            <a:ext cx="2852530" cy="307777"/>
+          </a:xfrm>
+          <a:prstGeom prst="rect">
+            <a:avLst/>
+          </a:prstGeom>
+          <a:noFill/>
+        </p:spPr>
+        <p:txBody>
+          <a:bodyPr wrap="square" rtlCol="0">
+            <a:spAutoFit/>
+          </a:bodyPr>
+          <a:lstStyle/>
+          <a:p>
+            <a:pPr algn="r"/>
+            <a:r>
               <a:rPr lang="en-US" dirty="0"/>
-              <a:t>Model Selection</a:t>
+              <a:t>Slides thanks to Shirley Chen </a:t>
+            </a:r>
+          </a:p>
+        </p:txBody>
+      </p:sp>
+    </p:spTree>
+  </p:cSld>
+  <p:clrMapOvr>
+    <a:masterClrMapping/>
+  </p:clrMapOvr>
+</p:sld>
+</file>
+
+<file path=ppt/slides/slide23.xml><?xml version="1.0" encoding="utf-8"?>
+<p:sld xmlns:a="http://schemas.openxmlformats.org/drawingml/2006/main" xmlns:r="http://schemas.openxmlformats.org/officeDocument/2006/relationships" xmlns:p="http://schemas.openxmlformats.org/presentationml/2006/main">
+  <p:cSld>
+    <p:spTree>
+      <p:nvGrpSpPr>
+        <p:cNvPr id="1" name="Shape 192"/>
+        <p:cNvGrpSpPr/>
+        <p:nvPr/>
+      </p:nvGrpSpPr>
+      <p:grpSpPr>
+        <a:xfrm>
+          <a:off x="0" y="0"/>
+          <a:ext cx="0" cy="0"/>
+          <a:chOff x="0" y="0"/>
+          <a:chExt cx="0" cy="0"/>
+        </a:xfrm>
+      </p:grpSpPr>
+      <p:sp>
+        <p:nvSpPr>
+          <p:cNvPr id="193" name="Google Shape;193;p29"/>
+          <p:cNvSpPr txBox="1"/>
+          <p:nvPr/>
+        </p:nvSpPr>
+        <p:spPr>
+          <a:xfrm>
+            <a:off x="963567" y="747000"/>
+            <a:ext cx="10198400" cy="5364000"/>
+          </a:xfrm>
+          <a:prstGeom prst="rect">
+            <a:avLst/>
+          </a:prstGeom>
+          <a:noFill/>
+          <a:ln>
+            <a:noFill/>
+          </a:ln>
+        </p:spPr>
+        <p:txBody>
+          <a:bodyPr spcFirstLastPara="1" wrap="square" lIns="121900" tIns="121900" rIns="121900" bIns="121900" anchor="t" anchorCtr="0">
+            <a:noAutofit/>
+          </a:bodyPr>
+          <a:lstStyle/>
+          <a:p>
+            <a:r>
+              <a:rPr lang="en-GB" sz="2400">
+                <a:solidFill>
+                  <a:schemeClr val="dk1"/>
+                </a:solidFill>
+              </a:rPr>
+              <a:t>Confidence intervals easier to calculate when symmetrical </a:t>
+            </a:r>
+            <a:endParaRPr sz="2400">
+              <a:solidFill>
+                <a:schemeClr val="dk1"/>
+              </a:solidFill>
+            </a:endParaRPr>
+          </a:p>
+          <a:p>
+            <a:endParaRPr sz="2400">
+              <a:solidFill>
+                <a:schemeClr val="dk1"/>
+              </a:solidFill>
+            </a:endParaRPr>
+          </a:p>
+          <a:p>
+            <a:r>
+              <a:rPr lang="en-GB" sz="2400">
+                <a:solidFill>
+                  <a:schemeClr val="dk1"/>
+                </a:solidFill>
+              </a:rPr>
+              <a:t>95% CI of the log odds ratio = (ln(OR) - 1.96(SE), ln(OR) + 1.96(SE))</a:t>
+            </a:r>
+            <a:endParaRPr sz="2400"/>
+          </a:p>
+          <a:p>
+            <a:endParaRPr sz="2400"/>
+          </a:p>
+          <a:p>
+            <a:r>
+              <a:rPr lang="en-GB" sz="2400"/>
+              <a:t>…assuming a 1 unit increase </a:t>
+            </a:r>
+            <a:endParaRPr sz="2400"/>
+          </a:p>
+          <a:p>
+            <a:endParaRPr sz="2400"/>
+          </a:p>
+          <a:p>
+            <a:pPr>
+              <a:lnSpc>
+                <a:spcPct val="115000"/>
+              </a:lnSpc>
+            </a:pPr>
+            <a:endParaRPr sz="2400">
+              <a:solidFill>
+                <a:schemeClr val="dk1"/>
+              </a:solidFill>
+            </a:endParaRPr>
+          </a:p>
+          <a:p>
+            <a:pPr>
+              <a:lnSpc>
+                <a:spcPct val="115000"/>
+              </a:lnSpc>
+            </a:pPr>
+            <a:endParaRPr sz="2400">
+              <a:solidFill>
+                <a:schemeClr val="dk1"/>
+              </a:solidFill>
+            </a:endParaRPr>
+          </a:p>
+          <a:p>
+            <a:endParaRPr sz="2400"/>
+          </a:p>
+        </p:txBody>
+      </p:sp>
+      <p:sp>
+        <p:nvSpPr>
+          <p:cNvPr id="194" name="Google Shape;194;p29"/>
+          <p:cNvSpPr/>
+          <p:nvPr/>
+        </p:nvSpPr>
+        <p:spPr>
+          <a:xfrm>
+            <a:off x="5586167" y="3290629"/>
+            <a:ext cx="370400" cy="777600"/>
+          </a:xfrm>
+          <a:prstGeom prst="downArrow">
+            <a:avLst>
+              <a:gd name="adj1" fmla="val 50000"/>
+              <a:gd name="adj2" fmla="val 50000"/>
+            </a:avLst>
+          </a:prstGeom>
+          <a:solidFill>
+            <a:srgbClr val="FFE599"/>
+          </a:solidFill>
+          <a:ln w="9525" cap="flat" cmpd="sng">
+            <a:solidFill>
+              <a:schemeClr val="dk1"/>
+            </a:solidFill>
+            <a:prstDash val="solid"/>
+            <a:round/>
+            <a:headEnd type="none" w="sm" len="sm"/>
+            <a:tailEnd type="none" w="sm" len="sm"/>
+          </a:ln>
+        </p:spPr>
+        <p:txBody>
+          <a:bodyPr spcFirstLastPara="1" wrap="square" lIns="121900" tIns="121900" rIns="121900" bIns="121900" anchor="ctr" anchorCtr="0">
+            <a:noAutofit/>
+          </a:bodyPr>
+          <a:lstStyle/>
+          <a:p>
+            <a:pPr algn="ctr"/>
+            <a:endParaRPr sz="1867"/>
+          </a:p>
+        </p:txBody>
+      </p:sp>
+      <p:sp>
+        <p:nvSpPr>
+          <p:cNvPr id="195" name="Google Shape;195;p29"/>
+          <p:cNvSpPr txBox="1"/>
+          <p:nvPr/>
+        </p:nvSpPr>
+        <p:spPr>
+          <a:xfrm>
+            <a:off x="6096000" y="3290633"/>
+            <a:ext cx="2353600" cy="426400"/>
+          </a:xfrm>
+          <a:prstGeom prst="rect">
+            <a:avLst/>
+          </a:prstGeom>
+          <a:noFill/>
+          <a:ln>
+            <a:noFill/>
+          </a:ln>
+        </p:spPr>
+        <p:txBody>
+          <a:bodyPr spcFirstLastPara="1" wrap="square" lIns="121900" tIns="121900" rIns="121900" bIns="121900" anchor="t" anchorCtr="0">
+            <a:noAutofit/>
+          </a:bodyPr>
+          <a:lstStyle/>
+          <a:p>
+            <a:r>
+              <a:rPr lang="en-GB" sz="2400"/>
+              <a:t>Back transform </a:t>
+            </a:r>
+            <a:endParaRPr sz="2400"/>
+          </a:p>
+        </p:txBody>
+      </p:sp>
+      <p:sp>
+        <p:nvSpPr>
+          <p:cNvPr id="196" name="Google Shape;196;p29"/>
+          <p:cNvSpPr txBox="1"/>
+          <p:nvPr/>
+        </p:nvSpPr>
+        <p:spPr>
+          <a:xfrm>
+            <a:off x="1912733" y="4482767"/>
+            <a:ext cx="7879600" cy="838800"/>
+          </a:xfrm>
+          <a:prstGeom prst="rect">
+            <a:avLst/>
+          </a:prstGeom>
+          <a:noFill/>
+          <a:ln>
+            <a:noFill/>
+          </a:ln>
+        </p:spPr>
+        <p:txBody>
+          <a:bodyPr spcFirstLastPara="1" wrap="square" lIns="121900" tIns="121900" rIns="121900" bIns="121900" anchor="t" anchorCtr="0">
+            <a:noAutofit/>
+          </a:bodyPr>
+          <a:lstStyle/>
+          <a:p>
+            <a:pPr>
+              <a:buClr>
+                <a:schemeClr val="dk1"/>
+              </a:buClr>
+              <a:buSzPts val="1100"/>
+            </a:pPr>
+            <a:r>
+              <a:rPr lang="en-GB" sz="2400" b="1">
+                <a:solidFill>
+                  <a:schemeClr val="dk1"/>
+                </a:solidFill>
+              </a:rPr>
+              <a:t>95% CI of the odds ratio = (e</a:t>
+            </a:r>
+            <a:r>
+              <a:rPr lang="en-GB" sz="2400" b="1" baseline="30000">
+                <a:solidFill>
+                  <a:schemeClr val="dk1"/>
+                </a:solidFill>
+              </a:rPr>
+              <a:t>(ln(OR) - 1.96(SE)</a:t>
+            </a:r>
+            <a:r>
+              <a:rPr lang="en-GB" sz="2400" b="1">
+                <a:solidFill>
+                  <a:schemeClr val="dk1"/>
+                </a:solidFill>
+              </a:rPr>
+              <a:t>, e</a:t>
+            </a:r>
+            <a:r>
+              <a:rPr lang="en-GB" sz="2400" b="1" baseline="30000">
+                <a:solidFill>
+                  <a:schemeClr val="dk1"/>
+                </a:solidFill>
+              </a:rPr>
+              <a:t>ln(OR) + 1.96(SE)</a:t>
+            </a:r>
+            <a:r>
+              <a:rPr lang="en-GB" sz="2400" b="1">
+                <a:solidFill>
+                  <a:schemeClr val="dk1"/>
+                </a:solidFill>
+              </a:rPr>
+              <a:t>)</a:t>
+            </a:r>
+            <a:endParaRPr sz="2400" b="1">
+              <a:solidFill>
+                <a:schemeClr val="dk2"/>
+              </a:solidFill>
+            </a:endParaRPr>
+          </a:p>
+        </p:txBody>
+      </p:sp>
+      <p:sp>
+        <p:nvSpPr>
+          <p:cNvPr id="2" name="TextBox 1">
+            <a:extLst>
+              <a:ext uri="{FF2B5EF4-FFF2-40B4-BE49-F238E27FC236}">
+                <a16:creationId xmlns:a16="http://schemas.microsoft.com/office/drawing/2014/main" id="{E96621E6-DE76-1E4E-CF13-1A187E1C3771}"/>
+              </a:ext>
+            </a:extLst>
+          </p:cNvPr>
+          <p:cNvSpPr txBox="1"/>
+          <p:nvPr/>
+        </p:nvSpPr>
+        <p:spPr>
+          <a:xfrm>
+            <a:off x="9339470" y="6550223"/>
+            <a:ext cx="2852530" cy="307777"/>
+          </a:xfrm>
+          <a:prstGeom prst="rect">
+            <a:avLst/>
+          </a:prstGeom>
+          <a:noFill/>
+        </p:spPr>
+        <p:txBody>
+          <a:bodyPr wrap="square" rtlCol="0">
+            <a:spAutoFit/>
+          </a:bodyPr>
+          <a:lstStyle/>
+          <a:p>
+            <a:pPr algn="r"/>
+            <a:r>
+              <a:rPr lang="en-US" dirty="0"/>
+              <a:t>Slides thanks to Shirley Chen </a:t>
             </a:r>
           </a:p>
         </p:txBody>
@@ -19398,7 +24953,7 @@
   <p:cSld>
     <p:spTree>
       <p:nvGrpSpPr>
-        <p:cNvPr id="1" name=""/>
+        <p:cNvPr id="1" name="Shape 53"/>
         <p:cNvGrpSpPr/>
         <p:nvPr/>
       </p:nvGrpSpPr>
@@ -19412,83 +24967,2706 @@
       </p:grpSpPr>
       <p:sp>
         <p:nvSpPr>
-          <p:cNvPr id="2" name="Title 1">
-            <a:extLst>
-              <a:ext uri="{FF2B5EF4-FFF2-40B4-BE49-F238E27FC236}">
-                <a16:creationId xmlns:a16="http://schemas.microsoft.com/office/drawing/2014/main" id="{5B5DFB5C-6CAD-A29E-0069-29468F9AC4D9}"/>
-              </a:ext>
-            </a:extLst>
-          </p:cNvPr>
-          <p:cNvSpPr>
+          <p:cNvPr id="54" name="Google Shape;54;p13"/>
+          <p:cNvSpPr txBox="1">
             <a:spLocks noGrp="1"/>
           </p:cNvSpPr>
           <p:nvPr>
-            <p:ph type="title"/>
+            <p:ph type="ctrTitle"/>
           </p:nvPr>
         </p:nvSpPr>
-        <p:spPr/>
+        <p:spPr>
+          <a:xfrm>
+            <a:off x="415600" y="2460433"/>
+            <a:ext cx="11360800" cy="1382800"/>
+          </a:xfrm>
+          <a:prstGeom prst="rect">
+            <a:avLst/>
+          </a:prstGeom>
+        </p:spPr>
         <p:txBody>
-          <a:bodyPr/>
+          <a:bodyPr spcFirstLastPara="1" wrap="square" lIns="121900" tIns="121900" rIns="121900" bIns="121900" anchor="b" anchorCtr="0">
+            <a:normAutofit/>
+          </a:bodyPr>
           <a:lstStyle/>
           <a:p>
+            <a:pPr algn="ctr"/>
             <a:r>
-              <a:rPr lang="en-US" dirty="0" err="1"/>
-              <a:t>Inclass</a:t>
+              <a:rPr lang="en-GB"/>
+              <a:t>Logistic Regression</a:t>
             </a:r>
-            <a:r>
-              <a:rPr lang="en-US" dirty="0"/>
-              <a:t> is on </a:t>
-            </a:r>
-            <a:r>
-              <a:rPr lang="en-US" dirty="0" err="1"/>
-              <a:t>eclass</a:t>
-            </a:r>
-            <a:r>
-              <a:rPr lang="en-US" dirty="0"/>
-              <a:t> and </a:t>
-            </a:r>
-            <a:r>
-              <a:rPr lang="en-US" dirty="0" err="1"/>
-              <a:t>github</a:t>
-            </a:r>
-            <a:r>
-              <a:rPr lang="en-US" dirty="0"/>
-              <a:t>!</a:t>
-            </a:r>
+            <a:endParaRPr/>
           </a:p>
         </p:txBody>
       </p:sp>
       <p:sp>
         <p:nvSpPr>
-          <p:cNvPr id="3" name="Text Placeholder 2">
+          <p:cNvPr id="2" name="TextBox 1">
             <a:extLst>
               <a:ext uri="{FF2B5EF4-FFF2-40B4-BE49-F238E27FC236}">
-                <a16:creationId xmlns:a16="http://schemas.microsoft.com/office/drawing/2014/main" id="{9E256E54-4B33-B8DE-9F1C-C41485D53A9F}"/>
+                <a16:creationId xmlns:a16="http://schemas.microsoft.com/office/drawing/2014/main" id="{C95DD696-57AB-FDCA-5867-361C131E40ED}"/>
               </a:ext>
             </a:extLst>
           </p:cNvPr>
-          <p:cNvSpPr>
-            <a:spLocks noGrp="1"/>
-          </p:cNvSpPr>
-          <p:nvPr>
-            <p:ph type="body" idx="1"/>
-          </p:nvPr>
+          <p:cNvSpPr txBox="1"/>
+          <p:nvPr/>
         </p:nvSpPr>
-        <p:spPr/>
+        <p:spPr>
+          <a:xfrm>
+            <a:off x="9339470" y="6550223"/>
+            <a:ext cx="2852530" cy="307777"/>
+          </a:xfrm>
+          <a:prstGeom prst="rect">
+            <a:avLst/>
+          </a:prstGeom>
+          <a:noFill/>
+        </p:spPr>
         <p:txBody>
-          <a:bodyPr/>
+          <a:bodyPr wrap="square" rtlCol="0">
+            <a:spAutoFit/>
+          </a:bodyPr>
           <a:lstStyle/>
           <a:p>
-            <a:endParaRPr lang="en-US"/>
+            <a:pPr algn="r"/>
+            <a:r>
+              <a:rPr lang="en-US" dirty="0"/>
+              <a:t>Slides thanks to Shirley Chen </a:t>
+            </a:r>
           </a:p>
         </p:txBody>
       </p:sp>
     </p:spTree>
-    <p:extLst>
-      <p:ext uri="{BB962C8B-B14F-4D97-AF65-F5344CB8AC3E}">
-        <p14:creationId xmlns:p14="http://schemas.microsoft.com/office/powerpoint/2010/main" val="2170286067"/>
-      </p:ext>
-    </p:extLst>
+  </p:cSld>
+  <p:clrMapOvr>
+    <a:masterClrMapping/>
+  </p:clrMapOvr>
+</p:sld>
+</file>
+
+<file path=ppt/slides/slide4.xml><?xml version="1.0" encoding="utf-8"?>
+<p:sld xmlns:a="http://schemas.openxmlformats.org/drawingml/2006/main" xmlns:r="http://schemas.openxmlformats.org/officeDocument/2006/relationships" xmlns:p="http://schemas.openxmlformats.org/presentationml/2006/main">
+  <p:cSld>
+    <p:spTree>
+      <p:nvGrpSpPr>
+        <p:cNvPr id="1" name="Shape 58"/>
+        <p:cNvGrpSpPr/>
+        <p:nvPr/>
+      </p:nvGrpSpPr>
+      <p:grpSpPr>
+        <a:xfrm>
+          <a:off x="0" y="0"/>
+          <a:ext cx="0" cy="0"/>
+          <a:chOff x="0" y="0"/>
+          <a:chExt cx="0" cy="0"/>
+        </a:xfrm>
+      </p:grpSpPr>
+      <p:pic>
+        <p:nvPicPr>
+          <p:cNvPr id="59" name="Google Shape;59;p14"/>
+          <p:cNvPicPr preferRelativeResize="0"/>
+          <p:nvPr/>
+        </p:nvPicPr>
+        <p:blipFill>
+          <a:blip r:embed="rId3">
+            <a:alphaModFix/>
+          </a:blip>
+          <a:stretch>
+            <a:fillRect/>
+          </a:stretch>
+        </p:blipFill>
+        <p:spPr>
+          <a:xfrm>
+            <a:off x="613834" y="394534"/>
+            <a:ext cx="7260333" cy="5040333"/>
+          </a:xfrm>
+          <a:prstGeom prst="rect">
+            <a:avLst/>
+          </a:prstGeom>
+          <a:noFill/>
+          <a:ln>
+            <a:noFill/>
+          </a:ln>
+        </p:spPr>
+      </p:pic>
+      <p:sp>
+        <p:nvSpPr>
+          <p:cNvPr id="60" name="Google Shape;60;p14"/>
+          <p:cNvSpPr txBox="1"/>
+          <p:nvPr/>
+        </p:nvSpPr>
+        <p:spPr>
+          <a:xfrm>
+            <a:off x="8161167" y="541100"/>
+            <a:ext cx="3255200" cy="1156000"/>
+          </a:xfrm>
+          <a:prstGeom prst="rect">
+            <a:avLst/>
+          </a:prstGeom>
+          <a:noFill/>
+          <a:ln>
+            <a:noFill/>
+          </a:ln>
+        </p:spPr>
+        <p:txBody>
+          <a:bodyPr spcFirstLastPara="1" wrap="square" lIns="121900" tIns="121900" rIns="121900" bIns="121900" anchor="t" anchorCtr="0">
+            <a:noAutofit/>
+          </a:bodyPr>
+          <a:lstStyle/>
+          <a:p>
+            <a:r>
+              <a:rPr lang="en-GB" sz="2400">
+                <a:solidFill>
+                  <a:schemeClr val="dk1"/>
+                </a:solidFill>
+              </a:rPr>
+              <a:t>Normal: Continuous </a:t>
+            </a:r>
+            <a:endParaRPr sz="2400">
+              <a:solidFill>
+                <a:schemeClr val="dk1"/>
+              </a:solidFill>
+            </a:endParaRPr>
+          </a:p>
+          <a:p>
+            <a:r>
+              <a:rPr lang="en-GB" sz="2400">
+                <a:solidFill>
+                  <a:schemeClr val="dk1"/>
+                </a:solidFill>
+                <a:highlight>
+                  <a:srgbClr val="CFE2F3"/>
+                </a:highlight>
+              </a:rPr>
+              <a:t>Binomial: Discrete</a:t>
+            </a:r>
+            <a:endParaRPr sz="2400">
+              <a:solidFill>
+                <a:schemeClr val="dk1"/>
+              </a:solidFill>
+              <a:highlight>
+                <a:srgbClr val="CFE2F3"/>
+              </a:highlight>
+            </a:endParaRPr>
+          </a:p>
+        </p:txBody>
+      </p:sp>
+      <p:sp>
+        <p:nvSpPr>
+          <p:cNvPr id="61" name="Google Shape;61;p14"/>
+          <p:cNvSpPr txBox="1"/>
+          <p:nvPr/>
+        </p:nvSpPr>
+        <p:spPr>
+          <a:xfrm>
+            <a:off x="7874167" y="2001433"/>
+            <a:ext cx="3486000" cy="1345600"/>
+          </a:xfrm>
+          <a:prstGeom prst="rect">
+            <a:avLst/>
+          </a:prstGeom>
+          <a:noFill/>
+          <a:ln>
+            <a:noFill/>
+          </a:ln>
+        </p:spPr>
+        <p:txBody>
+          <a:bodyPr spcFirstLastPara="1" wrap="square" lIns="121900" tIns="121900" rIns="121900" bIns="121900" anchor="t" anchorCtr="0">
+            <a:noAutofit/>
+          </a:bodyPr>
+          <a:lstStyle/>
+          <a:p>
+            <a:endParaRPr sz="2400">
+              <a:solidFill>
+                <a:schemeClr val="dk1"/>
+              </a:solidFill>
+            </a:endParaRPr>
+          </a:p>
+          <a:p>
+            <a:endParaRPr sz="2400">
+              <a:solidFill>
+                <a:schemeClr val="dk1"/>
+              </a:solidFill>
+            </a:endParaRPr>
+          </a:p>
+          <a:p>
+            <a:endParaRPr sz="2400">
+              <a:solidFill>
+                <a:schemeClr val="dk1"/>
+              </a:solidFill>
+            </a:endParaRPr>
+          </a:p>
+        </p:txBody>
+      </p:sp>
+      <p:sp>
+        <p:nvSpPr>
+          <p:cNvPr id="2" name="TextBox 1">
+            <a:extLst>
+              <a:ext uri="{FF2B5EF4-FFF2-40B4-BE49-F238E27FC236}">
+                <a16:creationId xmlns:a16="http://schemas.microsoft.com/office/drawing/2014/main" id="{85A0D24C-36B2-D970-1094-02ACE0B5AEE5}"/>
+              </a:ext>
+            </a:extLst>
+          </p:cNvPr>
+          <p:cNvSpPr txBox="1"/>
+          <p:nvPr/>
+        </p:nvSpPr>
+        <p:spPr>
+          <a:xfrm>
+            <a:off x="9339470" y="6550223"/>
+            <a:ext cx="2852530" cy="307777"/>
+          </a:xfrm>
+          <a:prstGeom prst="rect">
+            <a:avLst/>
+          </a:prstGeom>
+          <a:noFill/>
+        </p:spPr>
+        <p:txBody>
+          <a:bodyPr wrap="square" rtlCol="0">
+            <a:spAutoFit/>
+          </a:bodyPr>
+          <a:lstStyle/>
+          <a:p>
+            <a:pPr algn="r"/>
+            <a:r>
+              <a:rPr lang="en-US" dirty="0"/>
+              <a:t>Slides thanks to Shirley Chen </a:t>
+            </a:r>
+          </a:p>
+        </p:txBody>
+      </p:sp>
+    </p:spTree>
+  </p:cSld>
+  <p:clrMapOvr>
+    <a:masterClrMapping/>
+  </p:clrMapOvr>
+</p:sld>
+</file>
+
+<file path=ppt/slides/slide5.xml><?xml version="1.0" encoding="utf-8"?>
+<p:sld xmlns:a="http://schemas.openxmlformats.org/drawingml/2006/main" xmlns:r="http://schemas.openxmlformats.org/officeDocument/2006/relationships" xmlns:p="http://schemas.openxmlformats.org/presentationml/2006/main">
+  <p:cSld>
+    <p:spTree>
+      <p:nvGrpSpPr>
+        <p:cNvPr id="1" name="Shape 65"/>
+        <p:cNvGrpSpPr/>
+        <p:nvPr/>
+      </p:nvGrpSpPr>
+      <p:grpSpPr>
+        <a:xfrm>
+          <a:off x="0" y="0"/>
+          <a:ext cx="0" cy="0"/>
+          <a:chOff x="0" y="0"/>
+          <a:chExt cx="0" cy="0"/>
+        </a:xfrm>
+      </p:grpSpPr>
+      <p:pic>
+        <p:nvPicPr>
+          <p:cNvPr id="66" name="Google Shape;66;p15"/>
+          <p:cNvPicPr preferRelativeResize="0"/>
+          <p:nvPr/>
+        </p:nvPicPr>
+        <p:blipFill>
+          <a:blip r:embed="rId3">
+            <a:alphaModFix/>
+          </a:blip>
+          <a:stretch>
+            <a:fillRect/>
+          </a:stretch>
+        </p:blipFill>
+        <p:spPr>
+          <a:xfrm>
+            <a:off x="613834" y="394534"/>
+            <a:ext cx="7260333" cy="5040333"/>
+          </a:xfrm>
+          <a:prstGeom prst="rect">
+            <a:avLst/>
+          </a:prstGeom>
+          <a:noFill/>
+          <a:ln>
+            <a:noFill/>
+          </a:ln>
+        </p:spPr>
+      </p:pic>
+      <p:sp>
+        <p:nvSpPr>
+          <p:cNvPr id="67" name="Google Shape;67;p15"/>
+          <p:cNvSpPr txBox="1"/>
+          <p:nvPr/>
+        </p:nvSpPr>
+        <p:spPr>
+          <a:xfrm>
+            <a:off x="8161167" y="541100"/>
+            <a:ext cx="3255200" cy="1156000"/>
+          </a:xfrm>
+          <a:prstGeom prst="rect">
+            <a:avLst/>
+          </a:prstGeom>
+          <a:noFill/>
+          <a:ln>
+            <a:noFill/>
+          </a:ln>
+        </p:spPr>
+        <p:txBody>
+          <a:bodyPr spcFirstLastPara="1" wrap="square" lIns="121900" tIns="121900" rIns="121900" bIns="121900" anchor="t" anchorCtr="0">
+            <a:noAutofit/>
+          </a:bodyPr>
+          <a:lstStyle/>
+          <a:p>
+            <a:r>
+              <a:rPr lang="en-GB" sz="2400">
+                <a:solidFill>
+                  <a:schemeClr val="dk1"/>
+                </a:solidFill>
+              </a:rPr>
+              <a:t>Normal: Continuous </a:t>
+            </a:r>
+            <a:endParaRPr sz="2400">
+              <a:solidFill>
+                <a:schemeClr val="dk1"/>
+              </a:solidFill>
+            </a:endParaRPr>
+          </a:p>
+          <a:p>
+            <a:r>
+              <a:rPr lang="en-GB" sz="2400">
+                <a:solidFill>
+                  <a:schemeClr val="dk1"/>
+                </a:solidFill>
+                <a:highlight>
+                  <a:srgbClr val="CFE2F3"/>
+                </a:highlight>
+              </a:rPr>
+              <a:t>Binomial: Discrete </a:t>
+            </a:r>
+            <a:endParaRPr sz="2400">
+              <a:solidFill>
+                <a:schemeClr val="dk1"/>
+              </a:solidFill>
+              <a:highlight>
+                <a:srgbClr val="CFE2F3"/>
+              </a:highlight>
+            </a:endParaRPr>
+          </a:p>
+        </p:txBody>
+      </p:sp>
+      <p:sp>
+        <p:nvSpPr>
+          <p:cNvPr id="68" name="Google Shape;68;p15"/>
+          <p:cNvSpPr/>
+          <p:nvPr/>
+        </p:nvSpPr>
+        <p:spPr>
+          <a:xfrm flipH="1">
+            <a:off x="568933" y="3429000"/>
+            <a:ext cx="622000" cy="2196800"/>
+          </a:xfrm>
+          <a:prstGeom prst="bentUpArrow">
+            <a:avLst>
+              <a:gd name="adj1" fmla="val 28842"/>
+              <a:gd name="adj2" fmla="val 25000"/>
+              <a:gd name="adj3" fmla="val 25000"/>
+            </a:avLst>
+          </a:prstGeom>
+          <a:solidFill>
+            <a:srgbClr val="FFE599"/>
+          </a:solidFill>
+          <a:ln w="9525" cap="flat" cmpd="sng">
+            <a:solidFill>
+              <a:srgbClr val="000000"/>
+            </a:solidFill>
+            <a:prstDash val="solid"/>
+            <a:round/>
+            <a:headEnd type="none" w="sm" len="sm"/>
+            <a:tailEnd type="none" w="sm" len="sm"/>
+          </a:ln>
+        </p:spPr>
+        <p:txBody>
+          <a:bodyPr spcFirstLastPara="1" wrap="square" lIns="121900" tIns="121900" rIns="121900" bIns="121900" anchor="ctr" anchorCtr="0">
+            <a:noAutofit/>
+          </a:bodyPr>
+          <a:lstStyle/>
+          <a:p>
+            <a:pPr algn="ctr"/>
+            <a:endParaRPr sz="1867">
+              <a:highlight>
+                <a:schemeClr val="dk1"/>
+              </a:highlight>
+            </a:endParaRPr>
+          </a:p>
+        </p:txBody>
+      </p:sp>
+      <p:sp>
+        <p:nvSpPr>
+          <p:cNvPr id="69" name="Google Shape;69;p15"/>
+          <p:cNvSpPr txBox="1"/>
+          <p:nvPr/>
+        </p:nvSpPr>
+        <p:spPr>
+          <a:xfrm>
+            <a:off x="1269433" y="5244067"/>
+            <a:ext cx="1930400" cy="718400"/>
+          </a:xfrm>
+          <a:prstGeom prst="rect">
+            <a:avLst/>
+          </a:prstGeom>
+          <a:noFill/>
+          <a:ln>
+            <a:noFill/>
+          </a:ln>
+        </p:spPr>
+        <p:txBody>
+          <a:bodyPr spcFirstLastPara="1" wrap="square" lIns="121900" tIns="121900" rIns="121900" bIns="121900" anchor="t" anchorCtr="0">
+            <a:noAutofit/>
+          </a:bodyPr>
+          <a:lstStyle/>
+          <a:p>
+            <a:r>
+              <a:rPr lang="en-GB" sz="2400">
+                <a:solidFill>
+                  <a:schemeClr val="dk1"/>
+                </a:solidFill>
+              </a:rPr>
+              <a:t>“Probability” </a:t>
+            </a:r>
+            <a:endParaRPr sz="2400">
+              <a:solidFill>
+                <a:schemeClr val="dk1"/>
+              </a:solidFill>
+            </a:endParaRPr>
+          </a:p>
+        </p:txBody>
+      </p:sp>
+      <p:sp>
+        <p:nvSpPr>
+          <p:cNvPr id="70" name="Google Shape;70;p15"/>
+          <p:cNvSpPr txBox="1"/>
+          <p:nvPr/>
+        </p:nvSpPr>
+        <p:spPr>
+          <a:xfrm>
+            <a:off x="8003967" y="2202267"/>
+            <a:ext cx="3591600" cy="1773600"/>
+          </a:xfrm>
+          <a:prstGeom prst="rect">
+            <a:avLst/>
+          </a:prstGeom>
+          <a:noFill/>
+          <a:ln>
+            <a:noFill/>
+          </a:ln>
+        </p:spPr>
+        <p:txBody>
+          <a:bodyPr spcFirstLastPara="1" wrap="square" lIns="121900" tIns="121900" rIns="121900" bIns="121900" anchor="t" anchorCtr="0">
+            <a:noAutofit/>
+          </a:bodyPr>
+          <a:lstStyle/>
+          <a:p>
+            <a:endParaRPr sz="2400">
+              <a:solidFill>
+                <a:schemeClr val="dk2"/>
+              </a:solidFill>
+            </a:endParaRPr>
+          </a:p>
+        </p:txBody>
+      </p:sp>
+      <p:sp>
+        <p:nvSpPr>
+          <p:cNvPr id="71" name="Google Shape;71;p15"/>
+          <p:cNvSpPr txBox="1"/>
+          <p:nvPr/>
+        </p:nvSpPr>
+        <p:spPr>
+          <a:xfrm>
+            <a:off x="7874167" y="2001433"/>
+            <a:ext cx="3486000" cy="1345600"/>
+          </a:xfrm>
+          <a:prstGeom prst="rect">
+            <a:avLst/>
+          </a:prstGeom>
+          <a:noFill/>
+          <a:ln>
+            <a:noFill/>
+          </a:ln>
+        </p:spPr>
+        <p:txBody>
+          <a:bodyPr spcFirstLastPara="1" wrap="square" lIns="121900" tIns="121900" rIns="121900" bIns="121900" anchor="t" anchorCtr="0">
+            <a:noAutofit/>
+          </a:bodyPr>
+          <a:lstStyle/>
+          <a:p>
+            <a:r>
+              <a:rPr lang="en-GB" sz="2400" b="1">
+                <a:solidFill>
+                  <a:schemeClr val="dk1"/>
+                </a:solidFill>
+              </a:rPr>
+              <a:t>Logistic Regression:</a:t>
+            </a:r>
+            <a:endParaRPr sz="2400" b="1">
+              <a:solidFill>
+                <a:schemeClr val="dk1"/>
+              </a:solidFill>
+            </a:endParaRPr>
+          </a:p>
+          <a:p>
+            <a:r>
+              <a:rPr lang="en-GB" sz="2400">
+                <a:solidFill>
+                  <a:schemeClr val="dk1"/>
+                </a:solidFill>
+              </a:rPr>
+              <a:t>Models the probability of a discrete outcome y</a:t>
+            </a:r>
+            <a:endParaRPr sz="2400">
+              <a:solidFill>
+                <a:schemeClr val="dk1"/>
+              </a:solidFill>
+            </a:endParaRPr>
+          </a:p>
+          <a:p>
+            <a:endParaRPr sz="2400">
+              <a:solidFill>
+                <a:schemeClr val="dk1"/>
+              </a:solidFill>
+            </a:endParaRPr>
+          </a:p>
+          <a:p>
+            <a:endParaRPr sz="2400">
+              <a:solidFill>
+                <a:schemeClr val="dk1"/>
+              </a:solidFill>
+            </a:endParaRPr>
+          </a:p>
+        </p:txBody>
+      </p:sp>
+      <p:sp>
+        <p:nvSpPr>
+          <p:cNvPr id="72" name="Google Shape;72;p15"/>
+          <p:cNvSpPr/>
+          <p:nvPr/>
+        </p:nvSpPr>
+        <p:spPr>
+          <a:xfrm>
+            <a:off x="4317933" y="5244067"/>
+            <a:ext cx="384400" cy="568000"/>
+          </a:xfrm>
+          <a:prstGeom prst="upArrow">
+            <a:avLst>
+              <a:gd name="adj1" fmla="val 50000"/>
+              <a:gd name="adj2" fmla="val 50000"/>
+            </a:avLst>
+          </a:prstGeom>
+          <a:solidFill>
+            <a:srgbClr val="FFE599"/>
+          </a:solidFill>
+          <a:ln w="9525" cap="flat" cmpd="sng">
+            <a:solidFill>
+              <a:schemeClr val="dk1"/>
+            </a:solidFill>
+            <a:prstDash val="solid"/>
+            <a:round/>
+            <a:headEnd type="none" w="sm" len="sm"/>
+            <a:tailEnd type="none" w="sm" len="sm"/>
+          </a:ln>
+        </p:spPr>
+        <p:txBody>
+          <a:bodyPr spcFirstLastPara="1" wrap="square" lIns="121900" tIns="121900" rIns="121900" bIns="121900" anchor="ctr" anchorCtr="0">
+            <a:noAutofit/>
+          </a:bodyPr>
+          <a:lstStyle/>
+          <a:p>
+            <a:pPr algn="ctr"/>
+            <a:endParaRPr sz="1867"/>
+          </a:p>
+        </p:txBody>
+      </p:sp>
+      <p:sp>
+        <p:nvSpPr>
+          <p:cNvPr id="73" name="Google Shape;73;p15"/>
+          <p:cNvSpPr txBox="1"/>
+          <p:nvPr/>
+        </p:nvSpPr>
+        <p:spPr>
+          <a:xfrm>
+            <a:off x="2814733" y="5859067"/>
+            <a:ext cx="3390800" cy="718400"/>
+          </a:xfrm>
+          <a:prstGeom prst="rect">
+            <a:avLst/>
+          </a:prstGeom>
+          <a:noFill/>
+          <a:ln>
+            <a:noFill/>
+          </a:ln>
+        </p:spPr>
+        <p:txBody>
+          <a:bodyPr spcFirstLastPara="1" wrap="square" lIns="121900" tIns="121900" rIns="121900" bIns="121900" anchor="t" anchorCtr="0">
+            <a:noAutofit/>
+          </a:bodyPr>
+          <a:lstStyle/>
+          <a:p>
+            <a:pPr algn="ctr"/>
+            <a:r>
+              <a:rPr lang="en-GB" sz="2400">
+                <a:solidFill>
+                  <a:schemeClr val="dk1"/>
+                </a:solidFill>
+              </a:rPr>
+              <a:t>Outcome y</a:t>
+            </a:r>
+            <a:endParaRPr sz="2400">
+              <a:solidFill>
+                <a:schemeClr val="dk1"/>
+              </a:solidFill>
+            </a:endParaRPr>
+          </a:p>
+        </p:txBody>
+      </p:sp>
+      <p:sp>
+        <p:nvSpPr>
+          <p:cNvPr id="2" name="TextBox 1">
+            <a:extLst>
+              <a:ext uri="{FF2B5EF4-FFF2-40B4-BE49-F238E27FC236}">
+                <a16:creationId xmlns:a16="http://schemas.microsoft.com/office/drawing/2014/main" id="{E5FDD1F4-E940-723B-9E9E-1F29373786E2}"/>
+              </a:ext>
+            </a:extLst>
+          </p:cNvPr>
+          <p:cNvSpPr txBox="1"/>
+          <p:nvPr/>
+        </p:nvSpPr>
+        <p:spPr>
+          <a:xfrm>
+            <a:off x="9339470" y="6550223"/>
+            <a:ext cx="2852530" cy="307777"/>
+          </a:xfrm>
+          <a:prstGeom prst="rect">
+            <a:avLst/>
+          </a:prstGeom>
+          <a:noFill/>
+        </p:spPr>
+        <p:txBody>
+          <a:bodyPr wrap="square" rtlCol="0">
+            <a:spAutoFit/>
+          </a:bodyPr>
+          <a:lstStyle/>
+          <a:p>
+            <a:pPr algn="r"/>
+            <a:r>
+              <a:rPr lang="en-US" dirty="0"/>
+              <a:t>Slides thanks to Shirley Chen </a:t>
+            </a:r>
+          </a:p>
+        </p:txBody>
+      </p:sp>
+    </p:spTree>
+  </p:cSld>
+  <p:clrMapOvr>
+    <a:masterClrMapping/>
+  </p:clrMapOvr>
+</p:sld>
+</file>
+
+<file path=ppt/slides/slide6.xml><?xml version="1.0" encoding="utf-8"?>
+<p:sld xmlns:a="http://schemas.openxmlformats.org/drawingml/2006/main" xmlns:r="http://schemas.openxmlformats.org/officeDocument/2006/relationships" xmlns:p="http://schemas.openxmlformats.org/presentationml/2006/main">
+  <p:cSld>
+    <p:spTree>
+      <p:nvGrpSpPr>
+        <p:cNvPr id="1" name="Shape 77"/>
+        <p:cNvGrpSpPr/>
+        <p:nvPr/>
+      </p:nvGrpSpPr>
+      <p:grpSpPr>
+        <a:xfrm>
+          <a:off x="0" y="0"/>
+          <a:ext cx="0" cy="0"/>
+          <a:chOff x="0" y="0"/>
+          <a:chExt cx="0" cy="0"/>
+        </a:xfrm>
+      </p:grpSpPr>
+      <p:pic>
+        <p:nvPicPr>
+          <p:cNvPr id="78" name="Google Shape;78;p16"/>
+          <p:cNvPicPr preferRelativeResize="0"/>
+          <p:nvPr/>
+        </p:nvPicPr>
+        <p:blipFill>
+          <a:blip r:embed="rId3">
+            <a:alphaModFix/>
+          </a:blip>
+          <a:stretch>
+            <a:fillRect/>
+          </a:stretch>
+        </p:blipFill>
+        <p:spPr>
+          <a:xfrm>
+            <a:off x="613834" y="394534"/>
+            <a:ext cx="7260333" cy="5040333"/>
+          </a:xfrm>
+          <a:prstGeom prst="rect">
+            <a:avLst/>
+          </a:prstGeom>
+          <a:noFill/>
+          <a:ln>
+            <a:noFill/>
+          </a:ln>
+        </p:spPr>
+      </p:pic>
+      <p:sp>
+        <p:nvSpPr>
+          <p:cNvPr id="79" name="Google Shape;79;p16"/>
+          <p:cNvSpPr txBox="1"/>
+          <p:nvPr/>
+        </p:nvSpPr>
+        <p:spPr>
+          <a:xfrm>
+            <a:off x="8161167" y="541100"/>
+            <a:ext cx="3255200" cy="1156000"/>
+          </a:xfrm>
+          <a:prstGeom prst="rect">
+            <a:avLst/>
+          </a:prstGeom>
+          <a:noFill/>
+          <a:ln>
+            <a:noFill/>
+          </a:ln>
+        </p:spPr>
+        <p:txBody>
+          <a:bodyPr spcFirstLastPara="1" wrap="square" lIns="121900" tIns="121900" rIns="121900" bIns="121900" anchor="t" anchorCtr="0">
+            <a:noAutofit/>
+          </a:bodyPr>
+          <a:lstStyle/>
+          <a:p>
+            <a:r>
+              <a:rPr lang="en-GB" sz="2400">
+                <a:solidFill>
+                  <a:schemeClr val="dk1"/>
+                </a:solidFill>
+              </a:rPr>
+              <a:t>Normal: Continuous </a:t>
+            </a:r>
+            <a:endParaRPr sz="2400">
+              <a:solidFill>
+                <a:schemeClr val="dk1"/>
+              </a:solidFill>
+            </a:endParaRPr>
+          </a:p>
+          <a:p>
+            <a:r>
+              <a:rPr lang="en-GB" sz="2400">
+                <a:solidFill>
+                  <a:schemeClr val="dk1"/>
+                </a:solidFill>
+                <a:highlight>
+                  <a:srgbClr val="CFE2F3"/>
+                </a:highlight>
+              </a:rPr>
+              <a:t>Binomial: Discrete </a:t>
+            </a:r>
+            <a:endParaRPr sz="2400">
+              <a:solidFill>
+                <a:schemeClr val="dk1"/>
+              </a:solidFill>
+              <a:highlight>
+                <a:srgbClr val="CFE2F3"/>
+              </a:highlight>
+            </a:endParaRPr>
+          </a:p>
+        </p:txBody>
+      </p:sp>
+      <p:sp>
+        <p:nvSpPr>
+          <p:cNvPr id="80" name="Google Shape;80;p16"/>
+          <p:cNvSpPr/>
+          <p:nvPr/>
+        </p:nvSpPr>
+        <p:spPr>
+          <a:xfrm flipH="1">
+            <a:off x="568933" y="3429000"/>
+            <a:ext cx="622000" cy="2196800"/>
+          </a:xfrm>
+          <a:prstGeom prst="bentUpArrow">
+            <a:avLst>
+              <a:gd name="adj1" fmla="val 28842"/>
+              <a:gd name="adj2" fmla="val 25000"/>
+              <a:gd name="adj3" fmla="val 25000"/>
+            </a:avLst>
+          </a:prstGeom>
+          <a:solidFill>
+            <a:srgbClr val="FFE599"/>
+          </a:solidFill>
+          <a:ln w="9525" cap="flat" cmpd="sng">
+            <a:solidFill>
+              <a:srgbClr val="000000"/>
+            </a:solidFill>
+            <a:prstDash val="solid"/>
+            <a:round/>
+            <a:headEnd type="none" w="sm" len="sm"/>
+            <a:tailEnd type="none" w="sm" len="sm"/>
+          </a:ln>
+        </p:spPr>
+        <p:txBody>
+          <a:bodyPr spcFirstLastPara="1" wrap="square" lIns="121900" tIns="121900" rIns="121900" bIns="121900" anchor="ctr" anchorCtr="0">
+            <a:noAutofit/>
+          </a:bodyPr>
+          <a:lstStyle/>
+          <a:p>
+            <a:pPr algn="ctr"/>
+            <a:endParaRPr sz="1867">
+              <a:highlight>
+                <a:schemeClr val="dk1"/>
+              </a:highlight>
+            </a:endParaRPr>
+          </a:p>
+        </p:txBody>
+      </p:sp>
+      <p:sp>
+        <p:nvSpPr>
+          <p:cNvPr id="81" name="Google Shape;81;p16"/>
+          <p:cNvSpPr txBox="1"/>
+          <p:nvPr/>
+        </p:nvSpPr>
+        <p:spPr>
+          <a:xfrm>
+            <a:off x="1269433" y="5244067"/>
+            <a:ext cx="1930400" cy="718400"/>
+          </a:xfrm>
+          <a:prstGeom prst="rect">
+            <a:avLst/>
+          </a:prstGeom>
+          <a:noFill/>
+          <a:ln>
+            <a:noFill/>
+          </a:ln>
+        </p:spPr>
+        <p:txBody>
+          <a:bodyPr spcFirstLastPara="1" wrap="square" lIns="121900" tIns="121900" rIns="121900" bIns="121900" anchor="t" anchorCtr="0">
+            <a:noAutofit/>
+          </a:bodyPr>
+          <a:lstStyle/>
+          <a:p>
+            <a:r>
+              <a:rPr lang="en-GB" sz="2400">
+                <a:solidFill>
+                  <a:schemeClr val="dk1"/>
+                </a:solidFill>
+              </a:rPr>
+              <a:t>“Probability” </a:t>
+            </a:r>
+            <a:endParaRPr sz="2400">
+              <a:solidFill>
+                <a:schemeClr val="dk1"/>
+              </a:solidFill>
+            </a:endParaRPr>
+          </a:p>
+        </p:txBody>
+      </p:sp>
+      <p:sp>
+        <p:nvSpPr>
+          <p:cNvPr id="82" name="Google Shape;82;p16"/>
+          <p:cNvSpPr txBox="1"/>
+          <p:nvPr/>
+        </p:nvSpPr>
+        <p:spPr>
+          <a:xfrm>
+            <a:off x="8003967" y="2202267"/>
+            <a:ext cx="3591600" cy="1773600"/>
+          </a:xfrm>
+          <a:prstGeom prst="rect">
+            <a:avLst/>
+          </a:prstGeom>
+          <a:noFill/>
+          <a:ln>
+            <a:noFill/>
+          </a:ln>
+        </p:spPr>
+        <p:txBody>
+          <a:bodyPr spcFirstLastPara="1" wrap="square" lIns="121900" tIns="121900" rIns="121900" bIns="121900" anchor="t" anchorCtr="0">
+            <a:noAutofit/>
+          </a:bodyPr>
+          <a:lstStyle/>
+          <a:p>
+            <a:endParaRPr sz="2400">
+              <a:solidFill>
+                <a:schemeClr val="dk2"/>
+              </a:solidFill>
+            </a:endParaRPr>
+          </a:p>
+        </p:txBody>
+      </p:sp>
+      <p:sp>
+        <p:nvSpPr>
+          <p:cNvPr id="83" name="Google Shape;83;p16"/>
+          <p:cNvSpPr txBox="1"/>
+          <p:nvPr/>
+        </p:nvSpPr>
+        <p:spPr>
+          <a:xfrm>
+            <a:off x="7874167" y="2001433"/>
+            <a:ext cx="3486000" cy="1345600"/>
+          </a:xfrm>
+          <a:prstGeom prst="rect">
+            <a:avLst/>
+          </a:prstGeom>
+          <a:noFill/>
+          <a:ln>
+            <a:noFill/>
+          </a:ln>
+        </p:spPr>
+        <p:txBody>
+          <a:bodyPr spcFirstLastPara="1" wrap="square" lIns="121900" tIns="121900" rIns="121900" bIns="121900" anchor="t" anchorCtr="0">
+            <a:noAutofit/>
+          </a:bodyPr>
+          <a:lstStyle/>
+          <a:p>
+            <a:r>
+              <a:rPr lang="en-GB" sz="2400" b="1">
+                <a:solidFill>
+                  <a:schemeClr val="dk1"/>
+                </a:solidFill>
+              </a:rPr>
+              <a:t>Logistic Regression:</a:t>
+            </a:r>
+            <a:endParaRPr sz="2400" b="1">
+              <a:solidFill>
+                <a:schemeClr val="dk1"/>
+              </a:solidFill>
+            </a:endParaRPr>
+          </a:p>
+          <a:p>
+            <a:r>
+              <a:rPr lang="en-GB" sz="2400">
+                <a:solidFill>
+                  <a:schemeClr val="dk1"/>
+                </a:solidFill>
+              </a:rPr>
+              <a:t>Models the probability of a discrete outcome y</a:t>
+            </a:r>
+            <a:endParaRPr sz="2400">
+              <a:solidFill>
+                <a:schemeClr val="dk1"/>
+              </a:solidFill>
+            </a:endParaRPr>
+          </a:p>
+          <a:p>
+            <a:endParaRPr sz="2400">
+              <a:solidFill>
+                <a:schemeClr val="dk1"/>
+              </a:solidFill>
+            </a:endParaRPr>
+          </a:p>
+          <a:p>
+            <a:endParaRPr sz="2400">
+              <a:solidFill>
+                <a:schemeClr val="dk1"/>
+              </a:solidFill>
+            </a:endParaRPr>
+          </a:p>
+          <a:p>
+            <a:endParaRPr sz="2400">
+              <a:solidFill>
+                <a:schemeClr val="dk1"/>
+              </a:solidFill>
+            </a:endParaRPr>
+          </a:p>
+        </p:txBody>
+      </p:sp>
+      <p:sp>
+        <p:nvSpPr>
+          <p:cNvPr id="84" name="Google Shape;84;p16"/>
+          <p:cNvSpPr/>
+          <p:nvPr/>
+        </p:nvSpPr>
+        <p:spPr>
+          <a:xfrm>
+            <a:off x="9261067" y="3482951"/>
+            <a:ext cx="370400" cy="1044000"/>
+          </a:xfrm>
+          <a:prstGeom prst="downArrow">
+            <a:avLst>
+              <a:gd name="adj1" fmla="val 50000"/>
+              <a:gd name="adj2" fmla="val 50000"/>
+            </a:avLst>
+          </a:prstGeom>
+          <a:solidFill>
+            <a:srgbClr val="FFE599"/>
+          </a:solidFill>
+          <a:ln w="9525" cap="flat" cmpd="sng">
+            <a:solidFill>
+              <a:schemeClr val="dk1"/>
+            </a:solidFill>
+            <a:prstDash val="solid"/>
+            <a:round/>
+            <a:headEnd type="none" w="sm" len="sm"/>
+            <a:tailEnd type="none" w="sm" len="sm"/>
+          </a:ln>
+        </p:spPr>
+        <p:txBody>
+          <a:bodyPr spcFirstLastPara="1" wrap="square" lIns="121900" tIns="121900" rIns="121900" bIns="121900" anchor="ctr" anchorCtr="0">
+            <a:noAutofit/>
+          </a:bodyPr>
+          <a:lstStyle/>
+          <a:p>
+            <a:pPr algn="ctr"/>
+            <a:endParaRPr sz="1867"/>
+          </a:p>
+        </p:txBody>
+      </p:sp>
+      <p:sp>
+        <p:nvSpPr>
+          <p:cNvPr id="85" name="Google Shape;85;p16"/>
+          <p:cNvSpPr txBox="1"/>
+          <p:nvPr/>
+        </p:nvSpPr>
+        <p:spPr>
+          <a:xfrm>
+            <a:off x="8863067" y="4662867"/>
+            <a:ext cx="1329600" cy="581200"/>
+          </a:xfrm>
+          <a:prstGeom prst="rect">
+            <a:avLst/>
+          </a:prstGeom>
+          <a:noFill/>
+          <a:ln>
+            <a:noFill/>
+          </a:ln>
+        </p:spPr>
+        <p:txBody>
+          <a:bodyPr spcFirstLastPara="1" wrap="square" lIns="121900" tIns="121900" rIns="121900" bIns="121900" anchor="t" anchorCtr="0">
+            <a:noAutofit/>
+          </a:bodyPr>
+          <a:lstStyle/>
+          <a:p>
+            <a:r>
+              <a:rPr lang="en-GB" sz="2400" b="1">
+                <a:solidFill>
+                  <a:schemeClr val="dk1"/>
+                </a:solidFill>
+              </a:rPr>
+              <a:t>Binary</a:t>
+            </a:r>
+            <a:endParaRPr sz="2400">
+              <a:solidFill>
+                <a:schemeClr val="dk1"/>
+              </a:solidFill>
+            </a:endParaRPr>
+          </a:p>
+          <a:p>
+            <a:endParaRPr sz="2400">
+              <a:solidFill>
+                <a:schemeClr val="dk1"/>
+              </a:solidFill>
+            </a:endParaRPr>
+          </a:p>
+          <a:p>
+            <a:endParaRPr sz="2400">
+              <a:solidFill>
+                <a:schemeClr val="dk1"/>
+              </a:solidFill>
+            </a:endParaRPr>
+          </a:p>
+        </p:txBody>
+      </p:sp>
+      <p:sp>
+        <p:nvSpPr>
+          <p:cNvPr id="86" name="Google Shape;86;p16"/>
+          <p:cNvSpPr txBox="1"/>
+          <p:nvPr/>
+        </p:nvSpPr>
+        <p:spPr>
+          <a:xfrm>
+            <a:off x="7804867" y="5288967"/>
+            <a:ext cx="3446000" cy="516400"/>
+          </a:xfrm>
+          <a:prstGeom prst="rect">
+            <a:avLst/>
+          </a:prstGeom>
+          <a:noFill/>
+          <a:ln>
+            <a:noFill/>
+          </a:ln>
+        </p:spPr>
+        <p:txBody>
+          <a:bodyPr spcFirstLastPara="1" wrap="square" lIns="121900" tIns="121900" rIns="121900" bIns="121900" anchor="t" anchorCtr="0">
+            <a:noAutofit/>
+          </a:bodyPr>
+          <a:lstStyle/>
+          <a:p>
+            <a:r>
+              <a:rPr lang="en-GB" sz="2400">
+                <a:solidFill>
+                  <a:schemeClr val="dk2"/>
+                </a:solidFill>
+              </a:rPr>
+              <a:t>e.g. 1/0, success/failure</a:t>
+            </a:r>
+            <a:endParaRPr sz="2400">
+              <a:solidFill>
+                <a:schemeClr val="dk2"/>
+              </a:solidFill>
+            </a:endParaRPr>
+          </a:p>
+        </p:txBody>
+      </p:sp>
+      <p:sp>
+        <p:nvSpPr>
+          <p:cNvPr id="87" name="Google Shape;87;p16"/>
+          <p:cNvSpPr/>
+          <p:nvPr/>
+        </p:nvSpPr>
+        <p:spPr>
+          <a:xfrm>
+            <a:off x="4317933" y="5244067"/>
+            <a:ext cx="384400" cy="568000"/>
+          </a:xfrm>
+          <a:prstGeom prst="upArrow">
+            <a:avLst>
+              <a:gd name="adj1" fmla="val 50000"/>
+              <a:gd name="adj2" fmla="val 50000"/>
+            </a:avLst>
+          </a:prstGeom>
+          <a:solidFill>
+            <a:srgbClr val="FFE599"/>
+          </a:solidFill>
+          <a:ln w="9525" cap="flat" cmpd="sng">
+            <a:solidFill>
+              <a:schemeClr val="dk1"/>
+            </a:solidFill>
+            <a:prstDash val="solid"/>
+            <a:round/>
+            <a:headEnd type="none" w="sm" len="sm"/>
+            <a:tailEnd type="none" w="sm" len="sm"/>
+          </a:ln>
+        </p:spPr>
+        <p:txBody>
+          <a:bodyPr spcFirstLastPara="1" wrap="square" lIns="121900" tIns="121900" rIns="121900" bIns="121900" anchor="ctr" anchorCtr="0">
+            <a:noAutofit/>
+          </a:bodyPr>
+          <a:lstStyle/>
+          <a:p>
+            <a:pPr algn="ctr"/>
+            <a:endParaRPr sz="1867"/>
+          </a:p>
+        </p:txBody>
+      </p:sp>
+      <p:sp>
+        <p:nvSpPr>
+          <p:cNvPr id="88" name="Google Shape;88;p16"/>
+          <p:cNvSpPr txBox="1"/>
+          <p:nvPr/>
+        </p:nvSpPr>
+        <p:spPr>
+          <a:xfrm>
+            <a:off x="2814733" y="5859067"/>
+            <a:ext cx="3390800" cy="718400"/>
+          </a:xfrm>
+          <a:prstGeom prst="rect">
+            <a:avLst/>
+          </a:prstGeom>
+          <a:noFill/>
+          <a:ln>
+            <a:noFill/>
+          </a:ln>
+        </p:spPr>
+        <p:txBody>
+          <a:bodyPr spcFirstLastPara="1" wrap="square" lIns="121900" tIns="121900" rIns="121900" bIns="121900" anchor="t" anchorCtr="0">
+            <a:noAutofit/>
+          </a:bodyPr>
+          <a:lstStyle/>
+          <a:p>
+            <a:r>
+              <a:rPr lang="en-GB" sz="2400">
+                <a:solidFill>
+                  <a:schemeClr val="dk1"/>
+                </a:solidFill>
+              </a:rPr>
+              <a:t>“Number of successes” </a:t>
+            </a:r>
+            <a:endParaRPr sz="2400">
+              <a:solidFill>
+                <a:schemeClr val="dk1"/>
+              </a:solidFill>
+            </a:endParaRPr>
+          </a:p>
+        </p:txBody>
+      </p:sp>
+      <p:sp>
+        <p:nvSpPr>
+          <p:cNvPr id="2" name="TextBox 1">
+            <a:extLst>
+              <a:ext uri="{FF2B5EF4-FFF2-40B4-BE49-F238E27FC236}">
+                <a16:creationId xmlns:a16="http://schemas.microsoft.com/office/drawing/2014/main" id="{C8BFF24E-3833-203F-1D8C-9F99C0B06CCA}"/>
+              </a:ext>
+            </a:extLst>
+          </p:cNvPr>
+          <p:cNvSpPr txBox="1"/>
+          <p:nvPr/>
+        </p:nvSpPr>
+        <p:spPr>
+          <a:xfrm>
+            <a:off x="9339470" y="6550223"/>
+            <a:ext cx="2852530" cy="307777"/>
+          </a:xfrm>
+          <a:prstGeom prst="rect">
+            <a:avLst/>
+          </a:prstGeom>
+          <a:noFill/>
+        </p:spPr>
+        <p:txBody>
+          <a:bodyPr wrap="square" rtlCol="0">
+            <a:spAutoFit/>
+          </a:bodyPr>
+          <a:lstStyle/>
+          <a:p>
+            <a:pPr algn="r"/>
+            <a:r>
+              <a:rPr lang="en-US" dirty="0"/>
+              <a:t>Slides thanks to Shirley Chen </a:t>
+            </a:r>
+          </a:p>
+        </p:txBody>
+      </p:sp>
+    </p:spTree>
+  </p:cSld>
+  <p:clrMapOvr>
+    <a:masterClrMapping/>
+  </p:clrMapOvr>
+</p:sld>
+</file>
+
+<file path=ppt/slides/slide7.xml><?xml version="1.0" encoding="utf-8"?>
+<p:sld xmlns:a="http://schemas.openxmlformats.org/drawingml/2006/main" xmlns:r="http://schemas.openxmlformats.org/officeDocument/2006/relationships" xmlns:p="http://schemas.openxmlformats.org/presentationml/2006/main">
+  <p:cSld>
+    <p:spTree>
+      <p:nvGrpSpPr>
+        <p:cNvPr id="1" name="Shape 92"/>
+        <p:cNvGrpSpPr/>
+        <p:nvPr/>
+      </p:nvGrpSpPr>
+      <p:grpSpPr>
+        <a:xfrm>
+          <a:off x="0" y="0"/>
+          <a:ext cx="0" cy="0"/>
+          <a:chOff x="0" y="0"/>
+          <a:chExt cx="0" cy="0"/>
+        </a:xfrm>
+      </p:grpSpPr>
+      <p:sp>
+        <p:nvSpPr>
+          <p:cNvPr id="93" name="Google Shape;93;p17"/>
+          <p:cNvSpPr txBox="1"/>
+          <p:nvPr/>
+        </p:nvSpPr>
+        <p:spPr>
+          <a:xfrm>
+            <a:off x="1524767" y="1092300"/>
+            <a:ext cx="3519600" cy="1345600"/>
+          </a:xfrm>
+          <a:prstGeom prst="rect">
+            <a:avLst/>
+          </a:prstGeom>
+          <a:noFill/>
+          <a:ln>
+            <a:noFill/>
+          </a:ln>
+        </p:spPr>
+        <p:txBody>
+          <a:bodyPr spcFirstLastPara="1" wrap="square" lIns="121900" tIns="121900" rIns="121900" bIns="121900" anchor="t" anchorCtr="0">
+            <a:noAutofit/>
+          </a:bodyPr>
+          <a:lstStyle/>
+          <a:p>
+            <a:r>
+              <a:rPr lang="en-GB" sz="2400" b="1">
+                <a:solidFill>
+                  <a:schemeClr val="dk1"/>
+                </a:solidFill>
+              </a:rPr>
+              <a:t>Linear Regression:</a:t>
+            </a:r>
+            <a:endParaRPr sz="2400" b="1">
+              <a:solidFill>
+                <a:schemeClr val="dk1"/>
+              </a:solidFill>
+            </a:endParaRPr>
+          </a:p>
+          <a:p>
+            <a:endParaRPr sz="2400">
+              <a:solidFill>
+                <a:schemeClr val="dk1"/>
+              </a:solidFill>
+            </a:endParaRPr>
+          </a:p>
+          <a:p>
+            <a:r>
+              <a:rPr lang="en-GB" sz="2933">
+                <a:solidFill>
+                  <a:schemeClr val="dk1"/>
+                </a:solidFill>
+              </a:rPr>
+              <a:t>y = β</a:t>
+            </a:r>
+            <a:r>
+              <a:rPr lang="en-GB" sz="2933" baseline="-25000">
+                <a:solidFill>
+                  <a:schemeClr val="dk1"/>
+                </a:solidFill>
+              </a:rPr>
+              <a:t>0</a:t>
+            </a:r>
+            <a:r>
+              <a:rPr lang="en-GB" sz="2933">
+                <a:solidFill>
+                  <a:schemeClr val="dk1"/>
+                </a:solidFill>
+              </a:rPr>
+              <a:t> + β</a:t>
+            </a:r>
+            <a:r>
+              <a:rPr lang="en-GB" sz="2933" baseline="-25000">
+                <a:solidFill>
+                  <a:schemeClr val="dk1"/>
+                </a:solidFill>
+              </a:rPr>
+              <a:t>1</a:t>
+            </a:r>
+            <a:r>
+              <a:rPr lang="en-GB" sz="2933">
+                <a:solidFill>
+                  <a:schemeClr val="dk1"/>
+                </a:solidFill>
+              </a:rPr>
+              <a:t>x + e</a:t>
+            </a:r>
+            <a:endParaRPr sz="2933">
+              <a:solidFill>
+                <a:schemeClr val="dk1"/>
+              </a:solidFill>
+            </a:endParaRPr>
+          </a:p>
+          <a:p>
+            <a:endParaRPr sz="2400">
+              <a:solidFill>
+                <a:schemeClr val="dk1"/>
+              </a:solidFill>
+            </a:endParaRPr>
+          </a:p>
+          <a:p>
+            <a:endParaRPr sz="2400">
+              <a:solidFill>
+                <a:schemeClr val="dk1"/>
+              </a:solidFill>
+            </a:endParaRPr>
+          </a:p>
+        </p:txBody>
+      </p:sp>
+      <p:sp>
+        <p:nvSpPr>
+          <p:cNvPr id="94" name="Google Shape;94;p17"/>
+          <p:cNvSpPr txBox="1"/>
+          <p:nvPr/>
+        </p:nvSpPr>
+        <p:spPr>
+          <a:xfrm>
+            <a:off x="1524767" y="3429000"/>
+            <a:ext cx="4248000" cy="1345600"/>
+          </a:xfrm>
+          <a:prstGeom prst="rect">
+            <a:avLst/>
+          </a:prstGeom>
+          <a:noFill/>
+          <a:ln>
+            <a:noFill/>
+          </a:ln>
+        </p:spPr>
+        <p:txBody>
+          <a:bodyPr spcFirstLastPara="1" wrap="square" lIns="121900" tIns="121900" rIns="121900" bIns="121900" anchor="t" anchorCtr="0">
+            <a:noAutofit/>
+          </a:bodyPr>
+          <a:lstStyle/>
+          <a:p>
+            <a:r>
+              <a:rPr lang="en-GB" sz="2400" b="1">
+                <a:solidFill>
+                  <a:schemeClr val="dk1"/>
+                </a:solidFill>
+              </a:rPr>
+              <a:t>Logistic Regression:</a:t>
+            </a:r>
+            <a:endParaRPr sz="2400" b="1">
+              <a:solidFill>
+                <a:schemeClr val="dk1"/>
+              </a:solidFill>
+            </a:endParaRPr>
+          </a:p>
+          <a:p>
+            <a:endParaRPr sz="2400">
+              <a:solidFill>
+                <a:schemeClr val="dk1"/>
+              </a:solidFill>
+            </a:endParaRPr>
+          </a:p>
+          <a:p>
+            <a:r>
+              <a:rPr lang="en-GB" sz="2933">
+                <a:solidFill>
+                  <a:schemeClr val="dk1"/>
+                </a:solidFill>
+              </a:rPr>
+              <a:t>ln(p/1-p) = β</a:t>
+            </a:r>
+            <a:r>
+              <a:rPr lang="en-GB" sz="2933" baseline="-25000">
+                <a:solidFill>
+                  <a:schemeClr val="dk1"/>
+                </a:solidFill>
+              </a:rPr>
+              <a:t>0</a:t>
+            </a:r>
+            <a:r>
+              <a:rPr lang="en-GB" sz="2933">
+                <a:solidFill>
+                  <a:schemeClr val="dk1"/>
+                </a:solidFill>
+              </a:rPr>
+              <a:t> + β</a:t>
+            </a:r>
+            <a:r>
+              <a:rPr lang="en-GB" sz="2933" baseline="-25000">
+                <a:solidFill>
+                  <a:schemeClr val="dk1"/>
+                </a:solidFill>
+              </a:rPr>
+              <a:t>1</a:t>
+            </a:r>
+            <a:r>
+              <a:rPr lang="en-GB" sz="2933">
+                <a:solidFill>
+                  <a:schemeClr val="dk1"/>
+                </a:solidFill>
+              </a:rPr>
+              <a:t>x + e</a:t>
+            </a:r>
+            <a:endParaRPr sz="2933">
+              <a:solidFill>
+                <a:schemeClr val="dk1"/>
+              </a:solidFill>
+            </a:endParaRPr>
+          </a:p>
+          <a:p>
+            <a:endParaRPr sz="2400">
+              <a:solidFill>
+                <a:schemeClr val="dk1"/>
+              </a:solidFill>
+            </a:endParaRPr>
+          </a:p>
+          <a:p>
+            <a:endParaRPr sz="2400">
+              <a:solidFill>
+                <a:schemeClr val="dk1"/>
+              </a:solidFill>
+            </a:endParaRPr>
+          </a:p>
+        </p:txBody>
+      </p:sp>
+      <p:sp>
+        <p:nvSpPr>
+          <p:cNvPr id="95" name="Google Shape;95;p17"/>
+          <p:cNvSpPr txBox="1"/>
+          <p:nvPr/>
+        </p:nvSpPr>
+        <p:spPr>
+          <a:xfrm>
+            <a:off x="6807867" y="685900"/>
+            <a:ext cx="4630800" cy="2549200"/>
+          </a:xfrm>
+          <a:prstGeom prst="rect">
+            <a:avLst/>
+          </a:prstGeom>
+          <a:noFill/>
+          <a:ln>
+            <a:noFill/>
+          </a:ln>
+        </p:spPr>
+        <p:txBody>
+          <a:bodyPr spcFirstLastPara="1" wrap="square" lIns="121900" tIns="121900" rIns="121900" bIns="121900" anchor="t" anchorCtr="0">
+            <a:noAutofit/>
+          </a:bodyPr>
+          <a:lstStyle/>
+          <a:p>
+            <a:r>
+              <a:rPr lang="en-GB" sz="2400" b="1">
+                <a:solidFill>
+                  <a:schemeClr val="dk1"/>
+                </a:solidFill>
+              </a:rPr>
+              <a:t>p</a:t>
+            </a:r>
+            <a:r>
+              <a:rPr lang="en-GB" sz="2400">
+                <a:solidFill>
+                  <a:schemeClr val="dk1"/>
+                </a:solidFill>
+              </a:rPr>
+              <a:t> = probability of </a:t>
+            </a:r>
+            <a:r>
+              <a:rPr lang="en-GB" sz="2400">
+                <a:solidFill>
+                  <a:schemeClr val="dk1"/>
+                </a:solidFill>
+                <a:highlight>
+                  <a:srgbClr val="D9EAD3"/>
+                </a:highlight>
+              </a:rPr>
+              <a:t>successes</a:t>
+            </a:r>
+            <a:endParaRPr sz="2400">
+              <a:solidFill>
+                <a:schemeClr val="dk1"/>
+              </a:solidFill>
+              <a:highlight>
+                <a:srgbClr val="D9EAD3"/>
+              </a:highlight>
+            </a:endParaRPr>
+          </a:p>
+          <a:p>
+            <a:endParaRPr sz="2400">
+              <a:solidFill>
+                <a:schemeClr val="dk1"/>
+              </a:solidFill>
+            </a:endParaRPr>
+          </a:p>
+          <a:p>
+            <a:r>
+              <a:rPr lang="en-GB" sz="2400" b="1">
+                <a:solidFill>
+                  <a:schemeClr val="dk1"/>
+                </a:solidFill>
+              </a:rPr>
+              <a:t>1-p</a:t>
+            </a:r>
+            <a:r>
+              <a:rPr lang="en-GB" sz="2400">
+                <a:solidFill>
+                  <a:schemeClr val="dk1"/>
+                </a:solidFill>
+              </a:rPr>
+              <a:t> = probability of </a:t>
+            </a:r>
+            <a:r>
+              <a:rPr lang="en-GB" sz="2400">
+                <a:solidFill>
+                  <a:schemeClr val="dk1"/>
+                </a:solidFill>
+                <a:highlight>
+                  <a:srgbClr val="F4CCCC"/>
+                </a:highlight>
+              </a:rPr>
+              <a:t>failures</a:t>
+            </a:r>
+            <a:r>
+              <a:rPr lang="en-GB" sz="2400">
+                <a:solidFill>
+                  <a:schemeClr val="dk1"/>
+                </a:solidFill>
+              </a:rPr>
+              <a:t> </a:t>
+            </a:r>
+            <a:endParaRPr sz="2400">
+              <a:solidFill>
+                <a:schemeClr val="dk1"/>
+              </a:solidFill>
+            </a:endParaRPr>
+          </a:p>
+          <a:p>
+            <a:endParaRPr sz="2400">
+              <a:solidFill>
+                <a:schemeClr val="dk1"/>
+              </a:solidFill>
+            </a:endParaRPr>
+          </a:p>
+          <a:p>
+            <a:endParaRPr sz="2400">
+              <a:solidFill>
+                <a:schemeClr val="dk1"/>
+              </a:solidFill>
+            </a:endParaRPr>
+          </a:p>
+          <a:p>
+            <a:r>
+              <a:rPr lang="en-GB" sz="2400">
+                <a:solidFill>
+                  <a:schemeClr val="dk1"/>
+                </a:solidFill>
+              </a:rPr>
+              <a:t>p/1-p = successes/failures</a:t>
+            </a:r>
+            <a:endParaRPr sz="2400">
+              <a:solidFill>
+                <a:schemeClr val="dk1"/>
+              </a:solidFill>
+            </a:endParaRPr>
+          </a:p>
+          <a:p>
+            <a:endParaRPr sz="2400">
+              <a:solidFill>
+                <a:schemeClr val="dk1"/>
+              </a:solidFill>
+            </a:endParaRPr>
+          </a:p>
+          <a:p>
+            <a:endParaRPr sz="2400">
+              <a:solidFill>
+                <a:schemeClr val="dk1"/>
+              </a:solidFill>
+            </a:endParaRPr>
+          </a:p>
+          <a:p>
+            <a:endParaRPr sz="2400">
+              <a:solidFill>
+                <a:schemeClr val="dk1"/>
+              </a:solidFill>
+            </a:endParaRPr>
+          </a:p>
+          <a:p>
+            <a:endParaRPr sz="2400">
+              <a:solidFill>
+                <a:schemeClr val="dk1"/>
+              </a:solidFill>
+            </a:endParaRPr>
+          </a:p>
+          <a:p>
+            <a:endParaRPr sz="2400">
+              <a:solidFill>
+                <a:schemeClr val="dk1"/>
+              </a:solidFill>
+            </a:endParaRPr>
+          </a:p>
+          <a:p>
+            <a:endParaRPr sz="2400">
+              <a:solidFill>
+                <a:schemeClr val="dk1"/>
+              </a:solidFill>
+            </a:endParaRPr>
+          </a:p>
+          <a:p>
+            <a:endParaRPr sz="2400">
+              <a:solidFill>
+                <a:schemeClr val="dk1"/>
+              </a:solidFill>
+            </a:endParaRPr>
+          </a:p>
+          <a:p>
+            <a:endParaRPr sz="2400">
+              <a:solidFill>
+                <a:schemeClr val="dk1"/>
+              </a:solidFill>
+            </a:endParaRPr>
+          </a:p>
+          <a:p>
+            <a:endParaRPr sz="2400">
+              <a:solidFill>
+                <a:schemeClr val="dk1"/>
+              </a:solidFill>
+            </a:endParaRPr>
+          </a:p>
+        </p:txBody>
+      </p:sp>
+      <p:sp>
+        <p:nvSpPr>
+          <p:cNvPr id="96" name="Google Shape;96;p17"/>
+          <p:cNvSpPr/>
+          <p:nvPr/>
+        </p:nvSpPr>
+        <p:spPr>
+          <a:xfrm>
+            <a:off x="1524767" y="4165933"/>
+            <a:ext cx="1619200" cy="696000"/>
+          </a:xfrm>
+          <a:prstGeom prst="rect">
+            <a:avLst/>
+          </a:prstGeom>
+          <a:noFill/>
+          <a:ln w="28575" cap="flat" cmpd="sng">
+            <a:solidFill>
+              <a:srgbClr val="CC0000"/>
+            </a:solidFill>
+            <a:prstDash val="solid"/>
+            <a:round/>
+            <a:headEnd type="none" w="sm" len="sm"/>
+            <a:tailEnd type="none" w="sm" len="sm"/>
+          </a:ln>
+        </p:spPr>
+        <p:txBody>
+          <a:bodyPr spcFirstLastPara="1" wrap="square" lIns="121900" tIns="121900" rIns="121900" bIns="121900" anchor="ctr" anchorCtr="0">
+            <a:noAutofit/>
+          </a:bodyPr>
+          <a:lstStyle/>
+          <a:p>
+            <a:pPr algn="ctr"/>
+            <a:endParaRPr sz="1867"/>
+          </a:p>
+        </p:txBody>
+      </p:sp>
+      <p:sp>
+        <p:nvSpPr>
+          <p:cNvPr id="2" name="TextBox 1">
+            <a:extLst>
+              <a:ext uri="{FF2B5EF4-FFF2-40B4-BE49-F238E27FC236}">
+                <a16:creationId xmlns:a16="http://schemas.microsoft.com/office/drawing/2014/main" id="{2E65AD2F-33C5-B982-24B9-34A56543450D}"/>
+              </a:ext>
+            </a:extLst>
+          </p:cNvPr>
+          <p:cNvSpPr txBox="1"/>
+          <p:nvPr/>
+        </p:nvSpPr>
+        <p:spPr>
+          <a:xfrm>
+            <a:off x="9339470" y="6550223"/>
+            <a:ext cx="2852530" cy="307777"/>
+          </a:xfrm>
+          <a:prstGeom prst="rect">
+            <a:avLst/>
+          </a:prstGeom>
+          <a:noFill/>
+        </p:spPr>
+        <p:txBody>
+          <a:bodyPr wrap="square" rtlCol="0">
+            <a:spAutoFit/>
+          </a:bodyPr>
+          <a:lstStyle/>
+          <a:p>
+            <a:pPr algn="r"/>
+            <a:r>
+              <a:rPr lang="en-US" dirty="0"/>
+              <a:t>Slides thanks to Shirley Chen </a:t>
+            </a:r>
+          </a:p>
+        </p:txBody>
+      </p:sp>
+    </p:spTree>
+  </p:cSld>
+  <p:clrMapOvr>
+    <a:masterClrMapping/>
+  </p:clrMapOvr>
+</p:sld>
+</file>
+
+<file path=ppt/slides/slide8.xml><?xml version="1.0" encoding="utf-8"?>
+<p:sld xmlns:a="http://schemas.openxmlformats.org/drawingml/2006/main" xmlns:r="http://schemas.openxmlformats.org/officeDocument/2006/relationships" xmlns:p="http://schemas.openxmlformats.org/presentationml/2006/main">
+  <p:cSld>
+    <p:spTree>
+      <p:nvGrpSpPr>
+        <p:cNvPr id="1" name="Shape 100"/>
+        <p:cNvGrpSpPr/>
+        <p:nvPr/>
+      </p:nvGrpSpPr>
+      <p:grpSpPr>
+        <a:xfrm>
+          <a:off x="0" y="0"/>
+          <a:ext cx="0" cy="0"/>
+          <a:chOff x="0" y="0"/>
+          <a:chExt cx="0" cy="0"/>
+        </a:xfrm>
+      </p:grpSpPr>
+      <p:sp>
+        <p:nvSpPr>
+          <p:cNvPr id="101" name="Google Shape;101;p18"/>
+          <p:cNvSpPr txBox="1"/>
+          <p:nvPr/>
+        </p:nvSpPr>
+        <p:spPr>
+          <a:xfrm>
+            <a:off x="1524767" y="1092300"/>
+            <a:ext cx="3519600" cy="1345600"/>
+          </a:xfrm>
+          <a:prstGeom prst="rect">
+            <a:avLst/>
+          </a:prstGeom>
+          <a:noFill/>
+          <a:ln>
+            <a:noFill/>
+          </a:ln>
+        </p:spPr>
+        <p:txBody>
+          <a:bodyPr spcFirstLastPara="1" wrap="square" lIns="121900" tIns="121900" rIns="121900" bIns="121900" anchor="t" anchorCtr="0">
+            <a:noAutofit/>
+          </a:bodyPr>
+          <a:lstStyle/>
+          <a:p>
+            <a:r>
+              <a:rPr lang="en-GB" sz="2400" b="1">
+                <a:solidFill>
+                  <a:schemeClr val="dk1"/>
+                </a:solidFill>
+              </a:rPr>
+              <a:t>Linear Regression:</a:t>
+            </a:r>
+            <a:endParaRPr sz="2400" b="1">
+              <a:solidFill>
+                <a:schemeClr val="dk1"/>
+              </a:solidFill>
+            </a:endParaRPr>
+          </a:p>
+          <a:p>
+            <a:endParaRPr sz="2400">
+              <a:solidFill>
+                <a:schemeClr val="dk1"/>
+              </a:solidFill>
+            </a:endParaRPr>
+          </a:p>
+          <a:p>
+            <a:r>
+              <a:rPr lang="en-GB" sz="2933">
+                <a:solidFill>
+                  <a:schemeClr val="dk1"/>
+                </a:solidFill>
+              </a:rPr>
+              <a:t>y = β</a:t>
+            </a:r>
+            <a:r>
+              <a:rPr lang="en-GB" sz="2933" baseline="-25000">
+                <a:solidFill>
+                  <a:schemeClr val="dk1"/>
+                </a:solidFill>
+              </a:rPr>
+              <a:t>0</a:t>
+            </a:r>
+            <a:r>
+              <a:rPr lang="en-GB" sz="2933">
+                <a:solidFill>
+                  <a:schemeClr val="dk1"/>
+                </a:solidFill>
+              </a:rPr>
+              <a:t> + β</a:t>
+            </a:r>
+            <a:r>
+              <a:rPr lang="en-GB" sz="2933" baseline="-25000">
+                <a:solidFill>
+                  <a:schemeClr val="dk1"/>
+                </a:solidFill>
+              </a:rPr>
+              <a:t>1</a:t>
+            </a:r>
+            <a:r>
+              <a:rPr lang="en-GB" sz="2933">
+                <a:solidFill>
+                  <a:schemeClr val="dk1"/>
+                </a:solidFill>
+              </a:rPr>
+              <a:t>x + e</a:t>
+            </a:r>
+            <a:endParaRPr sz="2933">
+              <a:solidFill>
+                <a:schemeClr val="dk1"/>
+              </a:solidFill>
+            </a:endParaRPr>
+          </a:p>
+          <a:p>
+            <a:endParaRPr sz="2400">
+              <a:solidFill>
+                <a:schemeClr val="dk1"/>
+              </a:solidFill>
+            </a:endParaRPr>
+          </a:p>
+          <a:p>
+            <a:endParaRPr sz="2400">
+              <a:solidFill>
+                <a:schemeClr val="dk1"/>
+              </a:solidFill>
+            </a:endParaRPr>
+          </a:p>
+        </p:txBody>
+      </p:sp>
+      <p:sp>
+        <p:nvSpPr>
+          <p:cNvPr id="102" name="Google Shape;102;p18"/>
+          <p:cNvSpPr txBox="1"/>
+          <p:nvPr/>
+        </p:nvSpPr>
+        <p:spPr>
+          <a:xfrm>
+            <a:off x="1524767" y="3429000"/>
+            <a:ext cx="4248000" cy="1345600"/>
+          </a:xfrm>
+          <a:prstGeom prst="rect">
+            <a:avLst/>
+          </a:prstGeom>
+          <a:noFill/>
+          <a:ln>
+            <a:noFill/>
+          </a:ln>
+        </p:spPr>
+        <p:txBody>
+          <a:bodyPr spcFirstLastPara="1" wrap="square" lIns="121900" tIns="121900" rIns="121900" bIns="121900" anchor="t" anchorCtr="0">
+            <a:noAutofit/>
+          </a:bodyPr>
+          <a:lstStyle/>
+          <a:p>
+            <a:r>
+              <a:rPr lang="en-GB" sz="2400" b="1">
+                <a:solidFill>
+                  <a:schemeClr val="dk1"/>
+                </a:solidFill>
+              </a:rPr>
+              <a:t>Logistic Regression:</a:t>
+            </a:r>
+            <a:endParaRPr sz="2400" b="1">
+              <a:solidFill>
+                <a:schemeClr val="dk1"/>
+              </a:solidFill>
+            </a:endParaRPr>
+          </a:p>
+          <a:p>
+            <a:endParaRPr sz="2400">
+              <a:solidFill>
+                <a:schemeClr val="dk1"/>
+              </a:solidFill>
+            </a:endParaRPr>
+          </a:p>
+          <a:p>
+            <a:r>
+              <a:rPr lang="en-GB" sz="2933">
+                <a:solidFill>
+                  <a:schemeClr val="dk1"/>
+                </a:solidFill>
+              </a:rPr>
+              <a:t>ln(p/1-p) = β</a:t>
+            </a:r>
+            <a:r>
+              <a:rPr lang="en-GB" sz="2933" baseline="-25000">
+                <a:solidFill>
+                  <a:schemeClr val="dk1"/>
+                </a:solidFill>
+              </a:rPr>
+              <a:t>0</a:t>
+            </a:r>
+            <a:r>
+              <a:rPr lang="en-GB" sz="2933">
+                <a:solidFill>
+                  <a:schemeClr val="dk1"/>
+                </a:solidFill>
+              </a:rPr>
+              <a:t> + β</a:t>
+            </a:r>
+            <a:r>
+              <a:rPr lang="en-GB" sz="2933" baseline="-25000">
+                <a:solidFill>
+                  <a:schemeClr val="dk1"/>
+                </a:solidFill>
+              </a:rPr>
+              <a:t>1</a:t>
+            </a:r>
+            <a:r>
+              <a:rPr lang="en-GB" sz="2933">
+                <a:solidFill>
+                  <a:schemeClr val="dk1"/>
+                </a:solidFill>
+              </a:rPr>
+              <a:t>x + e</a:t>
+            </a:r>
+            <a:endParaRPr sz="2933">
+              <a:solidFill>
+                <a:schemeClr val="dk1"/>
+              </a:solidFill>
+            </a:endParaRPr>
+          </a:p>
+          <a:p>
+            <a:endParaRPr sz="2400">
+              <a:solidFill>
+                <a:schemeClr val="dk1"/>
+              </a:solidFill>
+            </a:endParaRPr>
+          </a:p>
+          <a:p>
+            <a:endParaRPr sz="2400">
+              <a:solidFill>
+                <a:schemeClr val="dk1"/>
+              </a:solidFill>
+            </a:endParaRPr>
+          </a:p>
+        </p:txBody>
+      </p:sp>
+      <p:sp>
+        <p:nvSpPr>
+          <p:cNvPr id="103" name="Google Shape;103;p18"/>
+          <p:cNvSpPr txBox="1"/>
+          <p:nvPr/>
+        </p:nvSpPr>
+        <p:spPr>
+          <a:xfrm>
+            <a:off x="6807867" y="685900"/>
+            <a:ext cx="4630800" cy="2549200"/>
+          </a:xfrm>
+          <a:prstGeom prst="rect">
+            <a:avLst/>
+          </a:prstGeom>
+          <a:noFill/>
+          <a:ln>
+            <a:noFill/>
+          </a:ln>
+        </p:spPr>
+        <p:txBody>
+          <a:bodyPr spcFirstLastPara="1" wrap="square" lIns="121900" tIns="121900" rIns="121900" bIns="121900" anchor="t" anchorCtr="0">
+            <a:noAutofit/>
+          </a:bodyPr>
+          <a:lstStyle/>
+          <a:p>
+            <a:r>
+              <a:rPr lang="en-GB" sz="2400" b="1">
+                <a:solidFill>
+                  <a:schemeClr val="dk1"/>
+                </a:solidFill>
+              </a:rPr>
+              <a:t>p</a:t>
+            </a:r>
+            <a:r>
+              <a:rPr lang="en-GB" sz="2400">
+                <a:solidFill>
+                  <a:schemeClr val="dk1"/>
+                </a:solidFill>
+              </a:rPr>
+              <a:t> = probability of </a:t>
+            </a:r>
+            <a:r>
+              <a:rPr lang="en-GB" sz="2400">
+                <a:solidFill>
+                  <a:schemeClr val="dk1"/>
+                </a:solidFill>
+                <a:highlight>
+                  <a:srgbClr val="D9EAD3"/>
+                </a:highlight>
+              </a:rPr>
+              <a:t>successes</a:t>
+            </a:r>
+            <a:endParaRPr sz="2400">
+              <a:solidFill>
+                <a:schemeClr val="dk1"/>
+              </a:solidFill>
+              <a:highlight>
+                <a:srgbClr val="D9EAD3"/>
+              </a:highlight>
+            </a:endParaRPr>
+          </a:p>
+          <a:p>
+            <a:endParaRPr sz="2400">
+              <a:solidFill>
+                <a:schemeClr val="dk1"/>
+              </a:solidFill>
+            </a:endParaRPr>
+          </a:p>
+          <a:p>
+            <a:r>
+              <a:rPr lang="en-GB" sz="2400" b="1">
+                <a:solidFill>
+                  <a:schemeClr val="dk1"/>
+                </a:solidFill>
+              </a:rPr>
+              <a:t>1-p</a:t>
+            </a:r>
+            <a:r>
+              <a:rPr lang="en-GB" sz="2400">
+                <a:solidFill>
+                  <a:schemeClr val="dk1"/>
+                </a:solidFill>
+              </a:rPr>
+              <a:t> = probability of </a:t>
+            </a:r>
+            <a:r>
+              <a:rPr lang="en-GB" sz="2400">
+                <a:solidFill>
+                  <a:schemeClr val="dk1"/>
+                </a:solidFill>
+                <a:highlight>
+                  <a:srgbClr val="F4CCCC"/>
+                </a:highlight>
+              </a:rPr>
+              <a:t>failures</a:t>
+            </a:r>
+            <a:r>
+              <a:rPr lang="en-GB" sz="2400">
+                <a:solidFill>
+                  <a:schemeClr val="dk1"/>
+                </a:solidFill>
+              </a:rPr>
+              <a:t> </a:t>
+            </a:r>
+            <a:endParaRPr sz="2400">
+              <a:solidFill>
+                <a:schemeClr val="dk1"/>
+              </a:solidFill>
+            </a:endParaRPr>
+          </a:p>
+          <a:p>
+            <a:endParaRPr sz="2400">
+              <a:solidFill>
+                <a:schemeClr val="dk1"/>
+              </a:solidFill>
+            </a:endParaRPr>
+          </a:p>
+          <a:p>
+            <a:endParaRPr sz="2400">
+              <a:solidFill>
+                <a:schemeClr val="dk1"/>
+              </a:solidFill>
+            </a:endParaRPr>
+          </a:p>
+          <a:p>
+            <a:r>
+              <a:rPr lang="en-GB" sz="2400">
+                <a:solidFill>
+                  <a:schemeClr val="dk1"/>
+                </a:solidFill>
+              </a:rPr>
+              <a:t>p/1-p = successes/failures</a:t>
+            </a:r>
+            <a:endParaRPr sz="2400">
+              <a:solidFill>
+                <a:schemeClr val="dk1"/>
+              </a:solidFill>
+            </a:endParaRPr>
+          </a:p>
+          <a:p>
+            <a:endParaRPr sz="2400">
+              <a:solidFill>
+                <a:schemeClr val="dk1"/>
+              </a:solidFill>
+            </a:endParaRPr>
+          </a:p>
+          <a:p>
+            <a:endParaRPr sz="2400">
+              <a:solidFill>
+                <a:schemeClr val="dk1"/>
+              </a:solidFill>
+            </a:endParaRPr>
+          </a:p>
+          <a:p>
+            <a:endParaRPr sz="2400">
+              <a:solidFill>
+                <a:schemeClr val="dk1"/>
+              </a:solidFill>
+            </a:endParaRPr>
+          </a:p>
+          <a:p>
+            <a:endParaRPr sz="2400">
+              <a:solidFill>
+                <a:schemeClr val="dk1"/>
+              </a:solidFill>
+            </a:endParaRPr>
+          </a:p>
+          <a:p>
+            <a:endParaRPr sz="2400">
+              <a:solidFill>
+                <a:schemeClr val="dk1"/>
+              </a:solidFill>
+            </a:endParaRPr>
+          </a:p>
+          <a:p>
+            <a:endParaRPr sz="2400">
+              <a:solidFill>
+                <a:schemeClr val="dk1"/>
+              </a:solidFill>
+            </a:endParaRPr>
+          </a:p>
+          <a:p>
+            <a:endParaRPr sz="2400">
+              <a:solidFill>
+                <a:schemeClr val="dk1"/>
+              </a:solidFill>
+            </a:endParaRPr>
+          </a:p>
+          <a:p>
+            <a:endParaRPr sz="2400">
+              <a:solidFill>
+                <a:schemeClr val="dk1"/>
+              </a:solidFill>
+            </a:endParaRPr>
+          </a:p>
+          <a:p>
+            <a:endParaRPr sz="2400">
+              <a:solidFill>
+                <a:schemeClr val="dk1"/>
+              </a:solidFill>
+            </a:endParaRPr>
+          </a:p>
+        </p:txBody>
+      </p:sp>
+      <p:sp>
+        <p:nvSpPr>
+          <p:cNvPr id="104" name="Google Shape;104;p18"/>
+          <p:cNvSpPr/>
+          <p:nvPr/>
+        </p:nvSpPr>
+        <p:spPr>
+          <a:xfrm>
+            <a:off x="8318200" y="3277329"/>
+            <a:ext cx="370400" cy="777600"/>
+          </a:xfrm>
+          <a:prstGeom prst="downArrow">
+            <a:avLst>
+              <a:gd name="adj1" fmla="val 50000"/>
+              <a:gd name="adj2" fmla="val 50000"/>
+            </a:avLst>
+          </a:prstGeom>
+          <a:solidFill>
+            <a:srgbClr val="FFE599"/>
+          </a:solidFill>
+          <a:ln w="9525" cap="flat" cmpd="sng">
+            <a:solidFill>
+              <a:schemeClr val="dk1"/>
+            </a:solidFill>
+            <a:prstDash val="solid"/>
+            <a:round/>
+            <a:headEnd type="none" w="sm" len="sm"/>
+            <a:tailEnd type="none" w="sm" len="sm"/>
+          </a:ln>
+        </p:spPr>
+        <p:txBody>
+          <a:bodyPr spcFirstLastPara="1" wrap="square" lIns="121900" tIns="121900" rIns="121900" bIns="121900" anchor="ctr" anchorCtr="0">
+            <a:noAutofit/>
+          </a:bodyPr>
+          <a:lstStyle/>
+          <a:p>
+            <a:pPr algn="ctr"/>
+            <a:endParaRPr sz="1867"/>
+          </a:p>
+        </p:txBody>
+      </p:sp>
+      <p:sp>
+        <p:nvSpPr>
+          <p:cNvPr id="105" name="Google Shape;105;p18"/>
+          <p:cNvSpPr txBox="1"/>
+          <p:nvPr/>
+        </p:nvSpPr>
+        <p:spPr>
+          <a:xfrm>
+            <a:off x="6807867" y="4177767"/>
+            <a:ext cx="4114400" cy="1345600"/>
+          </a:xfrm>
+          <a:prstGeom prst="rect">
+            <a:avLst/>
+          </a:prstGeom>
+          <a:noFill/>
+          <a:ln>
+            <a:noFill/>
+          </a:ln>
+        </p:spPr>
+        <p:txBody>
+          <a:bodyPr spcFirstLastPara="1" wrap="square" lIns="121900" tIns="121900" rIns="121900" bIns="121900" anchor="t" anchorCtr="0">
+            <a:noAutofit/>
+          </a:bodyPr>
+          <a:lstStyle/>
+          <a:p>
+            <a:r>
+              <a:rPr lang="en-GB" sz="2400">
+                <a:solidFill>
+                  <a:schemeClr val="dk1"/>
+                </a:solidFill>
+              </a:rPr>
+              <a:t>“Odds” of an outcome y</a:t>
+            </a:r>
+            <a:endParaRPr sz="2400">
+              <a:solidFill>
+                <a:schemeClr val="dk1"/>
+              </a:solidFill>
+            </a:endParaRPr>
+          </a:p>
+          <a:p>
+            <a:endParaRPr sz="2400">
+              <a:solidFill>
+                <a:schemeClr val="dk1"/>
+              </a:solidFill>
+            </a:endParaRPr>
+          </a:p>
+          <a:p>
+            <a:r>
+              <a:rPr lang="en-GB" sz="2400">
+                <a:solidFill>
+                  <a:schemeClr val="dk1"/>
+                </a:solidFill>
+              </a:rPr>
+              <a:t>ln(p/1-p) = “</a:t>
+            </a:r>
+            <a:r>
+              <a:rPr lang="en-GB" sz="2400" b="1">
+                <a:solidFill>
+                  <a:schemeClr val="dk1"/>
+                </a:solidFill>
+              </a:rPr>
+              <a:t>log odds</a:t>
+            </a:r>
+            <a:r>
+              <a:rPr lang="en-GB" sz="2400">
+                <a:solidFill>
+                  <a:schemeClr val="dk1"/>
+                </a:solidFill>
+              </a:rPr>
+              <a:t>” of y</a:t>
+            </a:r>
+            <a:endParaRPr sz="2400">
+              <a:solidFill>
+                <a:schemeClr val="dk1"/>
+              </a:solidFill>
+            </a:endParaRPr>
+          </a:p>
+          <a:p>
+            <a:endParaRPr sz="2400">
+              <a:solidFill>
+                <a:schemeClr val="dk1"/>
+              </a:solidFill>
+            </a:endParaRPr>
+          </a:p>
+          <a:p>
+            <a:endParaRPr sz="2400">
+              <a:solidFill>
+                <a:schemeClr val="dk1"/>
+              </a:solidFill>
+            </a:endParaRPr>
+          </a:p>
+          <a:p>
+            <a:endParaRPr sz="2400">
+              <a:solidFill>
+                <a:schemeClr val="dk1"/>
+              </a:solidFill>
+            </a:endParaRPr>
+          </a:p>
+          <a:p>
+            <a:endParaRPr sz="2400">
+              <a:solidFill>
+                <a:schemeClr val="dk1"/>
+              </a:solidFill>
+            </a:endParaRPr>
+          </a:p>
+          <a:p>
+            <a:endParaRPr sz="2400">
+              <a:solidFill>
+                <a:schemeClr val="dk1"/>
+              </a:solidFill>
+            </a:endParaRPr>
+          </a:p>
+          <a:p>
+            <a:endParaRPr sz="2400">
+              <a:solidFill>
+                <a:schemeClr val="dk1"/>
+              </a:solidFill>
+            </a:endParaRPr>
+          </a:p>
+          <a:p>
+            <a:endParaRPr sz="2400">
+              <a:solidFill>
+                <a:schemeClr val="dk1"/>
+              </a:solidFill>
+            </a:endParaRPr>
+          </a:p>
+          <a:p>
+            <a:endParaRPr sz="2400">
+              <a:solidFill>
+                <a:schemeClr val="dk1"/>
+              </a:solidFill>
+            </a:endParaRPr>
+          </a:p>
+        </p:txBody>
+      </p:sp>
+      <p:sp>
+        <p:nvSpPr>
+          <p:cNvPr id="106" name="Google Shape;106;p18"/>
+          <p:cNvSpPr/>
+          <p:nvPr/>
+        </p:nvSpPr>
+        <p:spPr>
+          <a:xfrm>
+            <a:off x="1524767" y="4165933"/>
+            <a:ext cx="1619200" cy="696000"/>
+          </a:xfrm>
+          <a:prstGeom prst="rect">
+            <a:avLst/>
+          </a:prstGeom>
+          <a:noFill/>
+          <a:ln w="28575" cap="flat" cmpd="sng">
+            <a:solidFill>
+              <a:srgbClr val="CC0000"/>
+            </a:solidFill>
+            <a:prstDash val="solid"/>
+            <a:round/>
+            <a:headEnd type="none" w="sm" len="sm"/>
+            <a:tailEnd type="none" w="sm" len="sm"/>
+          </a:ln>
+        </p:spPr>
+        <p:txBody>
+          <a:bodyPr spcFirstLastPara="1" wrap="square" lIns="121900" tIns="121900" rIns="121900" bIns="121900" anchor="ctr" anchorCtr="0">
+            <a:noAutofit/>
+          </a:bodyPr>
+          <a:lstStyle/>
+          <a:p>
+            <a:pPr algn="ctr"/>
+            <a:endParaRPr sz="1867"/>
+          </a:p>
+        </p:txBody>
+      </p:sp>
+      <p:sp>
+        <p:nvSpPr>
+          <p:cNvPr id="2" name="TextBox 1">
+            <a:extLst>
+              <a:ext uri="{FF2B5EF4-FFF2-40B4-BE49-F238E27FC236}">
+                <a16:creationId xmlns:a16="http://schemas.microsoft.com/office/drawing/2014/main" id="{64A5DF6F-F513-B6BF-6FFC-CD2913269B70}"/>
+              </a:ext>
+            </a:extLst>
+          </p:cNvPr>
+          <p:cNvSpPr txBox="1"/>
+          <p:nvPr/>
+        </p:nvSpPr>
+        <p:spPr>
+          <a:xfrm>
+            <a:off x="9339470" y="6550223"/>
+            <a:ext cx="2852530" cy="307777"/>
+          </a:xfrm>
+          <a:prstGeom prst="rect">
+            <a:avLst/>
+          </a:prstGeom>
+          <a:noFill/>
+        </p:spPr>
+        <p:txBody>
+          <a:bodyPr wrap="square" rtlCol="0">
+            <a:spAutoFit/>
+          </a:bodyPr>
+          <a:lstStyle/>
+          <a:p>
+            <a:pPr algn="r"/>
+            <a:r>
+              <a:rPr lang="en-US" dirty="0"/>
+              <a:t>Slides thanks to Shirley Chen </a:t>
+            </a:r>
+          </a:p>
+        </p:txBody>
+      </p:sp>
+    </p:spTree>
+  </p:cSld>
+  <p:clrMapOvr>
+    <a:masterClrMapping/>
+  </p:clrMapOvr>
+</p:sld>
+</file>
+
+<file path=ppt/slides/slide9.xml><?xml version="1.0" encoding="utf-8"?>
+<p:sld xmlns:a="http://schemas.openxmlformats.org/drawingml/2006/main" xmlns:r="http://schemas.openxmlformats.org/officeDocument/2006/relationships" xmlns:p="http://schemas.openxmlformats.org/presentationml/2006/main">
+  <p:cSld>
+    <p:spTree>
+      <p:nvGrpSpPr>
+        <p:cNvPr id="1" name="Shape 110"/>
+        <p:cNvGrpSpPr/>
+        <p:nvPr/>
+      </p:nvGrpSpPr>
+      <p:grpSpPr>
+        <a:xfrm>
+          <a:off x="0" y="0"/>
+          <a:ext cx="0" cy="0"/>
+          <a:chOff x="0" y="0"/>
+          <a:chExt cx="0" cy="0"/>
+        </a:xfrm>
+      </p:grpSpPr>
+      <p:pic>
+        <p:nvPicPr>
+          <p:cNvPr id="111" name="Google Shape;111;p19"/>
+          <p:cNvPicPr preferRelativeResize="0"/>
+          <p:nvPr/>
+        </p:nvPicPr>
+        <p:blipFill>
+          <a:blip r:embed="rId3">
+            <a:alphaModFix/>
+          </a:blip>
+          <a:stretch>
+            <a:fillRect/>
+          </a:stretch>
+        </p:blipFill>
+        <p:spPr>
+          <a:xfrm>
+            <a:off x="641100" y="469052"/>
+            <a:ext cx="7946667" cy="4258633"/>
+          </a:xfrm>
+          <a:prstGeom prst="rect">
+            <a:avLst/>
+          </a:prstGeom>
+          <a:noFill/>
+          <a:ln>
+            <a:noFill/>
+          </a:ln>
+        </p:spPr>
+      </p:pic>
+      <p:sp>
+        <p:nvSpPr>
+          <p:cNvPr id="112" name="Google Shape;112;p19"/>
+          <p:cNvSpPr txBox="1"/>
+          <p:nvPr/>
+        </p:nvSpPr>
+        <p:spPr>
+          <a:xfrm>
+            <a:off x="7824367" y="368033"/>
+            <a:ext cx="4130400" cy="1345600"/>
+          </a:xfrm>
+          <a:prstGeom prst="rect">
+            <a:avLst/>
+          </a:prstGeom>
+          <a:noFill/>
+          <a:ln>
+            <a:noFill/>
+          </a:ln>
+        </p:spPr>
+        <p:txBody>
+          <a:bodyPr spcFirstLastPara="1" wrap="square" lIns="121900" tIns="121900" rIns="121900" bIns="121900" anchor="t" anchorCtr="0">
+            <a:noAutofit/>
+          </a:bodyPr>
+          <a:lstStyle/>
+          <a:p>
+            <a:r>
+              <a:rPr lang="en-GB" sz="2400">
+                <a:solidFill>
+                  <a:schemeClr val="dk1"/>
+                </a:solidFill>
+              </a:rPr>
+              <a:t>…when rearranging the logistic regression equation to solve for “probability” of y </a:t>
+            </a:r>
+            <a:endParaRPr sz="2400">
+              <a:solidFill>
+                <a:schemeClr val="dk1"/>
+              </a:solidFill>
+            </a:endParaRPr>
+          </a:p>
+          <a:p>
+            <a:endParaRPr sz="2400">
+              <a:solidFill>
+                <a:schemeClr val="dk1"/>
+              </a:solidFill>
+            </a:endParaRPr>
+          </a:p>
+          <a:p>
+            <a:endParaRPr sz="2400">
+              <a:solidFill>
+                <a:schemeClr val="dk1"/>
+              </a:solidFill>
+            </a:endParaRPr>
+          </a:p>
+          <a:p>
+            <a:endParaRPr sz="2400">
+              <a:solidFill>
+                <a:schemeClr val="dk1"/>
+              </a:solidFill>
+            </a:endParaRPr>
+          </a:p>
+          <a:p>
+            <a:endParaRPr sz="2400">
+              <a:solidFill>
+                <a:schemeClr val="dk1"/>
+              </a:solidFill>
+            </a:endParaRPr>
+          </a:p>
+          <a:p>
+            <a:endParaRPr sz="2400">
+              <a:solidFill>
+                <a:schemeClr val="dk1"/>
+              </a:solidFill>
+            </a:endParaRPr>
+          </a:p>
+          <a:p>
+            <a:endParaRPr sz="2400">
+              <a:solidFill>
+                <a:schemeClr val="dk1"/>
+              </a:solidFill>
+            </a:endParaRPr>
+          </a:p>
+          <a:p>
+            <a:endParaRPr sz="2400">
+              <a:solidFill>
+                <a:schemeClr val="dk1"/>
+              </a:solidFill>
+            </a:endParaRPr>
+          </a:p>
+          <a:p>
+            <a:endParaRPr sz="2400">
+              <a:solidFill>
+                <a:schemeClr val="dk1"/>
+              </a:solidFill>
+            </a:endParaRPr>
+          </a:p>
+        </p:txBody>
+      </p:sp>
+      <p:sp>
+        <p:nvSpPr>
+          <p:cNvPr id="113" name="Google Shape;113;p19"/>
+          <p:cNvSpPr/>
+          <p:nvPr/>
+        </p:nvSpPr>
+        <p:spPr>
+          <a:xfrm rot="-5400000" flipH="1">
+            <a:off x="8873967" y="1528867"/>
+            <a:ext cx="1055200" cy="1627600"/>
+          </a:xfrm>
+          <a:prstGeom prst="bentUpArrow">
+            <a:avLst>
+              <a:gd name="adj1" fmla="val 18107"/>
+              <a:gd name="adj2" fmla="val 25000"/>
+              <a:gd name="adj3" fmla="val 28705"/>
+            </a:avLst>
+          </a:prstGeom>
+          <a:solidFill>
+            <a:srgbClr val="FFE599"/>
+          </a:solidFill>
+          <a:ln w="9525" cap="flat" cmpd="sng">
+            <a:solidFill>
+              <a:schemeClr val="dk1"/>
+            </a:solidFill>
+            <a:prstDash val="solid"/>
+            <a:round/>
+            <a:headEnd type="none" w="sm" len="sm"/>
+            <a:tailEnd type="none" w="sm" len="sm"/>
+          </a:ln>
+        </p:spPr>
+        <p:txBody>
+          <a:bodyPr spcFirstLastPara="1" wrap="square" lIns="121900" tIns="121900" rIns="121900" bIns="121900" anchor="ctr" anchorCtr="0">
+            <a:noAutofit/>
+          </a:bodyPr>
+          <a:lstStyle/>
+          <a:p>
+            <a:pPr algn="ctr"/>
+            <a:endParaRPr sz="1867"/>
+          </a:p>
+        </p:txBody>
+      </p:sp>
+      <p:sp>
+        <p:nvSpPr>
+          <p:cNvPr id="2" name="TextBox 1">
+            <a:extLst>
+              <a:ext uri="{FF2B5EF4-FFF2-40B4-BE49-F238E27FC236}">
+                <a16:creationId xmlns:a16="http://schemas.microsoft.com/office/drawing/2014/main" id="{39C11630-3BF7-E47E-2710-2ED26B51EBA5}"/>
+              </a:ext>
+            </a:extLst>
+          </p:cNvPr>
+          <p:cNvSpPr txBox="1"/>
+          <p:nvPr/>
+        </p:nvSpPr>
+        <p:spPr>
+          <a:xfrm>
+            <a:off x="9339470" y="6550223"/>
+            <a:ext cx="2852530" cy="307777"/>
+          </a:xfrm>
+          <a:prstGeom prst="rect">
+            <a:avLst/>
+          </a:prstGeom>
+          <a:noFill/>
+        </p:spPr>
+        <p:txBody>
+          <a:bodyPr wrap="square" rtlCol="0">
+            <a:spAutoFit/>
+          </a:bodyPr>
+          <a:lstStyle/>
+          <a:p>
+            <a:pPr algn="r"/>
+            <a:r>
+              <a:rPr lang="en-US" dirty="0"/>
+              <a:t>Slides thanks to Shirley Chen </a:t>
+            </a:r>
+          </a:p>
+        </p:txBody>
+      </p:sp>
+    </p:spTree>
   </p:cSld>
   <p:clrMapOvr>
     <a:masterClrMapping/>

--- a/Lecture5.pptx
+++ b/Lecture5.pptx
@@ -36,11 +36,15 @@
   <p:notesSz cx="6858000" cy="9144000"/>
   <p:embeddedFontLst>
     <p:embeddedFont>
+      <p:font typeface="Cambria Math" panose="02040503050406030204" pitchFamily="18" charset="0"/>
+      <p:regular r:id="rId26"/>
+    </p:embeddedFont>
+    <p:embeddedFont>
       <p:font typeface="Century Gothic" panose="020B0502020202020204" pitchFamily="34" charset="0"/>
-      <p:regular r:id="rId26"/>
-      <p:bold r:id="rId27"/>
-      <p:italic r:id="rId28"/>
-      <p:boldItalic r:id="rId29"/>
+      <p:regular r:id="rId27"/>
+      <p:bold r:id="rId28"/>
+      <p:italic r:id="rId29"/>
+      <p:boldItalic r:id="rId30"/>
     </p:embeddedFont>
   </p:embeddedFontLst>
   <p:defaultTextStyle>
@@ -22683,37 +22687,390 @@
           </a:p>
         </p:txBody>
       </p:sp>
-      <p:sp>
-        <p:nvSpPr>
-          <p:cNvPr id="3" name="Text Placeholder 2">
-            <a:extLst>
-              <a:ext uri="{FF2B5EF4-FFF2-40B4-BE49-F238E27FC236}">
-                <a16:creationId xmlns:a16="http://schemas.microsoft.com/office/drawing/2014/main" id="{2CA4BFC7-C913-A6FB-C30F-952A253AC7F0}"/>
-              </a:ext>
-            </a:extLst>
-          </p:cNvPr>
-          <p:cNvSpPr>
-            <a:spLocks noGrp="1"/>
-          </p:cNvSpPr>
-          <p:nvPr>
-            <p:ph type="body" idx="1"/>
-          </p:nvPr>
-        </p:nvSpPr>
-        <p:spPr/>
-        <p:txBody>
-          <a:bodyPr/>
-          <a:lstStyle/>
-          <a:p>
-            <a:r>
-              <a:rPr lang="en-US" dirty="0"/>
-              <a:t>Reminder: Best used when outcomes are counts!</a:t>
-            </a:r>
-          </a:p>
-          <a:p>
-            <a:endParaRPr lang="en-US" dirty="0"/>
-          </a:p>
-        </p:txBody>
-      </p:sp>
+      <mc:AlternateContent xmlns:mc="http://schemas.openxmlformats.org/markup-compatibility/2006">
+        <mc:Choice xmlns:a14="http://schemas.microsoft.com/office/drawing/2010/main" Requires="a14">
+          <p:sp>
+            <p:nvSpPr>
+              <p:cNvPr id="3" name="Text Placeholder 2">
+                <a:extLst>
+                  <a:ext uri="{FF2B5EF4-FFF2-40B4-BE49-F238E27FC236}">
+                    <a16:creationId xmlns:a16="http://schemas.microsoft.com/office/drawing/2014/main" id="{2CA4BFC7-C913-A6FB-C30F-952A253AC7F0}"/>
+                  </a:ext>
+                </a:extLst>
+              </p:cNvPr>
+              <p:cNvSpPr>
+                <a:spLocks noGrp="1"/>
+              </p:cNvSpPr>
+              <p:nvPr>
+                <p:ph type="body" idx="1"/>
+              </p:nvPr>
+            </p:nvSpPr>
+            <p:spPr>
+              <a:xfrm>
+                <a:off x="3289300" y="1536633"/>
+                <a:ext cx="8487100" cy="4555200"/>
+              </a:xfrm>
+            </p:spPr>
+            <p:txBody>
+              <a:bodyPr/>
+              <a:lstStyle/>
+              <a:p>
+                <a:r>
+                  <a:rPr lang="en-US" dirty="0"/>
+                  <a:t>Reminder: Best used when outcomes are counts!</a:t>
+                </a:r>
+              </a:p>
+              <a:p>
+                <a:r>
+                  <a:rPr lang="en-US" dirty="0"/>
+                  <a:t>Also transforming the non-linear relationship to linear form</a:t>
+                </a:r>
+              </a:p>
+              <a:p>
+                <a:pPr lvl="1"/>
+                <a:r>
+                  <a:rPr lang="en-US" dirty="0"/>
+                  <a:t>Using the log link function</a:t>
+                </a:r>
+              </a:p>
+              <a:p>
+                <a:endParaRPr lang="en-US" dirty="0"/>
+              </a:p>
+              <a:p>
+                <a:r>
+                  <a:rPr lang="en-US" dirty="0"/>
+                  <a:t>Log(y) =</a:t>
+                </a:r>
+              </a:p>
+              <a:p>
+                <a:endParaRPr lang="en-US" dirty="0"/>
+              </a:p>
+              <a:p>
+                <a:r>
+                  <a:rPr lang="en-US" dirty="0"/>
+                  <a:t>y= </a:t>
+                </a:r>
+                <a14:m>
+                  <m:oMath xmlns:m="http://schemas.openxmlformats.org/officeDocument/2006/math">
+                    <m:sSup>
+                      <m:sSupPr>
+                        <m:ctrlPr>
+                          <a:rPr lang="en-US" sz="2400" i="1" smtClean="0">
+                            <a:latin typeface="Cambria Math" panose="02040503050406030204" pitchFamily="18" charset="0"/>
+                          </a:rPr>
+                        </m:ctrlPr>
+                      </m:sSupPr>
+                      <m:e>
+                        <m:r>
+                          <a:rPr lang="en-US" sz="2400" b="0" i="1" smtClean="0">
+                            <a:latin typeface="Cambria Math" panose="02040503050406030204" pitchFamily="18" charset="0"/>
+                          </a:rPr>
+                          <m:t>𝑒</m:t>
+                        </m:r>
+                      </m:e>
+                      <m:sup>
+                        <m:r>
+                          <a:rPr lang="en-US" sz="2400" i="1" smtClean="0">
+                            <a:latin typeface="Cambria Math" panose="02040503050406030204" pitchFamily="18" charset="0"/>
+                            <a:ea typeface="Cambria Math" panose="02040503050406030204" pitchFamily="18" charset="0"/>
+                          </a:rPr>
+                          <m:t>𝛼</m:t>
+                        </m:r>
+                      </m:sup>
+                    </m:sSup>
+                  </m:oMath>
+                </a14:m>
+                <a:r>
+                  <a:rPr lang="en-US" sz="2400" dirty="0">
+                    <a:latin typeface="Calibri" panose="020F0502020204030204" pitchFamily="34" charset="0"/>
+                    <a:cs typeface="Calibri" panose="020F0502020204030204" pitchFamily="34" charset="0"/>
+                  </a:rPr>
+                  <a:t>+</a:t>
+                </a:r>
+                <a14:m>
+                  <m:oMath xmlns:m="http://schemas.openxmlformats.org/officeDocument/2006/math">
+                    <m:sSup>
+                      <m:sSupPr>
+                        <m:ctrlPr>
+                          <a:rPr lang="en-US" sz="2400" i="1" dirty="0" smtClean="0">
+                            <a:latin typeface="Cambria Math" panose="02040503050406030204" pitchFamily="18" charset="0"/>
+                          </a:rPr>
+                        </m:ctrlPr>
+                      </m:sSupPr>
+                      <m:e>
+                        <m:r>
+                          <a:rPr lang="en-US" sz="2400" b="0" i="1" dirty="0" smtClean="0">
+                            <a:latin typeface="Cambria Math" panose="02040503050406030204" pitchFamily="18" charset="0"/>
+                          </a:rPr>
+                          <m:t>𝑒</m:t>
+                        </m:r>
+                      </m:e>
+                      <m:sup>
+                        <m:r>
+                          <a:rPr lang="en-US" sz="2400" i="1" dirty="0" smtClean="0">
+                            <a:latin typeface="Cambria Math" panose="02040503050406030204" pitchFamily="18" charset="0"/>
+                            <a:ea typeface="Cambria Math" panose="02040503050406030204" pitchFamily="18" charset="0"/>
+                          </a:rPr>
+                          <m:t>𝛽</m:t>
+                        </m:r>
+                      </m:sup>
+                    </m:sSup>
+                  </m:oMath>
+                </a14:m>
+                <a:r>
+                  <a:rPr lang="en-US" sz="2400" dirty="0">
+                    <a:latin typeface="Calibri" panose="020F0502020204030204" pitchFamily="34" charset="0"/>
+                    <a:cs typeface="Calibri" panose="020F0502020204030204" pitchFamily="34" charset="0"/>
+                  </a:rPr>
+                  <a:t>*</a:t>
+                </a:r>
+                <a:r>
+                  <a:rPr lang="en-US" sz="2400" baseline="30000" dirty="0" err="1">
+                    <a:latin typeface="Calibri" panose="020F0502020204030204" pitchFamily="34" charset="0"/>
+                    <a:cs typeface="Calibri" panose="020F0502020204030204" pitchFamily="34" charset="0"/>
+                  </a:rPr>
+                  <a:t>x</a:t>
+                </a:r>
+                <a:r>
+                  <a:rPr lang="en-US" sz="2400" dirty="0" err="1">
+                    <a:latin typeface="Calibri" panose="020F0502020204030204" pitchFamily="34" charset="0"/>
+                    <a:cs typeface="Calibri" panose="020F0502020204030204" pitchFamily="34" charset="0"/>
+                  </a:rPr>
+                  <a:t>+</a:t>
+                </a:r>
+                <a14:m>
+                  <m:oMath xmlns:m="http://schemas.openxmlformats.org/officeDocument/2006/math">
+                    <m:sSup>
+                      <m:sSupPr>
+                        <m:ctrlPr>
+                          <a:rPr lang="en-US" sz="2400" i="1" dirty="0" smtClean="0">
+                            <a:latin typeface="Cambria Math" panose="02040503050406030204" pitchFamily="18" charset="0"/>
+                          </a:rPr>
+                        </m:ctrlPr>
+                      </m:sSupPr>
+                      <m:e>
+                        <m:r>
+                          <a:rPr lang="en-US" sz="2400" b="0" i="1" dirty="0" smtClean="0">
+                            <a:latin typeface="Cambria Math" panose="02040503050406030204" pitchFamily="18" charset="0"/>
+                          </a:rPr>
+                          <m:t>𝑒</m:t>
+                        </m:r>
+                      </m:e>
+                      <m:sup>
+                        <m:r>
+                          <a:rPr lang="en-US" sz="2400" b="0" i="1" dirty="0" smtClean="0">
+                            <a:latin typeface="Cambria Math" panose="02040503050406030204" pitchFamily="18" charset="0"/>
+                          </a:rPr>
+                          <m:t>𝑒𝑟𝑟𝑜𝑟</m:t>
+                        </m:r>
+                      </m:sup>
+                    </m:sSup>
+                  </m:oMath>
+                </a14:m>
+                <a:endParaRPr lang="en-US" sz="2400" dirty="0">
+                  <a:latin typeface="Calibri" panose="020F0502020204030204" pitchFamily="34" charset="0"/>
+                  <a:cs typeface="Calibri" panose="020F0502020204030204" pitchFamily="34" charset="0"/>
+                </a:endParaRPr>
+              </a:p>
+              <a:p>
+                <a:endParaRPr lang="en-US" dirty="0"/>
+              </a:p>
+              <a:p>
+                <a:r>
+                  <a:rPr lang="en-US" dirty="0"/>
+                  <a:t>This means that to interpret a Poisson regression as y, you need to back transform the effect size!</a:t>
+                </a:r>
+              </a:p>
+            </p:txBody>
+          </p:sp>
+        </mc:Choice>
+        <mc:Fallback>
+          <p:sp>
+            <p:nvSpPr>
+              <p:cNvPr id="3" name="Text Placeholder 2">
+                <a:extLst>
+                  <a:ext uri="{FF2B5EF4-FFF2-40B4-BE49-F238E27FC236}">
+                    <a16:creationId xmlns:a16="http://schemas.microsoft.com/office/drawing/2014/main" id="{2CA4BFC7-C913-A6FB-C30F-952A253AC7F0}"/>
+                  </a:ext>
+                </a:extLst>
+              </p:cNvPr>
+              <p:cNvSpPr>
+                <a:spLocks noGrp="1" noRot="1" noChangeAspect="1" noMove="1" noResize="1" noEditPoints="1" noAdjustHandles="1" noChangeArrowheads="1" noChangeShapeType="1" noTextEdit="1"/>
+              </p:cNvSpPr>
+              <p:nvPr>
+                <p:ph type="body" idx="1"/>
+              </p:nvPr>
+            </p:nvSpPr>
+            <p:spPr>
+              <a:xfrm>
+                <a:off x="3289300" y="1536633"/>
+                <a:ext cx="8487100" cy="4555200"/>
+              </a:xfrm>
+              <a:blipFill>
+                <a:blip r:embed="rId2"/>
+                <a:stretch>
+                  <a:fillRect/>
+                </a:stretch>
+              </a:blipFill>
+            </p:spPr>
+            <p:txBody>
+              <a:bodyPr/>
+              <a:lstStyle/>
+              <a:p>
+                <a:r>
+                  <a:rPr lang="en-US">
+                    <a:noFill/>
+                  </a:rPr>
+                  <a:t> </a:t>
+                </a:r>
+              </a:p>
+            </p:txBody>
+          </p:sp>
+        </mc:Fallback>
+      </mc:AlternateContent>
+      <mc:AlternateContent xmlns:mc="http://schemas.openxmlformats.org/markup-compatibility/2006">
+        <mc:Choice xmlns:a14="http://schemas.microsoft.com/office/drawing/2010/main" Requires="a14">
+          <p:sp>
+            <p:nvSpPr>
+              <p:cNvPr id="6" name="TextBox 5">
+                <a:extLst>
+                  <a:ext uri="{FF2B5EF4-FFF2-40B4-BE49-F238E27FC236}">
+                    <a16:creationId xmlns:a16="http://schemas.microsoft.com/office/drawing/2014/main" id="{6E06A2CB-E892-FD95-4F1E-61FD723F56E6}"/>
+                  </a:ext>
+                </a:extLst>
+              </p:cNvPr>
+              <p:cNvSpPr txBox="1"/>
+              <p:nvPr/>
+            </p:nvSpPr>
+            <p:spPr>
+              <a:xfrm flipH="1">
+                <a:off x="3937001" y="2730500"/>
+                <a:ext cx="3378200" cy="276999"/>
+              </a:xfrm>
+              <a:prstGeom prst="rect">
+                <a:avLst/>
+              </a:prstGeom>
+              <a:noFill/>
+            </p:spPr>
+            <p:txBody>
+              <a:bodyPr wrap="square" lIns="0" tIns="0" rIns="0" bIns="0" rtlCol="0">
+                <a:spAutoFit/>
+              </a:bodyPr>
+              <a:lstStyle/>
+              <a:p>
+                <a14:m>
+                  <m:oMathPara xmlns:m="http://schemas.openxmlformats.org/officeDocument/2006/math">
+                    <m:oMathParaPr>
+                      <m:jc m:val="centerGroup"/>
+                    </m:oMathParaPr>
+                    <m:oMath xmlns:m="http://schemas.openxmlformats.org/officeDocument/2006/math">
+                      <m:r>
+                        <a:rPr lang="en-US" sz="1800" i="1" smtClean="0">
+                          <a:latin typeface="Cambria Math" panose="02040503050406030204" pitchFamily="18" charset="0"/>
+                          <a:ea typeface="Cambria Math" panose="02040503050406030204" pitchFamily="18" charset="0"/>
+                        </a:rPr>
+                        <m:t>𝛼</m:t>
+                      </m:r>
+                      <m:r>
+                        <a:rPr lang="en-US" sz="1800" b="0" i="1" smtClean="0">
+                          <a:latin typeface="Cambria Math" panose="02040503050406030204" pitchFamily="18" charset="0"/>
+                          <a:ea typeface="Cambria Math" panose="02040503050406030204" pitchFamily="18" charset="0"/>
+                        </a:rPr>
+                        <m:t>+</m:t>
+                      </m:r>
+                      <m:r>
+                        <a:rPr lang="en-US" sz="1800" b="0" i="1" smtClean="0">
+                          <a:latin typeface="Cambria Math" panose="02040503050406030204" pitchFamily="18" charset="0"/>
+                          <a:ea typeface="Cambria Math" panose="02040503050406030204" pitchFamily="18" charset="0"/>
+                        </a:rPr>
+                        <m:t>𝛽</m:t>
+                      </m:r>
+                      <m:d>
+                        <m:dPr>
+                          <m:ctrlPr>
+                            <a:rPr lang="en-US" sz="1800" b="0" i="1" smtClean="0">
+                              <a:latin typeface="Cambria Math" panose="02040503050406030204" pitchFamily="18" charset="0"/>
+                              <a:ea typeface="Cambria Math" panose="02040503050406030204" pitchFamily="18" charset="0"/>
+                            </a:rPr>
+                          </m:ctrlPr>
+                        </m:dPr>
+                        <m:e>
+                          <m:r>
+                            <a:rPr lang="en-US" sz="1800" b="0" i="1" smtClean="0">
+                              <a:latin typeface="Cambria Math" panose="02040503050406030204" pitchFamily="18" charset="0"/>
+                              <a:ea typeface="Cambria Math" panose="02040503050406030204" pitchFamily="18" charset="0"/>
+                            </a:rPr>
+                            <m:t>𝑥</m:t>
+                          </m:r>
+                        </m:e>
+                      </m:d>
+                      <m:r>
+                        <a:rPr lang="en-US" sz="1800" b="0" i="1" smtClean="0">
+                          <a:latin typeface="Cambria Math" panose="02040503050406030204" pitchFamily="18" charset="0"/>
+                          <a:ea typeface="Cambria Math" panose="02040503050406030204" pitchFamily="18" charset="0"/>
+                        </a:rPr>
+                        <m:t>+</m:t>
+                      </m:r>
+                      <m:r>
+                        <a:rPr lang="en-US" sz="1800" b="0" i="1" smtClean="0">
+                          <a:latin typeface="Cambria Math" panose="02040503050406030204" pitchFamily="18" charset="0"/>
+                          <a:ea typeface="Cambria Math" panose="02040503050406030204" pitchFamily="18" charset="0"/>
+                        </a:rPr>
+                        <m:t>𝜀</m:t>
+                      </m:r>
+                    </m:oMath>
+                  </m:oMathPara>
+                </a14:m>
+                <a:endParaRPr lang="en-US" sz="1800" dirty="0"/>
+              </a:p>
+            </p:txBody>
+          </p:sp>
+        </mc:Choice>
+        <mc:Fallback>
+          <p:sp>
+            <p:nvSpPr>
+              <p:cNvPr id="6" name="TextBox 5">
+                <a:extLst>
+                  <a:ext uri="{FF2B5EF4-FFF2-40B4-BE49-F238E27FC236}">
+                    <a16:creationId xmlns:a16="http://schemas.microsoft.com/office/drawing/2014/main" id="{6E06A2CB-E892-FD95-4F1E-61FD723F56E6}"/>
+                  </a:ext>
+                </a:extLst>
+              </p:cNvPr>
+              <p:cNvSpPr txBox="1">
+                <a:spLocks noRot="1" noChangeAspect="1" noMove="1" noResize="1" noEditPoints="1" noAdjustHandles="1" noChangeArrowheads="1" noChangeShapeType="1" noTextEdit="1"/>
+              </p:cNvSpPr>
+              <p:nvPr/>
+            </p:nvSpPr>
+            <p:spPr>
+              <a:xfrm flipH="1">
+                <a:off x="3937001" y="2730500"/>
+                <a:ext cx="3378200" cy="276999"/>
+              </a:xfrm>
+              <a:prstGeom prst="rect">
+                <a:avLst/>
+              </a:prstGeom>
+              <a:blipFill>
+                <a:blip r:embed="rId3"/>
+                <a:stretch>
+                  <a:fillRect b="-40909"/>
+                </a:stretch>
+              </a:blipFill>
+            </p:spPr>
+            <p:txBody>
+              <a:bodyPr/>
+              <a:lstStyle/>
+              <a:p>
+                <a:r>
+                  <a:rPr lang="en-US">
+                    <a:noFill/>
+                  </a:rPr>
+                  <a:t> </a:t>
+                </a:r>
+              </a:p>
+            </p:txBody>
+          </p:sp>
+        </mc:Fallback>
+      </mc:AlternateContent>
     </p:spTree>
     <p:extLst>
       <p:ext uri="{BB962C8B-B14F-4D97-AF65-F5344CB8AC3E}">
@@ -23602,11 +23959,7 @@
             </a:pPr>
             <a:r>
               <a:rPr lang="en-US" dirty="0"/>
-              <a:t>Generalized Linear Regressions</a:t>
-            </a:r>
-            <a:r>
-              <a:rPr lang="en-US"/>
-              <a:t>, specifically:</a:t>
+              <a:t>Generalized Linear Regressions, specifically:</a:t>
             </a:r>
           </a:p>
           <a:p>

--- a/Lecture5.pptx
+++ b/Lecture5.pptx
@@ -22825,48 +22825,12 @@
                   <a:t>*</a:t>
                 </a:r>
                 <a:r>
-                  <a:rPr lang="en-US" sz="2400" baseline="30000" dirty="0" err="1">
+                  <a:rPr lang="en-US" sz="2400" baseline="30000" dirty="0">
                     <a:latin typeface="Calibri" panose="020F0502020204030204" pitchFamily="34" charset="0"/>
                     <a:cs typeface="Calibri" panose="020F0502020204030204" pitchFamily="34" charset="0"/>
                   </a:rPr>
                   <a:t>x</a:t>
                 </a:r>
-                <a:r>
-                  <a:rPr lang="en-US" sz="2400" dirty="0" err="1">
-                    <a:latin typeface="Calibri" panose="020F0502020204030204" pitchFamily="34" charset="0"/>
-                    <a:cs typeface="Calibri" panose="020F0502020204030204" pitchFamily="34" charset="0"/>
-                  </a:rPr>
-                  <a:t>+</a:t>
-                </a:r>
-                <a14:m>
-                  <m:oMath xmlns:m="http://schemas.openxmlformats.org/officeDocument/2006/math">
-                    <m:sSup>
-                      <m:sSupPr>
-                        <m:ctrlPr>
-                          <a:rPr lang="en-US" sz="2400" i="1" dirty="0" smtClean="0">
-                            <a:latin typeface="Cambria Math" panose="02040503050406030204" pitchFamily="18" charset="0"/>
-                          </a:rPr>
-                        </m:ctrlPr>
-                      </m:sSupPr>
-                      <m:e>
-                        <m:r>
-                          <a:rPr lang="en-US" sz="2400" b="0" i="1" dirty="0" smtClean="0">
-                            <a:latin typeface="Cambria Math" panose="02040503050406030204" pitchFamily="18" charset="0"/>
-                          </a:rPr>
-                          <m:t>𝑒</m:t>
-                        </m:r>
-                      </m:e>
-                      <m:sup>
-                        <m:r>
-                          <a:rPr lang="en-US" sz="2400" b="0" i="1" dirty="0" smtClean="0">
-                            <a:latin typeface="Cambria Math" panose="02040503050406030204" pitchFamily="18" charset="0"/>
-                          </a:rPr>
-                          <m:t>𝑒𝑟𝑟𝑜𝑟</m:t>
-                        </m:r>
-                      </m:sup>
-                    </m:sSup>
-                  </m:oMath>
-                </a14:m>
                 <a:endParaRPr lang="en-US" sz="2400" dirty="0">
                   <a:latin typeface="Calibri" panose="020F0502020204030204" pitchFamily="34" charset="0"/>
                   <a:cs typeface="Calibri" panose="020F0502020204030204" pitchFamily="34" charset="0"/>
@@ -23016,7 +22980,7 @@
                           <a:latin typeface="Cambria Math" panose="02040503050406030204" pitchFamily="18" charset="0"/>
                           <a:ea typeface="Cambria Math" panose="02040503050406030204" pitchFamily="18" charset="0"/>
                         </a:rPr>
-                        <m:t>𝜀</m:t>
+                        <m:t>𝑒</m:t>
                       </m:r>
                     </m:oMath>
                   </m:oMathPara>

--- a/Lecture5.pptx
+++ b/Lecture5.pptx
@@ -5,7 +5,7 @@
     <p:sldMasterId id="2147483648" r:id="rId1"/>
   </p:sldMasterIdLst>
   <p:notesMasterIdLst>
-    <p:notesMasterId r:id="rId25"/>
+    <p:notesMasterId r:id="rId26"/>
   </p:notesMasterIdLst>
   <p:sldIdLst>
     <p:sldId id="256" r:id="rId2"/>
@@ -22,29 +22,30 @@
     <p:sldId id="265" r:id="rId13"/>
     <p:sldId id="266" r:id="rId14"/>
     <p:sldId id="295" r:id="rId15"/>
-    <p:sldId id="296" r:id="rId16"/>
-    <p:sldId id="291" r:id="rId17"/>
-    <p:sldId id="294" r:id="rId18"/>
-    <p:sldId id="267" r:id="rId19"/>
-    <p:sldId id="268" r:id="rId20"/>
-    <p:sldId id="269" r:id="rId21"/>
-    <p:sldId id="270" r:id="rId22"/>
-    <p:sldId id="271" r:id="rId23"/>
-    <p:sldId id="272" r:id="rId24"/>
+    <p:sldId id="297" r:id="rId16"/>
+    <p:sldId id="296" r:id="rId17"/>
+    <p:sldId id="291" r:id="rId18"/>
+    <p:sldId id="294" r:id="rId19"/>
+    <p:sldId id="267" r:id="rId20"/>
+    <p:sldId id="268" r:id="rId21"/>
+    <p:sldId id="269" r:id="rId22"/>
+    <p:sldId id="270" r:id="rId23"/>
+    <p:sldId id="271" r:id="rId24"/>
+    <p:sldId id="272" r:id="rId25"/>
   </p:sldIdLst>
   <p:sldSz cx="12192000" cy="6858000"/>
   <p:notesSz cx="6858000" cy="9144000"/>
   <p:embeddedFontLst>
     <p:embeddedFont>
       <p:font typeface="Cambria Math" panose="02040503050406030204" pitchFamily="18" charset="0"/>
-      <p:regular r:id="rId26"/>
+      <p:regular r:id="rId27"/>
     </p:embeddedFont>
     <p:embeddedFont>
       <p:font typeface="Century Gothic" panose="020B0502020202020204" pitchFamily="34" charset="0"/>
-      <p:regular r:id="rId27"/>
-      <p:bold r:id="rId28"/>
-      <p:italic r:id="rId29"/>
-      <p:boldItalic r:id="rId30"/>
+      <p:regular r:id="rId28"/>
+      <p:bold r:id="rId29"/>
+      <p:italic r:id="rId30"/>
+      <p:boldItalic r:id="rId31"/>
     </p:embeddedFont>
   </p:embeddedFontLst>
   <p:defaultTextStyle>
@@ -281,7 +282,7 @@
       <p15:sldGuideLst xmlns:p15="http://schemas.microsoft.com/office/powerpoint/2012/main"/>
     </p:ext>
     <p:ext uri="GoogleSlidesCustomDataVersion2">
-      <go:slidesCustomData xmlns:go="http://customooxmlschemas.google.com/" xmlns:ahyp="http://schemas.microsoft.com/office/drawing/2018/hyperlinkcolor" xmlns:p15="http://schemas.microsoft.com/office/powerpoint/2012/main" xmlns:p14="http://schemas.microsoft.com/office/powerpoint/2010/main" xmlns:com="http://schemas.openxmlformats.org/drawingml/2006/compatibility" xmlns:pvml="urn:schemas-microsoft-com:office:powerpoint" xmlns:v="urn:schemas-microsoft-com:vml" xmlns:o="urn:schemas-microsoft-com:office:office" xmlns:dgm="http://schemas.openxmlformats.org/drawingml/2006/diagram" xmlns:c="http://schemas.openxmlformats.org/drawingml/2006/chart" xmlns:mv="urn:schemas-microsoft-com:mac:vml" xmlns:mc="http://schemas.openxmlformats.org/markup-compatibility/2006" xmlns="" r:id="rId39" roundtripDataSignature="AMtx7mhEk3kr15p5MvOwX8Siehu9UxAE2A=="/>
+      <go:slidesCustomData xmlns="" xmlns:mc="http://schemas.openxmlformats.org/markup-compatibility/2006" xmlns:mv="urn:schemas-microsoft-com:mac:vml" xmlns:c="http://schemas.openxmlformats.org/drawingml/2006/chart" xmlns:dgm="http://schemas.openxmlformats.org/drawingml/2006/diagram" xmlns:o="urn:schemas-microsoft-com:office:office" xmlns:v="urn:schemas-microsoft-com:vml" xmlns:pvml="urn:schemas-microsoft-com:office:powerpoint" xmlns:com="http://schemas.openxmlformats.org/drawingml/2006/compatibility" xmlns:p14="http://schemas.microsoft.com/office/powerpoint/2010/main" xmlns:p15="http://schemas.microsoft.com/office/powerpoint/2012/main" xmlns:ahyp="http://schemas.microsoft.com/office/drawing/2018/hyperlinkcolor" xmlns:go="http://customooxmlschemas.google.com/" r:id="rId39" roundtripDataSignature="AMtx7mhEk3kr15p5MvOwX8Siehu9UxAE2A=="/>
     </p:ext>
   </p:extLst>
 </p:presentation>
@@ -2005,6 +2006,166 @@
 </file>
 
 <file path=ppt/notesSlides/notesSlide14.xml><?xml version="1.0" encoding="utf-8"?>
+<p:notes xmlns:a="http://schemas.openxmlformats.org/drawingml/2006/main" xmlns:r="http://schemas.openxmlformats.org/officeDocument/2006/relationships" xmlns:p="http://schemas.openxmlformats.org/presentationml/2006/main">
+  <p:cSld>
+    <p:spTree>
+      <p:nvGrpSpPr>
+        <p:cNvPr id="1" name=""/>
+        <p:cNvGrpSpPr/>
+        <p:nvPr/>
+      </p:nvGrpSpPr>
+      <p:grpSpPr>
+        <a:xfrm>
+          <a:off x="0" y="0"/>
+          <a:ext cx="0" cy="0"/>
+          <a:chOff x="0" y="0"/>
+          <a:chExt cx="0" cy="0"/>
+        </a:xfrm>
+      </p:grpSpPr>
+      <p:sp>
+        <p:nvSpPr>
+          <p:cNvPr id="2" name="Slide Image Placeholder 1"/>
+          <p:cNvSpPr>
+            <a:spLocks noGrp="1" noRot="1" noChangeAspect="1"/>
+          </p:cNvSpPr>
+          <p:nvPr>
+            <p:ph type="sldImg"/>
+          </p:nvPr>
+        </p:nvSpPr>
+        <p:spPr/>
+      </p:sp>
+      <p:sp>
+        <p:nvSpPr>
+          <p:cNvPr id="3" name="Notes Placeholder 2"/>
+          <p:cNvSpPr>
+            <a:spLocks noGrp="1"/>
+          </p:cNvSpPr>
+          <p:nvPr>
+            <p:ph type="body" idx="1"/>
+          </p:nvPr>
+        </p:nvSpPr>
+        <p:spPr/>
+        <p:txBody>
+          <a:bodyPr/>
+          <a:lstStyle/>
+          <a:p>
+            <a:r>
+              <a:rPr lang="en-US" dirty="0"/>
+              <a:t>Mention variance = mean!</a:t>
+            </a:r>
+          </a:p>
+          <a:p>
+            <a:r>
+              <a:rPr lang="en-US" dirty="0"/>
+              <a:t>What happens if this isn’t </a:t>
+            </a:r>
+            <a:r>
+              <a:rPr lang="en-US"/>
+              <a:t>true?</a:t>
+            </a:r>
+          </a:p>
+          <a:p>
+            <a:endParaRPr lang="en-US" dirty="0"/>
+          </a:p>
+          <a:p>
+            <a:pPr>
+              <a:buFontTx/>
+              <a:buChar char="-"/>
+            </a:pPr>
+            <a:r>
+              <a:rPr lang="en-US" dirty="0"/>
+              <a:t>If it’s because of 0’s, you can use a zero inflated </a:t>
+            </a:r>
+            <a:r>
+              <a:rPr lang="en-US" dirty="0" err="1"/>
+              <a:t>poisson</a:t>
+            </a:r>
+            <a:r>
+              <a:rPr lang="en-US" dirty="0"/>
+              <a:t>.</a:t>
+            </a:r>
+          </a:p>
+          <a:p>
+            <a:pPr>
+              <a:buFontTx/>
+              <a:buChar char="-"/>
+            </a:pPr>
+            <a:endParaRPr lang="en-US" dirty="0"/>
+          </a:p>
+          <a:p>
+            <a:pPr>
+              <a:buFontTx/>
+              <a:buChar char="-"/>
+            </a:pPr>
+            <a:r>
+              <a:rPr lang="en-US" dirty="0"/>
+              <a:t>If it’s not, consider negative binomial</a:t>
+            </a:r>
+          </a:p>
+        </p:txBody>
+      </p:sp>
+      <p:sp>
+        <p:nvSpPr>
+          <p:cNvPr id="4" name="Slide Number Placeholder 3"/>
+          <p:cNvSpPr>
+            <a:spLocks noGrp="1"/>
+          </p:cNvSpPr>
+          <p:nvPr>
+            <p:ph type="sldNum" idx="12"/>
+          </p:nvPr>
+        </p:nvSpPr>
+        <p:spPr/>
+        <p:txBody>
+          <a:bodyPr/>
+          <a:lstStyle/>
+          <a:p>
+            <a:pPr marL="0" marR="0" lvl="0" indent="0" algn="r" rtl="0">
+              <a:spcBef>
+                <a:spcPts val="0"/>
+              </a:spcBef>
+              <a:spcAft>
+                <a:spcPts val="0"/>
+              </a:spcAft>
+              <a:buNone/>
+            </a:pPr>
+            <a:fld id="{00000000-1234-1234-1234-123412341234}" type="slidenum">
+              <a:rPr lang="en-US" sz="1200" b="0" i="0" u="none" strike="noStrike" cap="none" smtClean="0">
+                <a:solidFill>
+                  <a:schemeClr val="dk1"/>
+                </a:solidFill>
+                <a:latin typeface="Calibri"/>
+                <a:ea typeface="Calibri"/>
+                <a:cs typeface="Calibri"/>
+                <a:sym typeface="Calibri"/>
+              </a:rPr>
+              <a:t>15</a:t>
+            </a:fld>
+            <a:endParaRPr lang="en-US" sz="1200" b="0" i="0" u="none" strike="noStrike" cap="none">
+              <a:solidFill>
+                <a:schemeClr val="dk1"/>
+              </a:solidFill>
+              <a:latin typeface="Calibri"/>
+              <a:ea typeface="Calibri"/>
+              <a:cs typeface="Calibri"/>
+              <a:sym typeface="Calibri"/>
+            </a:endParaRPr>
+          </a:p>
+        </p:txBody>
+      </p:sp>
+    </p:spTree>
+    <p:extLst>
+      <p:ext uri="{BB962C8B-B14F-4D97-AF65-F5344CB8AC3E}">
+        <p14:creationId xmlns:p14="http://schemas.microsoft.com/office/powerpoint/2010/main" val="4206712900"/>
+      </p:ext>
+    </p:extLst>
+  </p:cSld>
+  <p:clrMapOvr>
+    <a:masterClrMapping/>
+  </p:clrMapOvr>
+</p:notes>
+</file>
+
+<file path=ppt/notesSlides/notesSlide15.xml><?xml version="1.0" encoding="utf-8"?>
 <p:notes xmlns:a="http://schemas.openxmlformats.org/drawingml/2006/main" xmlns:r="http://schemas.openxmlformats.org/officeDocument/2006/relationships" xmlns:p="http://schemas.openxmlformats.org/presentationml/2006/main" showMasterSp="0" showMasterPhAnim="0">
   <p:cSld>
     <p:spTree>
@@ -2108,7 +2269,7 @@
 </p:notes>
 </file>
 
-<file path=ppt/notesSlides/notesSlide15.xml><?xml version="1.0" encoding="utf-8"?>
+<file path=ppt/notesSlides/notesSlide16.xml><?xml version="1.0" encoding="utf-8"?>
 <p:notes xmlns:a="http://schemas.openxmlformats.org/drawingml/2006/main" xmlns:r="http://schemas.openxmlformats.org/officeDocument/2006/relationships" xmlns:p="http://schemas.openxmlformats.org/presentationml/2006/main" showMasterSp="0" showMasterPhAnim="0">
   <p:cSld>
     <p:spTree>
@@ -2212,7 +2373,7 @@
 </p:notes>
 </file>
 
-<file path=ppt/notesSlides/notesSlide16.xml><?xml version="1.0" encoding="utf-8"?>
+<file path=ppt/notesSlides/notesSlide17.xml><?xml version="1.0" encoding="utf-8"?>
 <p:notes xmlns:a="http://schemas.openxmlformats.org/drawingml/2006/main" xmlns:r="http://schemas.openxmlformats.org/officeDocument/2006/relationships" xmlns:p="http://schemas.openxmlformats.org/presentationml/2006/main" showMasterSp="0" showMasterPhAnim="0">
   <p:cSld>
     <p:spTree>
@@ -2316,7 +2477,7 @@
 </p:notes>
 </file>
 
-<file path=ppt/notesSlides/notesSlide17.xml><?xml version="1.0" encoding="utf-8"?>
+<file path=ppt/notesSlides/notesSlide18.xml><?xml version="1.0" encoding="utf-8"?>
 <p:notes xmlns:a="http://schemas.openxmlformats.org/drawingml/2006/main" xmlns:r="http://schemas.openxmlformats.org/officeDocument/2006/relationships" xmlns:p="http://schemas.openxmlformats.org/presentationml/2006/main" showMasterSp="0" showMasterPhAnim="0">
   <p:cSld>
     <p:spTree>
@@ -2420,7 +2581,7 @@
 </p:notes>
 </file>
 
-<file path=ppt/notesSlides/notesSlide18.xml><?xml version="1.0" encoding="utf-8"?>
+<file path=ppt/notesSlides/notesSlide19.xml><?xml version="1.0" encoding="utf-8"?>
 <p:notes xmlns:a="http://schemas.openxmlformats.org/drawingml/2006/main" xmlns:r="http://schemas.openxmlformats.org/officeDocument/2006/relationships" xmlns:p="http://schemas.openxmlformats.org/presentationml/2006/main" showMasterSp="0" showMasterPhAnim="0">
   <p:cSld>
     <p:spTree>
@@ -2524,7 +2685,111 @@
 </p:notes>
 </file>
 
-<file path=ppt/notesSlides/notesSlide19.xml><?xml version="1.0" encoding="utf-8"?>
+<file path=ppt/notesSlides/notesSlide2.xml><?xml version="1.0" encoding="utf-8"?>
+<p:notes xmlns:a="http://schemas.openxmlformats.org/drawingml/2006/main" xmlns:r="http://schemas.openxmlformats.org/officeDocument/2006/relationships" xmlns:p="http://schemas.openxmlformats.org/presentationml/2006/main" showMasterSp="0" showMasterPhAnim="0">
+  <p:cSld>
+    <p:spTree>
+      <p:nvGrpSpPr>
+        <p:cNvPr id="1" name="Shape 170"/>
+        <p:cNvGrpSpPr/>
+        <p:nvPr/>
+      </p:nvGrpSpPr>
+      <p:grpSpPr>
+        <a:xfrm>
+          <a:off x="0" y="0"/>
+          <a:ext cx="0" cy="0"/>
+          <a:chOff x="0" y="0"/>
+          <a:chExt cx="0" cy="0"/>
+        </a:xfrm>
+      </p:grpSpPr>
+      <p:sp>
+        <p:nvSpPr>
+          <p:cNvPr id="171" name="Google Shape;171;p2:notes"/>
+          <p:cNvSpPr txBox="1">
+            <a:spLocks noGrp="1"/>
+          </p:cNvSpPr>
+          <p:nvPr>
+            <p:ph type="body" idx="1"/>
+          </p:nvPr>
+        </p:nvSpPr>
+        <p:spPr>
+          <a:xfrm>
+            <a:off x="685800" y="4400550"/>
+            <a:ext cx="5486400" cy="3600450"/>
+          </a:xfrm>
+          <a:prstGeom prst="rect">
+            <a:avLst/>
+          </a:prstGeom>
+        </p:spPr>
+        <p:txBody>
+          <a:bodyPr spcFirstLastPara="1" wrap="square" lIns="91425" tIns="45700" rIns="91425" bIns="45700" anchor="t" anchorCtr="0">
+            <a:noAutofit/>
+          </a:bodyPr>
+          <a:lstStyle/>
+          <a:p>
+            <a:pPr marL="0" lvl="0" indent="0" algn="l" rtl="0">
+              <a:spcBef>
+                <a:spcPts val="0"/>
+              </a:spcBef>
+              <a:spcAft>
+                <a:spcPts val="0"/>
+              </a:spcAft>
+              <a:buNone/>
+            </a:pPr>
+            <a:endParaRPr dirty="0"/>
+          </a:p>
+        </p:txBody>
+      </p:sp>
+      <p:sp>
+        <p:nvSpPr>
+          <p:cNvPr id="172" name="Google Shape;172;p2:notes"/>
+          <p:cNvSpPr>
+            <a:spLocks noGrp="1" noRot="1" noChangeAspect="1"/>
+          </p:cNvSpPr>
+          <p:nvPr>
+            <p:ph type="sldImg" idx="2"/>
+          </p:nvPr>
+        </p:nvSpPr>
+        <p:spPr>
+          <a:xfrm>
+            <a:off x="685800" y="1143000"/>
+            <a:ext cx="5486400" cy="3086100"/>
+          </a:xfrm>
+          <a:custGeom>
+            <a:avLst/>
+            <a:gdLst/>
+            <a:ahLst/>
+            <a:cxnLst/>
+            <a:rect l="l" t="t" r="r" b="b"/>
+            <a:pathLst>
+              <a:path w="120000" h="120000" extrusionOk="0">
+                <a:moveTo>
+                  <a:pt x="0" y="0"/>
+                </a:moveTo>
+                <a:lnTo>
+                  <a:pt x="120000" y="0"/>
+                </a:lnTo>
+                <a:lnTo>
+                  <a:pt x="120000" y="120000"/>
+                </a:lnTo>
+                <a:lnTo>
+                  <a:pt x="0" y="120000"/>
+                </a:lnTo>
+                <a:close/>
+              </a:path>
+            </a:pathLst>
+          </a:custGeom>
+        </p:spPr>
+      </p:sp>
+    </p:spTree>
+  </p:cSld>
+  <p:clrMapOvr>
+    <a:masterClrMapping/>
+  </p:clrMapOvr>
+</p:notes>
+</file>
+
+<file path=ppt/notesSlides/notesSlide20.xml><?xml version="1.0" encoding="utf-8"?>
 <p:notes xmlns:a="http://schemas.openxmlformats.org/drawingml/2006/main" xmlns:r="http://schemas.openxmlformats.org/officeDocument/2006/relationships" xmlns:p="http://schemas.openxmlformats.org/presentationml/2006/main" showMasterSp="0" showMasterPhAnim="0">
   <p:cSld>
     <p:spTree>
@@ -2619,110 +2884,6 @@
             <a:endParaRPr/>
           </a:p>
         </p:txBody>
-      </p:sp>
-    </p:spTree>
-  </p:cSld>
-  <p:clrMapOvr>
-    <a:masterClrMapping/>
-  </p:clrMapOvr>
-</p:notes>
-</file>
-
-<file path=ppt/notesSlides/notesSlide2.xml><?xml version="1.0" encoding="utf-8"?>
-<p:notes xmlns:a="http://schemas.openxmlformats.org/drawingml/2006/main" xmlns:r="http://schemas.openxmlformats.org/officeDocument/2006/relationships" xmlns:p="http://schemas.openxmlformats.org/presentationml/2006/main" showMasterSp="0" showMasterPhAnim="0">
-  <p:cSld>
-    <p:spTree>
-      <p:nvGrpSpPr>
-        <p:cNvPr id="1" name="Shape 170"/>
-        <p:cNvGrpSpPr/>
-        <p:nvPr/>
-      </p:nvGrpSpPr>
-      <p:grpSpPr>
-        <a:xfrm>
-          <a:off x="0" y="0"/>
-          <a:ext cx="0" cy="0"/>
-          <a:chOff x="0" y="0"/>
-          <a:chExt cx="0" cy="0"/>
-        </a:xfrm>
-      </p:grpSpPr>
-      <p:sp>
-        <p:nvSpPr>
-          <p:cNvPr id="171" name="Google Shape;171;p2:notes"/>
-          <p:cNvSpPr txBox="1">
-            <a:spLocks noGrp="1"/>
-          </p:cNvSpPr>
-          <p:nvPr>
-            <p:ph type="body" idx="1"/>
-          </p:nvPr>
-        </p:nvSpPr>
-        <p:spPr>
-          <a:xfrm>
-            <a:off x="685800" y="4400550"/>
-            <a:ext cx="5486400" cy="3600450"/>
-          </a:xfrm>
-          <a:prstGeom prst="rect">
-            <a:avLst/>
-          </a:prstGeom>
-        </p:spPr>
-        <p:txBody>
-          <a:bodyPr spcFirstLastPara="1" wrap="square" lIns="91425" tIns="45700" rIns="91425" bIns="45700" anchor="t" anchorCtr="0">
-            <a:noAutofit/>
-          </a:bodyPr>
-          <a:lstStyle/>
-          <a:p>
-            <a:pPr marL="0" lvl="0" indent="0" algn="l" rtl="0">
-              <a:spcBef>
-                <a:spcPts val="0"/>
-              </a:spcBef>
-              <a:spcAft>
-                <a:spcPts val="0"/>
-              </a:spcAft>
-              <a:buNone/>
-            </a:pPr>
-            <a:endParaRPr dirty="0"/>
-          </a:p>
-        </p:txBody>
-      </p:sp>
-      <p:sp>
-        <p:nvSpPr>
-          <p:cNvPr id="172" name="Google Shape;172;p2:notes"/>
-          <p:cNvSpPr>
-            <a:spLocks noGrp="1" noRot="1" noChangeAspect="1"/>
-          </p:cNvSpPr>
-          <p:nvPr>
-            <p:ph type="sldImg" idx="2"/>
-          </p:nvPr>
-        </p:nvSpPr>
-        <p:spPr>
-          <a:xfrm>
-            <a:off x="685800" y="1143000"/>
-            <a:ext cx="5486400" cy="3086100"/>
-          </a:xfrm>
-          <a:custGeom>
-            <a:avLst/>
-            <a:gdLst/>
-            <a:ahLst/>
-            <a:cxnLst/>
-            <a:rect l="l" t="t" r="r" b="b"/>
-            <a:pathLst>
-              <a:path w="120000" h="120000" extrusionOk="0">
-                <a:moveTo>
-                  <a:pt x="0" y="0"/>
-                </a:moveTo>
-                <a:lnTo>
-                  <a:pt x="120000" y="0"/>
-                </a:lnTo>
-                <a:lnTo>
-                  <a:pt x="120000" y="120000"/>
-                </a:lnTo>
-                <a:lnTo>
-                  <a:pt x="0" y="120000"/>
-                </a:lnTo>
-                <a:close/>
-              </a:path>
-            </a:pathLst>
-          </a:custGeom>
-        </p:spPr>
       </p:sp>
     </p:spTree>
   </p:cSld>
@@ -22675,7 +22836,316 @@
             <p:ph type="title"/>
           </p:nvPr>
         </p:nvSpPr>
-        <p:spPr/>
+        <p:spPr>
+          <a:xfrm>
+            <a:off x="415600" y="623433"/>
+            <a:ext cx="11360800" cy="763600"/>
+          </a:xfrm>
+        </p:spPr>
+        <p:txBody>
+          <a:bodyPr/>
+          <a:lstStyle/>
+          <a:p>
+            <a:r>
+              <a:rPr lang="en-US" dirty="0"/>
+              <a:t>Poisson Regression</a:t>
+            </a:r>
+          </a:p>
+        </p:txBody>
+      </p:sp>
+      <p:sp>
+        <p:nvSpPr>
+          <p:cNvPr id="3" name="Text Placeholder 2">
+            <a:extLst>
+              <a:ext uri="{FF2B5EF4-FFF2-40B4-BE49-F238E27FC236}">
+                <a16:creationId xmlns:a16="http://schemas.microsoft.com/office/drawing/2014/main" id="{2CA4BFC7-C913-A6FB-C30F-952A253AC7F0}"/>
+              </a:ext>
+            </a:extLst>
+          </p:cNvPr>
+          <p:cNvSpPr>
+            <a:spLocks noGrp="1"/>
+          </p:cNvSpPr>
+          <p:nvPr>
+            <p:ph type="body" idx="1"/>
+          </p:nvPr>
+        </p:nvSpPr>
+        <p:spPr>
+          <a:xfrm>
+            <a:off x="2009142" y="1428399"/>
+            <a:ext cx="5334195" cy="4555200"/>
+          </a:xfrm>
+        </p:spPr>
+        <p:txBody>
+          <a:bodyPr/>
+          <a:lstStyle/>
+          <a:p>
+            <a:r>
+              <a:rPr lang="en-US" dirty="0"/>
+              <a:t>Reminder: Best used when outcomes are counts!</a:t>
+            </a:r>
+          </a:p>
+          <a:p>
+            <a:endParaRPr lang="en-US" dirty="0"/>
+          </a:p>
+          <a:p>
+            <a:r>
+              <a:rPr lang="en-US" dirty="0"/>
+              <a:t>Also transforming the non-linear relationship to linear form</a:t>
+            </a:r>
+          </a:p>
+          <a:p>
+            <a:pPr lvl="1"/>
+            <a:r>
+              <a:rPr lang="en-US" dirty="0"/>
+              <a:t>Using the log link function</a:t>
+            </a:r>
+          </a:p>
+          <a:p>
+            <a:endParaRPr lang="en-US" dirty="0"/>
+          </a:p>
+          <a:p>
+            <a:r>
+              <a:rPr lang="en-US" dirty="0"/>
+              <a:t>Log(y) =</a:t>
+            </a:r>
+          </a:p>
+          <a:p>
+            <a:endParaRPr lang="en-US" dirty="0"/>
+          </a:p>
+        </p:txBody>
+      </p:sp>
+      <mc:AlternateContent xmlns:mc="http://schemas.openxmlformats.org/markup-compatibility/2006">
+        <mc:Choice xmlns:a14="http://schemas.microsoft.com/office/drawing/2010/main" Requires="a14">
+          <p:sp>
+            <p:nvSpPr>
+              <p:cNvPr id="6" name="TextBox 5">
+                <a:extLst>
+                  <a:ext uri="{FF2B5EF4-FFF2-40B4-BE49-F238E27FC236}">
+                    <a16:creationId xmlns:a16="http://schemas.microsoft.com/office/drawing/2014/main" id="{6E06A2CB-E892-FD95-4F1E-61FD723F56E6}"/>
+                  </a:ext>
+                </a:extLst>
+              </p:cNvPr>
+              <p:cNvSpPr txBox="1"/>
+              <p:nvPr/>
+            </p:nvSpPr>
+            <p:spPr>
+              <a:xfrm flipH="1">
+                <a:off x="2717800" y="3421128"/>
+                <a:ext cx="3378200" cy="276999"/>
+              </a:xfrm>
+              <a:prstGeom prst="rect">
+                <a:avLst/>
+              </a:prstGeom>
+              <a:noFill/>
+            </p:spPr>
+            <p:txBody>
+              <a:bodyPr wrap="square" lIns="0" tIns="0" rIns="0" bIns="0" rtlCol="0">
+                <a:spAutoFit/>
+              </a:bodyPr>
+              <a:lstStyle/>
+              <a:p>
+                <a:pPr/>
+                <a14:m>
+                  <m:oMathPara xmlns:m="http://schemas.openxmlformats.org/officeDocument/2006/math">
+                    <m:oMathParaPr>
+                      <m:jc m:val="centerGroup"/>
+                    </m:oMathParaPr>
+                    <m:oMath xmlns:m="http://schemas.openxmlformats.org/officeDocument/2006/math">
+                      <m:r>
+                        <a:rPr lang="en-US" sz="1800" i="1" smtClean="0">
+                          <a:latin typeface="Cambria Math" panose="02040503050406030204" pitchFamily="18" charset="0"/>
+                          <a:ea typeface="Cambria Math" panose="02040503050406030204" pitchFamily="18" charset="0"/>
+                        </a:rPr>
+                        <m:t>𝛼</m:t>
+                      </m:r>
+                      <m:r>
+                        <a:rPr lang="en-US" sz="1800" b="0" i="1" smtClean="0">
+                          <a:latin typeface="Cambria Math" panose="02040503050406030204" pitchFamily="18" charset="0"/>
+                          <a:ea typeface="Cambria Math" panose="02040503050406030204" pitchFamily="18" charset="0"/>
+                        </a:rPr>
+                        <m:t>+</m:t>
+                      </m:r>
+                      <m:r>
+                        <a:rPr lang="en-US" sz="1800" b="0" i="1" smtClean="0">
+                          <a:latin typeface="Cambria Math" panose="02040503050406030204" pitchFamily="18" charset="0"/>
+                          <a:ea typeface="Cambria Math" panose="02040503050406030204" pitchFamily="18" charset="0"/>
+                        </a:rPr>
+                        <m:t>𝛽</m:t>
+                      </m:r>
+                      <m:d>
+                        <m:dPr>
+                          <m:ctrlPr>
+                            <a:rPr lang="en-US" sz="1800" b="0" i="1" smtClean="0">
+                              <a:latin typeface="Cambria Math" panose="02040503050406030204" pitchFamily="18" charset="0"/>
+                              <a:ea typeface="Cambria Math" panose="02040503050406030204" pitchFamily="18" charset="0"/>
+                            </a:rPr>
+                          </m:ctrlPr>
+                        </m:dPr>
+                        <m:e>
+                          <m:r>
+                            <a:rPr lang="en-US" sz="1800" b="0" i="1" smtClean="0">
+                              <a:latin typeface="Cambria Math" panose="02040503050406030204" pitchFamily="18" charset="0"/>
+                              <a:ea typeface="Cambria Math" panose="02040503050406030204" pitchFamily="18" charset="0"/>
+                            </a:rPr>
+                            <m:t>𝑥</m:t>
+                          </m:r>
+                        </m:e>
+                      </m:d>
+                      <m:r>
+                        <a:rPr lang="en-US" sz="1800" b="0" i="1" smtClean="0">
+                          <a:latin typeface="Cambria Math" panose="02040503050406030204" pitchFamily="18" charset="0"/>
+                          <a:ea typeface="Cambria Math" panose="02040503050406030204" pitchFamily="18" charset="0"/>
+                        </a:rPr>
+                        <m:t>+</m:t>
+                      </m:r>
+                      <m:r>
+                        <a:rPr lang="en-US" sz="1800" b="0" i="1" smtClean="0">
+                          <a:latin typeface="Cambria Math" panose="02040503050406030204" pitchFamily="18" charset="0"/>
+                          <a:ea typeface="Cambria Math" panose="02040503050406030204" pitchFamily="18" charset="0"/>
+                        </a:rPr>
+                        <m:t>𝑒</m:t>
+                      </m:r>
+                    </m:oMath>
+                  </m:oMathPara>
+                </a14:m>
+                <a:endParaRPr lang="en-US" sz="1800" dirty="0"/>
+              </a:p>
+            </p:txBody>
+          </p:sp>
+        </mc:Choice>
+        <mc:Fallback>
+          <p:sp>
+            <p:nvSpPr>
+              <p:cNvPr id="6" name="TextBox 5">
+                <a:extLst>
+                  <a:ext uri="{FF2B5EF4-FFF2-40B4-BE49-F238E27FC236}">
+                    <a16:creationId xmlns:a16="http://schemas.microsoft.com/office/drawing/2014/main" id="{6E06A2CB-E892-FD95-4F1E-61FD723F56E6}"/>
+                  </a:ext>
+                </a:extLst>
+              </p:cNvPr>
+              <p:cNvSpPr txBox="1">
+                <a:spLocks noRot="1" noChangeAspect="1" noMove="1" noResize="1" noEditPoints="1" noAdjustHandles="1" noChangeArrowheads="1" noChangeShapeType="1" noTextEdit="1"/>
+              </p:cNvSpPr>
+              <p:nvPr/>
+            </p:nvSpPr>
+            <p:spPr>
+              <a:xfrm flipH="1">
+                <a:off x="2717800" y="3421128"/>
+                <a:ext cx="3378200" cy="276999"/>
+              </a:xfrm>
+              <a:prstGeom prst="rect">
+                <a:avLst/>
+              </a:prstGeom>
+              <a:blipFill>
+                <a:blip r:embed="rId2"/>
+                <a:stretch>
+                  <a:fillRect b="-34783"/>
+                </a:stretch>
+              </a:blipFill>
+            </p:spPr>
+            <p:txBody>
+              <a:bodyPr/>
+              <a:lstStyle/>
+              <a:p>
+                <a:r>
+                  <a:rPr lang="en-US">
+                    <a:noFill/>
+                  </a:rPr>
+                  <a:t> </a:t>
+                </a:r>
+              </a:p>
+            </p:txBody>
+          </p:sp>
+        </mc:Fallback>
+      </mc:AlternateContent>
+      <p:pic>
+        <p:nvPicPr>
+          <p:cNvPr id="8" name="Picture 7">
+            <a:extLst>
+              <a:ext uri="{FF2B5EF4-FFF2-40B4-BE49-F238E27FC236}">
+                <a16:creationId xmlns:a16="http://schemas.microsoft.com/office/drawing/2014/main" id="{3FD7243C-2F20-1159-6489-016A39D0A630}"/>
+              </a:ext>
+            </a:extLst>
+          </p:cNvPr>
+          <p:cNvPicPr>
+            <a:picLocks noChangeAspect="1"/>
+          </p:cNvPicPr>
+          <p:nvPr/>
+        </p:nvPicPr>
+        <p:blipFill>
+          <a:blip r:embed="rId3"/>
+          <a:stretch>
+            <a:fillRect/>
+          </a:stretch>
+        </p:blipFill>
+        <p:spPr>
+          <a:xfrm>
+            <a:off x="7610622" y="207083"/>
+            <a:ext cx="4314092" cy="3221917"/>
+          </a:xfrm>
+          <a:prstGeom prst="rect">
+            <a:avLst/>
+          </a:prstGeom>
+        </p:spPr>
+      </p:pic>
+    </p:spTree>
+    <p:extLst>
+      <p:ext uri="{BB962C8B-B14F-4D97-AF65-F5344CB8AC3E}">
+        <p14:creationId xmlns:p14="http://schemas.microsoft.com/office/powerpoint/2010/main" val="2241623562"/>
+      </p:ext>
+    </p:extLst>
+  </p:cSld>
+  <p:clrMapOvr>
+    <a:masterClrMapping/>
+  </p:clrMapOvr>
+</p:sld>
+</file>
+
+<file path=ppt/slides/slide15.xml><?xml version="1.0" encoding="utf-8"?>
+<p:sld xmlns:a="http://schemas.openxmlformats.org/drawingml/2006/main" xmlns:r="http://schemas.openxmlformats.org/officeDocument/2006/relationships" xmlns:p="http://schemas.openxmlformats.org/presentationml/2006/main">
+  <p:cSld>
+    <p:spTree>
+      <p:nvGrpSpPr>
+        <p:cNvPr id="1" name="">
+          <a:extLst>
+            <a:ext uri="{FF2B5EF4-FFF2-40B4-BE49-F238E27FC236}">
+              <a16:creationId xmlns:a16="http://schemas.microsoft.com/office/drawing/2014/main" id="{A5E46A88-6AA9-A09B-52C0-9B5EF9A1C63F}"/>
+            </a:ext>
+          </a:extLst>
+        </p:cNvPr>
+        <p:cNvGrpSpPr/>
+        <p:nvPr/>
+      </p:nvGrpSpPr>
+      <p:grpSpPr>
+        <a:xfrm>
+          <a:off x="0" y="0"/>
+          <a:ext cx="0" cy="0"/>
+          <a:chOff x="0" y="0"/>
+          <a:chExt cx="0" cy="0"/>
+        </a:xfrm>
+      </p:grpSpPr>
+      <p:sp>
+        <p:nvSpPr>
+          <p:cNvPr id="2" name="Title 1">
+            <a:extLst>
+              <a:ext uri="{FF2B5EF4-FFF2-40B4-BE49-F238E27FC236}">
+                <a16:creationId xmlns:a16="http://schemas.microsoft.com/office/drawing/2014/main" id="{7CB51E54-7E37-3C57-95A4-60811E8A56AF}"/>
+              </a:ext>
+            </a:extLst>
+          </p:cNvPr>
+          <p:cNvSpPr>
+            <a:spLocks noGrp="1"/>
+          </p:cNvSpPr>
+          <p:nvPr>
+            <p:ph type="title"/>
+          </p:nvPr>
+        </p:nvSpPr>
+        <p:spPr>
+          <a:xfrm>
+            <a:off x="415600" y="623433"/>
+            <a:ext cx="11360800" cy="763600"/>
+          </a:xfrm>
+        </p:spPr>
         <p:txBody>
           <a:bodyPr/>
           <a:lstStyle/>
@@ -22694,7 +23164,7 @@
               <p:cNvPr id="3" name="Text Placeholder 2">
                 <a:extLst>
                   <a:ext uri="{FF2B5EF4-FFF2-40B4-BE49-F238E27FC236}">
-                    <a16:creationId xmlns:a16="http://schemas.microsoft.com/office/drawing/2014/main" id="{2CA4BFC7-C913-A6FB-C30F-952A253AC7F0}"/>
+                    <a16:creationId xmlns:a16="http://schemas.microsoft.com/office/drawing/2014/main" id="{88C5E2EC-F136-0725-0DE8-63BB4683FA6E}"/>
                   </a:ext>
                 </a:extLst>
               </p:cNvPr>
@@ -22707,8 +23177,8 @@
             </p:nvSpPr>
             <p:spPr>
               <a:xfrm>
-                <a:off x="3289300" y="1536633"/>
-                <a:ext cx="8487100" cy="4555200"/>
+                <a:off x="2009142" y="1428399"/>
+                <a:ext cx="5334195" cy="4555200"/>
               </a:xfrm>
             </p:spPr>
             <p:txBody>
@@ -22719,6 +23189,9 @@
                   <a:rPr lang="en-US" dirty="0"/>
                   <a:t>Reminder: Best used when outcomes are counts!</a:t>
                 </a:r>
+              </a:p>
+              <a:p>
+                <a:endParaRPr lang="en-US" dirty="0"/>
               </a:p>
               <a:p>
                 <a:r>
@@ -22854,7 +23327,7 @@
               <p:cNvPr id="3" name="Text Placeholder 2">
                 <a:extLst>
                   <a:ext uri="{FF2B5EF4-FFF2-40B4-BE49-F238E27FC236}">
-                    <a16:creationId xmlns:a16="http://schemas.microsoft.com/office/drawing/2014/main" id="{2CA4BFC7-C913-A6FB-C30F-952A253AC7F0}"/>
+                    <a16:creationId xmlns:a16="http://schemas.microsoft.com/office/drawing/2014/main" id="{88C5E2EC-F136-0725-0DE8-63BB4683FA6E}"/>
                   </a:ext>
                 </a:extLst>
               </p:cNvPr>
@@ -22867,13 +23340,13 @@
             </p:nvSpPr>
             <p:spPr>
               <a:xfrm>
-                <a:off x="3289300" y="1536633"/>
-                <a:ext cx="8487100" cy="4555200"/>
+                <a:off x="2009142" y="1428399"/>
+                <a:ext cx="5334195" cy="4555200"/>
               </a:xfrm>
               <a:blipFill>
-                <a:blip r:embed="rId2"/>
+                <a:blip r:embed="rId3"/>
                 <a:stretch>
-                  <a:fillRect/>
+                  <a:fillRect r="-1900"/>
                 </a:stretch>
               </a:blipFill>
             </p:spPr>
@@ -22899,7 +23372,7 @@
               <p:cNvPr id="6" name="TextBox 5">
                 <a:extLst>
                   <a:ext uri="{FF2B5EF4-FFF2-40B4-BE49-F238E27FC236}">
-                    <a16:creationId xmlns:a16="http://schemas.microsoft.com/office/drawing/2014/main" id="{6E06A2CB-E892-FD95-4F1E-61FD723F56E6}"/>
+                    <a16:creationId xmlns:a16="http://schemas.microsoft.com/office/drawing/2014/main" id="{77DF358B-20CA-C453-198A-CC0780F677BD}"/>
                   </a:ext>
                 </a:extLst>
               </p:cNvPr>
@@ -22908,7 +23381,7 @@
             </p:nvSpPr>
             <p:spPr>
               <a:xfrm flipH="1">
-                <a:off x="3937001" y="2730500"/>
+                <a:off x="2717800" y="3421128"/>
                 <a:ext cx="3378200" cy="276999"/>
               </a:xfrm>
               <a:prstGeom prst="rect">
@@ -22922,6 +23395,7 @@
               </a:bodyPr>
               <a:lstStyle/>
               <a:p>
+                <a:pPr/>
                 <a14:m>
                   <m:oMathPara xmlns:m="http://schemas.openxmlformats.org/officeDocument/2006/math">
                     <m:oMathParaPr>
@@ -22996,7 +23470,7 @@
               <p:cNvPr id="6" name="TextBox 5">
                 <a:extLst>
                   <a:ext uri="{FF2B5EF4-FFF2-40B4-BE49-F238E27FC236}">
-                    <a16:creationId xmlns:a16="http://schemas.microsoft.com/office/drawing/2014/main" id="{6E06A2CB-E892-FD95-4F1E-61FD723F56E6}"/>
+                    <a16:creationId xmlns:a16="http://schemas.microsoft.com/office/drawing/2014/main" id="{77DF358B-20CA-C453-198A-CC0780F677BD}"/>
                   </a:ext>
                 </a:extLst>
               </p:cNvPr>
@@ -23007,16 +23481,16 @@
             </p:nvSpPr>
             <p:spPr>
               <a:xfrm flipH="1">
-                <a:off x="3937001" y="2730500"/>
+                <a:off x="2717800" y="3421128"/>
                 <a:ext cx="3378200" cy="276999"/>
               </a:xfrm>
               <a:prstGeom prst="rect">
                 <a:avLst/>
               </a:prstGeom>
               <a:blipFill>
-                <a:blip r:embed="rId3"/>
+                <a:blip r:embed="rId4"/>
                 <a:stretch>
-                  <a:fillRect b="-40909"/>
+                  <a:fillRect b="-34783"/>
                 </a:stretch>
               </a:blipFill>
             </p:spPr>
@@ -23035,10 +23509,70 @@
           </p:sp>
         </mc:Fallback>
       </mc:AlternateContent>
+      <p:pic>
+        <p:nvPicPr>
+          <p:cNvPr id="5" name="Picture 4">
+            <a:extLst>
+              <a:ext uri="{FF2B5EF4-FFF2-40B4-BE49-F238E27FC236}">
+                <a16:creationId xmlns:a16="http://schemas.microsoft.com/office/drawing/2014/main" id="{352A2F3A-01FB-2EDB-CC82-33190F584D6A}"/>
+              </a:ext>
+            </a:extLst>
+          </p:cNvPr>
+          <p:cNvPicPr>
+            <a:picLocks noChangeAspect="1"/>
+          </p:cNvPicPr>
+          <p:nvPr/>
+        </p:nvPicPr>
+        <p:blipFill>
+          <a:blip r:embed="rId5"/>
+          <a:stretch>
+            <a:fillRect/>
+          </a:stretch>
+        </p:blipFill>
+        <p:spPr>
+          <a:xfrm>
+            <a:off x="7610622" y="3429000"/>
+            <a:ext cx="4314092" cy="3221917"/>
+          </a:xfrm>
+          <a:prstGeom prst="rect">
+            <a:avLst/>
+          </a:prstGeom>
+        </p:spPr>
+      </p:pic>
+      <p:pic>
+        <p:nvPicPr>
+          <p:cNvPr id="8" name="Picture 7">
+            <a:extLst>
+              <a:ext uri="{FF2B5EF4-FFF2-40B4-BE49-F238E27FC236}">
+                <a16:creationId xmlns:a16="http://schemas.microsoft.com/office/drawing/2014/main" id="{9F3F12A7-B340-7544-F2E8-AD5AD3720FCF}"/>
+              </a:ext>
+            </a:extLst>
+          </p:cNvPr>
+          <p:cNvPicPr>
+            <a:picLocks noChangeAspect="1"/>
+          </p:cNvPicPr>
+          <p:nvPr/>
+        </p:nvPicPr>
+        <p:blipFill>
+          <a:blip r:embed="rId6"/>
+          <a:stretch>
+            <a:fillRect/>
+          </a:stretch>
+        </p:blipFill>
+        <p:spPr>
+          <a:xfrm>
+            <a:off x="7610622" y="207083"/>
+            <a:ext cx="4314092" cy="3221917"/>
+          </a:xfrm>
+          <a:prstGeom prst="rect">
+            <a:avLst/>
+          </a:prstGeom>
+        </p:spPr>
+      </p:pic>
     </p:spTree>
     <p:extLst>
       <p:ext uri="{BB962C8B-B14F-4D97-AF65-F5344CB8AC3E}">
-        <p14:creationId xmlns:p14="http://schemas.microsoft.com/office/powerpoint/2010/main" val="2241623562"/>
+        <p14:creationId xmlns:p14="http://schemas.microsoft.com/office/powerpoint/2010/main" val="4048415594"/>
       </p:ext>
     </p:extLst>
   </p:cSld>
@@ -23048,7 +23582,7 @@
 </p:sld>
 </file>
 
-<file path=ppt/slides/slide15.xml><?xml version="1.0" encoding="utf-8"?>
+<file path=ppt/slides/slide16.xml><?xml version="1.0" encoding="utf-8"?>
 <p:sld xmlns:a="http://schemas.openxmlformats.org/drawingml/2006/main" xmlns:r="http://schemas.openxmlformats.org/officeDocument/2006/relationships" xmlns:p="http://schemas.openxmlformats.org/presentationml/2006/main">
   <p:cSld>
     <p:spTree>
@@ -23131,7 +23665,7 @@
 </p:sld>
 </file>
 
-<file path=ppt/slides/slide16.xml><?xml version="1.0" encoding="utf-8"?>
+<file path=ppt/slides/slide17.xml><?xml version="1.0" encoding="utf-8"?>
 <p:sld xmlns:a="http://schemas.openxmlformats.org/drawingml/2006/main" xmlns:r="http://schemas.openxmlformats.org/officeDocument/2006/relationships" xmlns:p="http://schemas.openxmlformats.org/presentationml/2006/main">
   <p:cSld>
     <p:spTree>
@@ -23234,7 +23768,7 @@
 </p:sld>
 </file>
 
-<file path=ppt/slides/slide17.xml><?xml version="1.0" encoding="utf-8"?>
+<file path=ppt/slides/slide18.xml><?xml version="1.0" encoding="utf-8"?>
 <p:sld xmlns:a="http://schemas.openxmlformats.org/drawingml/2006/main" xmlns:r="http://schemas.openxmlformats.org/officeDocument/2006/relationships" xmlns:p="http://schemas.openxmlformats.org/presentationml/2006/main">
   <p:cSld>
     <p:spTree>
@@ -23314,7 +23848,7 @@
 </p:sld>
 </file>
 
-<file path=ppt/slides/slide18.xml><?xml version="1.0" encoding="utf-8"?>
+<file path=ppt/slides/slide19.xml><?xml version="1.0" encoding="utf-8"?>
 <p:sld xmlns:a="http://schemas.openxmlformats.org/drawingml/2006/main" xmlns:r="http://schemas.openxmlformats.org/officeDocument/2006/relationships" xmlns:p="http://schemas.openxmlformats.org/presentationml/2006/main">
   <p:cSld>
     <p:spTree>
@@ -23450,7 +23984,165 @@
 </p:sld>
 </file>
 
-<file path=ppt/slides/slide19.xml><?xml version="1.0" encoding="utf-8"?>
+<file path=ppt/slides/slide2.xml><?xml version="1.0" encoding="utf-8"?>
+<p:sld xmlns:a="http://schemas.openxmlformats.org/drawingml/2006/main" xmlns:r="http://schemas.openxmlformats.org/officeDocument/2006/relationships" xmlns:p="http://schemas.openxmlformats.org/presentationml/2006/main">
+  <p:cSld>
+    <p:spTree>
+      <p:nvGrpSpPr>
+        <p:cNvPr id="1" name="Shape 173"/>
+        <p:cNvGrpSpPr/>
+        <p:nvPr/>
+      </p:nvGrpSpPr>
+      <p:grpSpPr>
+        <a:xfrm>
+          <a:off x="0" y="0"/>
+          <a:ext cx="0" cy="0"/>
+          <a:chOff x="0" y="0"/>
+          <a:chExt cx="0" cy="0"/>
+        </a:xfrm>
+      </p:grpSpPr>
+      <p:sp>
+        <p:nvSpPr>
+          <p:cNvPr id="174" name="Google Shape;174;p2"/>
+          <p:cNvSpPr txBox="1">
+            <a:spLocks noGrp="1"/>
+          </p:cNvSpPr>
+          <p:nvPr>
+            <p:ph type="title"/>
+          </p:nvPr>
+        </p:nvSpPr>
+        <p:spPr>
+          <a:xfrm>
+            <a:off x="2592925" y="624110"/>
+            <a:ext cx="8911687" cy="1280890"/>
+          </a:xfrm>
+          <a:prstGeom prst="rect">
+            <a:avLst/>
+          </a:prstGeom>
+          <a:noFill/>
+          <a:ln>
+            <a:noFill/>
+          </a:ln>
+        </p:spPr>
+        <p:txBody>
+          <a:bodyPr spcFirstLastPara="1" wrap="square" lIns="91425" tIns="45700" rIns="91425" bIns="45700" anchor="t" anchorCtr="0">
+            <a:normAutofit/>
+          </a:bodyPr>
+          <a:lstStyle/>
+          <a:p>
+            <a:pPr marL="0" lvl="0" indent="0" algn="l" rtl="0">
+              <a:spcBef>
+                <a:spcPts val="0"/>
+              </a:spcBef>
+              <a:spcAft>
+                <a:spcPts val="0"/>
+              </a:spcAft>
+              <a:buClr>
+                <a:srgbClr val="262626"/>
+              </a:buClr>
+              <a:buSzPts val="3600"/>
+              <a:buFont typeface="Century Gothic"/>
+              <a:buNone/>
+            </a:pPr>
+            <a:r>
+              <a:rPr lang="en-US" dirty="0"/>
+              <a:t>Today we’re going to:</a:t>
+            </a:r>
+            <a:endParaRPr dirty="0"/>
+          </a:p>
+        </p:txBody>
+      </p:sp>
+      <p:sp>
+        <p:nvSpPr>
+          <p:cNvPr id="175" name="Google Shape;175;p2"/>
+          <p:cNvSpPr txBox="1">
+            <a:spLocks noGrp="1"/>
+          </p:cNvSpPr>
+          <p:nvPr>
+            <p:ph type="body" idx="1"/>
+          </p:nvPr>
+        </p:nvSpPr>
+        <p:spPr>
+          <a:xfrm>
+            <a:off x="2589212" y="2133600"/>
+            <a:ext cx="8915400" cy="1295400"/>
+          </a:xfrm>
+          <a:prstGeom prst="rect">
+            <a:avLst/>
+          </a:prstGeom>
+          <a:noFill/>
+          <a:ln>
+            <a:noFill/>
+          </a:ln>
+        </p:spPr>
+        <p:txBody>
+          <a:bodyPr spcFirstLastPara="1" wrap="square" lIns="91425" tIns="45700" rIns="91425" bIns="45700" anchor="t" anchorCtr="0">
+            <a:normAutofit/>
+          </a:bodyPr>
+          <a:lstStyle/>
+          <a:p>
+            <a:pPr marL="800100" lvl="1">
+              <a:spcBef>
+                <a:spcPts val="0"/>
+              </a:spcBef>
+            </a:pPr>
+            <a:r>
+              <a:rPr lang="en-US" dirty="0"/>
+              <a:t>Generalized Linear Regressions, specifically:</a:t>
+            </a:r>
+          </a:p>
+          <a:p>
+            <a:pPr marL="800100" lvl="1">
+              <a:spcBef>
+                <a:spcPts val="0"/>
+              </a:spcBef>
+            </a:pPr>
+            <a:r>
+              <a:rPr lang="en-US" dirty="0"/>
+              <a:t>Logistic Regression</a:t>
+            </a:r>
+          </a:p>
+          <a:p>
+            <a:pPr marL="800100" lvl="1">
+              <a:spcBef>
+                <a:spcPts val="0"/>
+              </a:spcBef>
+            </a:pPr>
+            <a:r>
+              <a:rPr lang="en-US" dirty="0"/>
+              <a:t>Poisson Regression</a:t>
+            </a:r>
+          </a:p>
+          <a:p>
+            <a:pPr marL="800100" lvl="1">
+              <a:spcBef>
+                <a:spcPts val="0"/>
+              </a:spcBef>
+            </a:pPr>
+            <a:r>
+              <a:rPr lang="en-US" dirty="0"/>
+              <a:t>Negative Binomial Regression</a:t>
+            </a:r>
+          </a:p>
+          <a:p>
+            <a:pPr marL="800100" lvl="1">
+              <a:spcBef>
+                <a:spcPts val="0"/>
+              </a:spcBef>
+            </a:pPr>
+            <a:endParaRPr lang="en-US" dirty="0"/>
+          </a:p>
+        </p:txBody>
+      </p:sp>
+    </p:spTree>
+  </p:cSld>
+  <p:clrMapOvr>
+    <a:masterClrMapping/>
+  </p:clrMapOvr>
+</p:sld>
+</file>
+
+<file path=ppt/slides/slide20.xml><?xml version="1.0" encoding="utf-8"?>
 <p:sld xmlns:a="http://schemas.openxmlformats.org/drawingml/2006/main" xmlns:r="http://schemas.openxmlformats.org/officeDocument/2006/relationships" xmlns:p="http://schemas.openxmlformats.org/presentationml/2006/main">
   <p:cSld>
     <p:spTree>
@@ -23819,165 +24511,7 @@
 </p:sld>
 </file>
 
-<file path=ppt/slides/slide2.xml><?xml version="1.0" encoding="utf-8"?>
-<p:sld xmlns:a="http://schemas.openxmlformats.org/drawingml/2006/main" xmlns:r="http://schemas.openxmlformats.org/officeDocument/2006/relationships" xmlns:p="http://schemas.openxmlformats.org/presentationml/2006/main">
-  <p:cSld>
-    <p:spTree>
-      <p:nvGrpSpPr>
-        <p:cNvPr id="1" name="Shape 173"/>
-        <p:cNvGrpSpPr/>
-        <p:nvPr/>
-      </p:nvGrpSpPr>
-      <p:grpSpPr>
-        <a:xfrm>
-          <a:off x="0" y="0"/>
-          <a:ext cx="0" cy="0"/>
-          <a:chOff x="0" y="0"/>
-          <a:chExt cx="0" cy="0"/>
-        </a:xfrm>
-      </p:grpSpPr>
-      <p:sp>
-        <p:nvSpPr>
-          <p:cNvPr id="174" name="Google Shape;174;p2"/>
-          <p:cNvSpPr txBox="1">
-            <a:spLocks noGrp="1"/>
-          </p:cNvSpPr>
-          <p:nvPr>
-            <p:ph type="title"/>
-          </p:nvPr>
-        </p:nvSpPr>
-        <p:spPr>
-          <a:xfrm>
-            <a:off x="2592925" y="624110"/>
-            <a:ext cx="8911687" cy="1280890"/>
-          </a:xfrm>
-          <a:prstGeom prst="rect">
-            <a:avLst/>
-          </a:prstGeom>
-          <a:noFill/>
-          <a:ln>
-            <a:noFill/>
-          </a:ln>
-        </p:spPr>
-        <p:txBody>
-          <a:bodyPr spcFirstLastPara="1" wrap="square" lIns="91425" tIns="45700" rIns="91425" bIns="45700" anchor="t" anchorCtr="0">
-            <a:normAutofit/>
-          </a:bodyPr>
-          <a:lstStyle/>
-          <a:p>
-            <a:pPr marL="0" lvl="0" indent="0" algn="l" rtl="0">
-              <a:spcBef>
-                <a:spcPts val="0"/>
-              </a:spcBef>
-              <a:spcAft>
-                <a:spcPts val="0"/>
-              </a:spcAft>
-              <a:buClr>
-                <a:srgbClr val="262626"/>
-              </a:buClr>
-              <a:buSzPts val="3600"/>
-              <a:buFont typeface="Century Gothic"/>
-              <a:buNone/>
-            </a:pPr>
-            <a:r>
-              <a:rPr lang="en-US" dirty="0"/>
-              <a:t>Today we’re going to:</a:t>
-            </a:r>
-            <a:endParaRPr dirty="0"/>
-          </a:p>
-        </p:txBody>
-      </p:sp>
-      <p:sp>
-        <p:nvSpPr>
-          <p:cNvPr id="175" name="Google Shape;175;p2"/>
-          <p:cNvSpPr txBox="1">
-            <a:spLocks noGrp="1"/>
-          </p:cNvSpPr>
-          <p:nvPr>
-            <p:ph type="body" idx="1"/>
-          </p:nvPr>
-        </p:nvSpPr>
-        <p:spPr>
-          <a:xfrm>
-            <a:off x="2589212" y="2133600"/>
-            <a:ext cx="8915400" cy="1295400"/>
-          </a:xfrm>
-          <a:prstGeom prst="rect">
-            <a:avLst/>
-          </a:prstGeom>
-          <a:noFill/>
-          <a:ln>
-            <a:noFill/>
-          </a:ln>
-        </p:spPr>
-        <p:txBody>
-          <a:bodyPr spcFirstLastPara="1" wrap="square" lIns="91425" tIns="45700" rIns="91425" bIns="45700" anchor="t" anchorCtr="0">
-            <a:normAutofit/>
-          </a:bodyPr>
-          <a:lstStyle/>
-          <a:p>
-            <a:pPr marL="800100" lvl="1">
-              <a:spcBef>
-                <a:spcPts val="0"/>
-              </a:spcBef>
-            </a:pPr>
-            <a:r>
-              <a:rPr lang="en-US" dirty="0"/>
-              <a:t>Generalized Linear Regressions, specifically:</a:t>
-            </a:r>
-          </a:p>
-          <a:p>
-            <a:pPr marL="800100" lvl="1">
-              <a:spcBef>
-                <a:spcPts val="0"/>
-              </a:spcBef>
-            </a:pPr>
-            <a:r>
-              <a:rPr lang="en-US" dirty="0"/>
-              <a:t>Logistic Regression</a:t>
-            </a:r>
-          </a:p>
-          <a:p>
-            <a:pPr marL="800100" lvl="1">
-              <a:spcBef>
-                <a:spcPts val="0"/>
-              </a:spcBef>
-            </a:pPr>
-            <a:r>
-              <a:rPr lang="en-US" dirty="0"/>
-              <a:t>Poisson Regression</a:t>
-            </a:r>
-          </a:p>
-          <a:p>
-            <a:pPr marL="800100" lvl="1">
-              <a:spcBef>
-                <a:spcPts val="0"/>
-              </a:spcBef>
-            </a:pPr>
-            <a:r>
-              <a:rPr lang="en-US" dirty="0"/>
-              <a:t>Negative Binomial Regression</a:t>
-            </a:r>
-          </a:p>
-          <a:p>
-            <a:pPr marL="800100" lvl="1">
-              <a:spcBef>
-                <a:spcPts val="0"/>
-              </a:spcBef>
-            </a:pPr>
-            <a:endParaRPr lang="en-US" dirty="0"/>
-          </a:p>
-        </p:txBody>
-      </p:sp>
-    </p:spTree>
-  </p:cSld>
-  <p:clrMapOvr>
-    <a:masterClrMapping/>
-  </p:clrMapOvr>
-</p:sld>
-</file>
-
-<file path=ppt/slides/slide20.xml><?xml version="1.0" encoding="utf-8"?>
+<file path=ppt/slides/slide21.xml><?xml version="1.0" encoding="utf-8"?>
 <p:sld xmlns:a="http://schemas.openxmlformats.org/drawingml/2006/main" xmlns:r="http://schemas.openxmlformats.org/officeDocument/2006/relationships" xmlns:p="http://schemas.openxmlformats.org/presentationml/2006/main">
   <p:cSld>
     <p:spTree>
@@ -24570,7 +25104,7 @@
 </p:sld>
 </file>
 
-<file path=ppt/slides/slide21.xml><?xml version="1.0" encoding="utf-8"?>
+<file path=ppt/slides/slide22.xml><?xml version="1.0" encoding="utf-8"?>
 <p:sld xmlns:a="http://schemas.openxmlformats.org/drawingml/2006/main" xmlns:r="http://schemas.openxmlformats.org/officeDocument/2006/relationships" xmlns:p="http://schemas.openxmlformats.org/presentationml/2006/main">
   <p:cSld>
     <p:spTree>
@@ -24721,7 +25255,7 @@
 </p:sld>
 </file>
 
-<file path=ppt/slides/slide22.xml><?xml version="1.0" encoding="utf-8"?>
+<file path=ppt/slides/slide23.xml><?xml version="1.0" encoding="utf-8"?>
 <p:sld xmlns:a="http://schemas.openxmlformats.org/drawingml/2006/main" xmlns:r="http://schemas.openxmlformats.org/officeDocument/2006/relationships" xmlns:p="http://schemas.openxmlformats.org/presentationml/2006/main">
   <p:cSld>
     <p:spTree>
@@ -24952,7 +25486,7 @@
 </p:sld>
 </file>
 
-<file path=ppt/slides/slide23.xml><?xml version="1.0" encoding="utf-8"?>
+<file path=ppt/slides/slide24.xml><?xml version="1.0" encoding="utf-8"?>
 <p:sld xmlns:a="http://schemas.openxmlformats.org/drawingml/2006/main" xmlns:r="http://schemas.openxmlformats.org/officeDocument/2006/relationships" xmlns:p="http://schemas.openxmlformats.org/presentationml/2006/main">
   <p:cSld>
     <p:spTree>

--- a/Lecture5.pptx
+++ b/Lecture5.pptx
@@ -5,7 +5,7 @@
     <p:sldMasterId id="2147483648" r:id="rId1"/>
   </p:sldMasterIdLst>
   <p:notesMasterIdLst>
-    <p:notesMasterId r:id="rId26"/>
+    <p:notesMasterId r:id="rId27"/>
   </p:notesMasterIdLst>
   <p:sldIdLst>
     <p:sldId id="256" r:id="rId2"/>
@@ -21,31 +21,32 @@
     <p:sldId id="264" r:id="rId12"/>
     <p:sldId id="265" r:id="rId13"/>
     <p:sldId id="266" r:id="rId14"/>
-    <p:sldId id="295" r:id="rId15"/>
-    <p:sldId id="297" r:id="rId16"/>
-    <p:sldId id="296" r:id="rId17"/>
-    <p:sldId id="291" r:id="rId18"/>
-    <p:sldId id="294" r:id="rId19"/>
-    <p:sldId id="267" r:id="rId20"/>
-    <p:sldId id="268" r:id="rId21"/>
-    <p:sldId id="269" r:id="rId22"/>
-    <p:sldId id="270" r:id="rId23"/>
-    <p:sldId id="271" r:id="rId24"/>
-    <p:sldId id="272" r:id="rId25"/>
+    <p:sldId id="298" r:id="rId15"/>
+    <p:sldId id="295" r:id="rId16"/>
+    <p:sldId id="297" r:id="rId17"/>
+    <p:sldId id="296" r:id="rId18"/>
+    <p:sldId id="291" r:id="rId19"/>
+    <p:sldId id="294" r:id="rId20"/>
+    <p:sldId id="267" r:id="rId21"/>
+    <p:sldId id="268" r:id="rId22"/>
+    <p:sldId id="269" r:id="rId23"/>
+    <p:sldId id="270" r:id="rId24"/>
+    <p:sldId id="271" r:id="rId25"/>
+    <p:sldId id="272" r:id="rId26"/>
   </p:sldIdLst>
   <p:sldSz cx="12192000" cy="6858000"/>
   <p:notesSz cx="6858000" cy="9144000"/>
   <p:embeddedFontLst>
     <p:embeddedFont>
       <p:font typeface="Cambria Math" panose="02040503050406030204" pitchFamily="18" charset="0"/>
-      <p:regular r:id="rId27"/>
+      <p:regular r:id="rId28"/>
     </p:embeddedFont>
     <p:embeddedFont>
       <p:font typeface="Century Gothic" panose="020B0502020202020204" pitchFamily="34" charset="0"/>
-      <p:regular r:id="rId28"/>
-      <p:bold r:id="rId29"/>
-      <p:italic r:id="rId30"/>
-      <p:boldItalic r:id="rId31"/>
+      <p:regular r:id="rId29"/>
+      <p:bold r:id="rId30"/>
+      <p:italic r:id="rId31"/>
+      <p:boldItalic r:id="rId32"/>
     </p:embeddedFont>
   </p:embeddedFontLst>
   <p:defaultTextStyle>
@@ -282,7 +283,7 @@
       <p15:sldGuideLst xmlns:p15="http://schemas.microsoft.com/office/powerpoint/2012/main"/>
     </p:ext>
     <p:ext uri="GoogleSlidesCustomDataVersion2">
-      <go:slidesCustomData xmlns="" xmlns:mc="http://schemas.openxmlformats.org/markup-compatibility/2006" xmlns:mv="urn:schemas-microsoft-com:mac:vml" xmlns:c="http://schemas.openxmlformats.org/drawingml/2006/chart" xmlns:dgm="http://schemas.openxmlformats.org/drawingml/2006/diagram" xmlns:o="urn:schemas-microsoft-com:office:office" xmlns:v="urn:schemas-microsoft-com:vml" xmlns:pvml="urn:schemas-microsoft-com:office:powerpoint" xmlns:com="http://schemas.openxmlformats.org/drawingml/2006/compatibility" xmlns:p14="http://schemas.microsoft.com/office/powerpoint/2010/main" xmlns:p15="http://schemas.microsoft.com/office/powerpoint/2012/main" xmlns:ahyp="http://schemas.microsoft.com/office/drawing/2018/hyperlinkcolor" xmlns:go="http://customooxmlschemas.google.com/" r:id="rId39" roundtripDataSignature="AMtx7mhEk3kr15p5MvOwX8Siehu9UxAE2A=="/>
+      <go:slidesCustomData xmlns:go="http://customooxmlschemas.google.com/" xmlns:ahyp="http://schemas.microsoft.com/office/drawing/2018/hyperlinkcolor" xmlns:p15="http://schemas.microsoft.com/office/powerpoint/2012/main" xmlns:p14="http://schemas.microsoft.com/office/powerpoint/2010/main" xmlns:com="http://schemas.openxmlformats.org/drawingml/2006/compatibility" xmlns:pvml="urn:schemas-microsoft-com:office:powerpoint" xmlns:v="urn:schemas-microsoft-com:vml" xmlns:o="urn:schemas-microsoft-com:office:office" xmlns:dgm="http://schemas.openxmlformats.org/drawingml/2006/diagram" xmlns:c="http://schemas.openxmlformats.org/drawingml/2006/chart" xmlns:mv="urn:schemas-microsoft-com:mac:vml" xmlns:mc="http://schemas.openxmlformats.org/markup-compatibility/2006" xmlns="" r:id="rId39" roundtripDataSignature="AMtx7mhEk3kr15p5MvOwX8Siehu9UxAE2A=="/>
     </p:ext>
   </p:extLst>
 </p:presentation>
@@ -2138,7 +2139,7 @@
                 <a:cs typeface="Calibri"/>
                 <a:sym typeface="Calibri"/>
               </a:rPr>
-              <a:t>15</a:t>
+              <a:t>16</a:t>
             </a:fld>
             <a:endParaRPr lang="en-US" sz="1200" b="0" i="0" u="none" strike="noStrike" cap="none">
               <a:solidFill>
@@ -22825,6 +22826,89 @@
           <p:cNvPr id="2" name="Title 1">
             <a:extLst>
               <a:ext uri="{FF2B5EF4-FFF2-40B4-BE49-F238E27FC236}">
+                <a16:creationId xmlns:a16="http://schemas.microsoft.com/office/drawing/2014/main" id="{DA08A023-DCC5-F30B-BC2B-9DB0655F1410}"/>
+              </a:ext>
+            </a:extLst>
+          </p:cNvPr>
+          <p:cNvSpPr>
+            <a:spLocks noGrp="1"/>
+          </p:cNvSpPr>
+          <p:nvPr>
+            <p:ph type="title"/>
+          </p:nvPr>
+        </p:nvSpPr>
+        <p:spPr/>
+        <p:txBody>
+          <a:bodyPr/>
+          <a:lstStyle/>
+          <a:p>
+            <a:r>
+              <a:rPr lang="en-US" dirty="0"/>
+              <a:t>COFFEE!!</a:t>
+            </a:r>
+          </a:p>
+        </p:txBody>
+      </p:sp>
+      <p:sp>
+        <p:nvSpPr>
+          <p:cNvPr id="3" name="Text Placeholder 2">
+            <a:extLst>
+              <a:ext uri="{FF2B5EF4-FFF2-40B4-BE49-F238E27FC236}">
+                <a16:creationId xmlns:a16="http://schemas.microsoft.com/office/drawing/2014/main" id="{2AC919A0-E8C2-AA13-3321-D6E79DA74206}"/>
+              </a:ext>
+            </a:extLst>
+          </p:cNvPr>
+          <p:cNvSpPr>
+            <a:spLocks noGrp="1"/>
+          </p:cNvSpPr>
+          <p:nvPr>
+            <p:ph type="body" idx="1"/>
+          </p:nvPr>
+        </p:nvSpPr>
+        <p:spPr/>
+        <p:txBody>
+          <a:bodyPr/>
+          <a:lstStyle/>
+          <a:p>
+            <a:endParaRPr lang="en-US"/>
+          </a:p>
+        </p:txBody>
+      </p:sp>
+    </p:spTree>
+    <p:extLst>
+      <p:ext uri="{BB962C8B-B14F-4D97-AF65-F5344CB8AC3E}">
+        <p14:creationId xmlns:p14="http://schemas.microsoft.com/office/powerpoint/2010/main" val="1162861093"/>
+      </p:ext>
+    </p:extLst>
+  </p:cSld>
+  <p:clrMapOvr>
+    <a:masterClrMapping/>
+  </p:clrMapOvr>
+</p:sld>
+</file>
+
+<file path=ppt/slides/slide15.xml><?xml version="1.0" encoding="utf-8"?>
+<p:sld xmlns:a="http://schemas.openxmlformats.org/drawingml/2006/main" xmlns:r="http://schemas.openxmlformats.org/officeDocument/2006/relationships" xmlns:p="http://schemas.openxmlformats.org/presentationml/2006/main">
+  <p:cSld>
+    <p:spTree>
+      <p:nvGrpSpPr>
+        <p:cNvPr id="1" name=""/>
+        <p:cNvGrpSpPr/>
+        <p:nvPr/>
+      </p:nvGrpSpPr>
+      <p:grpSpPr>
+        <a:xfrm>
+          <a:off x="0" y="0"/>
+          <a:ext cx="0" cy="0"/>
+          <a:chOff x="0" y="0"/>
+          <a:chExt cx="0" cy="0"/>
+        </a:xfrm>
+      </p:grpSpPr>
+      <p:sp>
+        <p:nvSpPr>
+          <p:cNvPr id="2" name="Title 1">
+            <a:extLst>
+              <a:ext uri="{FF2B5EF4-FFF2-40B4-BE49-F238E27FC236}">
                 <a16:creationId xmlns:a16="http://schemas.microsoft.com/office/drawing/2014/main" id="{B4EE0881-CA31-7EE3-CAAB-5F513D0FA344}"/>
               </a:ext>
             </a:extLst>
@@ -22914,8 +22998,8 @@
           </a:p>
         </p:txBody>
       </p:sp>
-      <mc:AlternateContent xmlns:mc="http://schemas.openxmlformats.org/markup-compatibility/2006">
-        <mc:Choice xmlns:a14="http://schemas.microsoft.com/office/drawing/2010/main" Requires="a14">
+      <mc:AlternateContent xmlns:mc="http://schemas.openxmlformats.org/markup-compatibility/2006" xmlns:a14="http://schemas.microsoft.com/office/drawing/2010/main">
+        <mc:Choice Requires="a14">
           <p:sp>
             <p:nvSpPr>
               <p:cNvPr id="6" name="TextBox 5">
@@ -23013,7 +23097,7 @@
             </p:txBody>
           </p:sp>
         </mc:Choice>
-        <mc:Fallback>
+        <mc:Fallback xmlns="">
           <p:sp>
             <p:nvSpPr>
               <p:cNvPr id="6" name="TextBox 5">
@@ -23101,7 +23185,7 @@
 </p:sld>
 </file>
 
-<file path=ppt/slides/slide15.xml><?xml version="1.0" encoding="utf-8"?>
+<file path=ppt/slides/slide16.xml><?xml version="1.0" encoding="utf-8"?>
 <p:sld xmlns:a="http://schemas.openxmlformats.org/drawingml/2006/main" xmlns:r="http://schemas.openxmlformats.org/officeDocument/2006/relationships" xmlns:p="http://schemas.openxmlformats.org/presentationml/2006/main">
   <p:cSld>
     <p:spTree>
@@ -23157,8 +23241,8 @@
           </a:p>
         </p:txBody>
       </p:sp>
-      <mc:AlternateContent xmlns:mc="http://schemas.openxmlformats.org/markup-compatibility/2006">
-        <mc:Choice xmlns:a14="http://schemas.microsoft.com/office/drawing/2010/main" Requires="a14">
+      <mc:AlternateContent xmlns:mc="http://schemas.openxmlformats.org/markup-compatibility/2006" xmlns:a14="http://schemas.microsoft.com/office/drawing/2010/main">
+        <mc:Choice Requires="a14">
           <p:sp>
             <p:nvSpPr>
               <p:cNvPr id="3" name="Text Placeholder 2">
@@ -23321,7 +23405,7 @@
             </p:txBody>
           </p:sp>
         </mc:Choice>
-        <mc:Fallback>
+        <mc:Fallback xmlns="">
           <p:sp>
             <p:nvSpPr>
               <p:cNvPr id="3" name="Text Placeholder 2">
@@ -23365,8 +23449,8 @@
           </p:sp>
         </mc:Fallback>
       </mc:AlternateContent>
-      <mc:AlternateContent xmlns:mc="http://schemas.openxmlformats.org/markup-compatibility/2006">
-        <mc:Choice xmlns:a14="http://schemas.microsoft.com/office/drawing/2010/main" Requires="a14">
+      <mc:AlternateContent xmlns:mc="http://schemas.openxmlformats.org/markup-compatibility/2006" xmlns:a14="http://schemas.microsoft.com/office/drawing/2010/main">
+        <mc:Choice Requires="a14">
           <p:sp>
             <p:nvSpPr>
               <p:cNvPr id="6" name="TextBox 5">
@@ -23464,7 +23548,7 @@
             </p:txBody>
           </p:sp>
         </mc:Choice>
-        <mc:Fallback>
+        <mc:Fallback xmlns="">
           <p:sp>
             <p:nvSpPr>
               <p:cNvPr id="6" name="TextBox 5">
@@ -23582,7 +23666,7 @@
 </p:sld>
 </file>
 
-<file path=ppt/slides/slide16.xml><?xml version="1.0" encoding="utf-8"?>
+<file path=ppt/slides/slide17.xml><?xml version="1.0" encoding="utf-8"?>
 <p:sld xmlns:a="http://schemas.openxmlformats.org/drawingml/2006/main" xmlns:r="http://schemas.openxmlformats.org/officeDocument/2006/relationships" xmlns:p="http://schemas.openxmlformats.org/presentationml/2006/main">
   <p:cSld>
     <p:spTree>
@@ -23643,15 +23727,101 @@
             <p:ph type="body" idx="1"/>
           </p:nvPr>
         </p:nvSpPr>
-        <p:spPr/>
+        <p:spPr>
+          <a:xfrm>
+            <a:off x="1416837" y="1584760"/>
+            <a:ext cx="5391642" cy="4555200"/>
+          </a:xfrm>
+        </p:spPr>
         <p:txBody>
           <a:bodyPr/>
           <a:lstStyle/>
           <a:p>
-            <a:endParaRPr lang="en-US"/>
+            <a:r>
+              <a:rPr lang="en-US" dirty="0"/>
+              <a:t>Is really similar to Poisson!</a:t>
+            </a:r>
+          </a:p>
+          <a:p>
+            <a:endParaRPr lang="en-US" dirty="0"/>
+          </a:p>
+          <a:p>
+            <a:r>
+              <a:rPr lang="en-US" dirty="0"/>
+              <a:t>It’s just more flexible because the mean does not have to equal to the variance (allows for overdispersion)</a:t>
+            </a:r>
+          </a:p>
+          <a:p>
+            <a:endParaRPr lang="en-US" dirty="0"/>
+          </a:p>
+          <a:p>
+            <a:r>
+              <a:rPr lang="en-US" dirty="0"/>
+              <a:t>Also needs to be back transformed to the biological scale</a:t>
+            </a:r>
           </a:p>
         </p:txBody>
       </p:sp>
+      <p:pic>
+        <p:nvPicPr>
+          <p:cNvPr id="5" name="Picture 4">
+            <a:extLst>
+              <a:ext uri="{FF2B5EF4-FFF2-40B4-BE49-F238E27FC236}">
+                <a16:creationId xmlns:a16="http://schemas.microsoft.com/office/drawing/2014/main" id="{4042D0A6-10AB-5FF3-5487-838995B2BECE}"/>
+              </a:ext>
+            </a:extLst>
+          </p:cNvPr>
+          <p:cNvPicPr>
+            <a:picLocks noChangeAspect="1"/>
+          </p:cNvPicPr>
+          <p:nvPr/>
+        </p:nvPicPr>
+        <p:blipFill>
+          <a:blip r:embed="rId2"/>
+          <a:stretch>
+            <a:fillRect/>
+          </a:stretch>
+        </p:blipFill>
+        <p:spPr>
+          <a:xfrm>
+            <a:off x="7809717" y="0"/>
+            <a:ext cx="3966683" cy="3429000"/>
+          </a:xfrm>
+          <a:prstGeom prst="rect">
+            <a:avLst/>
+          </a:prstGeom>
+        </p:spPr>
+      </p:pic>
+      <p:pic>
+        <p:nvPicPr>
+          <p:cNvPr id="7" name="Picture 6">
+            <a:extLst>
+              <a:ext uri="{FF2B5EF4-FFF2-40B4-BE49-F238E27FC236}">
+                <a16:creationId xmlns:a16="http://schemas.microsoft.com/office/drawing/2014/main" id="{B0FBB21B-CF2E-35D2-6A45-E3E124A5A79A}"/>
+              </a:ext>
+            </a:extLst>
+          </p:cNvPr>
+          <p:cNvPicPr>
+            <a:picLocks noChangeAspect="1"/>
+          </p:cNvPicPr>
+          <p:nvPr/>
+        </p:nvPicPr>
+        <p:blipFill>
+          <a:blip r:embed="rId3"/>
+          <a:stretch>
+            <a:fillRect/>
+          </a:stretch>
+        </p:blipFill>
+        <p:spPr>
+          <a:xfrm>
+            <a:off x="7809716" y="3429000"/>
+            <a:ext cx="3966683" cy="3429000"/>
+          </a:xfrm>
+          <a:prstGeom prst="rect">
+            <a:avLst/>
+          </a:prstGeom>
+        </p:spPr>
+      </p:pic>
     </p:spTree>
     <p:extLst>
       <p:ext uri="{BB962C8B-B14F-4D97-AF65-F5344CB8AC3E}">
@@ -23665,7 +23835,7 @@
 </p:sld>
 </file>
 
-<file path=ppt/slides/slide17.xml><?xml version="1.0" encoding="utf-8"?>
+<file path=ppt/slides/slide18.xml><?xml version="1.0" encoding="utf-8"?>
 <p:sld xmlns:a="http://schemas.openxmlformats.org/drawingml/2006/main" xmlns:r="http://schemas.openxmlformats.org/officeDocument/2006/relationships" xmlns:p="http://schemas.openxmlformats.org/presentationml/2006/main">
   <p:cSld>
     <p:spTree>
@@ -23768,7 +23938,7 @@
 </p:sld>
 </file>
 
-<file path=ppt/slides/slide18.xml><?xml version="1.0" encoding="utf-8"?>
+<file path=ppt/slides/slide19.xml><?xml version="1.0" encoding="utf-8"?>
 <p:sld xmlns:a="http://schemas.openxmlformats.org/drawingml/2006/main" xmlns:r="http://schemas.openxmlformats.org/officeDocument/2006/relationships" xmlns:p="http://schemas.openxmlformats.org/presentationml/2006/main">
   <p:cSld>
     <p:spTree>
@@ -23841,142 +24011,6 @@
         <p14:creationId xmlns:p14="http://schemas.microsoft.com/office/powerpoint/2010/main" val="1737215669"/>
       </p:ext>
     </p:extLst>
-  </p:cSld>
-  <p:clrMapOvr>
-    <a:masterClrMapping/>
-  </p:clrMapOvr>
-</p:sld>
-</file>
-
-<file path=ppt/slides/slide19.xml><?xml version="1.0" encoding="utf-8"?>
-<p:sld xmlns:a="http://schemas.openxmlformats.org/drawingml/2006/main" xmlns:r="http://schemas.openxmlformats.org/officeDocument/2006/relationships" xmlns:p="http://schemas.openxmlformats.org/presentationml/2006/main">
-  <p:cSld>
-    <p:spTree>
-      <p:nvGrpSpPr>
-        <p:cNvPr id="1" name="Shape 144"/>
-        <p:cNvGrpSpPr/>
-        <p:nvPr/>
-      </p:nvGrpSpPr>
-      <p:grpSpPr>
-        <a:xfrm>
-          <a:off x="0" y="0"/>
-          <a:ext cx="0" cy="0"/>
-          <a:chOff x="0" y="0"/>
-          <a:chExt cx="0" cy="0"/>
-        </a:xfrm>
-      </p:grpSpPr>
-      <p:sp>
-        <p:nvSpPr>
-          <p:cNvPr id="145" name="Google Shape;145;p24"/>
-          <p:cNvSpPr txBox="1"/>
-          <p:nvPr/>
-        </p:nvSpPr>
-        <p:spPr>
-          <a:xfrm>
-            <a:off x="1881367" y="2359400"/>
-            <a:ext cx="8586400" cy="1571200"/>
-          </a:xfrm>
-          <a:prstGeom prst="rect">
-            <a:avLst/>
-          </a:prstGeom>
-          <a:noFill/>
-          <a:ln>
-            <a:noFill/>
-          </a:ln>
-        </p:spPr>
-        <p:txBody>
-          <a:bodyPr spcFirstLastPara="1" wrap="square" lIns="121900" tIns="121900" rIns="121900" bIns="121900" anchor="t" anchorCtr="0">
-            <a:noAutofit/>
-          </a:bodyPr>
-          <a:lstStyle/>
-          <a:p>
-            <a:pPr algn="ctr"/>
-            <a:r>
-              <a:rPr lang="en-GB" sz="3333"/>
-              <a:t>Why don’t we just use odds ratio for analyses if it’s more directly interpretable? </a:t>
-            </a:r>
-            <a:endParaRPr sz="3333"/>
-          </a:p>
-        </p:txBody>
-      </p:sp>
-      <p:sp>
-        <p:nvSpPr>
-          <p:cNvPr id="146" name="Google Shape;146;p24"/>
-          <p:cNvSpPr txBox="1"/>
-          <p:nvPr/>
-        </p:nvSpPr>
-        <p:spPr>
-          <a:xfrm>
-            <a:off x="4736600" y="3725233"/>
-            <a:ext cx="2718800" cy="784400"/>
-          </a:xfrm>
-          <a:prstGeom prst="rect">
-            <a:avLst/>
-          </a:prstGeom>
-          <a:noFill/>
-          <a:ln>
-            <a:noFill/>
-          </a:ln>
-        </p:spPr>
-        <p:txBody>
-          <a:bodyPr spcFirstLastPara="1" wrap="square" lIns="121900" tIns="121900" rIns="121900" bIns="121900" anchor="t" anchorCtr="0">
-            <a:noAutofit/>
-          </a:bodyPr>
-          <a:lstStyle/>
-          <a:p>
-            <a:r>
-              <a:rPr lang="en-GB" sz="2400">
-                <a:solidFill>
-                  <a:schemeClr val="dk2"/>
-                </a:solidFill>
-              </a:rPr>
-              <a:t>e.g. meta-analysis </a:t>
-            </a:r>
-            <a:endParaRPr sz="2400">
-              <a:solidFill>
-                <a:schemeClr val="dk2"/>
-              </a:solidFill>
-            </a:endParaRPr>
-          </a:p>
-        </p:txBody>
-      </p:sp>
-      <p:sp>
-        <p:nvSpPr>
-          <p:cNvPr id="2" name="TextBox 1">
-            <a:extLst>
-              <a:ext uri="{FF2B5EF4-FFF2-40B4-BE49-F238E27FC236}">
-                <a16:creationId xmlns:a16="http://schemas.microsoft.com/office/drawing/2014/main" id="{63BCC55D-4D74-FED4-F8F5-918341F50022}"/>
-              </a:ext>
-            </a:extLst>
-          </p:cNvPr>
-          <p:cNvSpPr txBox="1"/>
-          <p:nvPr/>
-        </p:nvSpPr>
-        <p:spPr>
-          <a:xfrm>
-            <a:off x="9339470" y="6550223"/>
-            <a:ext cx="2852530" cy="307777"/>
-          </a:xfrm>
-          <a:prstGeom prst="rect">
-            <a:avLst/>
-          </a:prstGeom>
-          <a:noFill/>
-        </p:spPr>
-        <p:txBody>
-          <a:bodyPr wrap="square" rtlCol="0">
-            <a:spAutoFit/>
-          </a:bodyPr>
-          <a:lstStyle/>
-          <a:p>
-            <a:pPr algn="r"/>
-            <a:r>
-              <a:rPr lang="en-US" dirty="0"/>
-              <a:t>Slides thanks to Shirley Chen </a:t>
-            </a:r>
-          </a:p>
-        </p:txBody>
-      </p:sp>
-    </p:spTree>
   </p:cSld>
   <p:clrMapOvr>
     <a:masterClrMapping/>
@@ -24143,6 +24177,142 @@
 </file>
 
 <file path=ppt/slides/slide20.xml><?xml version="1.0" encoding="utf-8"?>
+<p:sld xmlns:a="http://schemas.openxmlformats.org/drawingml/2006/main" xmlns:r="http://schemas.openxmlformats.org/officeDocument/2006/relationships" xmlns:p="http://schemas.openxmlformats.org/presentationml/2006/main">
+  <p:cSld>
+    <p:spTree>
+      <p:nvGrpSpPr>
+        <p:cNvPr id="1" name="Shape 144"/>
+        <p:cNvGrpSpPr/>
+        <p:nvPr/>
+      </p:nvGrpSpPr>
+      <p:grpSpPr>
+        <a:xfrm>
+          <a:off x="0" y="0"/>
+          <a:ext cx="0" cy="0"/>
+          <a:chOff x="0" y="0"/>
+          <a:chExt cx="0" cy="0"/>
+        </a:xfrm>
+      </p:grpSpPr>
+      <p:sp>
+        <p:nvSpPr>
+          <p:cNvPr id="145" name="Google Shape;145;p24"/>
+          <p:cNvSpPr txBox="1"/>
+          <p:nvPr/>
+        </p:nvSpPr>
+        <p:spPr>
+          <a:xfrm>
+            <a:off x="1881367" y="2359400"/>
+            <a:ext cx="8586400" cy="1571200"/>
+          </a:xfrm>
+          <a:prstGeom prst="rect">
+            <a:avLst/>
+          </a:prstGeom>
+          <a:noFill/>
+          <a:ln>
+            <a:noFill/>
+          </a:ln>
+        </p:spPr>
+        <p:txBody>
+          <a:bodyPr spcFirstLastPara="1" wrap="square" lIns="121900" tIns="121900" rIns="121900" bIns="121900" anchor="t" anchorCtr="0">
+            <a:noAutofit/>
+          </a:bodyPr>
+          <a:lstStyle/>
+          <a:p>
+            <a:pPr algn="ctr"/>
+            <a:r>
+              <a:rPr lang="en-GB" sz="3333"/>
+              <a:t>Why don’t we just use odds ratio for analyses if it’s more directly interpretable? </a:t>
+            </a:r>
+            <a:endParaRPr sz="3333"/>
+          </a:p>
+        </p:txBody>
+      </p:sp>
+      <p:sp>
+        <p:nvSpPr>
+          <p:cNvPr id="146" name="Google Shape;146;p24"/>
+          <p:cNvSpPr txBox="1"/>
+          <p:nvPr/>
+        </p:nvSpPr>
+        <p:spPr>
+          <a:xfrm>
+            <a:off x="4736600" y="3725233"/>
+            <a:ext cx="2718800" cy="784400"/>
+          </a:xfrm>
+          <a:prstGeom prst="rect">
+            <a:avLst/>
+          </a:prstGeom>
+          <a:noFill/>
+          <a:ln>
+            <a:noFill/>
+          </a:ln>
+        </p:spPr>
+        <p:txBody>
+          <a:bodyPr spcFirstLastPara="1" wrap="square" lIns="121900" tIns="121900" rIns="121900" bIns="121900" anchor="t" anchorCtr="0">
+            <a:noAutofit/>
+          </a:bodyPr>
+          <a:lstStyle/>
+          <a:p>
+            <a:r>
+              <a:rPr lang="en-GB" sz="2400">
+                <a:solidFill>
+                  <a:schemeClr val="dk2"/>
+                </a:solidFill>
+              </a:rPr>
+              <a:t>e.g. meta-analysis </a:t>
+            </a:r>
+            <a:endParaRPr sz="2400">
+              <a:solidFill>
+                <a:schemeClr val="dk2"/>
+              </a:solidFill>
+            </a:endParaRPr>
+          </a:p>
+        </p:txBody>
+      </p:sp>
+      <p:sp>
+        <p:nvSpPr>
+          <p:cNvPr id="2" name="TextBox 1">
+            <a:extLst>
+              <a:ext uri="{FF2B5EF4-FFF2-40B4-BE49-F238E27FC236}">
+                <a16:creationId xmlns:a16="http://schemas.microsoft.com/office/drawing/2014/main" id="{63BCC55D-4D74-FED4-F8F5-918341F50022}"/>
+              </a:ext>
+            </a:extLst>
+          </p:cNvPr>
+          <p:cNvSpPr txBox="1"/>
+          <p:nvPr/>
+        </p:nvSpPr>
+        <p:spPr>
+          <a:xfrm>
+            <a:off x="9339470" y="6550223"/>
+            <a:ext cx="2852530" cy="307777"/>
+          </a:xfrm>
+          <a:prstGeom prst="rect">
+            <a:avLst/>
+          </a:prstGeom>
+          <a:noFill/>
+        </p:spPr>
+        <p:txBody>
+          <a:bodyPr wrap="square" rtlCol="0">
+            <a:spAutoFit/>
+          </a:bodyPr>
+          <a:lstStyle/>
+          <a:p>
+            <a:pPr algn="r"/>
+            <a:r>
+              <a:rPr lang="en-US" dirty="0"/>
+              <a:t>Slides thanks to Shirley Chen </a:t>
+            </a:r>
+          </a:p>
+        </p:txBody>
+      </p:sp>
+    </p:spTree>
+  </p:cSld>
+  <p:clrMapOvr>
+    <a:masterClrMapping/>
+  </p:clrMapOvr>
+</p:sld>
+</file>
+
+<file path=ppt/slides/slide21.xml><?xml version="1.0" encoding="utf-8"?>
 <p:sld xmlns:a="http://schemas.openxmlformats.org/drawingml/2006/main" xmlns:r="http://schemas.openxmlformats.org/officeDocument/2006/relationships" xmlns:p="http://schemas.openxmlformats.org/presentationml/2006/main">
   <p:cSld>
     <p:spTree>
@@ -24511,7 +24681,7 @@
 </p:sld>
 </file>
 
-<file path=ppt/slides/slide21.xml><?xml version="1.0" encoding="utf-8"?>
+<file path=ppt/slides/slide22.xml><?xml version="1.0" encoding="utf-8"?>
 <p:sld xmlns:a="http://schemas.openxmlformats.org/drawingml/2006/main" xmlns:r="http://schemas.openxmlformats.org/officeDocument/2006/relationships" xmlns:p="http://schemas.openxmlformats.org/presentationml/2006/main">
   <p:cSld>
     <p:spTree>
@@ -25104,7 +25274,7 @@
 </p:sld>
 </file>
 
-<file path=ppt/slides/slide22.xml><?xml version="1.0" encoding="utf-8"?>
+<file path=ppt/slides/slide23.xml><?xml version="1.0" encoding="utf-8"?>
 <p:sld xmlns:a="http://schemas.openxmlformats.org/drawingml/2006/main" xmlns:r="http://schemas.openxmlformats.org/officeDocument/2006/relationships" xmlns:p="http://schemas.openxmlformats.org/presentationml/2006/main">
   <p:cSld>
     <p:spTree>
@@ -25255,7 +25425,7 @@
 </p:sld>
 </file>
 
-<file path=ppt/slides/slide23.xml><?xml version="1.0" encoding="utf-8"?>
+<file path=ppt/slides/slide24.xml><?xml version="1.0" encoding="utf-8"?>
 <p:sld xmlns:a="http://schemas.openxmlformats.org/drawingml/2006/main" xmlns:r="http://schemas.openxmlformats.org/officeDocument/2006/relationships" xmlns:p="http://schemas.openxmlformats.org/presentationml/2006/main">
   <p:cSld>
     <p:spTree>
@@ -25486,7 +25656,7 @@
 </p:sld>
 </file>
 
-<file path=ppt/slides/slide24.xml><?xml version="1.0" encoding="utf-8"?>
+<file path=ppt/slides/slide25.xml><?xml version="1.0" encoding="utf-8"?>
 <p:sld xmlns:a="http://schemas.openxmlformats.org/drawingml/2006/main" xmlns:r="http://schemas.openxmlformats.org/officeDocument/2006/relationships" xmlns:p="http://schemas.openxmlformats.org/presentationml/2006/main">
   <p:cSld>
     <p:spTree>
